--- a/Linear_Regression/Linear_Regression.pptx
+++ b/Linear_Regression/Linear_Regression.pptx
@@ -1,15 +1,22 @@
 
 <file path=ppt/presentation.xml><?xml version="1.0" encoding="utf-8"?>
-<p:presentation xmlns:a="http://schemas.openxmlformats.org/drawingml/2006/main" xmlns:r="http://schemas.openxmlformats.org/officeDocument/2006/relationships" xmlns:p="http://schemas.openxmlformats.org/presentationml/2006/main" saveSubsetFonts="1">
+<p:presentation xmlns:a="http://schemas.openxmlformats.org/drawingml/2006/main" xmlns:r="http://schemas.openxmlformats.org/officeDocument/2006/relationships" xmlns:p="http://schemas.openxmlformats.org/presentationml/2006/main" showSpecialPlsOnTitleSld="0" saveSubsetFonts="1">
   <p:sldMasterIdLst>
     <p:sldMasterId id="2147483660" r:id="rId1"/>
   </p:sldMasterIdLst>
   <p:notesMasterIdLst>
-    <p:notesMasterId r:id="rId4"/>
+    <p:notesMasterId r:id="rId11"/>
   </p:notesMasterIdLst>
   <p:sldIdLst>
-    <p:sldId id="256" r:id="rId2"/>
-    <p:sldId id="257" r:id="rId3"/>
+    <p:sldId id="257" r:id="rId2"/>
+    <p:sldId id="259" r:id="rId3"/>
+    <p:sldId id="258" r:id="rId4"/>
+    <p:sldId id="260" r:id="rId5"/>
+    <p:sldId id="261" r:id="rId6"/>
+    <p:sldId id="263" r:id="rId7"/>
+    <p:sldId id="262" r:id="rId8"/>
+    <p:sldId id="265" r:id="rId9"/>
+    <p:sldId id="264" r:id="rId10"/>
   </p:sldIdLst>
   <p:sldSz cx="9144000" cy="6858000" type="screen4x3"/>
   <p:notesSz cx="6858000" cy="9144000"/>
@@ -108,6 +115,22 @@
       </a:defRPr>
     </a:lvl9pPr>
   </p:defaultTextStyle>
+  <p:extLst>
+    <p:ext uri="{EFAFB233-063F-42B5-8137-9DF3F51BA10A}">
+      <p15:sldGuideLst xmlns:p15="http://schemas.microsoft.com/office/powerpoint/2012/main">
+        <p15:guide id="1" orient="horz" pos="2160">
+          <p15:clr>
+            <a:srgbClr val="A4A3A4"/>
+          </p15:clr>
+        </p15:guide>
+        <p15:guide id="2" pos="2880">
+          <p15:clr>
+            <a:srgbClr val="A4A3A4"/>
+          </p15:clr>
+        </p15:guide>
+      </p15:sldGuideLst>
+    </p:ext>
+  </p:extLst>
 </p:presentation>
 </file>
 
@@ -193,7 +216,7 @@
           <a:p>
             <a:fld id="{41D4B5DB-F019-4C1F-87A3-AD0F8FD7FF76}" type="datetimeFigureOut">
               <a:rPr lang="en-US" smtClean="0"/>
-              <a:t>12/29/2018</a:t>
+              <a:t>1/3/2019</a:t>
             </a:fld>
             <a:endParaRPr lang="en-US"/>
           </a:p>
@@ -640,9 +663,9 @@
           <a:bodyPr/>
           <a:lstStyle/>
           <a:p>
-            <a:fld id="{5F41C6F5-F578-4B1F-98A6-6005BF8954DD}" type="datetimeFigureOut">
+            <a:fld id="{3EE37935-7B22-422C-8F09-787DDD7F74CF}" type="datetime3">
               <a:rPr lang="en-US" smtClean="0"/>
-              <a:t>12/29/2018</a:t>
+              <a:t>3 January 2019</a:t>
             </a:fld>
             <a:endParaRPr lang="en-US"/>
           </a:p>
@@ -663,6 +686,10 @@
           <a:bodyPr/>
           <a:lstStyle/>
           <a:p>
+            <a:r>
+              <a:rPr lang="en-US" smtClean="0"/>
+              <a:t>sai Prasad Ashila</a:t>
+            </a:r>
             <a:endParaRPr lang="en-US"/>
           </a:p>
         </p:txBody>
@@ -812,9 +839,9 @@
           <a:bodyPr/>
           <a:lstStyle/>
           <a:p>
-            <a:fld id="{5F41C6F5-F578-4B1F-98A6-6005BF8954DD}" type="datetimeFigureOut">
+            <a:fld id="{78D7FADB-D966-415E-ACB7-85192BB96078}" type="datetime3">
               <a:rPr lang="en-US" smtClean="0"/>
-              <a:t>12/29/2018</a:t>
+              <a:t>3 January 2019</a:t>
             </a:fld>
             <a:endParaRPr lang="en-US"/>
           </a:p>
@@ -835,6 +862,10 @@
           <a:bodyPr/>
           <a:lstStyle/>
           <a:p>
+            <a:r>
+              <a:rPr lang="en-US" smtClean="0"/>
+              <a:t>sai Prasad Ashila</a:t>
+            </a:r>
             <a:endParaRPr lang="en-US"/>
           </a:p>
         </p:txBody>
@@ -987,9 +1018,9 @@
           <a:bodyPr/>
           <a:lstStyle/>
           <a:p>
-            <a:fld id="{5F41C6F5-F578-4B1F-98A6-6005BF8954DD}" type="datetimeFigureOut">
+            <a:fld id="{FB639BA1-7AA3-478A-9518-D721DADEF169}" type="datetime3">
               <a:rPr lang="en-US" smtClean="0"/>
-              <a:t>12/29/2018</a:t>
+              <a:t>3 January 2019</a:t>
             </a:fld>
             <a:endParaRPr lang="en-US"/>
           </a:p>
@@ -1010,6 +1041,10 @@
           <a:bodyPr/>
           <a:lstStyle/>
           <a:p>
+            <a:r>
+              <a:rPr lang="en-US" smtClean="0"/>
+              <a:t>sai Prasad Ashila</a:t>
+            </a:r>
             <a:endParaRPr lang="en-US"/>
           </a:p>
         </p:txBody>
@@ -1152,9 +1187,9 @@
           <a:bodyPr/>
           <a:lstStyle/>
           <a:p>
-            <a:fld id="{5F41C6F5-F578-4B1F-98A6-6005BF8954DD}" type="datetimeFigureOut">
+            <a:fld id="{DBB841AE-9C10-4D54-9B76-4773DF3EF110}" type="datetime3">
               <a:rPr lang="en-US" smtClean="0"/>
-              <a:t>12/29/2018</a:t>
+              <a:t>3 January 2019</a:t>
             </a:fld>
             <a:endParaRPr lang="en-US"/>
           </a:p>
@@ -1175,6 +1210,10 @@
           <a:bodyPr/>
           <a:lstStyle/>
           <a:p>
+            <a:r>
+              <a:rPr lang="en-US" smtClean="0"/>
+              <a:t>sai Prasad Ashila</a:t>
+            </a:r>
             <a:endParaRPr lang="en-US"/>
           </a:p>
         </p:txBody>
@@ -1400,9 +1439,9 @@
           <a:bodyPr/>
           <a:lstStyle/>
           <a:p>
-            <a:fld id="{5F41C6F5-F578-4B1F-98A6-6005BF8954DD}" type="datetimeFigureOut">
+            <a:fld id="{2862D8DA-B86B-4001-BAC0-7F86A3FAAD5E}" type="datetime3">
               <a:rPr lang="en-US" smtClean="0"/>
-              <a:t>12/29/2018</a:t>
+              <a:t>3 January 2019</a:t>
             </a:fld>
             <a:endParaRPr lang="en-US"/>
           </a:p>
@@ -1423,6 +1462,10 @@
           <a:bodyPr/>
           <a:lstStyle/>
           <a:p>
+            <a:r>
+              <a:rPr lang="en-US" smtClean="0"/>
+              <a:t>sai Prasad Ashila</a:t>
+            </a:r>
             <a:endParaRPr lang="en-US"/>
           </a:p>
         </p:txBody>
@@ -1683,9 +1726,9 @@
           <a:bodyPr/>
           <a:lstStyle/>
           <a:p>
-            <a:fld id="{5F41C6F5-F578-4B1F-98A6-6005BF8954DD}" type="datetimeFigureOut">
+            <a:fld id="{E583F398-2CA7-4683-8097-4CDA4C6D6767}" type="datetime3">
               <a:rPr lang="en-US" smtClean="0"/>
-              <a:t>12/29/2018</a:t>
+              <a:t>3 January 2019</a:t>
             </a:fld>
             <a:endParaRPr lang="en-US"/>
           </a:p>
@@ -1706,6 +1749,10 @@
           <a:bodyPr/>
           <a:lstStyle/>
           <a:p>
+            <a:r>
+              <a:rPr lang="en-US" smtClean="0"/>
+              <a:t>sai Prasad Ashila</a:t>
+            </a:r>
             <a:endParaRPr lang="en-US"/>
           </a:p>
         </p:txBody>
@@ -2100,9 +2147,9 @@
           <a:bodyPr/>
           <a:lstStyle/>
           <a:p>
-            <a:fld id="{5F41C6F5-F578-4B1F-98A6-6005BF8954DD}" type="datetimeFigureOut">
+            <a:fld id="{A16AA0DA-58A5-47B8-9AA6-65A8922C5F10}" type="datetime3">
               <a:rPr lang="en-US" smtClean="0"/>
-              <a:t>12/29/2018</a:t>
+              <a:t>3 January 2019</a:t>
             </a:fld>
             <a:endParaRPr lang="en-US"/>
           </a:p>
@@ -2123,6 +2170,10 @@
           <a:bodyPr/>
           <a:lstStyle/>
           <a:p>
+            <a:r>
+              <a:rPr lang="en-US" smtClean="0"/>
+              <a:t>sai Prasad Ashila</a:t>
+            </a:r>
             <a:endParaRPr lang="en-US"/>
           </a:p>
         </p:txBody>
@@ -2213,9 +2264,9 @@
           <a:bodyPr/>
           <a:lstStyle/>
           <a:p>
-            <a:fld id="{5F41C6F5-F578-4B1F-98A6-6005BF8954DD}" type="datetimeFigureOut">
+            <a:fld id="{7B777E57-CB01-4A56-AF3C-582035F19564}" type="datetime3">
               <a:rPr lang="en-US" smtClean="0"/>
-              <a:t>12/29/2018</a:t>
+              <a:t>3 January 2019</a:t>
             </a:fld>
             <a:endParaRPr lang="en-US"/>
           </a:p>
@@ -2236,6 +2287,10 @@
           <a:bodyPr/>
           <a:lstStyle/>
           <a:p>
+            <a:r>
+              <a:rPr lang="en-US" smtClean="0"/>
+              <a:t>sai Prasad Ashila</a:t>
+            </a:r>
             <a:endParaRPr lang="en-US"/>
           </a:p>
         </p:txBody>
@@ -2303,9 +2358,9 @@
           <a:bodyPr/>
           <a:lstStyle/>
           <a:p>
-            <a:fld id="{5F41C6F5-F578-4B1F-98A6-6005BF8954DD}" type="datetimeFigureOut">
+            <a:fld id="{667E452A-934D-40C9-A05F-5F0B47D9B1BE}" type="datetime3">
               <a:rPr lang="en-US" smtClean="0"/>
-              <a:t>12/29/2018</a:t>
+              <a:t>3 January 2019</a:t>
             </a:fld>
             <a:endParaRPr lang="en-US"/>
           </a:p>
@@ -2326,6 +2381,10 @@
           <a:bodyPr/>
           <a:lstStyle/>
           <a:p>
+            <a:r>
+              <a:rPr lang="en-US" smtClean="0"/>
+              <a:t>sai Prasad Ashila</a:t>
+            </a:r>
             <a:endParaRPr lang="en-US"/>
           </a:p>
         </p:txBody>
@@ -2575,9 +2634,9 @@
           <a:bodyPr/>
           <a:lstStyle/>
           <a:p>
-            <a:fld id="{5F41C6F5-F578-4B1F-98A6-6005BF8954DD}" type="datetimeFigureOut">
+            <a:fld id="{AFCC67AD-16EA-4279-9FD5-03750FA40BC5}" type="datetime3">
               <a:rPr lang="en-US" smtClean="0"/>
-              <a:t>12/29/2018</a:t>
+              <a:t>3 January 2019</a:t>
             </a:fld>
             <a:endParaRPr lang="en-US"/>
           </a:p>
@@ -2598,6 +2657,10 @@
           <a:bodyPr/>
           <a:lstStyle/>
           <a:p>
+            <a:r>
+              <a:rPr lang="en-US" smtClean="0"/>
+              <a:t>sai Prasad Ashila</a:t>
+            </a:r>
             <a:endParaRPr lang="en-US"/>
           </a:p>
         </p:txBody>
@@ -2827,9 +2890,9 @@
           <a:bodyPr/>
           <a:lstStyle/>
           <a:p>
-            <a:fld id="{5F41C6F5-F578-4B1F-98A6-6005BF8954DD}" type="datetimeFigureOut">
+            <a:fld id="{6F911296-BF79-4BB8-91F8-72E28EDE251C}" type="datetime3">
               <a:rPr lang="en-US" smtClean="0"/>
-              <a:t>12/29/2018</a:t>
+              <a:t>3 January 2019</a:t>
             </a:fld>
             <a:endParaRPr lang="en-US"/>
           </a:p>
@@ -2850,6 +2913,10 @@
           <a:bodyPr/>
           <a:lstStyle/>
           <a:p>
+            <a:r>
+              <a:rPr lang="en-US" smtClean="0"/>
+              <a:t>sai Prasad Ashila</a:t>
+            </a:r>
             <a:endParaRPr lang="en-US"/>
           </a:p>
         </p:txBody>
@@ -3033,9 +3100,9 @@
             </a:lvl1pPr>
           </a:lstStyle>
           <a:p>
-            <a:fld id="{5F41C6F5-F578-4B1F-98A6-6005BF8954DD}" type="datetimeFigureOut">
+            <a:fld id="{5F85A312-81D8-487B-A306-904DF3A50E08}" type="datetime3">
               <a:rPr lang="en-US" smtClean="0"/>
-              <a:t>12/29/2018</a:t>
+              <a:t>3 January 2019</a:t>
             </a:fld>
             <a:endParaRPr lang="en-US"/>
           </a:p>
@@ -3072,6 +3139,10 @@
             </a:lvl1pPr>
           </a:lstStyle>
           <a:p>
+            <a:r>
+              <a:rPr lang="en-US" smtClean="0"/>
+              <a:t>sai Prasad Ashila</a:t>
+            </a:r>
             <a:endParaRPr lang="en-US"/>
           </a:p>
         </p:txBody>
@@ -3204,6 +3275,7 @@
     <p:sldLayoutId id="2147483670" r:id="rId10"/>
     <p:sldLayoutId id="2147483671" r:id="rId11"/>
   </p:sldLayoutIdLst>
+  <p:hf hdr="0"/>
   <p:txStyles>
     <p:titleStyle>
       <a:lvl1pPr algn="l" defTabSz="914400" rtl="0" eaLnBrk="1" latinLnBrk="0" hangingPunct="1">
@@ -3476,1716 +3548,6 @@
       </p:grpSpPr>
       <p:sp>
         <p:nvSpPr>
-          <p:cNvPr id="7" name="Title 1"/>
-          <p:cNvSpPr>
-            <a:spLocks noGrp="1"/>
-          </p:cNvSpPr>
-          <p:nvPr/>
-        </p:nvSpPr>
-        <p:spPr>
-          <a:xfrm>
-            <a:off x="495300" y="1118348"/>
-            <a:ext cx="7467600" cy="838200"/>
-          </a:xfrm>
-          <a:prstGeom prst="rect">
-            <a:avLst/>
-          </a:prstGeom>
-        </p:spPr>
-        <p:txBody>
-          <a:bodyPr vert="horz" lIns="91440" tIns="45720" rIns="91440" bIns="45720" rtlCol="0" anchor="ctr">
-            <a:normAutofit/>
-          </a:bodyPr>
-          <a:lstStyle>
-            <a:lvl1pPr algn="l" defTabSz="914400" rtl="0" eaLnBrk="1" latinLnBrk="0" hangingPunct="1">
-              <a:spcBef>
-                <a:spcPct val="0"/>
-              </a:spcBef>
-              <a:buNone/>
-              <a:defRPr sz="4400" kern="1200">
-                <a:solidFill>
-                  <a:schemeClr val="tx1"/>
-                </a:solidFill>
-                <a:latin typeface="+mj-lt"/>
-                <a:ea typeface="+mj-ea"/>
-                <a:cs typeface="+mj-cs"/>
-              </a:defRPr>
-            </a:lvl1pPr>
-          </a:lstStyle>
-          <a:p>
-            <a:r>
-              <a:rPr lang="en-US" dirty="0" smtClean="0">
-                <a:solidFill>
-                  <a:schemeClr val="accent1">
-                    <a:lumMod val="75000"/>
-                  </a:schemeClr>
-                </a:solidFill>
-              </a:rPr>
-              <a:t>Linear Regression</a:t>
-            </a:r>
-            <a:endParaRPr lang="en-US" dirty="0">
-              <a:solidFill>
-                <a:schemeClr val="accent1">
-                  <a:lumMod val="75000"/>
-                </a:schemeClr>
-              </a:solidFill>
-            </a:endParaRPr>
-          </a:p>
-        </p:txBody>
-      </p:sp>
-      <p:sp>
-        <p:nvSpPr>
-          <p:cNvPr id="8" name="TextBox 21"/>
-          <p:cNvSpPr txBox="1"/>
-          <p:nvPr/>
-        </p:nvSpPr>
-        <p:spPr>
-          <a:xfrm>
-            <a:off x="4991100" y="2794748"/>
-            <a:ext cx="3657600" cy="1508105"/>
-          </a:xfrm>
-          <a:prstGeom prst="rect">
-            <a:avLst/>
-          </a:prstGeom>
-          <a:noFill/>
-        </p:spPr>
-        <p:txBody>
-          <a:bodyPr wrap="square" rtlCol="0">
-            <a:spAutoFit/>
-            <a:scene3d>
-              <a:camera prst="orthographicFront"/>
-              <a:lightRig rig="threePt" dir="t"/>
-            </a:scene3d>
-            <a:sp3d extrusionH="57150">
-              <a:bevelT w="38100" h="38100"/>
-            </a:sp3d>
-          </a:bodyPr>
-          <a:lstStyle>
-            <a:defPPr>
-              <a:defRPr lang="en-US"/>
-            </a:defPPr>
-            <a:lvl1pPr marL="0" algn="l" defTabSz="914400" rtl="0" eaLnBrk="1" latinLnBrk="0" hangingPunct="1">
-              <a:defRPr sz="1800" kern="1200">
-                <a:solidFill>
-                  <a:schemeClr val="tx1"/>
-                </a:solidFill>
-                <a:latin typeface="+mn-lt"/>
-                <a:ea typeface="+mn-ea"/>
-                <a:cs typeface="+mn-cs"/>
-              </a:defRPr>
-            </a:lvl1pPr>
-            <a:lvl2pPr marL="457200" algn="l" defTabSz="914400" rtl="0" eaLnBrk="1" latinLnBrk="0" hangingPunct="1">
-              <a:defRPr sz="1800" kern="1200">
-                <a:solidFill>
-                  <a:schemeClr val="tx1"/>
-                </a:solidFill>
-                <a:latin typeface="+mn-lt"/>
-                <a:ea typeface="+mn-ea"/>
-                <a:cs typeface="+mn-cs"/>
-              </a:defRPr>
-            </a:lvl2pPr>
-            <a:lvl3pPr marL="914400" algn="l" defTabSz="914400" rtl="0" eaLnBrk="1" latinLnBrk="0" hangingPunct="1">
-              <a:defRPr sz="1800" kern="1200">
-                <a:solidFill>
-                  <a:schemeClr val="tx1"/>
-                </a:solidFill>
-                <a:latin typeface="+mn-lt"/>
-                <a:ea typeface="+mn-ea"/>
-                <a:cs typeface="+mn-cs"/>
-              </a:defRPr>
-            </a:lvl3pPr>
-            <a:lvl4pPr marL="1371600" algn="l" defTabSz="914400" rtl="0" eaLnBrk="1" latinLnBrk="0" hangingPunct="1">
-              <a:defRPr sz="1800" kern="1200">
-                <a:solidFill>
-                  <a:schemeClr val="tx1"/>
-                </a:solidFill>
-                <a:latin typeface="+mn-lt"/>
-                <a:ea typeface="+mn-ea"/>
-                <a:cs typeface="+mn-cs"/>
-              </a:defRPr>
-            </a:lvl4pPr>
-            <a:lvl5pPr marL="1828800" algn="l" defTabSz="914400" rtl="0" eaLnBrk="1" latinLnBrk="0" hangingPunct="1">
-              <a:defRPr sz="1800" kern="1200">
-                <a:solidFill>
-                  <a:schemeClr val="tx1"/>
-                </a:solidFill>
-                <a:latin typeface="+mn-lt"/>
-                <a:ea typeface="+mn-ea"/>
-                <a:cs typeface="+mn-cs"/>
-              </a:defRPr>
-            </a:lvl5pPr>
-            <a:lvl6pPr marL="2286000" algn="l" defTabSz="914400" rtl="0" eaLnBrk="1" latinLnBrk="0" hangingPunct="1">
-              <a:defRPr sz="1800" kern="1200">
-                <a:solidFill>
-                  <a:schemeClr val="tx1"/>
-                </a:solidFill>
-                <a:latin typeface="+mn-lt"/>
-                <a:ea typeface="+mn-ea"/>
-                <a:cs typeface="+mn-cs"/>
-              </a:defRPr>
-            </a:lvl6pPr>
-            <a:lvl7pPr marL="2743200" algn="l" defTabSz="914400" rtl="0" eaLnBrk="1" latinLnBrk="0" hangingPunct="1">
-              <a:defRPr sz="1800" kern="1200">
-                <a:solidFill>
-                  <a:schemeClr val="tx1"/>
-                </a:solidFill>
-                <a:latin typeface="+mn-lt"/>
-                <a:ea typeface="+mn-ea"/>
-                <a:cs typeface="+mn-cs"/>
-              </a:defRPr>
-            </a:lvl7pPr>
-            <a:lvl8pPr marL="3200400" algn="l" defTabSz="914400" rtl="0" eaLnBrk="1" latinLnBrk="0" hangingPunct="1">
-              <a:defRPr sz="1800" kern="1200">
-                <a:solidFill>
-                  <a:schemeClr val="tx1"/>
-                </a:solidFill>
-                <a:latin typeface="+mn-lt"/>
-                <a:ea typeface="+mn-ea"/>
-                <a:cs typeface="+mn-cs"/>
-              </a:defRPr>
-            </a:lvl8pPr>
-            <a:lvl9pPr marL="3657600" algn="l" defTabSz="914400" rtl="0" eaLnBrk="1" latinLnBrk="0" hangingPunct="1">
-              <a:defRPr sz="1800" kern="1200">
-                <a:solidFill>
-                  <a:schemeClr val="tx1"/>
-                </a:solidFill>
-                <a:latin typeface="+mn-lt"/>
-                <a:ea typeface="+mn-ea"/>
-                <a:cs typeface="+mn-cs"/>
-              </a:defRPr>
-            </a:lvl9pPr>
-          </a:lstStyle>
-          <a:p>
-            <a:r>
-              <a:rPr lang="en-US" dirty="0"/>
-              <a:t> </a:t>
-            </a:r>
-            <a:r>
-              <a:rPr lang="en-US" sz="2000" b="1" dirty="0" smtClean="0"/>
-              <a:t>y = </a:t>
-            </a:r>
-            <a:r>
-              <a:rPr lang="en-US" sz="2000" b="1" dirty="0" err="1" smtClean="0"/>
-              <a:t>mX</a:t>
-            </a:r>
-            <a:r>
-              <a:rPr lang="en-US" sz="2000" b="1" dirty="0" smtClean="0"/>
-              <a:t> + C</a:t>
-            </a:r>
-            <a:endParaRPr lang="en-US" b="1" dirty="0" smtClean="0"/>
-          </a:p>
-          <a:p>
-            <a:endParaRPr lang="en-US" dirty="0"/>
-          </a:p>
-          <a:p>
-            <a:r>
-              <a:rPr lang="en-US" dirty="0" smtClean="0"/>
-              <a:t>Where y is independent variable.</a:t>
-            </a:r>
-          </a:p>
-          <a:p>
-            <a:r>
-              <a:rPr lang="en-US" dirty="0" smtClean="0"/>
-              <a:t>X is the variable parameter.</a:t>
-            </a:r>
-          </a:p>
-          <a:p>
-            <a:r>
-              <a:rPr lang="en-US" dirty="0" smtClean="0"/>
-              <a:t>C is the intercept of y at the Origin.</a:t>
-            </a:r>
-            <a:endParaRPr lang="en-US" dirty="0"/>
-          </a:p>
-        </p:txBody>
-      </p:sp>
-      <p:grpSp>
-        <p:nvGrpSpPr>
-          <p:cNvPr id="9" name="Group 8"/>
-          <p:cNvGrpSpPr/>
-          <p:nvPr/>
-        </p:nvGrpSpPr>
-        <p:grpSpPr>
-          <a:xfrm>
-            <a:off x="1332706" y="2716960"/>
-            <a:ext cx="3124994" cy="2820988"/>
-            <a:chOff x="989806" y="1143000"/>
-            <a:chExt cx="3124994" cy="2820988"/>
-          </a:xfrm>
-        </p:grpSpPr>
-        <p:grpSp>
-          <p:nvGrpSpPr>
-            <p:cNvPr id="12" name="Group 11"/>
-            <p:cNvGrpSpPr/>
-            <p:nvPr/>
-          </p:nvGrpSpPr>
-          <p:grpSpPr>
-            <a:xfrm>
-              <a:off x="989806" y="1143000"/>
-              <a:ext cx="3124994" cy="2820988"/>
-              <a:chOff x="989806" y="1143000"/>
-              <a:chExt cx="3124994" cy="2820988"/>
-            </a:xfrm>
-          </p:grpSpPr>
-          <p:cxnSp>
-            <p:nvCxnSpPr>
-              <p:cNvPr id="22" name="Straight Arrow Connector 21"/>
-              <p:cNvCxnSpPr/>
-              <p:nvPr/>
-            </p:nvCxnSpPr>
-            <p:spPr>
-              <a:xfrm rot="5400000" flipH="1" flipV="1">
-                <a:off x="-419894" y="2552700"/>
-                <a:ext cx="2820194" cy="794"/>
-              </a:xfrm>
-              <a:prstGeom prst="straightConnector1">
-                <a:avLst/>
-              </a:prstGeom>
-              <a:ln w="38100">
-                <a:tailEnd type="arrow"/>
-              </a:ln>
-            </p:spPr>
-            <p:style>
-              <a:lnRef idx="1">
-                <a:schemeClr val="accent1"/>
-              </a:lnRef>
-              <a:fillRef idx="0">
-                <a:schemeClr val="accent1"/>
-              </a:fillRef>
-              <a:effectRef idx="0">
-                <a:schemeClr val="accent1"/>
-              </a:effectRef>
-              <a:fontRef idx="minor">
-                <a:schemeClr val="tx1"/>
-              </a:fontRef>
-            </p:style>
-          </p:cxnSp>
-          <p:cxnSp>
-            <p:nvCxnSpPr>
-              <p:cNvPr id="23" name="Straight Arrow Connector 22"/>
-              <p:cNvCxnSpPr/>
-              <p:nvPr/>
-            </p:nvCxnSpPr>
-            <p:spPr>
-              <a:xfrm>
-                <a:off x="990600" y="3962400"/>
-                <a:ext cx="3124200" cy="1588"/>
-              </a:xfrm>
-              <a:prstGeom prst="straightConnector1">
-                <a:avLst/>
-              </a:prstGeom>
-              <a:ln w="38100">
-                <a:tailEnd type="arrow"/>
-              </a:ln>
-            </p:spPr>
-            <p:style>
-              <a:lnRef idx="1">
-                <a:schemeClr val="accent1"/>
-              </a:lnRef>
-              <a:fillRef idx="0">
-                <a:schemeClr val="accent1"/>
-              </a:fillRef>
-              <a:effectRef idx="0">
-                <a:schemeClr val="accent1"/>
-              </a:effectRef>
-              <a:fontRef idx="minor">
-                <a:schemeClr val="tx1"/>
-              </a:fontRef>
-            </p:style>
-          </p:cxnSp>
-        </p:grpSp>
-        <p:sp>
-          <p:nvSpPr>
-            <p:cNvPr id="13" name="4-Point Star 12"/>
-            <p:cNvSpPr/>
-            <p:nvPr/>
-          </p:nvSpPr>
-          <p:spPr>
-            <a:xfrm>
-              <a:off x="1524000" y="2362200"/>
-              <a:ext cx="76200" cy="76200"/>
-            </a:xfrm>
-            <a:prstGeom prst="star4">
-              <a:avLst/>
-            </a:prstGeom>
-          </p:spPr>
-          <p:style>
-            <a:lnRef idx="2">
-              <a:schemeClr val="accent1">
-                <a:shade val="50000"/>
-              </a:schemeClr>
-            </a:lnRef>
-            <a:fillRef idx="1">
-              <a:schemeClr val="accent1"/>
-            </a:fillRef>
-            <a:effectRef idx="0">
-              <a:schemeClr val="accent1"/>
-            </a:effectRef>
-            <a:fontRef idx="minor">
-              <a:schemeClr val="lt1"/>
-            </a:fontRef>
-          </p:style>
-          <p:txBody>
-            <a:bodyPr rtlCol="0" anchor="ctr"/>
-            <a:lstStyle>
-              <a:defPPr>
-                <a:defRPr lang="en-US"/>
-              </a:defPPr>
-              <a:lvl1pPr marL="0" algn="l" defTabSz="914400" rtl="0" eaLnBrk="1" latinLnBrk="0" hangingPunct="1">
-                <a:defRPr sz="1800" kern="1200">
-                  <a:solidFill>
-                    <a:schemeClr val="lt1"/>
-                  </a:solidFill>
-                  <a:latin typeface="+mn-lt"/>
-                  <a:ea typeface="+mn-ea"/>
-                  <a:cs typeface="+mn-cs"/>
-                </a:defRPr>
-              </a:lvl1pPr>
-              <a:lvl2pPr marL="457200" algn="l" defTabSz="914400" rtl="0" eaLnBrk="1" latinLnBrk="0" hangingPunct="1">
-                <a:defRPr sz="1800" kern="1200">
-                  <a:solidFill>
-                    <a:schemeClr val="lt1"/>
-                  </a:solidFill>
-                  <a:latin typeface="+mn-lt"/>
-                  <a:ea typeface="+mn-ea"/>
-                  <a:cs typeface="+mn-cs"/>
-                </a:defRPr>
-              </a:lvl2pPr>
-              <a:lvl3pPr marL="914400" algn="l" defTabSz="914400" rtl="0" eaLnBrk="1" latinLnBrk="0" hangingPunct="1">
-                <a:defRPr sz="1800" kern="1200">
-                  <a:solidFill>
-                    <a:schemeClr val="lt1"/>
-                  </a:solidFill>
-                  <a:latin typeface="+mn-lt"/>
-                  <a:ea typeface="+mn-ea"/>
-                  <a:cs typeface="+mn-cs"/>
-                </a:defRPr>
-              </a:lvl3pPr>
-              <a:lvl4pPr marL="1371600" algn="l" defTabSz="914400" rtl="0" eaLnBrk="1" latinLnBrk="0" hangingPunct="1">
-                <a:defRPr sz="1800" kern="1200">
-                  <a:solidFill>
-                    <a:schemeClr val="lt1"/>
-                  </a:solidFill>
-                  <a:latin typeface="+mn-lt"/>
-                  <a:ea typeface="+mn-ea"/>
-                  <a:cs typeface="+mn-cs"/>
-                </a:defRPr>
-              </a:lvl4pPr>
-              <a:lvl5pPr marL="1828800" algn="l" defTabSz="914400" rtl="0" eaLnBrk="1" latinLnBrk="0" hangingPunct="1">
-                <a:defRPr sz="1800" kern="1200">
-                  <a:solidFill>
-                    <a:schemeClr val="lt1"/>
-                  </a:solidFill>
-                  <a:latin typeface="+mn-lt"/>
-                  <a:ea typeface="+mn-ea"/>
-                  <a:cs typeface="+mn-cs"/>
-                </a:defRPr>
-              </a:lvl5pPr>
-              <a:lvl6pPr marL="2286000" algn="l" defTabSz="914400" rtl="0" eaLnBrk="1" latinLnBrk="0" hangingPunct="1">
-                <a:defRPr sz="1800" kern="1200">
-                  <a:solidFill>
-                    <a:schemeClr val="lt1"/>
-                  </a:solidFill>
-                  <a:latin typeface="+mn-lt"/>
-                  <a:ea typeface="+mn-ea"/>
-                  <a:cs typeface="+mn-cs"/>
-                </a:defRPr>
-              </a:lvl6pPr>
-              <a:lvl7pPr marL="2743200" algn="l" defTabSz="914400" rtl="0" eaLnBrk="1" latinLnBrk="0" hangingPunct="1">
-                <a:defRPr sz="1800" kern="1200">
-                  <a:solidFill>
-                    <a:schemeClr val="lt1"/>
-                  </a:solidFill>
-                  <a:latin typeface="+mn-lt"/>
-                  <a:ea typeface="+mn-ea"/>
-                  <a:cs typeface="+mn-cs"/>
-                </a:defRPr>
-              </a:lvl7pPr>
-              <a:lvl8pPr marL="3200400" algn="l" defTabSz="914400" rtl="0" eaLnBrk="1" latinLnBrk="0" hangingPunct="1">
-                <a:defRPr sz="1800" kern="1200">
-                  <a:solidFill>
-                    <a:schemeClr val="lt1"/>
-                  </a:solidFill>
-                  <a:latin typeface="+mn-lt"/>
-                  <a:ea typeface="+mn-ea"/>
-                  <a:cs typeface="+mn-cs"/>
-                </a:defRPr>
-              </a:lvl8pPr>
-              <a:lvl9pPr marL="3657600" algn="l" defTabSz="914400" rtl="0" eaLnBrk="1" latinLnBrk="0" hangingPunct="1">
-                <a:defRPr sz="1800" kern="1200">
-                  <a:solidFill>
-                    <a:schemeClr val="lt1"/>
-                  </a:solidFill>
-                  <a:latin typeface="+mn-lt"/>
-                  <a:ea typeface="+mn-ea"/>
-                  <a:cs typeface="+mn-cs"/>
-                </a:defRPr>
-              </a:lvl9pPr>
-            </a:lstStyle>
-            <a:p>
-              <a:pPr algn="ctr"/>
-              <a:endParaRPr lang="en-US"/>
-            </a:p>
-          </p:txBody>
-        </p:sp>
-        <p:sp>
-          <p:nvSpPr>
-            <p:cNvPr id="14" name="4-Point Star 13"/>
-            <p:cNvSpPr/>
-            <p:nvPr/>
-          </p:nvSpPr>
-          <p:spPr>
-            <a:xfrm>
-              <a:off x="1600200" y="3124200"/>
-              <a:ext cx="76200" cy="76200"/>
-            </a:xfrm>
-            <a:prstGeom prst="star4">
-              <a:avLst/>
-            </a:prstGeom>
-          </p:spPr>
-          <p:style>
-            <a:lnRef idx="2">
-              <a:schemeClr val="accent1">
-                <a:shade val="50000"/>
-              </a:schemeClr>
-            </a:lnRef>
-            <a:fillRef idx="1">
-              <a:schemeClr val="accent1"/>
-            </a:fillRef>
-            <a:effectRef idx="0">
-              <a:schemeClr val="accent1"/>
-            </a:effectRef>
-            <a:fontRef idx="minor">
-              <a:schemeClr val="lt1"/>
-            </a:fontRef>
-          </p:style>
-          <p:txBody>
-            <a:bodyPr rtlCol="0" anchor="ctr"/>
-            <a:lstStyle>
-              <a:defPPr>
-                <a:defRPr lang="en-US"/>
-              </a:defPPr>
-              <a:lvl1pPr marL="0" algn="l" defTabSz="914400" rtl="0" eaLnBrk="1" latinLnBrk="0" hangingPunct="1">
-                <a:defRPr sz="1800" kern="1200">
-                  <a:solidFill>
-                    <a:schemeClr val="lt1"/>
-                  </a:solidFill>
-                  <a:latin typeface="+mn-lt"/>
-                  <a:ea typeface="+mn-ea"/>
-                  <a:cs typeface="+mn-cs"/>
-                </a:defRPr>
-              </a:lvl1pPr>
-              <a:lvl2pPr marL="457200" algn="l" defTabSz="914400" rtl="0" eaLnBrk="1" latinLnBrk="0" hangingPunct="1">
-                <a:defRPr sz="1800" kern="1200">
-                  <a:solidFill>
-                    <a:schemeClr val="lt1"/>
-                  </a:solidFill>
-                  <a:latin typeface="+mn-lt"/>
-                  <a:ea typeface="+mn-ea"/>
-                  <a:cs typeface="+mn-cs"/>
-                </a:defRPr>
-              </a:lvl2pPr>
-              <a:lvl3pPr marL="914400" algn="l" defTabSz="914400" rtl="0" eaLnBrk="1" latinLnBrk="0" hangingPunct="1">
-                <a:defRPr sz="1800" kern="1200">
-                  <a:solidFill>
-                    <a:schemeClr val="lt1"/>
-                  </a:solidFill>
-                  <a:latin typeface="+mn-lt"/>
-                  <a:ea typeface="+mn-ea"/>
-                  <a:cs typeface="+mn-cs"/>
-                </a:defRPr>
-              </a:lvl3pPr>
-              <a:lvl4pPr marL="1371600" algn="l" defTabSz="914400" rtl="0" eaLnBrk="1" latinLnBrk="0" hangingPunct="1">
-                <a:defRPr sz="1800" kern="1200">
-                  <a:solidFill>
-                    <a:schemeClr val="lt1"/>
-                  </a:solidFill>
-                  <a:latin typeface="+mn-lt"/>
-                  <a:ea typeface="+mn-ea"/>
-                  <a:cs typeface="+mn-cs"/>
-                </a:defRPr>
-              </a:lvl4pPr>
-              <a:lvl5pPr marL="1828800" algn="l" defTabSz="914400" rtl="0" eaLnBrk="1" latinLnBrk="0" hangingPunct="1">
-                <a:defRPr sz="1800" kern="1200">
-                  <a:solidFill>
-                    <a:schemeClr val="lt1"/>
-                  </a:solidFill>
-                  <a:latin typeface="+mn-lt"/>
-                  <a:ea typeface="+mn-ea"/>
-                  <a:cs typeface="+mn-cs"/>
-                </a:defRPr>
-              </a:lvl5pPr>
-              <a:lvl6pPr marL="2286000" algn="l" defTabSz="914400" rtl="0" eaLnBrk="1" latinLnBrk="0" hangingPunct="1">
-                <a:defRPr sz="1800" kern="1200">
-                  <a:solidFill>
-                    <a:schemeClr val="lt1"/>
-                  </a:solidFill>
-                  <a:latin typeface="+mn-lt"/>
-                  <a:ea typeface="+mn-ea"/>
-                  <a:cs typeface="+mn-cs"/>
-                </a:defRPr>
-              </a:lvl6pPr>
-              <a:lvl7pPr marL="2743200" algn="l" defTabSz="914400" rtl="0" eaLnBrk="1" latinLnBrk="0" hangingPunct="1">
-                <a:defRPr sz="1800" kern="1200">
-                  <a:solidFill>
-                    <a:schemeClr val="lt1"/>
-                  </a:solidFill>
-                  <a:latin typeface="+mn-lt"/>
-                  <a:ea typeface="+mn-ea"/>
-                  <a:cs typeface="+mn-cs"/>
-                </a:defRPr>
-              </a:lvl7pPr>
-              <a:lvl8pPr marL="3200400" algn="l" defTabSz="914400" rtl="0" eaLnBrk="1" latinLnBrk="0" hangingPunct="1">
-                <a:defRPr sz="1800" kern="1200">
-                  <a:solidFill>
-                    <a:schemeClr val="lt1"/>
-                  </a:solidFill>
-                  <a:latin typeface="+mn-lt"/>
-                  <a:ea typeface="+mn-ea"/>
-                  <a:cs typeface="+mn-cs"/>
-                </a:defRPr>
-              </a:lvl8pPr>
-              <a:lvl9pPr marL="3657600" algn="l" defTabSz="914400" rtl="0" eaLnBrk="1" latinLnBrk="0" hangingPunct="1">
-                <a:defRPr sz="1800" kern="1200">
-                  <a:solidFill>
-                    <a:schemeClr val="lt1"/>
-                  </a:solidFill>
-                  <a:latin typeface="+mn-lt"/>
-                  <a:ea typeface="+mn-ea"/>
-                  <a:cs typeface="+mn-cs"/>
-                </a:defRPr>
-              </a:lvl9pPr>
-            </a:lstStyle>
-            <a:p>
-              <a:pPr algn="ctr"/>
-              <a:endParaRPr lang="en-US"/>
-            </a:p>
-          </p:txBody>
-        </p:sp>
-        <p:sp>
-          <p:nvSpPr>
-            <p:cNvPr id="15" name="4-Point Star 14"/>
-            <p:cNvSpPr/>
-            <p:nvPr/>
-          </p:nvSpPr>
-          <p:spPr>
-            <a:xfrm>
-              <a:off x="1981200" y="2514600"/>
-              <a:ext cx="76200" cy="76200"/>
-            </a:xfrm>
-            <a:prstGeom prst="star4">
-              <a:avLst/>
-            </a:prstGeom>
-          </p:spPr>
-          <p:style>
-            <a:lnRef idx="2">
-              <a:schemeClr val="accent1">
-                <a:shade val="50000"/>
-              </a:schemeClr>
-            </a:lnRef>
-            <a:fillRef idx="1">
-              <a:schemeClr val="accent1"/>
-            </a:fillRef>
-            <a:effectRef idx="0">
-              <a:schemeClr val="accent1"/>
-            </a:effectRef>
-            <a:fontRef idx="minor">
-              <a:schemeClr val="lt1"/>
-            </a:fontRef>
-          </p:style>
-          <p:txBody>
-            <a:bodyPr rtlCol="0" anchor="ctr"/>
-            <a:lstStyle>
-              <a:defPPr>
-                <a:defRPr lang="en-US"/>
-              </a:defPPr>
-              <a:lvl1pPr marL="0" algn="l" defTabSz="914400" rtl="0" eaLnBrk="1" latinLnBrk="0" hangingPunct="1">
-                <a:defRPr sz="1800" kern="1200">
-                  <a:solidFill>
-                    <a:schemeClr val="lt1"/>
-                  </a:solidFill>
-                  <a:latin typeface="+mn-lt"/>
-                  <a:ea typeface="+mn-ea"/>
-                  <a:cs typeface="+mn-cs"/>
-                </a:defRPr>
-              </a:lvl1pPr>
-              <a:lvl2pPr marL="457200" algn="l" defTabSz="914400" rtl="0" eaLnBrk="1" latinLnBrk="0" hangingPunct="1">
-                <a:defRPr sz="1800" kern="1200">
-                  <a:solidFill>
-                    <a:schemeClr val="lt1"/>
-                  </a:solidFill>
-                  <a:latin typeface="+mn-lt"/>
-                  <a:ea typeface="+mn-ea"/>
-                  <a:cs typeface="+mn-cs"/>
-                </a:defRPr>
-              </a:lvl2pPr>
-              <a:lvl3pPr marL="914400" algn="l" defTabSz="914400" rtl="0" eaLnBrk="1" latinLnBrk="0" hangingPunct="1">
-                <a:defRPr sz="1800" kern="1200">
-                  <a:solidFill>
-                    <a:schemeClr val="lt1"/>
-                  </a:solidFill>
-                  <a:latin typeface="+mn-lt"/>
-                  <a:ea typeface="+mn-ea"/>
-                  <a:cs typeface="+mn-cs"/>
-                </a:defRPr>
-              </a:lvl3pPr>
-              <a:lvl4pPr marL="1371600" algn="l" defTabSz="914400" rtl="0" eaLnBrk="1" latinLnBrk="0" hangingPunct="1">
-                <a:defRPr sz="1800" kern="1200">
-                  <a:solidFill>
-                    <a:schemeClr val="lt1"/>
-                  </a:solidFill>
-                  <a:latin typeface="+mn-lt"/>
-                  <a:ea typeface="+mn-ea"/>
-                  <a:cs typeface="+mn-cs"/>
-                </a:defRPr>
-              </a:lvl4pPr>
-              <a:lvl5pPr marL="1828800" algn="l" defTabSz="914400" rtl="0" eaLnBrk="1" latinLnBrk="0" hangingPunct="1">
-                <a:defRPr sz="1800" kern="1200">
-                  <a:solidFill>
-                    <a:schemeClr val="lt1"/>
-                  </a:solidFill>
-                  <a:latin typeface="+mn-lt"/>
-                  <a:ea typeface="+mn-ea"/>
-                  <a:cs typeface="+mn-cs"/>
-                </a:defRPr>
-              </a:lvl5pPr>
-              <a:lvl6pPr marL="2286000" algn="l" defTabSz="914400" rtl="0" eaLnBrk="1" latinLnBrk="0" hangingPunct="1">
-                <a:defRPr sz="1800" kern="1200">
-                  <a:solidFill>
-                    <a:schemeClr val="lt1"/>
-                  </a:solidFill>
-                  <a:latin typeface="+mn-lt"/>
-                  <a:ea typeface="+mn-ea"/>
-                  <a:cs typeface="+mn-cs"/>
-                </a:defRPr>
-              </a:lvl6pPr>
-              <a:lvl7pPr marL="2743200" algn="l" defTabSz="914400" rtl="0" eaLnBrk="1" latinLnBrk="0" hangingPunct="1">
-                <a:defRPr sz="1800" kern="1200">
-                  <a:solidFill>
-                    <a:schemeClr val="lt1"/>
-                  </a:solidFill>
-                  <a:latin typeface="+mn-lt"/>
-                  <a:ea typeface="+mn-ea"/>
-                  <a:cs typeface="+mn-cs"/>
-                </a:defRPr>
-              </a:lvl7pPr>
-              <a:lvl8pPr marL="3200400" algn="l" defTabSz="914400" rtl="0" eaLnBrk="1" latinLnBrk="0" hangingPunct="1">
-                <a:defRPr sz="1800" kern="1200">
-                  <a:solidFill>
-                    <a:schemeClr val="lt1"/>
-                  </a:solidFill>
-                  <a:latin typeface="+mn-lt"/>
-                  <a:ea typeface="+mn-ea"/>
-                  <a:cs typeface="+mn-cs"/>
-                </a:defRPr>
-              </a:lvl8pPr>
-              <a:lvl9pPr marL="3657600" algn="l" defTabSz="914400" rtl="0" eaLnBrk="1" latinLnBrk="0" hangingPunct="1">
-                <a:defRPr sz="1800" kern="1200">
-                  <a:solidFill>
-                    <a:schemeClr val="lt1"/>
-                  </a:solidFill>
-                  <a:latin typeface="+mn-lt"/>
-                  <a:ea typeface="+mn-ea"/>
-                  <a:cs typeface="+mn-cs"/>
-                </a:defRPr>
-              </a:lvl9pPr>
-            </a:lstStyle>
-            <a:p>
-              <a:pPr algn="ctr"/>
-              <a:endParaRPr lang="en-US"/>
-            </a:p>
-          </p:txBody>
-        </p:sp>
-        <p:sp>
-          <p:nvSpPr>
-            <p:cNvPr id="16" name="4-Point Star 15"/>
-            <p:cNvSpPr/>
-            <p:nvPr/>
-          </p:nvSpPr>
-          <p:spPr>
-            <a:xfrm>
-              <a:off x="2514600" y="2209800"/>
-              <a:ext cx="76200" cy="76200"/>
-            </a:xfrm>
-            <a:prstGeom prst="star4">
-              <a:avLst/>
-            </a:prstGeom>
-          </p:spPr>
-          <p:style>
-            <a:lnRef idx="2">
-              <a:schemeClr val="accent1">
-                <a:shade val="50000"/>
-              </a:schemeClr>
-            </a:lnRef>
-            <a:fillRef idx="1">
-              <a:schemeClr val="accent1"/>
-            </a:fillRef>
-            <a:effectRef idx="0">
-              <a:schemeClr val="accent1"/>
-            </a:effectRef>
-            <a:fontRef idx="minor">
-              <a:schemeClr val="lt1"/>
-            </a:fontRef>
-          </p:style>
-          <p:txBody>
-            <a:bodyPr rtlCol="0" anchor="ctr"/>
-            <a:lstStyle>
-              <a:defPPr>
-                <a:defRPr lang="en-US"/>
-              </a:defPPr>
-              <a:lvl1pPr marL="0" algn="l" defTabSz="914400" rtl="0" eaLnBrk="1" latinLnBrk="0" hangingPunct="1">
-                <a:defRPr sz="1800" kern="1200">
-                  <a:solidFill>
-                    <a:schemeClr val="lt1"/>
-                  </a:solidFill>
-                  <a:latin typeface="+mn-lt"/>
-                  <a:ea typeface="+mn-ea"/>
-                  <a:cs typeface="+mn-cs"/>
-                </a:defRPr>
-              </a:lvl1pPr>
-              <a:lvl2pPr marL="457200" algn="l" defTabSz="914400" rtl="0" eaLnBrk="1" latinLnBrk="0" hangingPunct="1">
-                <a:defRPr sz="1800" kern="1200">
-                  <a:solidFill>
-                    <a:schemeClr val="lt1"/>
-                  </a:solidFill>
-                  <a:latin typeface="+mn-lt"/>
-                  <a:ea typeface="+mn-ea"/>
-                  <a:cs typeface="+mn-cs"/>
-                </a:defRPr>
-              </a:lvl2pPr>
-              <a:lvl3pPr marL="914400" algn="l" defTabSz="914400" rtl="0" eaLnBrk="1" latinLnBrk="0" hangingPunct="1">
-                <a:defRPr sz="1800" kern="1200">
-                  <a:solidFill>
-                    <a:schemeClr val="lt1"/>
-                  </a:solidFill>
-                  <a:latin typeface="+mn-lt"/>
-                  <a:ea typeface="+mn-ea"/>
-                  <a:cs typeface="+mn-cs"/>
-                </a:defRPr>
-              </a:lvl3pPr>
-              <a:lvl4pPr marL="1371600" algn="l" defTabSz="914400" rtl="0" eaLnBrk="1" latinLnBrk="0" hangingPunct="1">
-                <a:defRPr sz="1800" kern="1200">
-                  <a:solidFill>
-                    <a:schemeClr val="lt1"/>
-                  </a:solidFill>
-                  <a:latin typeface="+mn-lt"/>
-                  <a:ea typeface="+mn-ea"/>
-                  <a:cs typeface="+mn-cs"/>
-                </a:defRPr>
-              </a:lvl4pPr>
-              <a:lvl5pPr marL="1828800" algn="l" defTabSz="914400" rtl="0" eaLnBrk="1" latinLnBrk="0" hangingPunct="1">
-                <a:defRPr sz="1800" kern="1200">
-                  <a:solidFill>
-                    <a:schemeClr val="lt1"/>
-                  </a:solidFill>
-                  <a:latin typeface="+mn-lt"/>
-                  <a:ea typeface="+mn-ea"/>
-                  <a:cs typeface="+mn-cs"/>
-                </a:defRPr>
-              </a:lvl5pPr>
-              <a:lvl6pPr marL="2286000" algn="l" defTabSz="914400" rtl="0" eaLnBrk="1" latinLnBrk="0" hangingPunct="1">
-                <a:defRPr sz="1800" kern="1200">
-                  <a:solidFill>
-                    <a:schemeClr val="lt1"/>
-                  </a:solidFill>
-                  <a:latin typeface="+mn-lt"/>
-                  <a:ea typeface="+mn-ea"/>
-                  <a:cs typeface="+mn-cs"/>
-                </a:defRPr>
-              </a:lvl6pPr>
-              <a:lvl7pPr marL="2743200" algn="l" defTabSz="914400" rtl="0" eaLnBrk="1" latinLnBrk="0" hangingPunct="1">
-                <a:defRPr sz="1800" kern="1200">
-                  <a:solidFill>
-                    <a:schemeClr val="lt1"/>
-                  </a:solidFill>
-                  <a:latin typeface="+mn-lt"/>
-                  <a:ea typeface="+mn-ea"/>
-                  <a:cs typeface="+mn-cs"/>
-                </a:defRPr>
-              </a:lvl7pPr>
-              <a:lvl8pPr marL="3200400" algn="l" defTabSz="914400" rtl="0" eaLnBrk="1" latinLnBrk="0" hangingPunct="1">
-                <a:defRPr sz="1800" kern="1200">
-                  <a:solidFill>
-                    <a:schemeClr val="lt1"/>
-                  </a:solidFill>
-                  <a:latin typeface="+mn-lt"/>
-                  <a:ea typeface="+mn-ea"/>
-                  <a:cs typeface="+mn-cs"/>
-                </a:defRPr>
-              </a:lvl8pPr>
-              <a:lvl9pPr marL="3657600" algn="l" defTabSz="914400" rtl="0" eaLnBrk="1" latinLnBrk="0" hangingPunct="1">
-                <a:defRPr sz="1800" kern="1200">
-                  <a:solidFill>
-                    <a:schemeClr val="lt1"/>
-                  </a:solidFill>
-                  <a:latin typeface="+mn-lt"/>
-                  <a:ea typeface="+mn-ea"/>
-                  <a:cs typeface="+mn-cs"/>
-                </a:defRPr>
-              </a:lvl9pPr>
-            </a:lstStyle>
-            <a:p>
-              <a:pPr algn="ctr"/>
-              <a:endParaRPr lang="en-US"/>
-            </a:p>
-          </p:txBody>
-        </p:sp>
-        <p:sp>
-          <p:nvSpPr>
-            <p:cNvPr id="17" name="4-Point Star 16"/>
-            <p:cNvSpPr/>
-            <p:nvPr/>
-          </p:nvSpPr>
-          <p:spPr>
-            <a:xfrm>
-              <a:off x="2286000" y="2971800"/>
-              <a:ext cx="76200" cy="76200"/>
-            </a:xfrm>
-            <a:prstGeom prst="star4">
-              <a:avLst/>
-            </a:prstGeom>
-          </p:spPr>
-          <p:style>
-            <a:lnRef idx="2">
-              <a:schemeClr val="accent1">
-                <a:shade val="50000"/>
-              </a:schemeClr>
-            </a:lnRef>
-            <a:fillRef idx="1">
-              <a:schemeClr val="accent1"/>
-            </a:fillRef>
-            <a:effectRef idx="0">
-              <a:schemeClr val="accent1"/>
-            </a:effectRef>
-            <a:fontRef idx="minor">
-              <a:schemeClr val="lt1"/>
-            </a:fontRef>
-          </p:style>
-          <p:txBody>
-            <a:bodyPr rtlCol="0" anchor="ctr"/>
-            <a:lstStyle>
-              <a:defPPr>
-                <a:defRPr lang="en-US"/>
-              </a:defPPr>
-              <a:lvl1pPr marL="0" algn="l" defTabSz="914400" rtl="0" eaLnBrk="1" latinLnBrk="0" hangingPunct="1">
-                <a:defRPr sz="1800" kern="1200">
-                  <a:solidFill>
-                    <a:schemeClr val="lt1"/>
-                  </a:solidFill>
-                  <a:latin typeface="+mn-lt"/>
-                  <a:ea typeface="+mn-ea"/>
-                  <a:cs typeface="+mn-cs"/>
-                </a:defRPr>
-              </a:lvl1pPr>
-              <a:lvl2pPr marL="457200" algn="l" defTabSz="914400" rtl="0" eaLnBrk="1" latinLnBrk="0" hangingPunct="1">
-                <a:defRPr sz="1800" kern="1200">
-                  <a:solidFill>
-                    <a:schemeClr val="lt1"/>
-                  </a:solidFill>
-                  <a:latin typeface="+mn-lt"/>
-                  <a:ea typeface="+mn-ea"/>
-                  <a:cs typeface="+mn-cs"/>
-                </a:defRPr>
-              </a:lvl2pPr>
-              <a:lvl3pPr marL="914400" algn="l" defTabSz="914400" rtl="0" eaLnBrk="1" latinLnBrk="0" hangingPunct="1">
-                <a:defRPr sz="1800" kern="1200">
-                  <a:solidFill>
-                    <a:schemeClr val="lt1"/>
-                  </a:solidFill>
-                  <a:latin typeface="+mn-lt"/>
-                  <a:ea typeface="+mn-ea"/>
-                  <a:cs typeface="+mn-cs"/>
-                </a:defRPr>
-              </a:lvl3pPr>
-              <a:lvl4pPr marL="1371600" algn="l" defTabSz="914400" rtl="0" eaLnBrk="1" latinLnBrk="0" hangingPunct="1">
-                <a:defRPr sz="1800" kern="1200">
-                  <a:solidFill>
-                    <a:schemeClr val="lt1"/>
-                  </a:solidFill>
-                  <a:latin typeface="+mn-lt"/>
-                  <a:ea typeface="+mn-ea"/>
-                  <a:cs typeface="+mn-cs"/>
-                </a:defRPr>
-              </a:lvl4pPr>
-              <a:lvl5pPr marL="1828800" algn="l" defTabSz="914400" rtl="0" eaLnBrk="1" latinLnBrk="0" hangingPunct="1">
-                <a:defRPr sz="1800" kern="1200">
-                  <a:solidFill>
-                    <a:schemeClr val="lt1"/>
-                  </a:solidFill>
-                  <a:latin typeface="+mn-lt"/>
-                  <a:ea typeface="+mn-ea"/>
-                  <a:cs typeface="+mn-cs"/>
-                </a:defRPr>
-              </a:lvl5pPr>
-              <a:lvl6pPr marL="2286000" algn="l" defTabSz="914400" rtl="0" eaLnBrk="1" latinLnBrk="0" hangingPunct="1">
-                <a:defRPr sz="1800" kern="1200">
-                  <a:solidFill>
-                    <a:schemeClr val="lt1"/>
-                  </a:solidFill>
-                  <a:latin typeface="+mn-lt"/>
-                  <a:ea typeface="+mn-ea"/>
-                  <a:cs typeface="+mn-cs"/>
-                </a:defRPr>
-              </a:lvl6pPr>
-              <a:lvl7pPr marL="2743200" algn="l" defTabSz="914400" rtl="0" eaLnBrk="1" latinLnBrk="0" hangingPunct="1">
-                <a:defRPr sz="1800" kern="1200">
-                  <a:solidFill>
-                    <a:schemeClr val="lt1"/>
-                  </a:solidFill>
-                  <a:latin typeface="+mn-lt"/>
-                  <a:ea typeface="+mn-ea"/>
-                  <a:cs typeface="+mn-cs"/>
-                </a:defRPr>
-              </a:lvl7pPr>
-              <a:lvl8pPr marL="3200400" algn="l" defTabSz="914400" rtl="0" eaLnBrk="1" latinLnBrk="0" hangingPunct="1">
-                <a:defRPr sz="1800" kern="1200">
-                  <a:solidFill>
-                    <a:schemeClr val="lt1"/>
-                  </a:solidFill>
-                  <a:latin typeface="+mn-lt"/>
-                  <a:ea typeface="+mn-ea"/>
-                  <a:cs typeface="+mn-cs"/>
-                </a:defRPr>
-              </a:lvl8pPr>
-              <a:lvl9pPr marL="3657600" algn="l" defTabSz="914400" rtl="0" eaLnBrk="1" latinLnBrk="0" hangingPunct="1">
-                <a:defRPr sz="1800" kern="1200">
-                  <a:solidFill>
-                    <a:schemeClr val="lt1"/>
-                  </a:solidFill>
-                  <a:latin typeface="+mn-lt"/>
-                  <a:ea typeface="+mn-ea"/>
-                  <a:cs typeface="+mn-cs"/>
-                </a:defRPr>
-              </a:lvl9pPr>
-            </a:lstStyle>
-            <a:p>
-              <a:pPr algn="ctr"/>
-              <a:endParaRPr lang="en-US"/>
-            </a:p>
-          </p:txBody>
-        </p:sp>
-        <p:sp>
-          <p:nvSpPr>
-            <p:cNvPr id="18" name="4-Point Star 17"/>
-            <p:cNvSpPr/>
-            <p:nvPr/>
-          </p:nvSpPr>
-          <p:spPr>
-            <a:xfrm>
-              <a:off x="3124200" y="1905000"/>
-              <a:ext cx="76200" cy="76200"/>
-            </a:xfrm>
-            <a:prstGeom prst="star4">
-              <a:avLst/>
-            </a:prstGeom>
-          </p:spPr>
-          <p:style>
-            <a:lnRef idx="2">
-              <a:schemeClr val="accent1">
-                <a:shade val="50000"/>
-              </a:schemeClr>
-            </a:lnRef>
-            <a:fillRef idx="1">
-              <a:schemeClr val="accent1"/>
-            </a:fillRef>
-            <a:effectRef idx="0">
-              <a:schemeClr val="accent1"/>
-            </a:effectRef>
-            <a:fontRef idx="minor">
-              <a:schemeClr val="lt1"/>
-            </a:fontRef>
-          </p:style>
-          <p:txBody>
-            <a:bodyPr rtlCol="0" anchor="ctr"/>
-            <a:lstStyle>
-              <a:defPPr>
-                <a:defRPr lang="en-US"/>
-              </a:defPPr>
-              <a:lvl1pPr marL="0" algn="l" defTabSz="914400" rtl="0" eaLnBrk="1" latinLnBrk="0" hangingPunct="1">
-                <a:defRPr sz="1800" kern="1200">
-                  <a:solidFill>
-                    <a:schemeClr val="lt1"/>
-                  </a:solidFill>
-                  <a:latin typeface="+mn-lt"/>
-                  <a:ea typeface="+mn-ea"/>
-                  <a:cs typeface="+mn-cs"/>
-                </a:defRPr>
-              </a:lvl1pPr>
-              <a:lvl2pPr marL="457200" algn="l" defTabSz="914400" rtl="0" eaLnBrk="1" latinLnBrk="0" hangingPunct="1">
-                <a:defRPr sz="1800" kern="1200">
-                  <a:solidFill>
-                    <a:schemeClr val="lt1"/>
-                  </a:solidFill>
-                  <a:latin typeface="+mn-lt"/>
-                  <a:ea typeface="+mn-ea"/>
-                  <a:cs typeface="+mn-cs"/>
-                </a:defRPr>
-              </a:lvl2pPr>
-              <a:lvl3pPr marL="914400" algn="l" defTabSz="914400" rtl="0" eaLnBrk="1" latinLnBrk="0" hangingPunct="1">
-                <a:defRPr sz="1800" kern="1200">
-                  <a:solidFill>
-                    <a:schemeClr val="lt1"/>
-                  </a:solidFill>
-                  <a:latin typeface="+mn-lt"/>
-                  <a:ea typeface="+mn-ea"/>
-                  <a:cs typeface="+mn-cs"/>
-                </a:defRPr>
-              </a:lvl3pPr>
-              <a:lvl4pPr marL="1371600" algn="l" defTabSz="914400" rtl="0" eaLnBrk="1" latinLnBrk="0" hangingPunct="1">
-                <a:defRPr sz="1800" kern="1200">
-                  <a:solidFill>
-                    <a:schemeClr val="lt1"/>
-                  </a:solidFill>
-                  <a:latin typeface="+mn-lt"/>
-                  <a:ea typeface="+mn-ea"/>
-                  <a:cs typeface="+mn-cs"/>
-                </a:defRPr>
-              </a:lvl4pPr>
-              <a:lvl5pPr marL="1828800" algn="l" defTabSz="914400" rtl="0" eaLnBrk="1" latinLnBrk="0" hangingPunct="1">
-                <a:defRPr sz="1800" kern="1200">
-                  <a:solidFill>
-                    <a:schemeClr val="lt1"/>
-                  </a:solidFill>
-                  <a:latin typeface="+mn-lt"/>
-                  <a:ea typeface="+mn-ea"/>
-                  <a:cs typeface="+mn-cs"/>
-                </a:defRPr>
-              </a:lvl5pPr>
-              <a:lvl6pPr marL="2286000" algn="l" defTabSz="914400" rtl="0" eaLnBrk="1" latinLnBrk="0" hangingPunct="1">
-                <a:defRPr sz="1800" kern="1200">
-                  <a:solidFill>
-                    <a:schemeClr val="lt1"/>
-                  </a:solidFill>
-                  <a:latin typeface="+mn-lt"/>
-                  <a:ea typeface="+mn-ea"/>
-                  <a:cs typeface="+mn-cs"/>
-                </a:defRPr>
-              </a:lvl6pPr>
-              <a:lvl7pPr marL="2743200" algn="l" defTabSz="914400" rtl="0" eaLnBrk="1" latinLnBrk="0" hangingPunct="1">
-                <a:defRPr sz="1800" kern="1200">
-                  <a:solidFill>
-                    <a:schemeClr val="lt1"/>
-                  </a:solidFill>
-                  <a:latin typeface="+mn-lt"/>
-                  <a:ea typeface="+mn-ea"/>
-                  <a:cs typeface="+mn-cs"/>
-                </a:defRPr>
-              </a:lvl7pPr>
-              <a:lvl8pPr marL="3200400" algn="l" defTabSz="914400" rtl="0" eaLnBrk="1" latinLnBrk="0" hangingPunct="1">
-                <a:defRPr sz="1800" kern="1200">
-                  <a:solidFill>
-                    <a:schemeClr val="lt1"/>
-                  </a:solidFill>
-                  <a:latin typeface="+mn-lt"/>
-                  <a:ea typeface="+mn-ea"/>
-                  <a:cs typeface="+mn-cs"/>
-                </a:defRPr>
-              </a:lvl8pPr>
-              <a:lvl9pPr marL="3657600" algn="l" defTabSz="914400" rtl="0" eaLnBrk="1" latinLnBrk="0" hangingPunct="1">
-                <a:defRPr sz="1800" kern="1200">
-                  <a:solidFill>
-                    <a:schemeClr val="lt1"/>
-                  </a:solidFill>
-                  <a:latin typeface="+mn-lt"/>
-                  <a:ea typeface="+mn-ea"/>
-                  <a:cs typeface="+mn-cs"/>
-                </a:defRPr>
-              </a:lvl9pPr>
-            </a:lstStyle>
-            <a:p>
-              <a:pPr algn="ctr"/>
-              <a:endParaRPr lang="en-US"/>
-            </a:p>
-          </p:txBody>
-        </p:sp>
-        <p:sp>
-          <p:nvSpPr>
-            <p:cNvPr id="19" name="4-Point Star 18"/>
-            <p:cNvSpPr/>
-            <p:nvPr/>
-          </p:nvSpPr>
-          <p:spPr>
-            <a:xfrm>
-              <a:off x="3048000" y="2819400"/>
-              <a:ext cx="76200" cy="76200"/>
-            </a:xfrm>
-            <a:prstGeom prst="star4">
-              <a:avLst/>
-            </a:prstGeom>
-          </p:spPr>
-          <p:style>
-            <a:lnRef idx="2">
-              <a:schemeClr val="accent1">
-                <a:shade val="50000"/>
-              </a:schemeClr>
-            </a:lnRef>
-            <a:fillRef idx="1">
-              <a:schemeClr val="accent1"/>
-            </a:fillRef>
-            <a:effectRef idx="0">
-              <a:schemeClr val="accent1"/>
-            </a:effectRef>
-            <a:fontRef idx="minor">
-              <a:schemeClr val="lt1"/>
-            </a:fontRef>
-          </p:style>
-          <p:txBody>
-            <a:bodyPr rtlCol="0" anchor="ctr"/>
-            <a:lstStyle>
-              <a:defPPr>
-                <a:defRPr lang="en-US"/>
-              </a:defPPr>
-              <a:lvl1pPr marL="0" algn="l" defTabSz="914400" rtl="0" eaLnBrk="1" latinLnBrk="0" hangingPunct="1">
-                <a:defRPr sz="1800" kern="1200">
-                  <a:solidFill>
-                    <a:schemeClr val="lt1"/>
-                  </a:solidFill>
-                  <a:latin typeface="+mn-lt"/>
-                  <a:ea typeface="+mn-ea"/>
-                  <a:cs typeface="+mn-cs"/>
-                </a:defRPr>
-              </a:lvl1pPr>
-              <a:lvl2pPr marL="457200" algn="l" defTabSz="914400" rtl="0" eaLnBrk="1" latinLnBrk="0" hangingPunct="1">
-                <a:defRPr sz="1800" kern="1200">
-                  <a:solidFill>
-                    <a:schemeClr val="lt1"/>
-                  </a:solidFill>
-                  <a:latin typeface="+mn-lt"/>
-                  <a:ea typeface="+mn-ea"/>
-                  <a:cs typeface="+mn-cs"/>
-                </a:defRPr>
-              </a:lvl2pPr>
-              <a:lvl3pPr marL="914400" algn="l" defTabSz="914400" rtl="0" eaLnBrk="1" latinLnBrk="0" hangingPunct="1">
-                <a:defRPr sz="1800" kern="1200">
-                  <a:solidFill>
-                    <a:schemeClr val="lt1"/>
-                  </a:solidFill>
-                  <a:latin typeface="+mn-lt"/>
-                  <a:ea typeface="+mn-ea"/>
-                  <a:cs typeface="+mn-cs"/>
-                </a:defRPr>
-              </a:lvl3pPr>
-              <a:lvl4pPr marL="1371600" algn="l" defTabSz="914400" rtl="0" eaLnBrk="1" latinLnBrk="0" hangingPunct="1">
-                <a:defRPr sz="1800" kern="1200">
-                  <a:solidFill>
-                    <a:schemeClr val="lt1"/>
-                  </a:solidFill>
-                  <a:latin typeface="+mn-lt"/>
-                  <a:ea typeface="+mn-ea"/>
-                  <a:cs typeface="+mn-cs"/>
-                </a:defRPr>
-              </a:lvl4pPr>
-              <a:lvl5pPr marL="1828800" algn="l" defTabSz="914400" rtl="0" eaLnBrk="1" latinLnBrk="0" hangingPunct="1">
-                <a:defRPr sz="1800" kern="1200">
-                  <a:solidFill>
-                    <a:schemeClr val="lt1"/>
-                  </a:solidFill>
-                  <a:latin typeface="+mn-lt"/>
-                  <a:ea typeface="+mn-ea"/>
-                  <a:cs typeface="+mn-cs"/>
-                </a:defRPr>
-              </a:lvl5pPr>
-              <a:lvl6pPr marL="2286000" algn="l" defTabSz="914400" rtl="0" eaLnBrk="1" latinLnBrk="0" hangingPunct="1">
-                <a:defRPr sz="1800" kern="1200">
-                  <a:solidFill>
-                    <a:schemeClr val="lt1"/>
-                  </a:solidFill>
-                  <a:latin typeface="+mn-lt"/>
-                  <a:ea typeface="+mn-ea"/>
-                  <a:cs typeface="+mn-cs"/>
-                </a:defRPr>
-              </a:lvl6pPr>
-              <a:lvl7pPr marL="2743200" algn="l" defTabSz="914400" rtl="0" eaLnBrk="1" latinLnBrk="0" hangingPunct="1">
-                <a:defRPr sz="1800" kern="1200">
-                  <a:solidFill>
-                    <a:schemeClr val="lt1"/>
-                  </a:solidFill>
-                  <a:latin typeface="+mn-lt"/>
-                  <a:ea typeface="+mn-ea"/>
-                  <a:cs typeface="+mn-cs"/>
-                </a:defRPr>
-              </a:lvl7pPr>
-              <a:lvl8pPr marL="3200400" algn="l" defTabSz="914400" rtl="0" eaLnBrk="1" latinLnBrk="0" hangingPunct="1">
-                <a:defRPr sz="1800" kern="1200">
-                  <a:solidFill>
-                    <a:schemeClr val="lt1"/>
-                  </a:solidFill>
-                  <a:latin typeface="+mn-lt"/>
-                  <a:ea typeface="+mn-ea"/>
-                  <a:cs typeface="+mn-cs"/>
-                </a:defRPr>
-              </a:lvl8pPr>
-              <a:lvl9pPr marL="3657600" algn="l" defTabSz="914400" rtl="0" eaLnBrk="1" latinLnBrk="0" hangingPunct="1">
-                <a:defRPr sz="1800" kern="1200">
-                  <a:solidFill>
-                    <a:schemeClr val="lt1"/>
-                  </a:solidFill>
-                  <a:latin typeface="+mn-lt"/>
-                  <a:ea typeface="+mn-ea"/>
-                  <a:cs typeface="+mn-cs"/>
-                </a:defRPr>
-              </a:lvl9pPr>
-            </a:lstStyle>
-            <a:p>
-              <a:pPr algn="ctr"/>
-              <a:endParaRPr lang="en-US"/>
-            </a:p>
-          </p:txBody>
-        </p:sp>
-        <p:cxnSp>
-          <p:nvCxnSpPr>
-            <p:cNvPr id="20" name="Straight Connector 19"/>
-            <p:cNvCxnSpPr/>
-            <p:nvPr/>
-          </p:nvCxnSpPr>
-          <p:spPr>
-            <a:xfrm flipV="1">
-              <a:off x="990600" y="2133600"/>
-              <a:ext cx="2743200" cy="1066800"/>
-            </a:xfrm>
-            <a:prstGeom prst="line">
-              <a:avLst/>
-            </a:prstGeom>
-            <a:ln>
-              <a:solidFill>
-                <a:schemeClr val="tx1"/>
-              </a:solidFill>
-            </a:ln>
-          </p:spPr>
-          <p:style>
-            <a:lnRef idx="1">
-              <a:schemeClr val="accent1"/>
-            </a:lnRef>
-            <a:fillRef idx="0">
-              <a:schemeClr val="accent1"/>
-            </a:fillRef>
-            <a:effectRef idx="0">
-              <a:schemeClr val="accent1"/>
-            </a:effectRef>
-            <a:fontRef idx="minor">
-              <a:schemeClr val="tx1"/>
-            </a:fontRef>
-          </p:style>
-        </p:cxnSp>
-        <p:sp>
-          <p:nvSpPr>
-            <p:cNvPr id="21" name="4-Point Star 20"/>
-            <p:cNvSpPr/>
-            <p:nvPr/>
-          </p:nvSpPr>
-          <p:spPr>
-            <a:xfrm>
-              <a:off x="3505200" y="2438400"/>
-              <a:ext cx="76200" cy="76200"/>
-            </a:xfrm>
-            <a:prstGeom prst="star4">
-              <a:avLst/>
-            </a:prstGeom>
-          </p:spPr>
-          <p:style>
-            <a:lnRef idx="2">
-              <a:schemeClr val="accent1">
-                <a:shade val="50000"/>
-              </a:schemeClr>
-            </a:lnRef>
-            <a:fillRef idx="1">
-              <a:schemeClr val="accent1"/>
-            </a:fillRef>
-            <a:effectRef idx="0">
-              <a:schemeClr val="accent1"/>
-            </a:effectRef>
-            <a:fontRef idx="minor">
-              <a:schemeClr val="lt1"/>
-            </a:fontRef>
-          </p:style>
-          <p:txBody>
-            <a:bodyPr rtlCol="0" anchor="ctr"/>
-            <a:lstStyle>
-              <a:defPPr>
-                <a:defRPr lang="en-US"/>
-              </a:defPPr>
-              <a:lvl1pPr marL="0" algn="l" defTabSz="914400" rtl="0" eaLnBrk="1" latinLnBrk="0" hangingPunct="1">
-                <a:defRPr sz="1800" kern="1200">
-                  <a:solidFill>
-                    <a:schemeClr val="lt1"/>
-                  </a:solidFill>
-                  <a:latin typeface="+mn-lt"/>
-                  <a:ea typeface="+mn-ea"/>
-                  <a:cs typeface="+mn-cs"/>
-                </a:defRPr>
-              </a:lvl1pPr>
-              <a:lvl2pPr marL="457200" algn="l" defTabSz="914400" rtl="0" eaLnBrk="1" latinLnBrk="0" hangingPunct="1">
-                <a:defRPr sz="1800" kern="1200">
-                  <a:solidFill>
-                    <a:schemeClr val="lt1"/>
-                  </a:solidFill>
-                  <a:latin typeface="+mn-lt"/>
-                  <a:ea typeface="+mn-ea"/>
-                  <a:cs typeface="+mn-cs"/>
-                </a:defRPr>
-              </a:lvl2pPr>
-              <a:lvl3pPr marL="914400" algn="l" defTabSz="914400" rtl="0" eaLnBrk="1" latinLnBrk="0" hangingPunct="1">
-                <a:defRPr sz="1800" kern="1200">
-                  <a:solidFill>
-                    <a:schemeClr val="lt1"/>
-                  </a:solidFill>
-                  <a:latin typeface="+mn-lt"/>
-                  <a:ea typeface="+mn-ea"/>
-                  <a:cs typeface="+mn-cs"/>
-                </a:defRPr>
-              </a:lvl3pPr>
-              <a:lvl4pPr marL="1371600" algn="l" defTabSz="914400" rtl="0" eaLnBrk="1" latinLnBrk="0" hangingPunct="1">
-                <a:defRPr sz="1800" kern="1200">
-                  <a:solidFill>
-                    <a:schemeClr val="lt1"/>
-                  </a:solidFill>
-                  <a:latin typeface="+mn-lt"/>
-                  <a:ea typeface="+mn-ea"/>
-                  <a:cs typeface="+mn-cs"/>
-                </a:defRPr>
-              </a:lvl4pPr>
-              <a:lvl5pPr marL="1828800" algn="l" defTabSz="914400" rtl="0" eaLnBrk="1" latinLnBrk="0" hangingPunct="1">
-                <a:defRPr sz="1800" kern="1200">
-                  <a:solidFill>
-                    <a:schemeClr val="lt1"/>
-                  </a:solidFill>
-                  <a:latin typeface="+mn-lt"/>
-                  <a:ea typeface="+mn-ea"/>
-                  <a:cs typeface="+mn-cs"/>
-                </a:defRPr>
-              </a:lvl5pPr>
-              <a:lvl6pPr marL="2286000" algn="l" defTabSz="914400" rtl="0" eaLnBrk="1" latinLnBrk="0" hangingPunct="1">
-                <a:defRPr sz="1800" kern="1200">
-                  <a:solidFill>
-                    <a:schemeClr val="lt1"/>
-                  </a:solidFill>
-                  <a:latin typeface="+mn-lt"/>
-                  <a:ea typeface="+mn-ea"/>
-                  <a:cs typeface="+mn-cs"/>
-                </a:defRPr>
-              </a:lvl6pPr>
-              <a:lvl7pPr marL="2743200" algn="l" defTabSz="914400" rtl="0" eaLnBrk="1" latinLnBrk="0" hangingPunct="1">
-                <a:defRPr sz="1800" kern="1200">
-                  <a:solidFill>
-                    <a:schemeClr val="lt1"/>
-                  </a:solidFill>
-                  <a:latin typeface="+mn-lt"/>
-                  <a:ea typeface="+mn-ea"/>
-                  <a:cs typeface="+mn-cs"/>
-                </a:defRPr>
-              </a:lvl7pPr>
-              <a:lvl8pPr marL="3200400" algn="l" defTabSz="914400" rtl="0" eaLnBrk="1" latinLnBrk="0" hangingPunct="1">
-                <a:defRPr sz="1800" kern="1200">
-                  <a:solidFill>
-                    <a:schemeClr val="lt1"/>
-                  </a:solidFill>
-                  <a:latin typeface="+mn-lt"/>
-                  <a:ea typeface="+mn-ea"/>
-                  <a:cs typeface="+mn-cs"/>
-                </a:defRPr>
-              </a:lvl8pPr>
-              <a:lvl9pPr marL="3657600" algn="l" defTabSz="914400" rtl="0" eaLnBrk="1" latinLnBrk="0" hangingPunct="1">
-                <a:defRPr sz="1800" kern="1200">
-                  <a:solidFill>
-                    <a:schemeClr val="lt1"/>
-                  </a:solidFill>
-                  <a:latin typeface="+mn-lt"/>
-                  <a:ea typeface="+mn-ea"/>
-                  <a:cs typeface="+mn-cs"/>
-                </a:defRPr>
-              </a:lvl9pPr>
-            </a:lstStyle>
-            <a:p>
-              <a:pPr algn="ctr"/>
-              <a:endParaRPr lang="en-US"/>
-            </a:p>
-          </p:txBody>
-        </p:sp>
-      </p:grpSp>
-      <p:sp>
-        <p:nvSpPr>
-          <p:cNvPr id="10" name="TextBox 26"/>
-          <p:cNvSpPr txBox="1"/>
-          <p:nvPr/>
-        </p:nvSpPr>
-        <p:spPr>
-          <a:xfrm>
-            <a:off x="1181100" y="2337548"/>
-            <a:ext cx="228600" cy="369332"/>
-          </a:xfrm>
-          <a:prstGeom prst="rect">
-            <a:avLst/>
-          </a:prstGeom>
-          <a:noFill/>
-        </p:spPr>
-        <p:txBody>
-          <a:bodyPr wrap="square" rtlCol="0">
-            <a:spAutoFit/>
-          </a:bodyPr>
-          <a:lstStyle>
-            <a:defPPr>
-              <a:defRPr lang="en-US"/>
-            </a:defPPr>
-            <a:lvl1pPr marL="0" algn="l" defTabSz="914400" rtl="0" eaLnBrk="1" latinLnBrk="0" hangingPunct="1">
-              <a:defRPr sz="1800" kern="1200">
-                <a:solidFill>
-                  <a:schemeClr val="tx1"/>
-                </a:solidFill>
-                <a:latin typeface="+mn-lt"/>
-                <a:ea typeface="+mn-ea"/>
-                <a:cs typeface="+mn-cs"/>
-              </a:defRPr>
-            </a:lvl1pPr>
-            <a:lvl2pPr marL="457200" algn="l" defTabSz="914400" rtl="0" eaLnBrk="1" latinLnBrk="0" hangingPunct="1">
-              <a:defRPr sz="1800" kern="1200">
-                <a:solidFill>
-                  <a:schemeClr val="tx1"/>
-                </a:solidFill>
-                <a:latin typeface="+mn-lt"/>
-                <a:ea typeface="+mn-ea"/>
-                <a:cs typeface="+mn-cs"/>
-              </a:defRPr>
-            </a:lvl2pPr>
-            <a:lvl3pPr marL="914400" algn="l" defTabSz="914400" rtl="0" eaLnBrk="1" latinLnBrk="0" hangingPunct="1">
-              <a:defRPr sz="1800" kern="1200">
-                <a:solidFill>
-                  <a:schemeClr val="tx1"/>
-                </a:solidFill>
-                <a:latin typeface="+mn-lt"/>
-                <a:ea typeface="+mn-ea"/>
-                <a:cs typeface="+mn-cs"/>
-              </a:defRPr>
-            </a:lvl3pPr>
-            <a:lvl4pPr marL="1371600" algn="l" defTabSz="914400" rtl="0" eaLnBrk="1" latinLnBrk="0" hangingPunct="1">
-              <a:defRPr sz="1800" kern="1200">
-                <a:solidFill>
-                  <a:schemeClr val="tx1"/>
-                </a:solidFill>
-                <a:latin typeface="+mn-lt"/>
-                <a:ea typeface="+mn-ea"/>
-                <a:cs typeface="+mn-cs"/>
-              </a:defRPr>
-            </a:lvl4pPr>
-            <a:lvl5pPr marL="1828800" algn="l" defTabSz="914400" rtl="0" eaLnBrk="1" latinLnBrk="0" hangingPunct="1">
-              <a:defRPr sz="1800" kern="1200">
-                <a:solidFill>
-                  <a:schemeClr val="tx1"/>
-                </a:solidFill>
-                <a:latin typeface="+mn-lt"/>
-                <a:ea typeface="+mn-ea"/>
-                <a:cs typeface="+mn-cs"/>
-              </a:defRPr>
-            </a:lvl5pPr>
-            <a:lvl6pPr marL="2286000" algn="l" defTabSz="914400" rtl="0" eaLnBrk="1" latinLnBrk="0" hangingPunct="1">
-              <a:defRPr sz="1800" kern="1200">
-                <a:solidFill>
-                  <a:schemeClr val="tx1"/>
-                </a:solidFill>
-                <a:latin typeface="+mn-lt"/>
-                <a:ea typeface="+mn-ea"/>
-                <a:cs typeface="+mn-cs"/>
-              </a:defRPr>
-            </a:lvl6pPr>
-            <a:lvl7pPr marL="2743200" algn="l" defTabSz="914400" rtl="0" eaLnBrk="1" latinLnBrk="0" hangingPunct="1">
-              <a:defRPr sz="1800" kern="1200">
-                <a:solidFill>
-                  <a:schemeClr val="tx1"/>
-                </a:solidFill>
-                <a:latin typeface="+mn-lt"/>
-                <a:ea typeface="+mn-ea"/>
-                <a:cs typeface="+mn-cs"/>
-              </a:defRPr>
-            </a:lvl7pPr>
-            <a:lvl8pPr marL="3200400" algn="l" defTabSz="914400" rtl="0" eaLnBrk="1" latinLnBrk="0" hangingPunct="1">
-              <a:defRPr sz="1800" kern="1200">
-                <a:solidFill>
-                  <a:schemeClr val="tx1"/>
-                </a:solidFill>
-                <a:latin typeface="+mn-lt"/>
-                <a:ea typeface="+mn-ea"/>
-                <a:cs typeface="+mn-cs"/>
-              </a:defRPr>
-            </a:lvl8pPr>
-            <a:lvl9pPr marL="3657600" algn="l" defTabSz="914400" rtl="0" eaLnBrk="1" latinLnBrk="0" hangingPunct="1">
-              <a:defRPr sz="1800" kern="1200">
-                <a:solidFill>
-                  <a:schemeClr val="tx1"/>
-                </a:solidFill>
-                <a:latin typeface="+mn-lt"/>
-                <a:ea typeface="+mn-ea"/>
-                <a:cs typeface="+mn-cs"/>
-              </a:defRPr>
-            </a:lvl9pPr>
-          </a:lstStyle>
-          <a:p>
-            <a:r>
-              <a:rPr lang="en-US" dirty="0"/>
-              <a:t>y</a:t>
-            </a:r>
-          </a:p>
-        </p:txBody>
-      </p:sp>
-      <p:sp>
-        <p:nvSpPr>
-          <p:cNvPr id="11" name="TextBox 27"/>
-          <p:cNvSpPr txBox="1"/>
-          <p:nvPr/>
-        </p:nvSpPr>
-        <p:spPr>
-          <a:xfrm>
-            <a:off x="4533900" y="5309348"/>
-            <a:ext cx="228600" cy="369332"/>
-          </a:xfrm>
-          <a:prstGeom prst="rect">
-            <a:avLst/>
-          </a:prstGeom>
-          <a:noFill/>
-        </p:spPr>
-        <p:txBody>
-          <a:bodyPr wrap="square" rtlCol="0">
-            <a:spAutoFit/>
-          </a:bodyPr>
-          <a:lstStyle>
-            <a:defPPr>
-              <a:defRPr lang="en-US"/>
-            </a:defPPr>
-            <a:lvl1pPr marL="0" algn="l" defTabSz="914400" rtl="0" eaLnBrk="1" latinLnBrk="0" hangingPunct="1">
-              <a:defRPr sz="1800" kern="1200">
-                <a:solidFill>
-                  <a:schemeClr val="tx1"/>
-                </a:solidFill>
-                <a:latin typeface="+mn-lt"/>
-                <a:ea typeface="+mn-ea"/>
-                <a:cs typeface="+mn-cs"/>
-              </a:defRPr>
-            </a:lvl1pPr>
-            <a:lvl2pPr marL="457200" algn="l" defTabSz="914400" rtl="0" eaLnBrk="1" latinLnBrk="0" hangingPunct="1">
-              <a:defRPr sz="1800" kern="1200">
-                <a:solidFill>
-                  <a:schemeClr val="tx1"/>
-                </a:solidFill>
-                <a:latin typeface="+mn-lt"/>
-                <a:ea typeface="+mn-ea"/>
-                <a:cs typeface="+mn-cs"/>
-              </a:defRPr>
-            </a:lvl2pPr>
-            <a:lvl3pPr marL="914400" algn="l" defTabSz="914400" rtl="0" eaLnBrk="1" latinLnBrk="0" hangingPunct="1">
-              <a:defRPr sz="1800" kern="1200">
-                <a:solidFill>
-                  <a:schemeClr val="tx1"/>
-                </a:solidFill>
-                <a:latin typeface="+mn-lt"/>
-                <a:ea typeface="+mn-ea"/>
-                <a:cs typeface="+mn-cs"/>
-              </a:defRPr>
-            </a:lvl3pPr>
-            <a:lvl4pPr marL="1371600" algn="l" defTabSz="914400" rtl="0" eaLnBrk="1" latinLnBrk="0" hangingPunct="1">
-              <a:defRPr sz="1800" kern="1200">
-                <a:solidFill>
-                  <a:schemeClr val="tx1"/>
-                </a:solidFill>
-                <a:latin typeface="+mn-lt"/>
-                <a:ea typeface="+mn-ea"/>
-                <a:cs typeface="+mn-cs"/>
-              </a:defRPr>
-            </a:lvl4pPr>
-            <a:lvl5pPr marL="1828800" algn="l" defTabSz="914400" rtl="0" eaLnBrk="1" latinLnBrk="0" hangingPunct="1">
-              <a:defRPr sz="1800" kern="1200">
-                <a:solidFill>
-                  <a:schemeClr val="tx1"/>
-                </a:solidFill>
-                <a:latin typeface="+mn-lt"/>
-                <a:ea typeface="+mn-ea"/>
-                <a:cs typeface="+mn-cs"/>
-              </a:defRPr>
-            </a:lvl5pPr>
-            <a:lvl6pPr marL="2286000" algn="l" defTabSz="914400" rtl="0" eaLnBrk="1" latinLnBrk="0" hangingPunct="1">
-              <a:defRPr sz="1800" kern="1200">
-                <a:solidFill>
-                  <a:schemeClr val="tx1"/>
-                </a:solidFill>
-                <a:latin typeface="+mn-lt"/>
-                <a:ea typeface="+mn-ea"/>
-                <a:cs typeface="+mn-cs"/>
-              </a:defRPr>
-            </a:lvl6pPr>
-            <a:lvl7pPr marL="2743200" algn="l" defTabSz="914400" rtl="0" eaLnBrk="1" latinLnBrk="0" hangingPunct="1">
-              <a:defRPr sz="1800" kern="1200">
-                <a:solidFill>
-                  <a:schemeClr val="tx1"/>
-                </a:solidFill>
-                <a:latin typeface="+mn-lt"/>
-                <a:ea typeface="+mn-ea"/>
-                <a:cs typeface="+mn-cs"/>
-              </a:defRPr>
-            </a:lvl7pPr>
-            <a:lvl8pPr marL="3200400" algn="l" defTabSz="914400" rtl="0" eaLnBrk="1" latinLnBrk="0" hangingPunct="1">
-              <a:defRPr sz="1800" kern="1200">
-                <a:solidFill>
-                  <a:schemeClr val="tx1"/>
-                </a:solidFill>
-                <a:latin typeface="+mn-lt"/>
-                <a:ea typeface="+mn-ea"/>
-                <a:cs typeface="+mn-cs"/>
-              </a:defRPr>
-            </a:lvl8pPr>
-            <a:lvl9pPr marL="3657600" algn="l" defTabSz="914400" rtl="0" eaLnBrk="1" latinLnBrk="0" hangingPunct="1">
-              <a:defRPr sz="1800" kern="1200">
-                <a:solidFill>
-                  <a:schemeClr val="tx1"/>
-                </a:solidFill>
-                <a:latin typeface="+mn-lt"/>
-                <a:ea typeface="+mn-ea"/>
-                <a:cs typeface="+mn-cs"/>
-              </a:defRPr>
-            </a:lvl9pPr>
-          </a:lstStyle>
-          <a:p>
-            <a:r>
-              <a:rPr lang="en-US" dirty="0" smtClean="0"/>
-              <a:t>X</a:t>
-            </a:r>
-            <a:endParaRPr lang="en-US" dirty="0"/>
-          </a:p>
-        </p:txBody>
-      </p:sp>
-    </p:spTree>
-    <p:extLst>
-      <p:ext uri="{BB962C8B-B14F-4D97-AF65-F5344CB8AC3E}">
-        <p14:creationId xmlns:p14="http://schemas.microsoft.com/office/powerpoint/2010/main" val="3533569521"/>
-      </p:ext>
-    </p:extLst>
-  </p:cSld>
-  <p:clrMapOvr>
-    <a:masterClrMapping/>
-  </p:clrMapOvr>
-  <p:timing>
-    <p:tnLst>
-      <p:par>
-        <p:cTn id="1" dur="indefinite" restart="never" nodeType="tmRoot"/>
-      </p:par>
-    </p:tnLst>
-  </p:timing>
-</p:sld>
-</file>
-
-<file path=ppt/slides/slide2.xml><?xml version="1.0" encoding="utf-8"?>
-<p:sld xmlns:a="http://schemas.openxmlformats.org/drawingml/2006/main" xmlns:r="http://schemas.openxmlformats.org/officeDocument/2006/relationships" xmlns:p="http://schemas.openxmlformats.org/presentationml/2006/main">
-  <p:cSld>
-    <p:spTree>
-      <p:nvGrpSpPr>
-        <p:cNvPr id="1" name=""/>
-        <p:cNvGrpSpPr/>
-        <p:nvPr/>
-      </p:nvGrpSpPr>
-      <p:grpSpPr>
-        <a:xfrm>
-          <a:off x="0" y="0"/>
-          <a:ext cx="0" cy="0"/>
-          <a:chOff x="0" y="0"/>
-          <a:chExt cx="0" cy="0"/>
-        </a:xfrm>
-      </p:grpSpPr>
-      <p:sp>
-        <p:nvSpPr>
           <p:cNvPr id="2" name="Title 1"/>
           <p:cNvSpPr>
             <a:spLocks noGrp="1"/>
@@ -6840,9 +5202,9 @@
           <a:bodyPr/>
           <a:lstStyle/>
           <a:p>
-            <a:fld id="{61EA8BAE-70E6-4079-996B-BA7EFBB0E77B}" type="datetime3">
+            <a:fld id="{1FF8F6A9-0EE7-47C4-A5CE-E7B5A35160A1}" type="datetime3">
               <a:rPr lang="en-US" smtClean="0"/>
-              <a:t>29 December 2018</a:t>
+              <a:t>3 January 2019</a:t>
             </a:fld>
             <a:endParaRPr lang="en-US"/>
           </a:p>
@@ -6865,7 +5227,7 @@
           <a:p>
             <a:r>
               <a:rPr lang="en-US" smtClean="0"/>
-              <a:t>© Sai Prasad Ashila</a:t>
+              <a:t>sai Prasad Ashila</a:t>
             </a:r>
             <a:endParaRPr lang="en-US"/>
           </a:p>
@@ -6888,9 +5250,172 @@
           <a:p>
             <a:fld id="{2EE3F54D-A22C-49A4-910F-D37A9559DC15}" type="slidenum">
               <a:rPr lang="en-US" smtClean="0"/>
-              <a:t>2</a:t>
+              <a:t>1</a:t>
             </a:fld>
             <a:endParaRPr lang="en-US"/>
+          </a:p>
+        </p:txBody>
+      </p:sp>
+      <p:sp>
+        <p:nvSpPr>
+          <p:cNvPr id="3" name="Left Brace 2"/>
+          <p:cNvSpPr/>
+          <p:nvPr/>
+        </p:nvSpPr>
+        <p:spPr>
+          <a:xfrm>
+            <a:off x="533401" y="3705890"/>
+            <a:ext cx="228600" cy="762000"/>
+          </a:xfrm>
+          <a:prstGeom prst="leftBrace">
+            <a:avLst/>
+          </a:prstGeom>
+          <a:ln w="38100"/>
+        </p:spPr>
+        <p:style>
+          <a:lnRef idx="1">
+            <a:schemeClr val="accent1"/>
+          </a:lnRef>
+          <a:fillRef idx="0">
+            <a:schemeClr val="accent1"/>
+          </a:fillRef>
+          <a:effectRef idx="0">
+            <a:schemeClr val="accent1"/>
+          </a:effectRef>
+          <a:fontRef idx="minor">
+            <a:schemeClr val="tx1"/>
+          </a:fontRef>
+        </p:style>
+        <p:txBody>
+          <a:bodyPr rtlCol="0" anchor="ctr"/>
+          <a:lstStyle/>
+          <a:p>
+            <a:pPr algn="ctr"/>
+            <a:endParaRPr lang="en-US"/>
+          </a:p>
+        </p:txBody>
+      </p:sp>
+      <p:sp>
+        <p:nvSpPr>
+          <p:cNvPr id="23" name="TextBox 27"/>
+          <p:cNvSpPr txBox="1"/>
+          <p:nvPr/>
+        </p:nvSpPr>
+        <p:spPr>
+          <a:xfrm>
+            <a:off x="211811" y="3903784"/>
+            <a:ext cx="228600" cy="369332"/>
+          </a:xfrm>
+          <a:prstGeom prst="rect">
+            <a:avLst/>
+          </a:prstGeom>
+          <a:noFill/>
+        </p:spPr>
+        <p:txBody>
+          <a:bodyPr wrap="square" rtlCol="0">
+            <a:spAutoFit/>
+          </a:bodyPr>
+          <a:lstStyle>
+            <a:defPPr>
+              <a:defRPr lang="en-US"/>
+            </a:defPPr>
+            <a:lvl1pPr marL="0" algn="l" defTabSz="914400" rtl="0" eaLnBrk="1" latinLnBrk="0" hangingPunct="1">
+              <a:defRPr sz="1800" kern="1200">
+                <a:solidFill>
+                  <a:schemeClr val="tx1"/>
+                </a:solidFill>
+                <a:latin typeface="+mn-lt"/>
+                <a:ea typeface="+mn-ea"/>
+                <a:cs typeface="+mn-cs"/>
+              </a:defRPr>
+            </a:lvl1pPr>
+            <a:lvl2pPr marL="457200" algn="l" defTabSz="914400" rtl="0" eaLnBrk="1" latinLnBrk="0" hangingPunct="1">
+              <a:defRPr sz="1800" kern="1200">
+                <a:solidFill>
+                  <a:schemeClr val="tx1"/>
+                </a:solidFill>
+                <a:latin typeface="+mn-lt"/>
+                <a:ea typeface="+mn-ea"/>
+                <a:cs typeface="+mn-cs"/>
+              </a:defRPr>
+            </a:lvl2pPr>
+            <a:lvl3pPr marL="914400" algn="l" defTabSz="914400" rtl="0" eaLnBrk="1" latinLnBrk="0" hangingPunct="1">
+              <a:defRPr sz="1800" kern="1200">
+                <a:solidFill>
+                  <a:schemeClr val="tx1"/>
+                </a:solidFill>
+                <a:latin typeface="+mn-lt"/>
+                <a:ea typeface="+mn-ea"/>
+                <a:cs typeface="+mn-cs"/>
+              </a:defRPr>
+            </a:lvl3pPr>
+            <a:lvl4pPr marL="1371600" algn="l" defTabSz="914400" rtl="0" eaLnBrk="1" latinLnBrk="0" hangingPunct="1">
+              <a:defRPr sz="1800" kern="1200">
+                <a:solidFill>
+                  <a:schemeClr val="tx1"/>
+                </a:solidFill>
+                <a:latin typeface="+mn-lt"/>
+                <a:ea typeface="+mn-ea"/>
+                <a:cs typeface="+mn-cs"/>
+              </a:defRPr>
+            </a:lvl4pPr>
+            <a:lvl5pPr marL="1828800" algn="l" defTabSz="914400" rtl="0" eaLnBrk="1" latinLnBrk="0" hangingPunct="1">
+              <a:defRPr sz="1800" kern="1200">
+                <a:solidFill>
+                  <a:schemeClr val="tx1"/>
+                </a:solidFill>
+                <a:latin typeface="+mn-lt"/>
+                <a:ea typeface="+mn-ea"/>
+                <a:cs typeface="+mn-cs"/>
+              </a:defRPr>
+            </a:lvl5pPr>
+            <a:lvl6pPr marL="2286000" algn="l" defTabSz="914400" rtl="0" eaLnBrk="1" latinLnBrk="0" hangingPunct="1">
+              <a:defRPr sz="1800" kern="1200">
+                <a:solidFill>
+                  <a:schemeClr val="tx1"/>
+                </a:solidFill>
+                <a:latin typeface="+mn-lt"/>
+                <a:ea typeface="+mn-ea"/>
+                <a:cs typeface="+mn-cs"/>
+              </a:defRPr>
+            </a:lvl6pPr>
+            <a:lvl7pPr marL="2743200" algn="l" defTabSz="914400" rtl="0" eaLnBrk="1" latinLnBrk="0" hangingPunct="1">
+              <a:defRPr sz="1800" kern="1200">
+                <a:solidFill>
+                  <a:schemeClr val="tx1"/>
+                </a:solidFill>
+                <a:latin typeface="+mn-lt"/>
+                <a:ea typeface="+mn-ea"/>
+                <a:cs typeface="+mn-cs"/>
+              </a:defRPr>
+            </a:lvl7pPr>
+            <a:lvl8pPr marL="3200400" algn="l" defTabSz="914400" rtl="0" eaLnBrk="1" latinLnBrk="0" hangingPunct="1">
+              <a:defRPr sz="1800" kern="1200">
+                <a:solidFill>
+                  <a:schemeClr val="tx1"/>
+                </a:solidFill>
+                <a:latin typeface="+mn-lt"/>
+                <a:ea typeface="+mn-ea"/>
+                <a:cs typeface="+mn-cs"/>
+              </a:defRPr>
+            </a:lvl8pPr>
+            <a:lvl9pPr marL="3657600" algn="l" defTabSz="914400" rtl="0" eaLnBrk="1" latinLnBrk="0" hangingPunct="1">
+              <a:defRPr sz="1800" kern="1200">
+                <a:solidFill>
+                  <a:schemeClr val="tx1"/>
+                </a:solidFill>
+                <a:latin typeface="+mn-lt"/>
+                <a:ea typeface="+mn-ea"/>
+                <a:cs typeface="+mn-cs"/>
+              </a:defRPr>
+            </a:lvl9pPr>
+          </a:lstStyle>
+          <a:p>
+            <a:r>
+              <a:rPr lang="en-US" dirty="0"/>
+              <a:t>C</a:t>
+            </a:r>
+            <a:endParaRPr lang="en-US" dirty="0"/>
           </a:p>
         </p:txBody>
       </p:sp>
@@ -8532,6 +7057,302 @@
                                         </p:tav>
                                       </p:tavLst>
                                     </p:anim>
+                                  </p:childTnLst>
+                                </p:cTn>
+                              </p:par>
+                            </p:childTnLst>
+                          </p:cTn>
+                        </p:par>
+                      </p:childTnLst>
+                    </p:cTn>
+                  </p:par>
+                  <p:par>
+                    <p:cTn id="104" fill="hold">
+                      <p:stCondLst>
+                        <p:cond delay="indefinite"/>
+                      </p:stCondLst>
+                      <p:childTnLst>
+                        <p:par>
+                          <p:cTn id="105" fill="hold">
+                            <p:stCondLst>
+                              <p:cond delay="0"/>
+                            </p:stCondLst>
+                            <p:childTnLst>
+                              <p:par>
+                                <p:cTn id="106" presetID="26" presetClass="entr" presetSubtype="0" fill="hold" grpId="0" nodeType="clickEffect">
+                                  <p:stCondLst>
+                                    <p:cond delay="0"/>
+                                  </p:stCondLst>
+                                  <p:childTnLst>
+                                    <p:set>
+                                      <p:cBhvr>
+                                        <p:cTn id="107" dur="1" fill="hold">
+                                          <p:stCondLst>
+                                            <p:cond delay="0"/>
+                                          </p:stCondLst>
+                                        </p:cTn>
+                                        <p:tgtEl>
+                                          <p:spTgt spid="23"/>
+                                        </p:tgtEl>
+                                        <p:attrNameLst>
+                                          <p:attrName>style.visibility</p:attrName>
+                                        </p:attrNameLst>
+                                      </p:cBhvr>
+                                      <p:to>
+                                        <p:strVal val="visible"/>
+                                      </p:to>
+                                    </p:set>
+                                    <p:animEffect transition="in" filter="wipe(down)">
+                                      <p:cBhvr>
+                                        <p:cTn id="108" dur="580">
+                                          <p:stCondLst>
+                                            <p:cond delay="0"/>
+                                          </p:stCondLst>
+                                        </p:cTn>
+                                        <p:tgtEl>
+                                          <p:spTgt spid="23"/>
+                                        </p:tgtEl>
+                                      </p:cBhvr>
+                                    </p:animEffect>
+                                    <p:anim calcmode="lin" valueType="num">
+                                      <p:cBhvr>
+                                        <p:cTn id="109" dur="1822" tmFilter="0,0; 0.14,0.36; 0.43,0.73; 0.71,0.91; 1.0,1.0">
+                                          <p:stCondLst>
+                                            <p:cond delay="0"/>
+                                          </p:stCondLst>
+                                        </p:cTn>
+                                        <p:tgtEl>
+                                          <p:spTgt spid="23"/>
+                                        </p:tgtEl>
+                                        <p:attrNameLst>
+                                          <p:attrName>ppt_x</p:attrName>
+                                        </p:attrNameLst>
+                                      </p:cBhvr>
+                                      <p:tavLst>
+                                        <p:tav tm="0">
+                                          <p:val>
+                                            <p:strVal val="#ppt_x-0.25"/>
+                                          </p:val>
+                                        </p:tav>
+                                        <p:tav tm="100000">
+                                          <p:val>
+                                            <p:strVal val="#ppt_x"/>
+                                          </p:val>
+                                        </p:tav>
+                                      </p:tavLst>
+                                    </p:anim>
+                                    <p:anim calcmode="lin" valueType="num">
+                                      <p:cBhvr>
+                                        <p:cTn id="110" dur="664" tmFilter="0.0,0.0; 0.25,0.07; 0.50,0.2; 0.75,0.467; 1.0,1.0">
+                                          <p:stCondLst>
+                                            <p:cond delay="0"/>
+                                          </p:stCondLst>
+                                        </p:cTn>
+                                        <p:tgtEl>
+                                          <p:spTgt spid="23"/>
+                                        </p:tgtEl>
+                                        <p:attrNameLst>
+                                          <p:attrName>ppt_y</p:attrName>
+                                        </p:attrNameLst>
+                                      </p:cBhvr>
+                                      <p:tavLst>
+                                        <p:tav tm="0" fmla="#ppt_y-sin(pi*$)/3">
+                                          <p:val>
+                                            <p:fltVal val="0.5"/>
+                                          </p:val>
+                                        </p:tav>
+                                        <p:tav tm="100000">
+                                          <p:val>
+                                            <p:fltVal val="1"/>
+                                          </p:val>
+                                        </p:tav>
+                                      </p:tavLst>
+                                    </p:anim>
+                                    <p:anim calcmode="lin" valueType="num">
+                                      <p:cBhvr>
+                                        <p:cTn id="111" dur="664" tmFilter="0, 0; 0.125,0.2665; 0.25,0.4; 0.375,0.465; 0.5,0.5;  0.625,0.535; 0.75,0.6; 0.875,0.7335; 1,1">
+                                          <p:stCondLst>
+                                            <p:cond delay="664"/>
+                                          </p:stCondLst>
+                                        </p:cTn>
+                                        <p:tgtEl>
+                                          <p:spTgt spid="23"/>
+                                        </p:tgtEl>
+                                        <p:attrNameLst>
+                                          <p:attrName>ppt_y</p:attrName>
+                                        </p:attrNameLst>
+                                      </p:cBhvr>
+                                      <p:tavLst>
+                                        <p:tav tm="0" fmla="#ppt_y-sin(pi*$)/9">
+                                          <p:val>
+                                            <p:fltVal val="0"/>
+                                          </p:val>
+                                        </p:tav>
+                                        <p:tav tm="100000">
+                                          <p:val>
+                                            <p:fltVal val="1"/>
+                                          </p:val>
+                                        </p:tav>
+                                      </p:tavLst>
+                                    </p:anim>
+                                    <p:anim calcmode="lin" valueType="num">
+                                      <p:cBhvr>
+                                        <p:cTn id="112" dur="332" tmFilter="0, 0; 0.125,0.2665; 0.25,0.4; 0.375,0.465; 0.5,0.5;  0.625,0.535; 0.75,0.6; 0.875,0.7335; 1,1">
+                                          <p:stCondLst>
+                                            <p:cond delay="1324"/>
+                                          </p:stCondLst>
+                                        </p:cTn>
+                                        <p:tgtEl>
+                                          <p:spTgt spid="23"/>
+                                        </p:tgtEl>
+                                        <p:attrNameLst>
+                                          <p:attrName>ppt_y</p:attrName>
+                                        </p:attrNameLst>
+                                      </p:cBhvr>
+                                      <p:tavLst>
+                                        <p:tav tm="0" fmla="#ppt_y-sin(pi*$)/27">
+                                          <p:val>
+                                            <p:fltVal val="0"/>
+                                          </p:val>
+                                        </p:tav>
+                                        <p:tav tm="100000">
+                                          <p:val>
+                                            <p:fltVal val="1"/>
+                                          </p:val>
+                                        </p:tav>
+                                      </p:tavLst>
+                                    </p:anim>
+                                    <p:anim calcmode="lin" valueType="num">
+                                      <p:cBhvr>
+                                        <p:cTn id="113" dur="164" tmFilter="0, 0; 0.125,0.2665; 0.25,0.4; 0.375,0.465; 0.5,0.5;  0.625,0.535; 0.75,0.6; 0.875,0.7335; 1,1">
+                                          <p:stCondLst>
+                                            <p:cond delay="1656"/>
+                                          </p:stCondLst>
+                                        </p:cTn>
+                                        <p:tgtEl>
+                                          <p:spTgt spid="23"/>
+                                        </p:tgtEl>
+                                        <p:attrNameLst>
+                                          <p:attrName>ppt_y</p:attrName>
+                                        </p:attrNameLst>
+                                      </p:cBhvr>
+                                      <p:tavLst>
+                                        <p:tav tm="0" fmla="#ppt_y-sin(pi*$)/81">
+                                          <p:val>
+                                            <p:fltVal val="0"/>
+                                          </p:val>
+                                        </p:tav>
+                                        <p:tav tm="100000">
+                                          <p:val>
+                                            <p:fltVal val="1"/>
+                                          </p:val>
+                                        </p:tav>
+                                      </p:tavLst>
+                                    </p:anim>
+                                    <p:animScale>
+                                      <p:cBhvr>
+                                        <p:cTn id="114" dur="26">
+                                          <p:stCondLst>
+                                            <p:cond delay="650"/>
+                                          </p:stCondLst>
+                                        </p:cTn>
+                                        <p:tgtEl>
+                                          <p:spTgt spid="23"/>
+                                        </p:tgtEl>
+                                      </p:cBhvr>
+                                      <p:to x="100000" y="60000"/>
+                                    </p:animScale>
+                                    <p:animScale>
+                                      <p:cBhvr>
+                                        <p:cTn id="115" dur="166" decel="50000">
+                                          <p:stCondLst>
+                                            <p:cond delay="676"/>
+                                          </p:stCondLst>
+                                        </p:cTn>
+                                        <p:tgtEl>
+                                          <p:spTgt spid="23"/>
+                                        </p:tgtEl>
+                                      </p:cBhvr>
+                                      <p:to x="100000" y="100000"/>
+                                    </p:animScale>
+                                    <p:animScale>
+                                      <p:cBhvr>
+                                        <p:cTn id="116" dur="26">
+                                          <p:stCondLst>
+                                            <p:cond delay="1312"/>
+                                          </p:stCondLst>
+                                        </p:cTn>
+                                        <p:tgtEl>
+                                          <p:spTgt spid="23"/>
+                                        </p:tgtEl>
+                                      </p:cBhvr>
+                                      <p:to x="100000" y="80000"/>
+                                    </p:animScale>
+                                    <p:animScale>
+                                      <p:cBhvr>
+                                        <p:cTn id="117" dur="166" decel="50000">
+                                          <p:stCondLst>
+                                            <p:cond delay="1338"/>
+                                          </p:stCondLst>
+                                        </p:cTn>
+                                        <p:tgtEl>
+                                          <p:spTgt spid="23"/>
+                                        </p:tgtEl>
+                                      </p:cBhvr>
+                                      <p:to x="100000" y="100000"/>
+                                    </p:animScale>
+                                    <p:animScale>
+                                      <p:cBhvr>
+                                        <p:cTn id="118" dur="26">
+                                          <p:stCondLst>
+                                            <p:cond delay="1642"/>
+                                          </p:stCondLst>
+                                        </p:cTn>
+                                        <p:tgtEl>
+                                          <p:spTgt spid="23"/>
+                                        </p:tgtEl>
+                                      </p:cBhvr>
+                                      <p:to x="100000" y="90000"/>
+                                    </p:animScale>
+                                    <p:animScale>
+                                      <p:cBhvr>
+                                        <p:cTn id="119" dur="166" decel="50000">
+                                          <p:stCondLst>
+                                            <p:cond delay="1668"/>
+                                          </p:stCondLst>
+                                        </p:cTn>
+                                        <p:tgtEl>
+                                          <p:spTgt spid="23"/>
+                                        </p:tgtEl>
+                                      </p:cBhvr>
+                                      <p:to x="100000" y="100000"/>
+                                    </p:animScale>
+                                    <p:animScale>
+                                      <p:cBhvr>
+                                        <p:cTn id="120" dur="26">
+                                          <p:stCondLst>
+                                            <p:cond delay="1808"/>
+                                          </p:stCondLst>
+                                        </p:cTn>
+                                        <p:tgtEl>
+                                          <p:spTgt spid="23"/>
+                                        </p:tgtEl>
+                                      </p:cBhvr>
+                                      <p:to x="100000" y="95000"/>
+                                    </p:animScale>
+                                    <p:animScale>
+                                      <p:cBhvr>
+                                        <p:cTn id="121" dur="166" decel="50000">
+                                          <p:stCondLst>
+                                            <p:cond delay="1834"/>
+                                          </p:stCondLst>
+                                        </p:cTn>
+                                        <p:tgtEl>
+                                          <p:spTgt spid="23"/>
+                                        </p:tgtEl>
+                                      </p:cBhvr>
+                                      <p:to x="100000" y="100000"/>
+                                    </p:animScale>
                                   </p:childTnLst>
                                 </p:cTn>
                               </p:par>
@@ -8574,7 +7395,6289 @@
       <p:bldP spid="17" grpId="0"/>
       <p:bldP spid="18" grpId="0"/>
       <p:bldP spid="19" grpId="0"/>
+      <p:bldP spid="23" grpId="0"/>
     </p:bldLst>
+  </p:timing>
+</p:sld>
+</file>
+
+<file path=ppt/slides/slide2.xml><?xml version="1.0" encoding="utf-8"?>
+<p:sld xmlns:a="http://schemas.openxmlformats.org/drawingml/2006/main" xmlns:r="http://schemas.openxmlformats.org/officeDocument/2006/relationships" xmlns:p="http://schemas.openxmlformats.org/presentationml/2006/main">
+  <p:cSld>
+    <p:spTree>
+      <p:nvGrpSpPr>
+        <p:cNvPr id="1" name=""/>
+        <p:cNvGrpSpPr/>
+        <p:nvPr/>
+      </p:nvGrpSpPr>
+      <p:grpSpPr>
+        <a:xfrm>
+          <a:off x="0" y="0"/>
+          <a:ext cx="0" cy="0"/>
+          <a:chOff x="0" y="0"/>
+          <a:chExt cx="0" cy="0"/>
+        </a:xfrm>
+      </p:grpSpPr>
+      <p:sp>
+        <p:nvSpPr>
+          <p:cNvPr id="2" name="Title 1"/>
+          <p:cNvSpPr>
+            <a:spLocks noGrp="1"/>
+          </p:cNvSpPr>
+          <p:nvPr>
+            <p:ph type="title"/>
+          </p:nvPr>
+        </p:nvSpPr>
+        <p:spPr/>
+        <p:txBody>
+          <a:bodyPr/>
+          <a:lstStyle/>
+          <a:p>
+            <a:r>
+              <a:rPr lang="en-US" dirty="0">
+                <a:solidFill>
+                  <a:schemeClr val="accent1">
+                    <a:lumMod val="75000"/>
+                  </a:schemeClr>
+                </a:solidFill>
+              </a:rPr>
+              <a:t>Linear Regression</a:t>
+            </a:r>
+            <a:endParaRPr lang="en-US" dirty="0"/>
+          </a:p>
+        </p:txBody>
+      </p:sp>
+      <p:sp>
+        <p:nvSpPr>
+          <p:cNvPr id="4" name="TextBox 3"/>
+          <p:cNvSpPr txBox="1"/>
+          <p:nvPr/>
+        </p:nvSpPr>
+        <p:spPr>
+          <a:xfrm>
+            <a:off x="304800" y="1219200"/>
+            <a:ext cx="6934200" cy="1200329"/>
+          </a:xfrm>
+          <a:prstGeom prst="rect">
+            <a:avLst/>
+          </a:prstGeom>
+          <a:noFill/>
+        </p:spPr>
+        <p:txBody>
+          <a:bodyPr wrap="square" rtlCol="0">
+            <a:spAutoFit/>
+          </a:bodyPr>
+          <a:lstStyle/>
+          <a:p>
+            <a:r>
+              <a:rPr lang="en-US" b="1" u="sng" dirty="0" smtClean="0"/>
+              <a:t>Problem Statement:</a:t>
+            </a:r>
+            <a:r>
+              <a:rPr lang="en-US" dirty="0" smtClean="0"/>
+              <a:t> To estimate the salary of the employee for a give particular years of experience based on the trend followed.</a:t>
+            </a:r>
+          </a:p>
+          <a:p>
+            <a:r>
+              <a:rPr lang="en-US" b="1" u="sng" dirty="0" smtClean="0"/>
+              <a:t>Given: </a:t>
+            </a:r>
+            <a:r>
+              <a:rPr lang="en-US" dirty="0" smtClean="0"/>
+              <a:t>data of level of experience and corresponding salaries as shown below</a:t>
+            </a:r>
+            <a:endParaRPr lang="en-US" b="1" u="sng" dirty="0"/>
+          </a:p>
+        </p:txBody>
+      </p:sp>
+      <p:pic>
+        <p:nvPicPr>
+          <p:cNvPr id="5" name="Picture 4"/>
+          <p:cNvPicPr>
+            <a:picLocks noChangeAspect="1"/>
+          </p:cNvPicPr>
+          <p:nvPr/>
+        </p:nvPicPr>
+        <p:blipFill>
+          <a:blip r:embed="rId2"/>
+          <a:stretch>
+            <a:fillRect/>
+          </a:stretch>
+        </p:blipFill>
+        <p:spPr>
+          <a:xfrm>
+            <a:off x="6019800" y="2514600"/>
+            <a:ext cx="2609850" cy="3295650"/>
+          </a:xfrm>
+          <a:prstGeom prst="rect">
+            <a:avLst/>
+          </a:prstGeom>
+          <a:ln w="88900" cap="sq" cmpd="thickThin">
+            <a:solidFill>
+              <a:srgbClr val="000000"/>
+            </a:solidFill>
+            <a:prstDash val="solid"/>
+            <a:miter lim="800000"/>
+          </a:ln>
+          <a:effectLst>
+            <a:innerShdw blurRad="76200">
+              <a:srgbClr val="000000"/>
+            </a:innerShdw>
+          </a:effectLst>
+        </p:spPr>
+      </p:pic>
+      <p:sp>
+        <p:nvSpPr>
+          <p:cNvPr id="6" name="TextBox 5"/>
+          <p:cNvSpPr txBox="1"/>
+          <p:nvPr/>
+        </p:nvSpPr>
+        <p:spPr>
+          <a:xfrm>
+            <a:off x="304800" y="2419529"/>
+            <a:ext cx="3581400" cy="1200329"/>
+          </a:xfrm>
+          <a:prstGeom prst="rect">
+            <a:avLst/>
+          </a:prstGeom>
+          <a:noFill/>
+        </p:spPr>
+        <p:txBody>
+          <a:bodyPr wrap="square" rtlCol="0">
+            <a:spAutoFit/>
+          </a:bodyPr>
+          <a:lstStyle/>
+          <a:p>
+            <a:r>
+              <a:rPr lang="en-US" b="1" u="sng" dirty="0" smtClean="0"/>
+              <a:t>Expectation </a:t>
+            </a:r>
+            <a:r>
+              <a:rPr lang="en-US" b="1" u="sng" dirty="0"/>
+              <a:t>of the regression: </a:t>
+            </a:r>
+            <a:r>
+              <a:rPr lang="en-US" dirty="0"/>
+              <a:t> To estimate the salary for any given experience level.</a:t>
+            </a:r>
+            <a:endParaRPr lang="en-US" b="1" u="sng" dirty="0"/>
+          </a:p>
+          <a:p>
+            <a:endParaRPr lang="en-US" dirty="0"/>
+          </a:p>
+        </p:txBody>
+      </p:sp>
+      <p:sp>
+        <p:nvSpPr>
+          <p:cNvPr id="7" name="Date Placeholder 6"/>
+          <p:cNvSpPr>
+            <a:spLocks noGrp="1"/>
+          </p:cNvSpPr>
+          <p:nvPr>
+            <p:ph type="dt" sz="half" idx="10"/>
+          </p:nvPr>
+        </p:nvSpPr>
+        <p:spPr/>
+        <p:txBody>
+          <a:bodyPr/>
+          <a:lstStyle/>
+          <a:p>
+            <a:fld id="{CE5545B6-6FDD-460F-A1D5-7DBF4363784A}" type="datetime3">
+              <a:rPr lang="en-US" smtClean="0"/>
+              <a:t>3 January 2019</a:t>
+            </a:fld>
+            <a:endParaRPr lang="en-US"/>
+          </a:p>
+        </p:txBody>
+      </p:sp>
+      <p:sp>
+        <p:nvSpPr>
+          <p:cNvPr id="8" name="Footer Placeholder 7"/>
+          <p:cNvSpPr>
+            <a:spLocks noGrp="1"/>
+          </p:cNvSpPr>
+          <p:nvPr>
+            <p:ph type="ftr" sz="quarter" idx="11"/>
+          </p:nvPr>
+        </p:nvSpPr>
+        <p:spPr/>
+        <p:txBody>
+          <a:bodyPr/>
+          <a:lstStyle/>
+          <a:p>
+            <a:r>
+              <a:rPr lang="en-US" smtClean="0"/>
+              <a:t>sai Prasad Ashila</a:t>
+            </a:r>
+            <a:endParaRPr lang="en-US"/>
+          </a:p>
+        </p:txBody>
+      </p:sp>
+      <p:sp>
+        <p:nvSpPr>
+          <p:cNvPr id="9" name="Slide Number Placeholder 8"/>
+          <p:cNvSpPr>
+            <a:spLocks noGrp="1"/>
+          </p:cNvSpPr>
+          <p:nvPr>
+            <p:ph type="sldNum" sz="quarter" idx="12"/>
+          </p:nvPr>
+        </p:nvSpPr>
+        <p:spPr/>
+        <p:txBody>
+          <a:bodyPr/>
+          <a:lstStyle/>
+          <a:p>
+            <a:fld id="{2EE3F54D-A22C-49A4-910F-D37A9559DC15}" type="slidenum">
+              <a:rPr lang="en-US" smtClean="0"/>
+              <a:t>2</a:t>
+            </a:fld>
+            <a:endParaRPr lang="en-US"/>
+          </a:p>
+        </p:txBody>
+      </p:sp>
+    </p:spTree>
+    <p:extLst>
+      <p:ext uri="{BB962C8B-B14F-4D97-AF65-F5344CB8AC3E}">
+        <p14:creationId xmlns:p14="http://schemas.microsoft.com/office/powerpoint/2010/main" val="2332468388"/>
+      </p:ext>
+    </p:extLst>
+  </p:cSld>
+  <p:clrMapOvr>
+    <a:masterClrMapping/>
+  </p:clrMapOvr>
+  <p:timing>
+    <p:tnLst>
+      <p:par>
+        <p:cTn id="1" dur="indefinite" restart="never" nodeType="tmRoot"/>
+      </p:par>
+    </p:tnLst>
+  </p:timing>
+</p:sld>
+</file>
+
+<file path=ppt/slides/slide3.xml><?xml version="1.0" encoding="utf-8"?>
+<p:sld xmlns:a="http://schemas.openxmlformats.org/drawingml/2006/main" xmlns:r="http://schemas.openxmlformats.org/officeDocument/2006/relationships" xmlns:p="http://schemas.openxmlformats.org/presentationml/2006/main">
+  <p:cSld>
+    <p:spTree>
+      <p:nvGrpSpPr>
+        <p:cNvPr id="1" name=""/>
+        <p:cNvGrpSpPr/>
+        <p:nvPr/>
+      </p:nvGrpSpPr>
+      <p:grpSpPr>
+        <a:xfrm>
+          <a:off x="0" y="0"/>
+          <a:ext cx="0" cy="0"/>
+          <a:chOff x="0" y="0"/>
+          <a:chExt cx="0" cy="0"/>
+        </a:xfrm>
+      </p:grpSpPr>
+      <p:sp>
+        <p:nvSpPr>
+          <p:cNvPr id="2" name="Title 1"/>
+          <p:cNvSpPr>
+            <a:spLocks noGrp="1"/>
+          </p:cNvSpPr>
+          <p:nvPr>
+            <p:ph type="title"/>
+          </p:nvPr>
+        </p:nvSpPr>
+        <p:spPr/>
+        <p:txBody>
+          <a:bodyPr/>
+          <a:lstStyle/>
+          <a:p>
+            <a:r>
+              <a:rPr lang="en-US" dirty="0">
+                <a:solidFill>
+                  <a:schemeClr val="accent1">
+                    <a:lumMod val="75000"/>
+                  </a:schemeClr>
+                </a:solidFill>
+              </a:rPr>
+              <a:t>Linear Regression</a:t>
+            </a:r>
+            <a:endParaRPr lang="en-US" dirty="0"/>
+          </a:p>
+        </p:txBody>
+      </p:sp>
+      <p:grpSp>
+        <p:nvGrpSpPr>
+          <p:cNvPr id="4" name="Group 3"/>
+          <p:cNvGrpSpPr/>
+          <p:nvPr/>
+        </p:nvGrpSpPr>
+        <p:grpSpPr>
+          <a:xfrm>
+            <a:off x="837803" y="1648490"/>
+            <a:ext cx="3124994" cy="2820988"/>
+            <a:chOff x="989806" y="1143000"/>
+            <a:chExt cx="3124994" cy="2820988"/>
+          </a:xfrm>
+        </p:grpSpPr>
+        <p:cxnSp>
+          <p:nvCxnSpPr>
+            <p:cNvPr id="5" name="Straight Arrow Connector 4"/>
+            <p:cNvCxnSpPr/>
+            <p:nvPr/>
+          </p:nvCxnSpPr>
+          <p:spPr>
+            <a:xfrm rot="5400000" flipH="1" flipV="1">
+              <a:off x="-419894" y="2552700"/>
+              <a:ext cx="2820194" cy="794"/>
+            </a:xfrm>
+            <a:prstGeom prst="straightConnector1">
+              <a:avLst/>
+            </a:prstGeom>
+            <a:ln w="38100">
+              <a:tailEnd type="arrow"/>
+            </a:ln>
+          </p:spPr>
+          <p:style>
+            <a:lnRef idx="1">
+              <a:schemeClr val="accent1"/>
+            </a:lnRef>
+            <a:fillRef idx="0">
+              <a:schemeClr val="accent1"/>
+            </a:fillRef>
+            <a:effectRef idx="0">
+              <a:schemeClr val="accent1"/>
+            </a:effectRef>
+            <a:fontRef idx="minor">
+              <a:schemeClr val="tx1"/>
+            </a:fontRef>
+          </p:style>
+        </p:cxnSp>
+        <p:cxnSp>
+          <p:nvCxnSpPr>
+            <p:cNvPr id="6" name="Straight Arrow Connector 5"/>
+            <p:cNvCxnSpPr/>
+            <p:nvPr/>
+          </p:nvCxnSpPr>
+          <p:spPr>
+            <a:xfrm>
+              <a:off x="990600" y="3962400"/>
+              <a:ext cx="3124200" cy="1588"/>
+            </a:xfrm>
+            <a:prstGeom prst="straightConnector1">
+              <a:avLst/>
+            </a:prstGeom>
+            <a:ln w="38100">
+              <a:tailEnd type="arrow"/>
+            </a:ln>
+          </p:spPr>
+          <p:style>
+            <a:lnRef idx="1">
+              <a:schemeClr val="accent1"/>
+            </a:lnRef>
+            <a:fillRef idx="0">
+              <a:schemeClr val="accent1"/>
+            </a:fillRef>
+            <a:effectRef idx="0">
+              <a:schemeClr val="accent1"/>
+            </a:effectRef>
+            <a:fontRef idx="minor">
+              <a:schemeClr val="tx1"/>
+            </a:fontRef>
+          </p:style>
+        </p:cxnSp>
+      </p:grpSp>
+      <p:sp>
+        <p:nvSpPr>
+          <p:cNvPr id="7" name="TextBox 27"/>
+          <p:cNvSpPr txBox="1"/>
+          <p:nvPr/>
+        </p:nvSpPr>
+        <p:spPr>
+          <a:xfrm>
+            <a:off x="4038996" y="4240878"/>
+            <a:ext cx="837803" cy="369332"/>
+          </a:xfrm>
+          <a:prstGeom prst="rect">
+            <a:avLst/>
+          </a:prstGeom>
+          <a:noFill/>
+        </p:spPr>
+        <p:txBody>
+          <a:bodyPr wrap="square" rtlCol="0">
+            <a:spAutoFit/>
+          </a:bodyPr>
+          <a:lstStyle>
+            <a:defPPr>
+              <a:defRPr lang="en-US"/>
+            </a:defPPr>
+            <a:lvl1pPr marL="0" algn="l" defTabSz="914400" rtl="0" eaLnBrk="1" latinLnBrk="0" hangingPunct="1">
+              <a:defRPr sz="1800" kern="1200">
+                <a:solidFill>
+                  <a:schemeClr val="tx1"/>
+                </a:solidFill>
+                <a:latin typeface="+mn-lt"/>
+                <a:ea typeface="+mn-ea"/>
+                <a:cs typeface="+mn-cs"/>
+              </a:defRPr>
+            </a:lvl1pPr>
+            <a:lvl2pPr marL="457200" algn="l" defTabSz="914400" rtl="0" eaLnBrk="1" latinLnBrk="0" hangingPunct="1">
+              <a:defRPr sz="1800" kern="1200">
+                <a:solidFill>
+                  <a:schemeClr val="tx1"/>
+                </a:solidFill>
+                <a:latin typeface="+mn-lt"/>
+                <a:ea typeface="+mn-ea"/>
+                <a:cs typeface="+mn-cs"/>
+              </a:defRPr>
+            </a:lvl2pPr>
+            <a:lvl3pPr marL="914400" algn="l" defTabSz="914400" rtl="0" eaLnBrk="1" latinLnBrk="0" hangingPunct="1">
+              <a:defRPr sz="1800" kern="1200">
+                <a:solidFill>
+                  <a:schemeClr val="tx1"/>
+                </a:solidFill>
+                <a:latin typeface="+mn-lt"/>
+                <a:ea typeface="+mn-ea"/>
+                <a:cs typeface="+mn-cs"/>
+              </a:defRPr>
+            </a:lvl3pPr>
+            <a:lvl4pPr marL="1371600" algn="l" defTabSz="914400" rtl="0" eaLnBrk="1" latinLnBrk="0" hangingPunct="1">
+              <a:defRPr sz="1800" kern="1200">
+                <a:solidFill>
+                  <a:schemeClr val="tx1"/>
+                </a:solidFill>
+                <a:latin typeface="+mn-lt"/>
+                <a:ea typeface="+mn-ea"/>
+                <a:cs typeface="+mn-cs"/>
+              </a:defRPr>
+            </a:lvl4pPr>
+            <a:lvl5pPr marL="1828800" algn="l" defTabSz="914400" rtl="0" eaLnBrk="1" latinLnBrk="0" hangingPunct="1">
+              <a:defRPr sz="1800" kern="1200">
+                <a:solidFill>
+                  <a:schemeClr val="tx1"/>
+                </a:solidFill>
+                <a:latin typeface="+mn-lt"/>
+                <a:ea typeface="+mn-ea"/>
+                <a:cs typeface="+mn-cs"/>
+              </a:defRPr>
+            </a:lvl5pPr>
+            <a:lvl6pPr marL="2286000" algn="l" defTabSz="914400" rtl="0" eaLnBrk="1" latinLnBrk="0" hangingPunct="1">
+              <a:defRPr sz="1800" kern="1200">
+                <a:solidFill>
+                  <a:schemeClr val="tx1"/>
+                </a:solidFill>
+                <a:latin typeface="+mn-lt"/>
+                <a:ea typeface="+mn-ea"/>
+                <a:cs typeface="+mn-cs"/>
+              </a:defRPr>
+            </a:lvl6pPr>
+            <a:lvl7pPr marL="2743200" algn="l" defTabSz="914400" rtl="0" eaLnBrk="1" latinLnBrk="0" hangingPunct="1">
+              <a:defRPr sz="1800" kern="1200">
+                <a:solidFill>
+                  <a:schemeClr val="tx1"/>
+                </a:solidFill>
+                <a:latin typeface="+mn-lt"/>
+                <a:ea typeface="+mn-ea"/>
+                <a:cs typeface="+mn-cs"/>
+              </a:defRPr>
+            </a:lvl7pPr>
+            <a:lvl8pPr marL="3200400" algn="l" defTabSz="914400" rtl="0" eaLnBrk="1" latinLnBrk="0" hangingPunct="1">
+              <a:defRPr sz="1800" kern="1200">
+                <a:solidFill>
+                  <a:schemeClr val="tx1"/>
+                </a:solidFill>
+                <a:latin typeface="+mn-lt"/>
+                <a:ea typeface="+mn-ea"/>
+                <a:cs typeface="+mn-cs"/>
+              </a:defRPr>
+            </a:lvl8pPr>
+            <a:lvl9pPr marL="3657600" algn="l" defTabSz="914400" rtl="0" eaLnBrk="1" latinLnBrk="0" hangingPunct="1">
+              <a:defRPr sz="1800" kern="1200">
+                <a:solidFill>
+                  <a:schemeClr val="tx1"/>
+                </a:solidFill>
+                <a:latin typeface="+mn-lt"/>
+                <a:ea typeface="+mn-ea"/>
+                <a:cs typeface="+mn-cs"/>
+              </a:defRPr>
+            </a:lvl9pPr>
+          </a:lstStyle>
+          <a:p>
+            <a:r>
+              <a:rPr lang="en-US" dirty="0" smtClean="0"/>
+              <a:t>years</a:t>
+            </a:r>
+            <a:endParaRPr lang="en-US" dirty="0"/>
+          </a:p>
+        </p:txBody>
+      </p:sp>
+      <p:sp>
+        <p:nvSpPr>
+          <p:cNvPr id="8" name="TextBox 27"/>
+          <p:cNvSpPr txBox="1"/>
+          <p:nvPr/>
+        </p:nvSpPr>
+        <p:spPr>
+          <a:xfrm>
+            <a:off x="533400" y="1278364"/>
+            <a:ext cx="1295400" cy="369332"/>
+          </a:xfrm>
+          <a:prstGeom prst="rect">
+            <a:avLst/>
+          </a:prstGeom>
+          <a:noFill/>
+        </p:spPr>
+        <p:txBody>
+          <a:bodyPr wrap="square" rtlCol="0">
+            <a:spAutoFit/>
+          </a:bodyPr>
+          <a:lstStyle>
+            <a:defPPr>
+              <a:defRPr lang="en-US"/>
+            </a:defPPr>
+            <a:lvl1pPr marL="0" algn="l" defTabSz="914400" rtl="0" eaLnBrk="1" latinLnBrk="0" hangingPunct="1">
+              <a:defRPr sz="1800" kern="1200">
+                <a:solidFill>
+                  <a:schemeClr val="tx1"/>
+                </a:solidFill>
+                <a:latin typeface="+mn-lt"/>
+                <a:ea typeface="+mn-ea"/>
+                <a:cs typeface="+mn-cs"/>
+              </a:defRPr>
+            </a:lvl1pPr>
+            <a:lvl2pPr marL="457200" algn="l" defTabSz="914400" rtl="0" eaLnBrk="1" latinLnBrk="0" hangingPunct="1">
+              <a:defRPr sz="1800" kern="1200">
+                <a:solidFill>
+                  <a:schemeClr val="tx1"/>
+                </a:solidFill>
+                <a:latin typeface="+mn-lt"/>
+                <a:ea typeface="+mn-ea"/>
+                <a:cs typeface="+mn-cs"/>
+              </a:defRPr>
+            </a:lvl2pPr>
+            <a:lvl3pPr marL="914400" algn="l" defTabSz="914400" rtl="0" eaLnBrk="1" latinLnBrk="0" hangingPunct="1">
+              <a:defRPr sz="1800" kern="1200">
+                <a:solidFill>
+                  <a:schemeClr val="tx1"/>
+                </a:solidFill>
+                <a:latin typeface="+mn-lt"/>
+                <a:ea typeface="+mn-ea"/>
+                <a:cs typeface="+mn-cs"/>
+              </a:defRPr>
+            </a:lvl3pPr>
+            <a:lvl4pPr marL="1371600" algn="l" defTabSz="914400" rtl="0" eaLnBrk="1" latinLnBrk="0" hangingPunct="1">
+              <a:defRPr sz="1800" kern="1200">
+                <a:solidFill>
+                  <a:schemeClr val="tx1"/>
+                </a:solidFill>
+                <a:latin typeface="+mn-lt"/>
+                <a:ea typeface="+mn-ea"/>
+                <a:cs typeface="+mn-cs"/>
+              </a:defRPr>
+            </a:lvl4pPr>
+            <a:lvl5pPr marL="1828800" algn="l" defTabSz="914400" rtl="0" eaLnBrk="1" latinLnBrk="0" hangingPunct="1">
+              <a:defRPr sz="1800" kern="1200">
+                <a:solidFill>
+                  <a:schemeClr val="tx1"/>
+                </a:solidFill>
+                <a:latin typeface="+mn-lt"/>
+                <a:ea typeface="+mn-ea"/>
+                <a:cs typeface="+mn-cs"/>
+              </a:defRPr>
+            </a:lvl5pPr>
+            <a:lvl6pPr marL="2286000" algn="l" defTabSz="914400" rtl="0" eaLnBrk="1" latinLnBrk="0" hangingPunct="1">
+              <a:defRPr sz="1800" kern="1200">
+                <a:solidFill>
+                  <a:schemeClr val="tx1"/>
+                </a:solidFill>
+                <a:latin typeface="+mn-lt"/>
+                <a:ea typeface="+mn-ea"/>
+                <a:cs typeface="+mn-cs"/>
+              </a:defRPr>
+            </a:lvl6pPr>
+            <a:lvl7pPr marL="2743200" algn="l" defTabSz="914400" rtl="0" eaLnBrk="1" latinLnBrk="0" hangingPunct="1">
+              <a:defRPr sz="1800" kern="1200">
+                <a:solidFill>
+                  <a:schemeClr val="tx1"/>
+                </a:solidFill>
+                <a:latin typeface="+mn-lt"/>
+                <a:ea typeface="+mn-ea"/>
+                <a:cs typeface="+mn-cs"/>
+              </a:defRPr>
+            </a:lvl7pPr>
+            <a:lvl8pPr marL="3200400" algn="l" defTabSz="914400" rtl="0" eaLnBrk="1" latinLnBrk="0" hangingPunct="1">
+              <a:defRPr sz="1800" kern="1200">
+                <a:solidFill>
+                  <a:schemeClr val="tx1"/>
+                </a:solidFill>
+                <a:latin typeface="+mn-lt"/>
+                <a:ea typeface="+mn-ea"/>
+                <a:cs typeface="+mn-cs"/>
+              </a:defRPr>
+            </a:lvl8pPr>
+            <a:lvl9pPr marL="3657600" algn="l" defTabSz="914400" rtl="0" eaLnBrk="1" latinLnBrk="0" hangingPunct="1">
+              <a:defRPr sz="1800" kern="1200">
+                <a:solidFill>
+                  <a:schemeClr val="tx1"/>
+                </a:solidFill>
+                <a:latin typeface="+mn-lt"/>
+                <a:ea typeface="+mn-ea"/>
+                <a:cs typeface="+mn-cs"/>
+              </a:defRPr>
+            </a:lvl9pPr>
+          </a:lstStyle>
+          <a:p>
+            <a:r>
+              <a:rPr lang="en-US" dirty="0" smtClean="0"/>
+              <a:t>Salary</a:t>
+            </a:r>
+            <a:endParaRPr lang="en-US" dirty="0"/>
+          </a:p>
+        </p:txBody>
+      </p:sp>
+      <p:sp>
+        <p:nvSpPr>
+          <p:cNvPr id="9" name="4-Point Star 8"/>
+          <p:cNvSpPr/>
+          <p:nvPr/>
+        </p:nvSpPr>
+        <p:spPr>
+          <a:xfrm>
+            <a:off x="1371997" y="2867690"/>
+            <a:ext cx="76200" cy="76200"/>
+          </a:xfrm>
+          <a:prstGeom prst="star4">
+            <a:avLst/>
+          </a:prstGeom>
+        </p:spPr>
+        <p:style>
+          <a:lnRef idx="2">
+            <a:schemeClr val="accent1">
+              <a:shade val="50000"/>
+            </a:schemeClr>
+          </a:lnRef>
+          <a:fillRef idx="1">
+            <a:schemeClr val="accent1"/>
+          </a:fillRef>
+          <a:effectRef idx="0">
+            <a:schemeClr val="accent1"/>
+          </a:effectRef>
+          <a:fontRef idx="minor">
+            <a:schemeClr val="lt1"/>
+          </a:fontRef>
+        </p:style>
+        <p:txBody>
+          <a:bodyPr rtlCol="0" anchor="ctr"/>
+          <a:lstStyle>
+            <a:defPPr>
+              <a:defRPr lang="en-US"/>
+            </a:defPPr>
+            <a:lvl1pPr marL="0" algn="l" defTabSz="914400" rtl="0" eaLnBrk="1" latinLnBrk="0" hangingPunct="1">
+              <a:defRPr sz="1800" kern="1200">
+                <a:solidFill>
+                  <a:schemeClr val="lt1"/>
+                </a:solidFill>
+                <a:latin typeface="+mn-lt"/>
+                <a:ea typeface="+mn-ea"/>
+                <a:cs typeface="+mn-cs"/>
+              </a:defRPr>
+            </a:lvl1pPr>
+            <a:lvl2pPr marL="457200" algn="l" defTabSz="914400" rtl="0" eaLnBrk="1" latinLnBrk="0" hangingPunct="1">
+              <a:defRPr sz="1800" kern="1200">
+                <a:solidFill>
+                  <a:schemeClr val="lt1"/>
+                </a:solidFill>
+                <a:latin typeface="+mn-lt"/>
+                <a:ea typeface="+mn-ea"/>
+                <a:cs typeface="+mn-cs"/>
+              </a:defRPr>
+            </a:lvl2pPr>
+            <a:lvl3pPr marL="914400" algn="l" defTabSz="914400" rtl="0" eaLnBrk="1" latinLnBrk="0" hangingPunct="1">
+              <a:defRPr sz="1800" kern="1200">
+                <a:solidFill>
+                  <a:schemeClr val="lt1"/>
+                </a:solidFill>
+                <a:latin typeface="+mn-lt"/>
+                <a:ea typeface="+mn-ea"/>
+                <a:cs typeface="+mn-cs"/>
+              </a:defRPr>
+            </a:lvl3pPr>
+            <a:lvl4pPr marL="1371600" algn="l" defTabSz="914400" rtl="0" eaLnBrk="1" latinLnBrk="0" hangingPunct="1">
+              <a:defRPr sz="1800" kern="1200">
+                <a:solidFill>
+                  <a:schemeClr val="lt1"/>
+                </a:solidFill>
+                <a:latin typeface="+mn-lt"/>
+                <a:ea typeface="+mn-ea"/>
+                <a:cs typeface="+mn-cs"/>
+              </a:defRPr>
+            </a:lvl4pPr>
+            <a:lvl5pPr marL="1828800" algn="l" defTabSz="914400" rtl="0" eaLnBrk="1" latinLnBrk="0" hangingPunct="1">
+              <a:defRPr sz="1800" kern="1200">
+                <a:solidFill>
+                  <a:schemeClr val="lt1"/>
+                </a:solidFill>
+                <a:latin typeface="+mn-lt"/>
+                <a:ea typeface="+mn-ea"/>
+                <a:cs typeface="+mn-cs"/>
+              </a:defRPr>
+            </a:lvl5pPr>
+            <a:lvl6pPr marL="2286000" algn="l" defTabSz="914400" rtl="0" eaLnBrk="1" latinLnBrk="0" hangingPunct="1">
+              <a:defRPr sz="1800" kern="1200">
+                <a:solidFill>
+                  <a:schemeClr val="lt1"/>
+                </a:solidFill>
+                <a:latin typeface="+mn-lt"/>
+                <a:ea typeface="+mn-ea"/>
+                <a:cs typeface="+mn-cs"/>
+              </a:defRPr>
+            </a:lvl6pPr>
+            <a:lvl7pPr marL="2743200" algn="l" defTabSz="914400" rtl="0" eaLnBrk="1" latinLnBrk="0" hangingPunct="1">
+              <a:defRPr sz="1800" kern="1200">
+                <a:solidFill>
+                  <a:schemeClr val="lt1"/>
+                </a:solidFill>
+                <a:latin typeface="+mn-lt"/>
+                <a:ea typeface="+mn-ea"/>
+                <a:cs typeface="+mn-cs"/>
+              </a:defRPr>
+            </a:lvl7pPr>
+            <a:lvl8pPr marL="3200400" algn="l" defTabSz="914400" rtl="0" eaLnBrk="1" latinLnBrk="0" hangingPunct="1">
+              <a:defRPr sz="1800" kern="1200">
+                <a:solidFill>
+                  <a:schemeClr val="lt1"/>
+                </a:solidFill>
+                <a:latin typeface="+mn-lt"/>
+                <a:ea typeface="+mn-ea"/>
+                <a:cs typeface="+mn-cs"/>
+              </a:defRPr>
+            </a:lvl8pPr>
+            <a:lvl9pPr marL="3657600" algn="l" defTabSz="914400" rtl="0" eaLnBrk="1" latinLnBrk="0" hangingPunct="1">
+              <a:defRPr sz="1800" kern="1200">
+                <a:solidFill>
+                  <a:schemeClr val="lt1"/>
+                </a:solidFill>
+                <a:latin typeface="+mn-lt"/>
+                <a:ea typeface="+mn-ea"/>
+                <a:cs typeface="+mn-cs"/>
+              </a:defRPr>
+            </a:lvl9pPr>
+          </a:lstStyle>
+          <a:p>
+            <a:pPr algn="ctr"/>
+            <a:endParaRPr lang="en-US"/>
+          </a:p>
+        </p:txBody>
+      </p:sp>
+      <p:sp>
+        <p:nvSpPr>
+          <p:cNvPr id="10" name="4-Point Star 9"/>
+          <p:cNvSpPr/>
+          <p:nvPr/>
+        </p:nvSpPr>
+        <p:spPr>
+          <a:xfrm>
+            <a:off x="1448197" y="3629690"/>
+            <a:ext cx="76200" cy="76200"/>
+          </a:xfrm>
+          <a:prstGeom prst="star4">
+            <a:avLst/>
+          </a:prstGeom>
+        </p:spPr>
+        <p:style>
+          <a:lnRef idx="2">
+            <a:schemeClr val="accent1">
+              <a:shade val="50000"/>
+            </a:schemeClr>
+          </a:lnRef>
+          <a:fillRef idx="1">
+            <a:schemeClr val="accent1"/>
+          </a:fillRef>
+          <a:effectRef idx="0">
+            <a:schemeClr val="accent1"/>
+          </a:effectRef>
+          <a:fontRef idx="minor">
+            <a:schemeClr val="lt1"/>
+          </a:fontRef>
+        </p:style>
+        <p:txBody>
+          <a:bodyPr rtlCol="0" anchor="ctr"/>
+          <a:lstStyle>
+            <a:defPPr>
+              <a:defRPr lang="en-US"/>
+            </a:defPPr>
+            <a:lvl1pPr marL="0" algn="l" defTabSz="914400" rtl="0" eaLnBrk="1" latinLnBrk="0" hangingPunct="1">
+              <a:defRPr sz="1800" kern="1200">
+                <a:solidFill>
+                  <a:schemeClr val="lt1"/>
+                </a:solidFill>
+                <a:latin typeface="+mn-lt"/>
+                <a:ea typeface="+mn-ea"/>
+                <a:cs typeface="+mn-cs"/>
+              </a:defRPr>
+            </a:lvl1pPr>
+            <a:lvl2pPr marL="457200" algn="l" defTabSz="914400" rtl="0" eaLnBrk="1" latinLnBrk="0" hangingPunct="1">
+              <a:defRPr sz="1800" kern="1200">
+                <a:solidFill>
+                  <a:schemeClr val="lt1"/>
+                </a:solidFill>
+                <a:latin typeface="+mn-lt"/>
+                <a:ea typeface="+mn-ea"/>
+                <a:cs typeface="+mn-cs"/>
+              </a:defRPr>
+            </a:lvl2pPr>
+            <a:lvl3pPr marL="914400" algn="l" defTabSz="914400" rtl="0" eaLnBrk="1" latinLnBrk="0" hangingPunct="1">
+              <a:defRPr sz="1800" kern="1200">
+                <a:solidFill>
+                  <a:schemeClr val="lt1"/>
+                </a:solidFill>
+                <a:latin typeface="+mn-lt"/>
+                <a:ea typeface="+mn-ea"/>
+                <a:cs typeface="+mn-cs"/>
+              </a:defRPr>
+            </a:lvl3pPr>
+            <a:lvl4pPr marL="1371600" algn="l" defTabSz="914400" rtl="0" eaLnBrk="1" latinLnBrk="0" hangingPunct="1">
+              <a:defRPr sz="1800" kern="1200">
+                <a:solidFill>
+                  <a:schemeClr val="lt1"/>
+                </a:solidFill>
+                <a:latin typeface="+mn-lt"/>
+                <a:ea typeface="+mn-ea"/>
+                <a:cs typeface="+mn-cs"/>
+              </a:defRPr>
+            </a:lvl4pPr>
+            <a:lvl5pPr marL="1828800" algn="l" defTabSz="914400" rtl="0" eaLnBrk="1" latinLnBrk="0" hangingPunct="1">
+              <a:defRPr sz="1800" kern="1200">
+                <a:solidFill>
+                  <a:schemeClr val="lt1"/>
+                </a:solidFill>
+                <a:latin typeface="+mn-lt"/>
+                <a:ea typeface="+mn-ea"/>
+                <a:cs typeface="+mn-cs"/>
+              </a:defRPr>
+            </a:lvl5pPr>
+            <a:lvl6pPr marL="2286000" algn="l" defTabSz="914400" rtl="0" eaLnBrk="1" latinLnBrk="0" hangingPunct="1">
+              <a:defRPr sz="1800" kern="1200">
+                <a:solidFill>
+                  <a:schemeClr val="lt1"/>
+                </a:solidFill>
+                <a:latin typeface="+mn-lt"/>
+                <a:ea typeface="+mn-ea"/>
+                <a:cs typeface="+mn-cs"/>
+              </a:defRPr>
+            </a:lvl6pPr>
+            <a:lvl7pPr marL="2743200" algn="l" defTabSz="914400" rtl="0" eaLnBrk="1" latinLnBrk="0" hangingPunct="1">
+              <a:defRPr sz="1800" kern="1200">
+                <a:solidFill>
+                  <a:schemeClr val="lt1"/>
+                </a:solidFill>
+                <a:latin typeface="+mn-lt"/>
+                <a:ea typeface="+mn-ea"/>
+                <a:cs typeface="+mn-cs"/>
+              </a:defRPr>
+            </a:lvl7pPr>
+            <a:lvl8pPr marL="3200400" algn="l" defTabSz="914400" rtl="0" eaLnBrk="1" latinLnBrk="0" hangingPunct="1">
+              <a:defRPr sz="1800" kern="1200">
+                <a:solidFill>
+                  <a:schemeClr val="lt1"/>
+                </a:solidFill>
+                <a:latin typeface="+mn-lt"/>
+                <a:ea typeface="+mn-ea"/>
+                <a:cs typeface="+mn-cs"/>
+              </a:defRPr>
+            </a:lvl8pPr>
+            <a:lvl9pPr marL="3657600" algn="l" defTabSz="914400" rtl="0" eaLnBrk="1" latinLnBrk="0" hangingPunct="1">
+              <a:defRPr sz="1800" kern="1200">
+                <a:solidFill>
+                  <a:schemeClr val="lt1"/>
+                </a:solidFill>
+                <a:latin typeface="+mn-lt"/>
+                <a:ea typeface="+mn-ea"/>
+                <a:cs typeface="+mn-cs"/>
+              </a:defRPr>
+            </a:lvl9pPr>
+          </a:lstStyle>
+          <a:p>
+            <a:pPr algn="ctr"/>
+            <a:endParaRPr lang="en-US"/>
+          </a:p>
+        </p:txBody>
+      </p:sp>
+      <p:sp>
+        <p:nvSpPr>
+          <p:cNvPr id="11" name="4-Point Star 10"/>
+          <p:cNvSpPr/>
+          <p:nvPr/>
+        </p:nvSpPr>
+        <p:spPr>
+          <a:xfrm>
+            <a:off x="1829197" y="3020090"/>
+            <a:ext cx="76200" cy="76200"/>
+          </a:xfrm>
+          <a:prstGeom prst="star4">
+            <a:avLst/>
+          </a:prstGeom>
+        </p:spPr>
+        <p:style>
+          <a:lnRef idx="2">
+            <a:schemeClr val="accent1">
+              <a:shade val="50000"/>
+            </a:schemeClr>
+          </a:lnRef>
+          <a:fillRef idx="1">
+            <a:schemeClr val="accent1"/>
+          </a:fillRef>
+          <a:effectRef idx="0">
+            <a:schemeClr val="accent1"/>
+          </a:effectRef>
+          <a:fontRef idx="minor">
+            <a:schemeClr val="lt1"/>
+          </a:fontRef>
+        </p:style>
+        <p:txBody>
+          <a:bodyPr rtlCol="0" anchor="ctr"/>
+          <a:lstStyle>
+            <a:defPPr>
+              <a:defRPr lang="en-US"/>
+            </a:defPPr>
+            <a:lvl1pPr marL="0" algn="l" defTabSz="914400" rtl="0" eaLnBrk="1" latinLnBrk="0" hangingPunct="1">
+              <a:defRPr sz="1800" kern="1200">
+                <a:solidFill>
+                  <a:schemeClr val="lt1"/>
+                </a:solidFill>
+                <a:latin typeface="+mn-lt"/>
+                <a:ea typeface="+mn-ea"/>
+                <a:cs typeface="+mn-cs"/>
+              </a:defRPr>
+            </a:lvl1pPr>
+            <a:lvl2pPr marL="457200" algn="l" defTabSz="914400" rtl="0" eaLnBrk="1" latinLnBrk="0" hangingPunct="1">
+              <a:defRPr sz="1800" kern="1200">
+                <a:solidFill>
+                  <a:schemeClr val="lt1"/>
+                </a:solidFill>
+                <a:latin typeface="+mn-lt"/>
+                <a:ea typeface="+mn-ea"/>
+                <a:cs typeface="+mn-cs"/>
+              </a:defRPr>
+            </a:lvl2pPr>
+            <a:lvl3pPr marL="914400" algn="l" defTabSz="914400" rtl="0" eaLnBrk="1" latinLnBrk="0" hangingPunct="1">
+              <a:defRPr sz="1800" kern="1200">
+                <a:solidFill>
+                  <a:schemeClr val="lt1"/>
+                </a:solidFill>
+                <a:latin typeface="+mn-lt"/>
+                <a:ea typeface="+mn-ea"/>
+                <a:cs typeface="+mn-cs"/>
+              </a:defRPr>
+            </a:lvl3pPr>
+            <a:lvl4pPr marL="1371600" algn="l" defTabSz="914400" rtl="0" eaLnBrk="1" latinLnBrk="0" hangingPunct="1">
+              <a:defRPr sz="1800" kern="1200">
+                <a:solidFill>
+                  <a:schemeClr val="lt1"/>
+                </a:solidFill>
+                <a:latin typeface="+mn-lt"/>
+                <a:ea typeface="+mn-ea"/>
+                <a:cs typeface="+mn-cs"/>
+              </a:defRPr>
+            </a:lvl4pPr>
+            <a:lvl5pPr marL="1828800" algn="l" defTabSz="914400" rtl="0" eaLnBrk="1" latinLnBrk="0" hangingPunct="1">
+              <a:defRPr sz="1800" kern="1200">
+                <a:solidFill>
+                  <a:schemeClr val="lt1"/>
+                </a:solidFill>
+                <a:latin typeface="+mn-lt"/>
+                <a:ea typeface="+mn-ea"/>
+                <a:cs typeface="+mn-cs"/>
+              </a:defRPr>
+            </a:lvl5pPr>
+            <a:lvl6pPr marL="2286000" algn="l" defTabSz="914400" rtl="0" eaLnBrk="1" latinLnBrk="0" hangingPunct="1">
+              <a:defRPr sz="1800" kern="1200">
+                <a:solidFill>
+                  <a:schemeClr val="lt1"/>
+                </a:solidFill>
+                <a:latin typeface="+mn-lt"/>
+                <a:ea typeface="+mn-ea"/>
+                <a:cs typeface="+mn-cs"/>
+              </a:defRPr>
+            </a:lvl6pPr>
+            <a:lvl7pPr marL="2743200" algn="l" defTabSz="914400" rtl="0" eaLnBrk="1" latinLnBrk="0" hangingPunct="1">
+              <a:defRPr sz="1800" kern="1200">
+                <a:solidFill>
+                  <a:schemeClr val="lt1"/>
+                </a:solidFill>
+                <a:latin typeface="+mn-lt"/>
+                <a:ea typeface="+mn-ea"/>
+                <a:cs typeface="+mn-cs"/>
+              </a:defRPr>
+            </a:lvl7pPr>
+            <a:lvl8pPr marL="3200400" algn="l" defTabSz="914400" rtl="0" eaLnBrk="1" latinLnBrk="0" hangingPunct="1">
+              <a:defRPr sz="1800" kern="1200">
+                <a:solidFill>
+                  <a:schemeClr val="lt1"/>
+                </a:solidFill>
+                <a:latin typeface="+mn-lt"/>
+                <a:ea typeface="+mn-ea"/>
+                <a:cs typeface="+mn-cs"/>
+              </a:defRPr>
+            </a:lvl8pPr>
+            <a:lvl9pPr marL="3657600" algn="l" defTabSz="914400" rtl="0" eaLnBrk="1" latinLnBrk="0" hangingPunct="1">
+              <a:defRPr sz="1800" kern="1200">
+                <a:solidFill>
+                  <a:schemeClr val="lt1"/>
+                </a:solidFill>
+                <a:latin typeface="+mn-lt"/>
+                <a:ea typeface="+mn-ea"/>
+                <a:cs typeface="+mn-cs"/>
+              </a:defRPr>
+            </a:lvl9pPr>
+          </a:lstStyle>
+          <a:p>
+            <a:pPr algn="ctr"/>
+            <a:endParaRPr lang="en-US"/>
+          </a:p>
+        </p:txBody>
+      </p:sp>
+      <p:sp>
+        <p:nvSpPr>
+          <p:cNvPr id="12" name="4-Point Star 11"/>
+          <p:cNvSpPr/>
+          <p:nvPr/>
+        </p:nvSpPr>
+        <p:spPr>
+          <a:xfrm>
+            <a:off x="2362597" y="2715290"/>
+            <a:ext cx="76200" cy="76200"/>
+          </a:xfrm>
+          <a:prstGeom prst="star4">
+            <a:avLst/>
+          </a:prstGeom>
+        </p:spPr>
+        <p:style>
+          <a:lnRef idx="2">
+            <a:schemeClr val="accent1">
+              <a:shade val="50000"/>
+            </a:schemeClr>
+          </a:lnRef>
+          <a:fillRef idx="1">
+            <a:schemeClr val="accent1"/>
+          </a:fillRef>
+          <a:effectRef idx="0">
+            <a:schemeClr val="accent1"/>
+          </a:effectRef>
+          <a:fontRef idx="minor">
+            <a:schemeClr val="lt1"/>
+          </a:fontRef>
+        </p:style>
+        <p:txBody>
+          <a:bodyPr rtlCol="0" anchor="ctr"/>
+          <a:lstStyle>
+            <a:defPPr>
+              <a:defRPr lang="en-US"/>
+            </a:defPPr>
+            <a:lvl1pPr marL="0" algn="l" defTabSz="914400" rtl="0" eaLnBrk="1" latinLnBrk="0" hangingPunct="1">
+              <a:defRPr sz="1800" kern="1200">
+                <a:solidFill>
+                  <a:schemeClr val="lt1"/>
+                </a:solidFill>
+                <a:latin typeface="+mn-lt"/>
+                <a:ea typeface="+mn-ea"/>
+                <a:cs typeface="+mn-cs"/>
+              </a:defRPr>
+            </a:lvl1pPr>
+            <a:lvl2pPr marL="457200" algn="l" defTabSz="914400" rtl="0" eaLnBrk="1" latinLnBrk="0" hangingPunct="1">
+              <a:defRPr sz="1800" kern="1200">
+                <a:solidFill>
+                  <a:schemeClr val="lt1"/>
+                </a:solidFill>
+                <a:latin typeface="+mn-lt"/>
+                <a:ea typeface="+mn-ea"/>
+                <a:cs typeface="+mn-cs"/>
+              </a:defRPr>
+            </a:lvl2pPr>
+            <a:lvl3pPr marL="914400" algn="l" defTabSz="914400" rtl="0" eaLnBrk="1" latinLnBrk="0" hangingPunct="1">
+              <a:defRPr sz="1800" kern="1200">
+                <a:solidFill>
+                  <a:schemeClr val="lt1"/>
+                </a:solidFill>
+                <a:latin typeface="+mn-lt"/>
+                <a:ea typeface="+mn-ea"/>
+                <a:cs typeface="+mn-cs"/>
+              </a:defRPr>
+            </a:lvl3pPr>
+            <a:lvl4pPr marL="1371600" algn="l" defTabSz="914400" rtl="0" eaLnBrk="1" latinLnBrk="0" hangingPunct="1">
+              <a:defRPr sz="1800" kern="1200">
+                <a:solidFill>
+                  <a:schemeClr val="lt1"/>
+                </a:solidFill>
+                <a:latin typeface="+mn-lt"/>
+                <a:ea typeface="+mn-ea"/>
+                <a:cs typeface="+mn-cs"/>
+              </a:defRPr>
+            </a:lvl4pPr>
+            <a:lvl5pPr marL="1828800" algn="l" defTabSz="914400" rtl="0" eaLnBrk="1" latinLnBrk="0" hangingPunct="1">
+              <a:defRPr sz="1800" kern="1200">
+                <a:solidFill>
+                  <a:schemeClr val="lt1"/>
+                </a:solidFill>
+                <a:latin typeface="+mn-lt"/>
+                <a:ea typeface="+mn-ea"/>
+                <a:cs typeface="+mn-cs"/>
+              </a:defRPr>
+            </a:lvl5pPr>
+            <a:lvl6pPr marL="2286000" algn="l" defTabSz="914400" rtl="0" eaLnBrk="1" latinLnBrk="0" hangingPunct="1">
+              <a:defRPr sz="1800" kern="1200">
+                <a:solidFill>
+                  <a:schemeClr val="lt1"/>
+                </a:solidFill>
+                <a:latin typeface="+mn-lt"/>
+                <a:ea typeface="+mn-ea"/>
+                <a:cs typeface="+mn-cs"/>
+              </a:defRPr>
+            </a:lvl6pPr>
+            <a:lvl7pPr marL="2743200" algn="l" defTabSz="914400" rtl="0" eaLnBrk="1" latinLnBrk="0" hangingPunct="1">
+              <a:defRPr sz="1800" kern="1200">
+                <a:solidFill>
+                  <a:schemeClr val="lt1"/>
+                </a:solidFill>
+                <a:latin typeface="+mn-lt"/>
+                <a:ea typeface="+mn-ea"/>
+                <a:cs typeface="+mn-cs"/>
+              </a:defRPr>
+            </a:lvl7pPr>
+            <a:lvl8pPr marL="3200400" algn="l" defTabSz="914400" rtl="0" eaLnBrk="1" latinLnBrk="0" hangingPunct="1">
+              <a:defRPr sz="1800" kern="1200">
+                <a:solidFill>
+                  <a:schemeClr val="lt1"/>
+                </a:solidFill>
+                <a:latin typeface="+mn-lt"/>
+                <a:ea typeface="+mn-ea"/>
+                <a:cs typeface="+mn-cs"/>
+              </a:defRPr>
+            </a:lvl8pPr>
+            <a:lvl9pPr marL="3657600" algn="l" defTabSz="914400" rtl="0" eaLnBrk="1" latinLnBrk="0" hangingPunct="1">
+              <a:defRPr sz="1800" kern="1200">
+                <a:solidFill>
+                  <a:schemeClr val="lt1"/>
+                </a:solidFill>
+                <a:latin typeface="+mn-lt"/>
+                <a:ea typeface="+mn-ea"/>
+                <a:cs typeface="+mn-cs"/>
+              </a:defRPr>
+            </a:lvl9pPr>
+          </a:lstStyle>
+          <a:p>
+            <a:pPr algn="ctr"/>
+            <a:endParaRPr lang="en-US"/>
+          </a:p>
+        </p:txBody>
+      </p:sp>
+      <p:sp>
+        <p:nvSpPr>
+          <p:cNvPr id="13" name="4-Point Star 12"/>
+          <p:cNvSpPr/>
+          <p:nvPr/>
+        </p:nvSpPr>
+        <p:spPr>
+          <a:xfrm>
+            <a:off x="2133997" y="3477290"/>
+            <a:ext cx="76200" cy="76200"/>
+          </a:xfrm>
+          <a:prstGeom prst="star4">
+            <a:avLst/>
+          </a:prstGeom>
+        </p:spPr>
+        <p:style>
+          <a:lnRef idx="2">
+            <a:schemeClr val="accent1">
+              <a:shade val="50000"/>
+            </a:schemeClr>
+          </a:lnRef>
+          <a:fillRef idx="1">
+            <a:schemeClr val="accent1"/>
+          </a:fillRef>
+          <a:effectRef idx="0">
+            <a:schemeClr val="accent1"/>
+          </a:effectRef>
+          <a:fontRef idx="minor">
+            <a:schemeClr val="lt1"/>
+          </a:fontRef>
+        </p:style>
+        <p:txBody>
+          <a:bodyPr rtlCol="0" anchor="ctr"/>
+          <a:lstStyle>
+            <a:defPPr>
+              <a:defRPr lang="en-US"/>
+            </a:defPPr>
+            <a:lvl1pPr marL="0" algn="l" defTabSz="914400" rtl="0" eaLnBrk="1" latinLnBrk="0" hangingPunct="1">
+              <a:defRPr sz="1800" kern="1200">
+                <a:solidFill>
+                  <a:schemeClr val="lt1"/>
+                </a:solidFill>
+                <a:latin typeface="+mn-lt"/>
+                <a:ea typeface="+mn-ea"/>
+                <a:cs typeface="+mn-cs"/>
+              </a:defRPr>
+            </a:lvl1pPr>
+            <a:lvl2pPr marL="457200" algn="l" defTabSz="914400" rtl="0" eaLnBrk="1" latinLnBrk="0" hangingPunct="1">
+              <a:defRPr sz="1800" kern="1200">
+                <a:solidFill>
+                  <a:schemeClr val="lt1"/>
+                </a:solidFill>
+                <a:latin typeface="+mn-lt"/>
+                <a:ea typeface="+mn-ea"/>
+                <a:cs typeface="+mn-cs"/>
+              </a:defRPr>
+            </a:lvl2pPr>
+            <a:lvl3pPr marL="914400" algn="l" defTabSz="914400" rtl="0" eaLnBrk="1" latinLnBrk="0" hangingPunct="1">
+              <a:defRPr sz="1800" kern="1200">
+                <a:solidFill>
+                  <a:schemeClr val="lt1"/>
+                </a:solidFill>
+                <a:latin typeface="+mn-lt"/>
+                <a:ea typeface="+mn-ea"/>
+                <a:cs typeface="+mn-cs"/>
+              </a:defRPr>
+            </a:lvl3pPr>
+            <a:lvl4pPr marL="1371600" algn="l" defTabSz="914400" rtl="0" eaLnBrk="1" latinLnBrk="0" hangingPunct="1">
+              <a:defRPr sz="1800" kern="1200">
+                <a:solidFill>
+                  <a:schemeClr val="lt1"/>
+                </a:solidFill>
+                <a:latin typeface="+mn-lt"/>
+                <a:ea typeface="+mn-ea"/>
+                <a:cs typeface="+mn-cs"/>
+              </a:defRPr>
+            </a:lvl4pPr>
+            <a:lvl5pPr marL="1828800" algn="l" defTabSz="914400" rtl="0" eaLnBrk="1" latinLnBrk="0" hangingPunct="1">
+              <a:defRPr sz="1800" kern="1200">
+                <a:solidFill>
+                  <a:schemeClr val="lt1"/>
+                </a:solidFill>
+                <a:latin typeface="+mn-lt"/>
+                <a:ea typeface="+mn-ea"/>
+                <a:cs typeface="+mn-cs"/>
+              </a:defRPr>
+            </a:lvl5pPr>
+            <a:lvl6pPr marL="2286000" algn="l" defTabSz="914400" rtl="0" eaLnBrk="1" latinLnBrk="0" hangingPunct="1">
+              <a:defRPr sz="1800" kern="1200">
+                <a:solidFill>
+                  <a:schemeClr val="lt1"/>
+                </a:solidFill>
+                <a:latin typeface="+mn-lt"/>
+                <a:ea typeface="+mn-ea"/>
+                <a:cs typeface="+mn-cs"/>
+              </a:defRPr>
+            </a:lvl6pPr>
+            <a:lvl7pPr marL="2743200" algn="l" defTabSz="914400" rtl="0" eaLnBrk="1" latinLnBrk="0" hangingPunct="1">
+              <a:defRPr sz="1800" kern="1200">
+                <a:solidFill>
+                  <a:schemeClr val="lt1"/>
+                </a:solidFill>
+                <a:latin typeface="+mn-lt"/>
+                <a:ea typeface="+mn-ea"/>
+                <a:cs typeface="+mn-cs"/>
+              </a:defRPr>
+            </a:lvl7pPr>
+            <a:lvl8pPr marL="3200400" algn="l" defTabSz="914400" rtl="0" eaLnBrk="1" latinLnBrk="0" hangingPunct="1">
+              <a:defRPr sz="1800" kern="1200">
+                <a:solidFill>
+                  <a:schemeClr val="lt1"/>
+                </a:solidFill>
+                <a:latin typeface="+mn-lt"/>
+                <a:ea typeface="+mn-ea"/>
+                <a:cs typeface="+mn-cs"/>
+              </a:defRPr>
+            </a:lvl8pPr>
+            <a:lvl9pPr marL="3657600" algn="l" defTabSz="914400" rtl="0" eaLnBrk="1" latinLnBrk="0" hangingPunct="1">
+              <a:defRPr sz="1800" kern="1200">
+                <a:solidFill>
+                  <a:schemeClr val="lt1"/>
+                </a:solidFill>
+                <a:latin typeface="+mn-lt"/>
+                <a:ea typeface="+mn-ea"/>
+                <a:cs typeface="+mn-cs"/>
+              </a:defRPr>
+            </a:lvl9pPr>
+          </a:lstStyle>
+          <a:p>
+            <a:pPr algn="ctr"/>
+            <a:endParaRPr lang="en-US"/>
+          </a:p>
+        </p:txBody>
+      </p:sp>
+      <p:sp>
+        <p:nvSpPr>
+          <p:cNvPr id="14" name="4-Point Star 13"/>
+          <p:cNvSpPr/>
+          <p:nvPr/>
+        </p:nvSpPr>
+        <p:spPr>
+          <a:xfrm>
+            <a:off x="2972197" y="2410490"/>
+            <a:ext cx="76200" cy="76200"/>
+          </a:xfrm>
+          <a:prstGeom prst="star4">
+            <a:avLst/>
+          </a:prstGeom>
+        </p:spPr>
+        <p:style>
+          <a:lnRef idx="2">
+            <a:schemeClr val="accent1">
+              <a:shade val="50000"/>
+            </a:schemeClr>
+          </a:lnRef>
+          <a:fillRef idx="1">
+            <a:schemeClr val="accent1"/>
+          </a:fillRef>
+          <a:effectRef idx="0">
+            <a:schemeClr val="accent1"/>
+          </a:effectRef>
+          <a:fontRef idx="minor">
+            <a:schemeClr val="lt1"/>
+          </a:fontRef>
+        </p:style>
+        <p:txBody>
+          <a:bodyPr rtlCol="0" anchor="ctr"/>
+          <a:lstStyle>
+            <a:defPPr>
+              <a:defRPr lang="en-US"/>
+            </a:defPPr>
+            <a:lvl1pPr marL="0" algn="l" defTabSz="914400" rtl="0" eaLnBrk="1" latinLnBrk="0" hangingPunct="1">
+              <a:defRPr sz="1800" kern="1200">
+                <a:solidFill>
+                  <a:schemeClr val="lt1"/>
+                </a:solidFill>
+                <a:latin typeface="+mn-lt"/>
+                <a:ea typeface="+mn-ea"/>
+                <a:cs typeface="+mn-cs"/>
+              </a:defRPr>
+            </a:lvl1pPr>
+            <a:lvl2pPr marL="457200" algn="l" defTabSz="914400" rtl="0" eaLnBrk="1" latinLnBrk="0" hangingPunct="1">
+              <a:defRPr sz="1800" kern="1200">
+                <a:solidFill>
+                  <a:schemeClr val="lt1"/>
+                </a:solidFill>
+                <a:latin typeface="+mn-lt"/>
+                <a:ea typeface="+mn-ea"/>
+                <a:cs typeface="+mn-cs"/>
+              </a:defRPr>
+            </a:lvl2pPr>
+            <a:lvl3pPr marL="914400" algn="l" defTabSz="914400" rtl="0" eaLnBrk="1" latinLnBrk="0" hangingPunct="1">
+              <a:defRPr sz="1800" kern="1200">
+                <a:solidFill>
+                  <a:schemeClr val="lt1"/>
+                </a:solidFill>
+                <a:latin typeface="+mn-lt"/>
+                <a:ea typeface="+mn-ea"/>
+                <a:cs typeface="+mn-cs"/>
+              </a:defRPr>
+            </a:lvl3pPr>
+            <a:lvl4pPr marL="1371600" algn="l" defTabSz="914400" rtl="0" eaLnBrk="1" latinLnBrk="0" hangingPunct="1">
+              <a:defRPr sz="1800" kern="1200">
+                <a:solidFill>
+                  <a:schemeClr val="lt1"/>
+                </a:solidFill>
+                <a:latin typeface="+mn-lt"/>
+                <a:ea typeface="+mn-ea"/>
+                <a:cs typeface="+mn-cs"/>
+              </a:defRPr>
+            </a:lvl4pPr>
+            <a:lvl5pPr marL="1828800" algn="l" defTabSz="914400" rtl="0" eaLnBrk="1" latinLnBrk="0" hangingPunct="1">
+              <a:defRPr sz="1800" kern="1200">
+                <a:solidFill>
+                  <a:schemeClr val="lt1"/>
+                </a:solidFill>
+                <a:latin typeface="+mn-lt"/>
+                <a:ea typeface="+mn-ea"/>
+                <a:cs typeface="+mn-cs"/>
+              </a:defRPr>
+            </a:lvl5pPr>
+            <a:lvl6pPr marL="2286000" algn="l" defTabSz="914400" rtl="0" eaLnBrk="1" latinLnBrk="0" hangingPunct="1">
+              <a:defRPr sz="1800" kern="1200">
+                <a:solidFill>
+                  <a:schemeClr val="lt1"/>
+                </a:solidFill>
+                <a:latin typeface="+mn-lt"/>
+                <a:ea typeface="+mn-ea"/>
+                <a:cs typeface="+mn-cs"/>
+              </a:defRPr>
+            </a:lvl6pPr>
+            <a:lvl7pPr marL="2743200" algn="l" defTabSz="914400" rtl="0" eaLnBrk="1" latinLnBrk="0" hangingPunct="1">
+              <a:defRPr sz="1800" kern="1200">
+                <a:solidFill>
+                  <a:schemeClr val="lt1"/>
+                </a:solidFill>
+                <a:latin typeface="+mn-lt"/>
+                <a:ea typeface="+mn-ea"/>
+                <a:cs typeface="+mn-cs"/>
+              </a:defRPr>
+            </a:lvl7pPr>
+            <a:lvl8pPr marL="3200400" algn="l" defTabSz="914400" rtl="0" eaLnBrk="1" latinLnBrk="0" hangingPunct="1">
+              <a:defRPr sz="1800" kern="1200">
+                <a:solidFill>
+                  <a:schemeClr val="lt1"/>
+                </a:solidFill>
+                <a:latin typeface="+mn-lt"/>
+                <a:ea typeface="+mn-ea"/>
+                <a:cs typeface="+mn-cs"/>
+              </a:defRPr>
+            </a:lvl8pPr>
+            <a:lvl9pPr marL="3657600" algn="l" defTabSz="914400" rtl="0" eaLnBrk="1" latinLnBrk="0" hangingPunct="1">
+              <a:defRPr sz="1800" kern="1200">
+                <a:solidFill>
+                  <a:schemeClr val="lt1"/>
+                </a:solidFill>
+                <a:latin typeface="+mn-lt"/>
+                <a:ea typeface="+mn-ea"/>
+                <a:cs typeface="+mn-cs"/>
+              </a:defRPr>
+            </a:lvl9pPr>
+          </a:lstStyle>
+          <a:p>
+            <a:pPr algn="ctr"/>
+            <a:endParaRPr lang="en-US"/>
+          </a:p>
+        </p:txBody>
+      </p:sp>
+      <p:sp>
+        <p:nvSpPr>
+          <p:cNvPr id="15" name="4-Point Star 14"/>
+          <p:cNvSpPr/>
+          <p:nvPr/>
+        </p:nvSpPr>
+        <p:spPr>
+          <a:xfrm>
+            <a:off x="2895997" y="3324890"/>
+            <a:ext cx="76200" cy="76200"/>
+          </a:xfrm>
+          <a:prstGeom prst="star4">
+            <a:avLst/>
+          </a:prstGeom>
+        </p:spPr>
+        <p:style>
+          <a:lnRef idx="2">
+            <a:schemeClr val="accent1">
+              <a:shade val="50000"/>
+            </a:schemeClr>
+          </a:lnRef>
+          <a:fillRef idx="1">
+            <a:schemeClr val="accent1"/>
+          </a:fillRef>
+          <a:effectRef idx="0">
+            <a:schemeClr val="accent1"/>
+          </a:effectRef>
+          <a:fontRef idx="minor">
+            <a:schemeClr val="lt1"/>
+          </a:fontRef>
+        </p:style>
+        <p:txBody>
+          <a:bodyPr rtlCol="0" anchor="ctr"/>
+          <a:lstStyle>
+            <a:defPPr>
+              <a:defRPr lang="en-US"/>
+            </a:defPPr>
+            <a:lvl1pPr marL="0" algn="l" defTabSz="914400" rtl="0" eaLnBrk="1" latinLnBrk="0" hangingPunct="1">
+              <a:defRPr sz="1800" kern="1200">
+                <a:solidFill>
+                  <a:schemeClr val="lt1"/>
+                </a:solidFill>
+                <a:latin typeface="+mn-lt"/>
+                <a:ea typeface="+mn-ea"/>
+                <a:cs typeface="+mn-cs"/>
+              </a:defRPr>
+            </a:lvl1pPr>
+            <a:lvl2pPr marL="457200" algn="l" defTabSz="914400" rtl="0" eaLnBrk="1" latinLnBrk="0" hangingPunct="1">
+              <a:defRPr sz="1800" kern="1200">
+                <a:solidFill>
+                  <a:schemeClr val="lt1"/>
+                </a:solidFill>
+                <a:latin typeface="+mn-lt"/>
+                <a:ea typeface="+mn-ea"/>
+                <a:cs typeface="+mn-cs"/>
+              </a:defRPr>
+            </a:lvl2pPr>
+            <a:lvl3pPr marL="914400" algn="l" defTabSz="914400" rtl="0" eaLnBrk="1" latinLnBrk="0" hangingPunct="1">
+              <a:defRPr sz="1800" kern="1200">
+                <a:solidFill>
+                  <a:schemeClr val="lt1"/>
+                </a:solidFill>
+                <a:latin typeface="+mn-lt"/>
+                <a:ea typeface="+mn-ea"/>
+                <a:cs typeface="+mn-cs"/>
+              </a:defRPr>
+            </a:lvl3pPr>
+            <a:lvl4pPr marL="1371600" algn="l" defTabSz="914400" rtl="0" eaLnBrk="1" latinLnBrk="0" hangingPunct="1">
+              <a:defRPr sz="1800" kern="1200">
+                <a:solidFill>
+                  <a:schemeClr val="lt1"/>
+                </a:solidFill>
+                <a:latin typeface="+mn-lt"/>
+                <a:ea typeface="+mn-ea"/>
+                <a:cs typeface="+mn-cs"/>
+              </a:defRPr>
+            </a:lvl4pPr>
+            <a:lvl5pPr marL="1828800" algn="l" defTabSz="914400" rtl="0" eaLnBrk="1" latinLnBrk="0" hangingPunct="1">
+              <a:defRPr sz="1800" kern="1200">
+                <a:solidFill>
+                  <a:schemeClr val="lt1"/>
+                </a:solidFill>
+                <a:latin typeface="+mn-lt"/>
+                <a:ea typeface="+mn-ea"/>
+                <a:cs typeface="+mn-cs"/>
+              </a:defRPr>
+            </a:lvl5pPr>
+            <a:lvl6pPr marL="2286000" algn="l" defTabSz="914400" rtl="0" eaLnBrk="1" latinLnBrk="0" hangingPunct="1">
+              <a:defRPr sz="1800" kern="1200">
+                <a:solidFill>
+                  <a:schemeClr val="lt1"/>
+                </a:solidFill>
+                <a:latin typeface="+mn-lt"/>
+                <a:ea typeface="+mn-ea"/>
+                <a:cs typeface="+mn-cs"/>
+              </a:defRPr>
+            </a:lvl6pPr>
+            <a:lvl7pPr marL="2743200" algn="l" defTabSz="914400" rtl="0" eaLnBrk="1" latinLnBrk="0" hangingPunct="1">
+              <a:defRPr sz="1800" kern="1200">
+                <a:solidFill>
+                  <a:schemeClr val="lt1"/>
+                </a:solidFill>
+                <a:latin typeface="+mn-lt"/>
+                <a:ea typeface="+mn-ea"/>
+                <a:cs typeface="+mn-cs"/>
+              </a:defRPr>
+            </a:lvl7pPr>
+            <a:lvl8pPr marL="3200400" algn="l" defTabSz="914400" rtl="0" eaLnBrk="1" latinLnBrk="0" hangingPunct="1">
+              <a:defRPr sz="1800" kern="1200">
+                <a:solidFill>
+                  <a:schemeClr val="lt1"/>
+                </a:solidFill>
+                <a:latin typeface="+mn-lt"/>
+                <a:ea typeface="+mn-ea"/>
+                <a:cs typeface="+mn-cs"/>
+              </a:defRPr>
+            </a:lvl8pPr>
+            <a:lvl9pPr marL="3657600" algn="l" defTabSz="914400" rtl="0" eaLnBrk="1" latinLnBrk="0" hangingPunct="1">
+              <a:defRPr sz="1800" kern="1200">
+                <a:solidFill>
+                  <a:schemeClr val="lt1"/>
+                </a:solidFill>
+                <a:latin typeface="+mn-lt"/>
+                <a:ea typeface="+mn-ea"/>
+                <a:cs typeface="+mn-cs"/>
+              </a:defRPr>
+            </a:lvl9pPr>
+          </a:lstStyle>
+          <a:p>
+            <a:pPr algn="ctr"/>
+            <a:endParaRPr lang="en-US"/>
+          </a:p>
+        </p:txBody>
+      </p:sp>
+      <p:sp>
+        <p:nvSpPr>
+          <p:cNvPr id="16" name="4-Point Star 15"/>
+          <p:cNvSpPr/>
+          <p:nvPr/>
+        </p:nvSpPr>
+        <p:spPr>
+          <a:xfrm>
+            <a:off x="3353197" y="2943890"/>
+            <a:ext cx="76200" cy="76200"/>
+          </a:xfrm>
+          <a:prstGeom prst="star4">
+            <a:avLst/>
+          </a:prstGeom>
+        </p:spPr>
+        <p:style>
+          <a:lnRef idx="2">
+            <a:schemeClr val="accent1">
+              <a:shade val="50000"/>
+            </a:schemeClr>
+          </a:lnRef>
+          <a:fillRef idx="1">
+            <a:schemeClr val="accent1"/>
+          </a:fillRef>
+          <a:effectRef idx="0">
+            <a:schemeClr val="accent1"/>
+          </a:effectRef>
+          <a:fontRef idx="minor">
+            <a:schemeClr val="lt1"/>
+          </a:fontRef>
+        </p:style>
+        <p:txBody>
+          <a:bodyPr rtlCol="0" anchor="ctr"/>
+          <a:lstStyle>
+            <a:defPPr>
+              <a:defRPr lang="en-US"/>
+            </a:defPPr>
+            <a:lvl1pPr marL="0" algn="l" defTabSz="914400" rtl="0" eaLnBrk="1" latinLnBrk="0" hangingPunct="1">
+              <a:defRPr sz="1800" kern="1200">
+                <a:solidFill>
+                  <a:schemeClr val="lt1"/>
+                </a:solidFill>
+                <a:latin typeface="+mn-lt"/>
+                <a:ea typeface="+mn-ea"/>
+                <a:cs typeface="+mn-cs"/>
+              </a:defRPr>
+            </a:lvl1pPr>
+            <a:lvl2pPr marL="457200" algn="l" defTabSz="914400" rtl="0" eaLnBrk="1" latinLnBrk="0" hangingPunct="1">
+              <a:defRPr sz="1800" kern="1200">
+                <a:solidFill>
+                  <a:schemeClr val="lt1"/>
+                </a:solidFill>
+                <a:latin typeface="+mn-lt"/>
+                <a:ea typeface="+mn-ea"/>
+                <a:cs typeface="+mn-cs"/>
+              </a:defRPr>
+            </a:lvl2pPr>
+            <a:lvl3pPr marL="914400" algn="l" defTabSz="914400" rtl="0" eaLnBrk="1" latinLnBrk="0" hangingPunct="1">
+              <a:defRPr sz="1800" kern="1200">
+                <a:solidFill>
+                  <a:schemeClr val="lt1"/>
+                </a:solidFill>
+                <a:latin typeface="+mn-lt"/>
+                <a:ea typeface="+mn-ea"/>
+                <a:cs typeface="+mn-cs"/>
+              </a:defRPr>
+            </a:lvl3pPr>
+            <a:lvl4pPr marL="1371600" algn="l" defTabSz="914400" rtl="0" eaLnBrk="1" latinLnBrk="0" hangingPunct="1">
+              <a:defRPr sz="1800" kern="1200">
+                <a:solidFill>
+                  <a:schemeClr val="lt1"/>
+                </a:solidFill>
+                <a:latin typeface="+mn-lt"/>
+                <a:ea typeface="+mn-ea"/>
+                <a:cs typeface="+mn-cs"/>
+              </a:defRPr>
+            </a:lvl4pPr>
+            <a:lvl5pPr marL="1828800" algn="l" defTabSz="914400" rtl="0" eaLnBrk="1" latinLnBrk="0" hangingPunct="1">
+              <a:defRPr sz="1800" kern="1200">
+                <a:solidFill>
+                  <a:schemeClr val="lt1"/>
+                </a:solidFill>
+                <a:latin typeface="+mn-lt"/>
+                <a:ea typeface="+mn-ea"/>
+                <a:cs typeface="+mn-cs"/>
+              </a:defRPr>
+            </a:lvl5pPr>
+            <a:lvl6pPr marL="2286000" algn="l" defTabSz="914400" rtl="0" eaLnBrk="1" latinLnBrk="0" hangingPunct="1">
+              <a:defRPr sz="1800" kern="1200">
+                <a:solidFill>
+                  <a:schemeClr val="lt1"/>
+                </a:solidFill>
+                <a:latin typeface="+mn-lt"/>
+                <a:ea typeface="+mn-ea"/>
+                <a:cs typeface="+mn-cs"/>
+              </a:defRPr>
+            </a:lvl6pPr>
+            <a:lvl7pPr marL="2743200" algn="l" defTabSz="914400" rtl="0" eaLnBrk="1" latinLnBrk="0" hangingPunct="1">
+              <a:defRPr sz="1800" kern="1200">
+                <a:solidFill>
+                  <a:schemeClr val="lt1"/>
+                </a:solidFill>
+                <a:latin typeface="+mn-lt"/>
+                <a:ea typeface="+mn-ea"/>
+                <a:cs typeface="+mn-cs"/>
+              </a:defRPr>
+            </a:lvl7pPr>
+            <a:lvl8pPr marL="3200400" algn="l" defTabSz="914400" rtl="0" eaLnBrk="1" latinLnBrk="0" hangingPunct="1">
+              <a:defRPr sz="1800" kern="1200">
+                <a:solidFill>
+                  <a:schemeClr val="lt1"/>
+                </a:solidFill>
+                <a:latin typeface="+mn-lt"/>
+                <a:ea typeface="+mn-ea"/>
+                <a:cs typeface="+mn-cs"/>
+              </a:defRPr>
+            </a:lvl8pPr>
+            <a:lvl9pPr marL="3657600" algn="l" defTabSz="914400" rtl="0" eaLnBrk="1" latinLnBrk="0" hangingPunct="1">
+              <a:defRPr sz="1800" kern="1200">
+                <a:solidFill>
+                  <a:schemeClr val="lt1"/>
+                </a:solidFill>
+                <a:latin typeface="+mn-lt"/>
+                <a:ea typeface="+mn-ea"/>
+                <a:cs typeface="+mn-cs"/>
+              </a:defRPr>
+            </a:lvl9pPr>
+          </a:lstStyle>
+          <a:p>
+            <a:pPr algn="ctr"/>
+            <a:endParaRPr lang="en-US"/>
+          </a:p>
+        </p:txBody>
+      </p:sp>
+      <p:cxnSp>
+        <p:nvCxnSpPr>
+          <p:cNvPr id="17" name="Straight Connector 16"/>
+          <p:cNvCxnSpPr/>
+          <p:nvPr/>
+        </p:nvCxnSpPr>
+        <p:spPr>
+          <a:xfrm flipV="1">
+            <a:off x="838597" y="2639090"/>
+            <a:ext cx="2743200" cy="1066800"/>
+          </a:xfrm>
+          <a:prstGeom prst="line">
+            <a:avLst/>
+          </a:prstGeom>
+          <a:ln>
+            <a:solidFill>
+              <a:schemeClr val="tx1"/>
+            </a:solidFill>
+          </a:ln>
+        </p:spPr>
+        <p:style>
+          <a:lnRef idx="1">
+            <a:schemeClr val="accent1"/>
+          </a:lnRef>
+          <a:fillRef idx="0">
+            <a:schemeClr val="accent1"/>
+          </a:fillRef>
+          <a:effectRef idx="0">
+            <a:schemeClr val="accent1"/>
+          </a:effectRef>
+          <a:fontRef idx="minor">
+            <a:schemeClr val="tx1"/>
+          </a:fontRef>
+        </p:style>
+      </p:cxnSp>
+      <p:sp>
+        <p:nvSpPr>
+          <p:cNvPr id="18" name="TextBox 21"/>
+          <p:cNvSpPr txBox="1"/>
+          <p:nvPr/>
+        </p:nvSpPr>
+        <p:spPr>
+          <a:xfrm>
+            <a:off x="4991100" y="2647037"/>
+            <a:ext cx="4000500" cy="1508105"/>
+          </a:xfrm>
+          <a:prstGeom prst="rect">
+            <a:avLst/>
+          </a:prstGeom>
+          <a:noFill/>
+        </p:spPr>
+        <p:txBody>
+          <a:bodyPr wrap="square" rtlCol="0">
+            <a:spAutoFit/>
+            <a:scene3d>
+              <a:camera prst="orthographicFront"/>
+              <a:lightRig rig="threePt" dir="t"/>
+            </a:scene3d>
+            <a:sp3d extrusionH="57150">
+              <a:bevelT w="38100" h="38100"/>
+            </a:sp3d>
+          </a:bodyPr>
+          <a:lstStyle>
+            <a:defPPr>
+              <a:defRPr lang="en-US"/>
+            </a:defPPr>
+            <a:lvl1pPr marL="0" algn="l" defTabSz="914400" rtl="0" eaLnBrk="1" latinLnBrk="0" hangingPunct="1">
+              <a:defRPr sz="1800" kern="1200">
+                <a:solidFill>
+                  <a:schemeClr val="tx1"/>
+                </a:solidFill>
+                <a:latin typeface="+mn-lt"/>
+                <a:ea typeface="+mn-ea"/>
+                <a:cs typeface="+mn-cs"/>
+              </a:defRPr>
+            </a:lvl1pPr>
+            <a:lvl2pPr marL="457200" algn="l" defTabSz="914400" rtl="0" eaLnBrk="1" latinLnBrk="0" hangingPunct="1">
+              <a:defRPr sz="1800" kern="1200">
+                <a:solidFill>
+                  <a:schemeClr val="tx1"/>
+                </a:solidFill>
+                <a:latin typeface="+mn-lt"/>
+                <a:ea typeface="+mn-ea"/>
+                <a:cs typeface="+mn-cs"/>
+              </a:defRPr>
+            </a:lvl2pPr>
+            <a:lvl3pPr marL="914400" algn="l" defTabSz="914400" rtl="0" eaLnBrk="1" latinLnBrk="0" hangingPunct="1">
+              <a:defRPr sz="1800" kern="1200">
+                <a:solidFill>
+                  <a:schemeClr val="tx1"/>
+                </a:solidFill>
+                <a:latin typeface="+mn-lt"/>
+                <a:ea typeface="+mn-ea"/>
+                <a:cs typeface="+mn-cs"/>
+              </a:defRPr>
+            </a:lvl3pPr>
+            <a:lvl4pPr marL="1371600" algn="l" defTabSz="914400" rtl="0" eaLnBrk="1" latinLnBrk="0" hangingPunct="1">
+              <a:defRPr sz="1800" kern="1200">
+                <a:solidFill>
+                  <a:schemeClr val="tx1"/>
+                </a:solidFill>
+                <a:latin typeface="+mn-lt"/>
+                <a:ea typeface="+mn-ea"/>
+                <a:cs typeface="+mn-cs"/>
+              </a:defRPr>
+            </a:lvl4pPr>
+            <a:lvl5pPr marL="1828800" algn="l" defTabSz="914400" rtl="0" eaLnBrk="1" latinLnBrk="0" hangingPunct="1">
+              <a:defRPr sz="1800" kern="1200">
+                <a:solidFill>
+                  <a:schemeClr val="tx1"/>
+                </a:solidFill>
+                <a:latin typeface="+mn-lt"/>
+                <a:ea typeface="+mn-ea"/>
+                <a:cs typeface="+mn-cs"/>
+              </a:defRPr>
+            </a:lvl5pPr>
+            <a:lvl6pPr marL="2286000" algn="l" defTabSz="914400" rtl="0" eaLnBrk="1" latinLnBrk="0" hangingPunct="1">
+              <a:defRPr sz="1800" kern="1200">
+                <a:solidFill>
+                  <a:schemeClr val="tx1"/>
+                </a:solidFill>
+                <a:latin typeface="+mn-lt"/>
+                <a:ea typeface="+mn-ea"/>
+                <a:cs typeface="+mn-cs"/>
+              </a:defRPr>
+            </a:lvl6pPr>
+            <a:lvl7pPr marL="2743200" algn="l" defTabSz="914400" rtl="0" eaLnBrk="1" latinLnBrk="0" hangingPunct="1">
+              <a:defRPr sz="1800" kern="1200">
+                <a:solidFill>
+                  <a:schemeClr val="tx1"/>
+                </a:solidFill>
+                <a:latin typeface="+mn-lt"/>
+                <a:ea typeface="+mn-ea"/>
+                <a:cs typeface="+mn-cs"/>
+              </a:defRPr>
+            </a:lvl7pPr>
+            <a:lvl8pPr marL="3200400" algn="l" defTabSz="914400" rtl="0" eaLnBrk="1" latinLnBrk="0" hangingPunct="1">
+              <a:defRPr sz="1800" kern="1200">
+                <a:solidFill>
+                  <a:schemeClr val="tx1"/>
+                </a:solidFill>
+                <a:latin typeface="+mn-lt"/>
+                <a:ea typeface="+mn-ea"/>
+                <a:cs typeface="+mn-cs"/>
+              </a:defRPr>
+            </a:lvl8pPr>
+            <a:lvl9pPr marL="3657600" algn="l" defTabSz="914400" rtl="0" eaLnBrk="1" latinLnBrk="0" hangingPunct="1">
+              <a:defRPr sz="1800" kern="1200">
+                <a:solidFill>
+                  <a:schemeClr val="tx1"/>
+                </a:solidFill>
+                <a:latin typeface="+mn-lt"/>
+                <a:ea typeface="+mn-ea"/>
+                <a:cs typeface="+mn-cs"/>
+              </a:defRPr>
+            </a:lvl9pPr>
+          </a:lstStyle>
+          <a:p>
+            <a:r>
+              <a:rPr lang="en-US" dirty="0"/>
+              <a:t> </a:t>
+            </a:r>
+            <a:r>
+              <a:rPr lang="en-US" sz="2000" b="1" dirty="0" smtClean="0"/>
+              <a:t>Salary </a:t>
+            </a:r>
+            <a:r>
+              <a:rPr lang="en-US" sz="2000" b="1" dirty="0" smtClean="0"/>
+              <a:t> </a:t>
+            </a:r>
+            <a:r>
+              <a:rPr lang="en-US" sz="2000" b="1" dirty="0" smtClean="0"/>
+              <a:t>= </a:t>
+            </a:r>
+            <a:r>
+              <a:rPr lang="en-US" sz="2000" b="1" dirty="0" smtClean="0"/>
+              <a:t>m(years of experience) </a:t>
+            </a:r>
+            <a:r>
+              <a:rPr lang="en-US" sz="2000" b="1" dirty="0" smtClean="0"/>
+              <a:t>+ C</a:t>
+            </a:r>
+            <a:endParaRPr lang="en-US" b="1" dirty="0" smtClean="0"/>
+          </a:p>
+          <a:p>
+            <a:r>
+              <a:rPr lang="en-US" dirty="0"/>
+              <a:t> </a:t>
+            </a:r>
+            <a:endParaRPr lang="en-US" dirty="0" smtClean="0"/>
+          </a:p>
+          <a:p>
+            <a:r>
+              <a:rPr lang="en-US" dirty="0"/>
+              <a:t> </a:t>
+            </a:r>
+            <a:r>
+              <a:rPr lang="en-US" dirty="0" smtClean="0"/>
+              <a:t>m is the regression coefficient </a:t>
+            </a:r>
+          </a:p>
+          <a:p>
+            <a:r>
+              <a:rPr lang="en-US" dirty="0" smtClean="0"/>
+              <a:t>C the intercept indicates the salary of an entry level employee.</a:t>
+            </a:r>
+            <a:endParaRPr lang="en-US" dirty="0" smtClean="0"/>
+          </a:p>
+        </p:txBody>
+      </p:sp>
+      <p:sp>
+        <p:nvSpPr>
+          <p:cNvPr id="19" name="Date Placeholder 18"/>
+          <p:cNvSpPr>
+            <a:spLocks noGrp="1"/>
+          </p:cNvSpPr>
+          <p:nvPr>
+            <p:ph type="dt" sz="half" idx="10"/>
+          </p:nvPr>
+        </p:nvSpPr>
+        <p:spPr/>
+        <p:txBody>
+          <a:bodyPr/>
+          <a:lstStyle/>
+          <a:p>
+            <a:fld id="{5FA678FB-27B7-4E81-A2AA-045D8EDFF84E}" type="datetime3">
+              <a:rPr lang="en-US" smtClean="0"/>
+              <a:t>3 January 2019</a:t>
+            </a:fld>
+            <a:endParaRPr lang="en-US"/>
+          </a:p>
+        </p:txBody>
+      </p:sp>
+      <p:sp>
+        <p:nvSpPr>
+          <p:cNvPr id="20" name="Footer Placeholder 19"/>
+          <p:cNvSpPr>
+            <a:spLocks noGrp="1"/>
+          </p:cNvSpPr>
+          <p:nvPr>
+            <p:ph type="ftr" sz="quarter" idx="11"/>
+          </p:nvPr>
+        </p:nvSpPr>
+        <p:spPr/>
+        <p:txBody>
+          <a:bodyPr/>
+          <a:lstStyle/>
+          <a:p>
+            <a:r>
+              <a:rPr lang="en-US" smtClean="0"/>
+              <a:t>sai Prasad Ashila</a:t>
+            </a:r>
+            <a:endParaRPr lang="en-US"/>
+          </a:p>
+        </p:txBody>
+      </p:sp>
+      <p:sp>
+        <p:nvSpPr>
+          <p:cNvPr id="21" name="Slide Number Placeholder 20"/>
+          <p:cNvSpPr>
+            <a:spLocks noGrp="1"/>
+          </p:cNvSpPr>
+          <p:nvPr>
+            <p:ph type="sldNum" sz="quarter" idx="12"/>
+          </p:nvPr>
+        </p:nvSpPr>
+        <p:spPr/>
+        <p:txBody>
+          <a:bodyPr/>
+          <a:lstStyle/>
+          <a:p>
+            <a:fld id="{2EE3F54D-A22C-49A4-910F-D37A9559DC15}" type="slidenum">
+              <a:rPr lang="en-US" smtClean="0"/>
+              <a:t>3</a:t>
+            </a:fld>
+            <a:endParaRPr lang="en-US"/>
+          </a:p>
+        </p:txBody>
+      </p:sp>
+    </p:spTree>
+    <p:extLst>
+      <p:ext uri="{BB962C8B-B14F-4D97-AF65-F5344CB8AC3E}">
+        <p14:creationId xmlns:p14="http://schemas.microsoft.com/office/powerpoint/2010/main" val="3544765264"/>
+      </p:ext>
+    </p:extLst>
+  </p:cSld>
+  <p:clrMapOvr>
+    <a:masterClrMapping/>
+  </p:clrMapOvr>
+  <p:timing>
+    <p:tnLst>
+      <p:par>
+        <p:cTn id="1" dur="indefinite" restart="never" nodeType="tmRoot">
+          <p:childTnLst>
+            <p:seq concurrent="1" nextAc="seek">
+              <p:cTn id="2" dur="indefinite" nodeType="mainSeq">
+                <p:childTnLst>
+                  <p:par>
+                    <p:cTn id="3" fill="hold">
+                      <p:stCondLst>
+                        <p:cond delay="indefinite"/>
+                      </p:stCondLst>
+                      <p:childTnLst>
+                        <p:par>
+                          <p:cTn id="4" fill="hold">
+                            <p:stCondLst>
+                              <p:cond delay="0"/>
+                            </p:stCondLst>
+                            <p:childTnLst>
+                              <p:par>
+                                <p:cTn id="5" presetID="6" presetClass="entr" presetSubtype="32" fill="hold" nodeType="clickEffect">
+                                  <p:stCondLst>
+                                    <p:cond delay="0"/>
+                                  </p:stCondLst>
+                                  <p:childTnLst>
+                                    <p:set>
+                                      <p:cBhvr>
+                                        <p:cTn id="6" dur="1" fill="hold">
+                                          <p:stCondLst>
+                                            <p:cond delay="0"/>
+                                          </p:stCondLst>
+                                        </p:cTn>
+                                        <p:tgtEl>
+                                          <p:spTgt spid="4"/>
+                                        </p:tgtEl>
+                                        <p:attrNameLst>
+                                          <p:attrName>style.visibility</p:attrName>
+                                        </p:attrNameLst>
+                                      </p:cBhvr>
+                                      <p:to>
+                                        <p:strVal val="visible"/>
+                                      </p:to>
+                                    </p:set>
+                                    <p:animEffect transition="in" filter="circle(out)">
+                                      <p:cBhvr>
+                                        <p:cTn id="7" dur="2000"/>
+                                        <p:tgtEl>
+                                          <p:spTgt spid="4"/>
+                                        </p:tgtEl>
+                                      </p:cBhvr>
+                                    </p:animEffect>
+                                  </p:childTnLst>
+                                </p:cTn>
+                              </p:par>
+                            </p:childTnLst>
+                          </p:cTn>
+                        </p:par>
+                      </p:childTnLst>
+                    </p:cTn>
+                  </p:par>
+                  <p:par>
+                    <p:cTn id="8" fill="hold">
+                      <p:stCondLst>
+                        <p:cond delay="indefinite"/>
+                      </p:stCondLst>
+                      <p:childTnLst>
+                        <p:par>
+                          <p:cTn id="9" fill="hold">
+                            <p:stCondLst>
+                              <p:cond delay="0"/>
+                            </p:stCondLst>
+                            <p:childTnLst>
+                              <p:par>
+                                <p:cTn id="10" presetID="26" presetClass="entr" presetSubtype="0" fill="hold" grpId="0" nodeType="clickEffect">
+                                  <p:stCondLst>
+                                    <p:cond delay="0"/>
+                                  </p:stCondLst>
+                                  <p:childTnLst>
+                                    <p:set>
+                                      <p:cBhvr>
+                                        <p:cTn id="11" dur="1" fill="hold">
+                                          <p:stCondLst>
+                                            <p:cond delay="0"/>
+                                          </p:stCondLst>
+                                        </p:cTn>
+                                        <p:tgtEl>
+                                          <p:spTgt spid="7"/>
+                                        </p:tgtEl>
+                                        <p:attrNameLst>
+                                          <p:attrName>style.visibility</p:attrName>
+                                        </p:attrNameLst>
+                                      </p:cBhvr>
+                                      <p:to>
+                                        <p:strVal val="visible"/>
+                                      </p:to>
+                                    </p:set>
+                                    <p:animEffect transition="in" filter="wipe(down)">
+                                      <p:cBhvr>
+                                        <p:cTn id="12" dur="580">
+                                          <p:stCondLst>
+                                            <p:cond delay="0"/>
+                                          </p:stCondLst>
+                                        </p:cTn>
+                                        <p:tgtEl>
+                                          <p:spTgt spid="7"/>
+                                        </p:tgtEl>
+                                      </p:cBhvr>
+                                    </p:animEffect>
+                                    <p:anim calcmode="lin" valueType="num">
+                                      <p:cBhvr>
+                                        <p:cTn id="13" dur="1822" tmFilter="0,0; 0.14,0.36; 0.43,0.73; 0.71,0.91; 1.0,1.0">
+                                          <p:stCondLst>
+                                            <p:cond delay="0"/>
+                                          </p:stCondLst>
+                                        </p:cTn>
+                                        <p:tgtEl>
+                                          <p:spTgt spid="7"/>
+                                        </p:tgtEl>
+                                        <p:attrNameLst>
+                                          <p:attrName>ppt_x</p:attrName>
+                                        </p:attrNameLst>
+                                      </p:cBhvr>
+                                      <p:tavLst>
+                                        <p:tav tm="0">
+                                          <p:val>
+                                            <p:strVal val="#ppt_x-0.25"/>
+                                          </p:val>
+                                        </p:tav>
+                                        <p:tav tm="100000">
+                                          <p:val>
+                                            <p:strVal val="#ppt_x"/>
+                                          </p:val>
+                                        </p:tav>
+                                      </p:tavLst>
+                                    </p:anim>
+                                    <p:anim calcmode="lin" valueType="num">
+                                      <p:cBhvr>
+                                        <p:cTn id="14" dur="664" tmFilter="0.0,0.0; 0.25,0.07; 0.50,0.2; 0.75,0.467; 1.0,1.0">
+                                          <p:stCondLst>
+                                            <p:cond delay="0"/>
+                                          </p:stCondLst>
+                                        </p:cTn>
+                                        <p:tgtEl>
+                                          <p:spTgt spid="7"/>
+                                        </p:tgtEl>
+                                        <p:attrNameLst>
+                                          <p:attrName>ppt_y</p:attrName>
+                                        </p:attrNameLst>
+                                      </p:cBhvr>
+                                      <p:tavLst>
+                                        <p:tav tm="0" fmla="#ppt_y-sin(pi*$)/3">
+                                          <p:val>
+                                            <p:fltVal val="0.5"/>
+                                          </p:val>
+                                        </p:tav>
+                                        <p:tav tm="100000">
+                                          <p:val>
+                                            <p:fltVal val="1"/>
+                                          </p:val>
+                                        </p:tav>
+                                      </p:tavLst>
+                                    </p:anim>
+                                    <p:anim calcmode="lin" valueType="num">
+                                      <p:cBhvr>
+                                        <p:cTn id="15" dur="664" tmFilter="0, 0; 0.125,0.2665; 0.25,0.4; 0.375,0.465; 0.5,0.5;  0.625,0.535; 0.75,0.6; 0.875,0.7335; 1,1">
+                                          <p:stCondLst>
+                                            <p:cond delay="664"/>
+                                          </p:stCondLst>
+                                        </p:cTn>
+                                        <p:tgtEl>
+                                          <p:spTgt spid="7"/>
+                                        </p:tgtEl>
+                                        <p:attrNameLst>
+                                          <p:attrName>ppt_y</p:attrName>
+                                        </p:attrNameLst>
+                                      </p:cBhvr>
+                                      <p:tavLst>
+                                        <p:tav tm="0" fmla="#ppt_y-sin(pi*$)/9">
+                                          <p:val>
+                                            <p:fltVal val="0"/>
+                                          </p:val>
+                                        </p:tav>
+                                        <p:tav tm="100000">
+                                          <p:val>
+                                            <p:fltVal val="1"/>
+                                          </p:val>
+                                        </p:tav>
+                                      </p:tavLst>
+                                    </p:anim>
+                                    <p:anim calcmode="lin" valueType="num">
+                                      <p:cBhvr>
+                                        <p:cTn id="16" dur="332" tmFilter="0, 0; 0.125,0.2665; 0.25,0.4; 0.375,0.465; 0.5,0.5;  0.625,0.535; 0.75,0.6; 0.875,0.7335; 1,1">
+                                          <p:stCondLst>
+                                            <p:cond delay="1324"/>
+                                          </p:stCondLst>
+                                        </p:cTn>
+                                        <p:tgtEl>
+                                          <p:spTgt spid="7"/>
+                                        </p:tgtEl>
+                                        <p:attrNameLst>
+                                          <p:attrName>ppt_y</p:attrName>
+                                        </p:attrNameLst>
+                                      </p:cBhvr>
+                                      <p:tavLst>
+                                        <p:tav tm="0" fmla="#ppt_y-sin(pi*$)/27">
+                                          <p:val>
+                                            <p:fltVal val="0"/>
+                                          </p:val>
+                                        </p:tav>
+                                        <p:tav tm="100000">
+                                          <p:val>
+                                            <p:fltVal val="1"/>
+                                          </p:val>
+                                        </p:tav>
+                                      </p:tavLst>
+                                    </p:anim>
+                                    <p:anim calcmode="lin" valueType="num">
+                                      <p:cBhvr>
+                                        <p:cTn id="17" dur="164" tmFilter="0, 0; 0.125,0.2665; 0.25,0.4; 0.375,0.465; 0.5,0.5;  0.625,0.535; 0.75,0.6; 0.875,0.7335; 1,1">
+                                          <p:stCondLst>
+                                            <p:cond delay="1656"/>
+                                          </p:stCondLst>
+                                        </p:cTn>
+                                        <p:tgtEl>
+                                          <p:spTgt spid="7"/>
+                                        </p:tgtEl>
+                                        <p:attrNameLst>
+                                          <p:attrName>ppt_y</p:attrName>
+                                        </p:attrNameLst>
+                                      </p:cBhvr>
+                                      <p:tavLst>
+                                        <p:tav tm="0" fmla="#ppt_y-sin(pi*$)/81">
+                                          <p:val>
+                                            <p:fltVal val="0"/>
+                                          </p:val>
+                                        </p:tav>
+                                        <p:tav tm="100000">
+                                          <p:val>
+                                            <p:fltVal val="1"/>
+                                          </p:val>
+                                        </p:tav>
+                                      </p:tavLst>
+                                    </p:anim>
+                                    <p:animScale>
+                                      <p:cBhvr>
+                                        <p:cTn id="18" dur="26">
+                                          <p:stCondLst>
+                                            <p:cond delay="650"/>
+                                          </p:stCondLst>
+                                        </p:cTn>
+                                        <p:tgtEl>
+                                          <p:spTgt spid="7"/>
+                                        </p:tgtEl>
+                                      </p:cBhvr>
+                                      <p:to x="100000" y="60000"/>
+                                    </p:animScale>
+                                    <p:animScale>
+                                      <p:cBhvr>
+                                        <p:cTn id="19" dur="166" decel="50000">
+                                          <p:stCondLst>
+                                            <p:cond delay="676"/>
+                                          </p:stCondLst>
+                                        </p:cTn>
+                                        <p:tgtEl>
+                                          <p:spTgt spid="7"/>
+                                        </p:tgtEl>
+                                      </p:cBhvr>
+                                      <p:to x="100000" y="100000"/>
+                                    </p:animScale>
+                                    <p:animScale>
+                                      <p:cBhvr>
+                                        <p:cTn id="20" dur="26">
+                                          <p:stCondLst>
+                                            <p:cond delay="1312"/>
+                                          </p:stCondLst>
+                                        </p:cTn>
+                                        <p:tgtEl>
+                                          <p:spTgt spid="7"/>
+                                        </p:tgtEl>
+                                      </p:cBhvr>
+                                      <p:to x="100000" y="80000"/>
+                                    </p:animScale>
+                                    <p:animScale>
+                                      <p:cBhvr>
+                                        <p:cTn id="21" dur="166" decel="50000">
+                                          <p:stCondLst>
+                                            <p:cond delay="1338"/>
+                                          </p:stCondLst>
+                                        </p:cTn>
+                                        <p:tgtEl>
+                                          <p:spTgt spid="7"/>
+                                        </p:tgtEl>
+                                      </p:cBhvr>
+                                      <p:to x="100000" y="100000"/>
+                                    </p:animScale>
+                                    <p:animScale>
+                                      <p:cBhvr>
+                                        <p:cTn id="22" dur="26">
+                                          <p:stCondLst>
+                                            <p:cond delay="1642"/>
+                                          </p:stCondLst>
+                                        </p:cTn>
+                                        <p:tgtEl>
+                                          <p:spTgt spid="7"/>
+                                        </p:tgtEl>
+                                      </p:cBhvr>
+                                      <p:to x="100000" y="90000"/>
+                                    </p:animScale>
+                                    <p:animScale>
+                                      <p:cBhvr>
+                                        <p:cTn id="23" dur="166" decel="50000">
+                                          <p:stCondLst>
+                                            <p:cond delay="1668"/>
+                                          </p:stCondLst>
+                                        </p:cTn>
+                                        <p:tgtEl>
+                                          <p:spTgt spid="7"/>
+                                        </p:tgtEl>
+                                      </p:cBhvr>
+                                      <p:to x="100000" y="100000"/>
+                                    </p:animScale>
+                                    <p:animScale>
+                                      <p:cBhvr>
+                                        <p:cTn id="24" dur="26">
+                                          <p:stCondLst>
+                                            <p:cond delay="1808"/>
+                                          </p:stCondLst>
+                                        </p:cTn>
+                                        <p:tgtEl>
+                                          <p:spTgt spid="7"/>
+                                        </p:tgtEl>
+                                      </p:cBhvr>
+                                      <p:to x="100000" y="95000"/>
+                                    </p:animScale>
+                                    <p:animScale>
+                                      <p:cBhvr>
+                                        <p:cTn id="25" dur="166" decel="50000">
+                                          <p:stCondLst>
+                                            <p:cond delay="1834"/>
+                                          </p:stCondLst>
+                                        </p:cTn>
+                                        <p:tgtEl>
+                                          <p:spTgt spid="7"/>
+                                        </p:tgtEl>
+                                      </p:cBhvr>
+                                      <p:to x="100000" y="100000"/>
+                                    </p:animScale>
+                                  </p:childTnLst>
+                                </p:cTn>
+                              </p:par>
+                            </p:childTnLst>
+                          </p:cTn>
+                        </p:par>
+                      </p:childTnLst>
+                    </p:cTn>
+                  </p:par>
+                  <p:par>
+                    <p:cTn id="26" fill="hold">
+                      <p:stCondLst>
+                        <p:cond delay="indefinite"/>
+                      </p:stCondLst>
+                      <p:childTnLst>
+                        <p:par>
+                          <p:cTn id="27" fill="hold">
+                            <p:stCondLst>
+                              <p:cond delay="0"/>
+                            </p:stCondLst>
+                            <p:childTnLst>
+                              <p:par>
+                                <p:cTn id="28" presetID="26" presetClass="entr" presetSubtype="0" fill="hold" grpId="0" nodeType="clickEffect">
+                                  <p:stCondLst>
+                                    <p:cond delay="0"/>
+                                  </p:stCondLst>
+                                  <p:childTnLst>
+                                    <p:set>
+                                      <p:cBhvr>
+                                        <p:cTn id="29" dur="1" fill="hold">
+                                          <p:stCondLst>
+                                            <p:cond delay="0"/>
+                                          </p:stCondLst>
+                                        </p:cTn>
+                                        <p:tgtEl>
+                                          <p:spTgt spid="8"/>
+                                        </p:tgtEl>
+                                        <p:attrNameLst>
+                                          <p:attrName>style.visibility</p:attrName>
+                                        </p:attrNameLst>
+                                      </p:cBhvr>
+                                      <p:to>
+                                        <p:strVal val="visible"/>
+                                      </p:to>
+                                    </p:set>
+                                    <p:animEffect transition="in" filter="wipe(down)">
+                                      <p:cBhvr>
+                                        <p:cTn id="30" dur="580">
+                                          <p:stCondLst>
+                                            <p:cond delay="0"/>
+                                          </p:stCondLst>
+                                        </p:cTn>
+                                        <p:tgtEl>
+                                          <p:spTgt spid="8"/>
+                                        </p:tgtEl>
+                                      </p:cBhvr>
+                                    </p:animEffect>
+                                    <p:anim calcmode="lin" valueType="num">
+                                      <p:cBhvr>
+                                        <p:cTn id="31" dur="1822" tmFilter="0,0; 0.14,0.36; 0.43,0.73; 0.71,0.91; 1.0,1.0">
+                                          <p:stCondLst>
+                                            <p:cond delay="0"/>
+                                          </p:stCondLst>
+                                        </p:cTn>
+                                        <p:tgtEl>
+                                          <p:spTgt spid="8"/>
+                                        </p:tgtEl>
+                                        <p:attrNameLst>
+                                          <p:attrName>ppt_x</p:attrName>
+                                        </p:attrNameLst>
+                                      </p:cBhvr>
+                                      <p:tavLst>
+                                        <p:tav tm="0">
+                                          <p:val>
+                                            <p:strVal val="#ppt_x-0.25"/>
+                                          </p:val>
+                                        </p:tav>
+                                        <p:tav tm="100000">
+                                          <p:val>
+                                            <p:strVal val="#ppt_x"/>
+                                          </p:val>
+                                        </p:tav>
+                                      </p:tavLst>
+                                    </p:anim>
+                                    <p:anim calcmode="lin" valueType="num">
+                                      <p:cBhvr>
+                                        <p:cTn id="32" dur="664" tmFilter="0.0,0.0; 0.25,0.07; 0.50,0.2; 0.75,0.467; 1.0,1.0">
+                                          <p:stCondLst>
+                                            <p:cond delay="0"/>
+                                          </p:stCondLst>
+                                        </p:cTn>
+                                        <p:tgtEl>
+                                          <p:spTgt spid="8"/>
+                                        </p:tgtEl>
+                                        <p:attrNameLst>
+                                          <p:attrName>ppt_y</p:attrName>
+                                        </p:attrNameLst>
+                                      </p:cBhvr>
+                                      <p:tavLst>
+                                        <p:tav tm="0" fmla="#ppt_y-sin(pi*$)/3">
+                                          <p:val>
+                                            <p:fltVal val="0.5"/>
+                                          </p:val>
+                                        </p:tav>
+                                        <p:tav tm="100000">
+                                          <p:val>
+                                            <p:fltVal val="1"/>
+                                          </p:val>
+                                        </p:tav>
+                                      </p:tavLst>
+                                    </p:anim>
+                                    <p:anim calcmode="lin" valueType="num">
+                                      <p:cBhvr>
+                                        <p:cTn id="33" dur="664" tmFilter="0, 0; 0.125,0.2665; 0.25,0.4; 0.375,0.465; 0.5,0.5;  0.625,0.535; 0.75,0.6; 0.875,0.7335; 1,1">
+                                          <p:stCondLst>
+                                            <p:cond delay="664"/>
+                                          </p:stCondLst>
+                                        </p:cTn>
+                                        <p:tgtEl>
+                                          <p:spTgt spid="8"/>
+                                        </p:tgtEl>
+                                        <p:attrNameLst>
+                                          <p:attrName>ppt_y</p:attrName>
+                                        </p:attrNameLst>
+                                      </p:cBhvr>
+                                      <p:tavLst>
+                                        <p:tav tm="0" fmla="#ppt_y-sin(pi*$)/9">
+                                          <p:val>
+                                            <p:fltVal val="0"/>
+                                          </p:val>
+                                        </p:tav>
+                                        <p:tav tm="100000">
+                                          <p:val>
+                                            <p:fltVal val="1"/>
+                                          </p:val>
+                                        </p:tav>
+                                      </p:tavLst>
+                                    </p:anim>
+                                    <p:anim calcmode="lin" valueType="num">
+                                      <p:cBhvr>
+                                        <p:cTn id="34" dur="332" tmFilter="0, 0; 0.125,0.2665; 0.25,0.4; 0.375,0.465; 0.5,0.5;  0.625,0.535; 0.75,0.6; 0.875,0.7335; 1,1">
+                                          <p:stCondLst>
+                                            <p:cond delay="1324"/>
+                                          </p:stCondLst>
+                                        </p:cTn>
+                                        <p:tgtEl>
+                                          <p:spTgt spid="8"/>
+                                        </p:tgtEl>
+                                        <p:attrNameLst>
+                                          <p:attrName>ppt_y</p:attrName>
+                                        </p:attrNameLst>
+                                      </p:cBhvr>
+                                      <p:tavLst>
+                                        <p:tav tm="0" fmla="#ppt_y-sin(pi*$)/27">
+                                          <p:val>
+                                            <p:fltVal val="0"/>
+                                          </p:val>
+                                        </p:tav>
+                                        <p:tav tm="100000">
+                                          <p:val>
+                                            <p:fltVal val="1"/>
+                                          </p:val>
+                                        </p:tav>
+                                      </p:tavLst>
+                                    </p:anim>
+                                    <p:anim calcmode="lin" valueType="num">
+                                      <p:cBhvr>
+                                        <p:cTn id="35" dur="164" tmFilter="0, 0; 0.125,0.2665; 0.25,0.4; 0.375,0.465; 0.5,0.5;  0.625,0.535; 0.75,0.6; 0.875,0.7335; 1,1">
+                                          <p:stCondLst>
+                                            <p:cond delay="1656"/>
+                                          </p:stCondLst>
+                                        </p:cTn>
+                                        <p:tgtEl>
+                                          <p:spTgt spid="8"/>
+                                        </p:tgtEl>
+                                        <p:attrNameLst>
+                                          <p:attrName>ppt_y</p:attrName>
+                                        </p:attrNameLst>
+                                      </p:cBhvr>
+                                      <p:tavLst>
+                                        <p:tav tm="0" fmla="#ppt_y-sin(pi*$)/81">
+                                          <p:val>
+                                            <p:fltVal val="0"/>
+                                          </p:val>
+                                        </p:tav>
+                                        <p:tav tm="100000">
+                                          <p:val>
+                                            <p:fltVal val="1"/>
+                                          </p:val>
+                                        </p:tav>
+                                      </p:tavLst>
+                                    </p:anim>
+                                    <p:animScale>
+                                      <p:cBhvr>
+                                        <p:cTn id="36" dur="26">
+                                          <p:stCondLst>
+                                            <p:cond delay="650"/>
+                                          </p:stCondLst>
+                                        </p:cTn>
+                                        <p:tgtEl>
+                                          <p:spTgt spid="8"/>
+                                        </p:tgtEl>
+                                      </p:cBhvr>
+                                      <p:to x="100000" y="60000"/>
+                                    </p:animScale>
+                                    <p:animScale>
+                                      <p:cBhvr>
+                                        <p:cTn id="37" dur="166" decel="50000">
+                                          <p:stCondLst>
+                                            <p:cond delay="676"/>
+                                          </p:stCondLst>
+                                        </p:cTn>
+                                        <p:tgtEl>
+                                          <p:spTgt spid="8"/>
+                                        </p:tgtEl>
+                                      </p:cBhvr>
+                                      <p:to x="100000" y="100000"/>
+                                    </p:animScale>
+                                    <p:animScale>
+                                      <p:cBhvr>
+                                        <p:cTn id="38" dur="26">
+                                          <p:stCondLst>
+                                            <p:cond delay="1312"/>
+                                          </p:stCondLst>
+                                        </p:cTn>
+                                        <p:tgtEl>
+                                          <p:spTgt spid="8"/>
+                                        </p:tgtEl>
+                                      </p:cBhvr>
+                                      <p:to x="100000" y="80000"/>
+                                    </p:animScale>
+                                    <p:animScale>
+                                      <p:cBhvr>
+                                        <p:cTn id="39" dur="166" decel="50000">
+                                          <p:stCondLst>
+                                            <p:cond delay="1338"/>
+                                          </p:stCondLst>
+                                        </p:cTn>
+                                        <p:tgtEl>
+                                          <p:spTgt spid="8"/>
+                                        </p:tgtEl>
+                                      </p:cBhvr>
+                                      <p:to x="100000" y="100000"/>
+                                    </p:animScale>
+                                    <p:animScale>
+                                      <p:cBhvr>
+                                        <p:cTn id="40" dur="26">
+                                          <p:stCondLst>
+                                            <p:cond delay="1642"/>
+                                          </p:stCondLst>
+                                        </p:cTn>
+                                        <p:tgtEl>
+                                          <p:spTgt spid="8"/>
+                                        </p:tgtEl>
+                                      </p:cBhvr>
+                                      <p:to x="100000" y="90000"/>
+                                    </p:animScale>
+                                    <p:animScale>
+                                      <p:cBhvr>
+                                        <p:cTn id="41" dur="166" decel="50000">
+                                          <p:stCondLst>
+                                            <p:cond delay="1668"/>
+                                          </p:stCondLst>
+                                        </p:cTn>
+                                        <p:tgtEl>
+                                          <p:spTgt spid="8"/>
+                                        </p:tgtEl>
+                                      </p:cBhvr>
+                                      <p:to x="100000" y="100000"/>
+                                    </p:animScale>
+                                    <p:animScale>
+                                      <p:cBhvr>
+                                        <p:cTn id="42" dur="26">
+                                          <p:stCondLst>
+                                            <p:cond delay="1808"/>
+                                          </p:stCondLst>
+                                        </p:cTn>
+                                        <p:tgtEl>
+                                          <p:spTgt spid="8"/>
+                                        </p:tgtEl>
+                                      </p:cBhvr>
+                                      <p:to x="100000" y="95000"/>
+                                    </p:animScale>
+                                    <p:animScale>
+                                      <p:cBhvr>
+                                        <p:cTn id="43" dur="166" decel="50000">
+                                          <p:stCondLst>
+                                            <p:cond delay="1834"/>
+                                          </p:stCondLst>
+                                        </p:cTn>
+                                        <p:tgtEl>
+                                          <p:spTgt spid="8"/>
+                                        </p:tgtEl>
+                                      </p:cBhvr>
+                                      <p:to x="100000" y="100000"/>
+                                    </p:animScale>
+                                  </p:childTnLst>
+                                </p:cTn>
+                              </p:par>
+                            </p:childTnLst>
+                          </p:cTn>
+                        </p:par>
+                      </p:childTnLst>
+                    </p:cTn>
+                  </p:par>
+                  <p:par>
+                    <p:cTn id="44" fill="hold">
+                      <p:stCondLst>
+                        <p:cond delay="indefinite"/>
+                      </p:stCondLst>
+                      <p:childTnLst>
+                        <p:par>
+                          <p:cTn id="45" fill="hold">
+                            <p:stCondLst>
+                              <p:cond delay="0"/>
+                            </p:stCondLst>
+                            <p:childTnLst>
+                              <p:par>
+                                <p:cTn id="46" presetID="31" presetClass="entr" presetSubtype="0" fill="hold" grpId="0" nodeType="clickEffect">
+                                  <p:stCondLst>
+                                    <p:cond delay="0"/>
+                                  </p:stCondLst>
+                                  <p:childTnLst>
+                                    <p:set>
+                                      <p:cBhvr>
+                                        <p:cTn id="47" dur="1" fill="hold">
+                                          <p:stCondLst>
+                                            <p:cond delay="0"/>
+                                          </p:stCondLst>
+                                        </p:cTn>
+                                        <p:tgtEl>
+                                          <p:spTgt spid="9"/>
+                                        </p:tgtEl>
+                                        <p:attrNameLst>
+                                          <p:attrName>style.visibility</p:attrName>
+                                        </p:attrNameLst>
+                                      </p:cBhvr>
+                                      <p:to>
+                                        <p:strVal val="visible"/>
+                                      </p:to>
+                                    </p:set>
+                                    <p:anim calcmode="lin" valueType="num">
+                                      <p:cBhvr>
+                                        <p:cTn id="48" dur="1000" fill="hold"/>
+                                        <p:tgtEl>
+                                          <p:spTgt spid="9"/>
+                                        </p:tgtEl>
+                                        <p:attrNameLst>
+                                          <p:attrName>ppt_w</p:attrName>
+                                        </p:attrNameLst>
+                                      </p:cBhvr>
+                                      <p:tavLst>
+                                        <p:tav tm="0">
+                                          <p:val>
+                                            <p:fltVal val="0"/>
+                                          </p:val>
+                                        </p:tav>
+                                        <p:tav tm="100000">
+                                          <p:val>
+                                            <p:strVal val="#ppt_w"/>
+                                          </p:val>
+                                        </p:tav>
+                                      </p:tavLst>
+                                    </p:anim>
+                                    <p:anim calcmode="lin" valueType="num">
+                                      <p:cBhvr>
+                                        <p:cTn id="49" dur="1000" fill="hold"/>
+                                        <p:tgtEl>
+                                          <p:spTgt spid="9"/>
+                                        </p:tgtEl>
+                                        <p:attrNameLst>
+                                          <p:attrName>ppt_h</p:attrName>
+                                        </p:attrNameLst>
+                                      </p:cBhvr>
+                                      <p:tavLst>
+                                        <p:tav tm="0">
+                                          <p:val>
+                                            <p:fltVal val="0"/>
+                                          </p:val>
+                                        </p:tav>
+                                        <p:tav tm="100000">
+                                          <p:val>
+                                            <p:strVal val="#ppt_h"/>
+                                          </p:val>
+                                        </p:tav>
+                                      </p:tavLst>
+                                    </p:anim>
+                                    <p:anim calcmode="lin" valueType="num">
+                                      <p:cBhvr>
+                                        <p:cTn id="50" dur="1000" fill="hold"/>
+                                        <p:tgtEl>
+                                          <p:spTgt spid="9"/>
+                                        </p:tgtEl>
+                                        <p:attrNameLst>
+                                          <p:attrName>style.rotation</p:attrName>
+                                        </p:attrNameLst>
+                                      </p:cBhvr>
+                                      <p:tavLst>
+                                        <p:tav tm="0">
+                                          <p:val>
+                                            <p:fltVal val="90"/>
+                                          </p:val>
+                                        </p:tav>
+                                        <p:tav tm="100000">
+                                          <p:val>
+                                            <p:fltVal val="0"/>
+                                          </p:val>
+                                        </p:tav>
+                                      </p:tavLst>
+                                    </p:anim>
+                                    <p:animEffect transition="in" filter="fade">
+                                      <p:cBhvr>
+                                        <p:cTn id="51" dur="1000"/>
+                                        <p:tgtEl>
+                                          <p:spTgt spid="9"/>
+                                        </p:tgtEl>
+                                      </p:cBhvr>
+                                    </p:animEffect>
+                                  </p:childTnLst>
+                                </p:cTn>
+                              </p:par>
+                              <p:par>
+                                <p:cTn id="52" presetID="31" presetClass="entr" presetSubtype="0" fill="hold" grpId="0" nodeType="withEffect">
+                                  <p:stCondLst>
+                                    <p:cond delay="0"/>
+                                  </p:stCondLst>
+                                  <p:childTnLst>
+                                    <p:set>
+                                      <p:cBhvr>
+                                        <p:cTn id="53" dur="1" fill="hold">
+                                          <p:stCondLst>
+                                            <p:cond delay="0"/>
+                                          </p:stCondLst>
+                                        </p:cTn>
+                                        <p:tgtEl>
+                                          <p:spTgt spid="10"/>
+                                        </p:tgtEl>
+                                        <p:attrNameLst>
+                                          <p:attrName>style.visibility</p:attrName>
+                                        </p:attrNameLst>
+                                      </p:cBhvr>
+                                      <p:to>
+                                        <p:strVal val="visible"/>
+                                      </p:to>
+                                    </p:set>
+                                    <p:anim calcmode="lin" valueType="num">
+                                      <p:cBhvr>
+                                        <p:cTn id="54" dur="1000" fill="hold"/>
+                                        <p:tgtEl>
+                                          <p:spTgt spid="10"/>
+                                        </p:tgtEl>
+                                        <p:attrNameLst>
+                                          <p:attrName>ppt_w</p:attrName>
+                                        </p:attrNameLst>
+                                      </p:cBhvr>
+                                      <p:tavLst>
+                                        <p:tav tm="0">
+                                          <p:val>
+                                            <p:fltVal val="0"/>
+                                          </p:val>
+                                        </p:tav>
+                                        <p:tav tm="100000">
+                                          <p:val>
+                                            <p:strVal val="#ppt_w"/>
+                                          </p:val>
+                                        </p:tav>
+                                      </p:tavLst>
+                                    </p:anim>
+                                    <p:anim calcmode="lin" valueType="num">
+                                      <p:cBhvr>
+                                        <p:cTn id="55" dur="1000" fill="hold"/>
+                                        <p:tgtEl>
+                                          <p:spTgt spid="10"/>
+                                        </p:tgtEl>
+                                        <p:attrNameLst>
+                                          <p:attrName>ppt_h</p:attrName>
+                                        </p:attrNameLst>
+                                      </p:cBhvr>
+                                      <p:tavLst>
+                                        <p:tav tm="0">
+                                          <p:val>
+                                            <p:fltVal val="0"/>
+                                          </p:val>
+                                        </p:tav>
+                                        <p:tav tm="100000">
+                                          <p:val>
+                                            <p:strVal val="#ppt_h"/>
+                                          </p:val>
+                                        </p:tav>
+                                      </p:tavLst>
+                                    </p:anim>
+                                    <p:anim calcmode="lin" valueType="num">
+                                      <p:cBhvr>
+                                        <p:cTn id="56" dur="1000" fill="hold"/>
+                                        <p:tgtEl>
+                                          <p:spTgt spid="10"/>
+                                        </p:tgtEl>
+                                        <p:attrNameLst>
+                                          <p:attrName>style.rotation</p:attrName>
+                                        </p:attrNameLst>
+                                      </p:cBhvr>
+                                      <p:tavLst>
+                                        <p:tav tm="0">
+                                          <p:val>
+                                            <p:fltVal val="90"/>
+                                          </p:val>
+                                        </p:tav>
+                                        <p:tav tm="100000">
+                                          <p:val>
+                                            <p:fltVal val="0"/>
+                                          </p:val>
+                                        </p:tav>
+                                      </p:tavLst>
+                                    </p:anim>
+                                    <p:animEffect transition="in" filter="fade">
+                                      <p:cBhvr>
+                                        <p:cTn id="57" dur="1000"/>
+                                        <p:tgtEl>
+                                          <p:spTgt spid="10"/>
+                                        </p:tgtEl>
+                                      </p:cBhvr>
+                                    </p:animEffect>
+                                  </p:childTnLst>
+                                </p:cTn>
+                              </p:par>
+                              <p:par>
+                                <p:cTn id="58" presetID="31" presetClass="entr" presetSubtype="0" fill="hold" grpId="0" nodeType="withEffect">
+                                  <p:stCondLst>
+                                    <p:cond delay="0"/>
+                                  </p:stCondLst>
+                                  <p:childTnLst>
+                                    <p:set>
+                                      <p:cBhvr>
+                                        <p:cTn id="59" dur="1" fill="hold">
+                                          <p:stCondLst>
+                                            <p:cond delay="0"/>
+                                          </p:stCondLst>
+                                        </p:cTn>
+                                        <p:tgtEl>
+                                          <p:spTgt spid="11"/>
+                                        </p:tgtEl>
+                                        <p:attrNameLst>
+                                          <p:attrName>style.visibility</p:attrName>
+                                        </p:attrNameLst>
+                                      </p:cBhvr>
+                                      <p:to>
+                                        <p:strVal val="visible"/>
+                                      </p:to>
+                                    </p:set>
+                                    <p:anim calcmode="lin" valueType="num">
+                                      <p:cBhvr>
+                                        <p:cTn id="60" dur="1000" fill="hold"/>
+                                        <p:tgtEl>
+                                          <p:spTgt spid="11"/>
+                                        </p:tgtEl>
+                                        <p:attrNameLst>
+                                          <p:attrName>ppt_w</p:attrName>
+                                        </p:attrNameLst>
+                                      </p:cBhvr>
+                                      <p:tavLst>
+                                        <p:tav tm="0">
+                                          <p:val>
+                                            <p:fltVal val="0"/>
+                                          </p:val>
+                                        </p:tav>
+                                        <p:tav tm="100000">
+                                          <p:val>
+                                            <p:strVal val="#ppt_w"/>
+                                          </p:val>
+                                        </p:tav>
+                                      </p:tavLst>
+                                    </p:anim>
+                                    <p:anim calcmode="lin" valueType="num">
+                                      <p:cBhvr>
+                                        <p:cTn id="61" dur="1000" fill="hold"/>
+                                        <p:tgtEl>
+                                          <p:spTgt spid="11"/>
+                                        </p:tgtEl>
+                                        <p:attrNameLst>
+                                          <p:attrName>ppt_h</p:attrName>
+                                        </p:attrNameLst>
+                                      </p:cBhvr>
+                                      <p:tavLst>
+                                        <p:tav tm="0">
+                                          <p:val>
+                                            <p:fltVal val="0"/>
+                                          </p:val>
+                                        </p:tav>
+                                        <p:tav tm="100000">
+                                          <p:val>
+                                            <p:strVal val="#ppt_h"/>
+                                          </p:val>
+                                        </p:tav>
+                                      </p:tavLst>
+                                    </p:anim>
+                                    <p:anim calcmode="lin" valueType="num">
+                                      <p:cBhvr>
+                                        <p:cTn id="62" dur="1000" fill="hold"/>
+                                        <p:tgtEl>
+                                          <p:spTgt spid="11"/>
+                                        </p:tgtEl>
+                                        <p:attrNameLst>
+                                          <p:attrName>style.rotation</p:attrName>
+                                        </p:attrNameLst>
+                                      </p:cBhvr>
+                                      <p:tavLst>
+                                        <p:tav tm="0">
+                                          <p:val>
+                                            <p:fltVal val="90"/>
+                                          </p:val>
+                                        </p:tav>
+                                        <p:tav tm="100000">
+                                          <p:val>
+                                            <p:fltVal val="0"/>
+                                          </p:val>
+                                        </p:tav>
+                                      </p:tavLst>
+                                    </p:anim>
+                                    <p:animEffect transition="in" filter="fade">
+                                      <p:cBhvr>
+                                        <p:cTn id="63" dur="1000"/>
+                                        <p:tgtEl>
+                                          <p:spTgt spid="11"/>
+                                        </p:tgtEl>
+                                      </p:cBhvr>
+                                    </p:animEffect>
+                                  </p:childTnLst>
+                                </p:cTn>
+                              </p:par>
+                              <p:par>
+                                <p:cTn id="64" presetID="31" presetClass="entr" presetSubtype="0" fill="hold" grpId="0" nodeType="withEffect">
+                                  <p:stCondLst>
+                                    <p:cond delay="0"/>
+                                  </p:stCondLst>
+                                  <p:childTnLst>
+                                    <p:set>
+                                      <p:cBhvr>
+                                        <p:cTn id="65" dur="1" fill="hold">
+                                          <p:stCondLst>
+                                            <p:cond delay="0"/>
+                                          </p:stCondLst>
+                                        </p:cTn>
+                                        <p:tgtEl>
+                                          <p:spTgt spid="12"/>
+                                        </p:tgtEl>
+                                        <p:attrNameLst>
+                                          <p:attrName>style.visibility</p:attrName>
+                                        </p:attrNameLst>
+                                      </p:cBhvr>
+                                      <p:to>
+                                        <p:strVal val="visible"/>
+                                      </p:to>
+                                    </p:set>
+                                    <p:anim calcmode="lin" valueType="num">
+                                      <p:cBhvr>
+                                        <p:cTn id="66" dur="1000" fill="hold"/>
+                                        <p:tgtEl>
+                                          <p:spTgt spid="12"/>
+                                        </p:tgtEl>
+                                        <p:attrNameLst>
+                                          <p:attrName>ppt_w</p:attrName>
+                                        </p:attrNameLst>
+                                      </p:cBhvr>
+                                      <p:tavLst>
+                                        <p:tav tm="0">
+                                          <p:val>
+                                            <p:fltVal val="0"/>
+                                          </p:val>
+                                        </p:tav>
+                                        <p:tav tm="100000">
+                                          <p:val>
+                                            <p:strVal val="#ppt_w"/>
+                                          </p:val>
+                                        </p:tav>
+                                      </p:tavLst>
+                                    </p:anim>
+                                    <p:anim calcmode="lin" valueType="num">
+                                      <p:cBhvr>
+                                        <p:cTn id="67" dur="1000" fill="hold"/>
+                                        <p:tgtEl>
+                                          <p:spTgt spid="12"/>
+                                        </p:tgtEl>
+                                        <p:attrNameLst>
+                                          <p:attrName>ppt_h</p:attrName>
+                                        </p:attrNameLst>
+                                      </p:cBhvr>
+                                      <p:tavLst>
+                                        <p:tav tm="0">
+                                          <p:val>
+                                            <p:fltVal val="0"/>
+                                          </p:val>
+                                        </p:tav>
+                                        <p:tav tm="100000">
+                                          <p:val>
+                                            <p:strVal val="#ppt_h"/>
+                                          </p:val>
+                                        </p:tav>
+                                      </p:tavLst>
+                                    </p:anim>
+                                    <p:anim calcmode="lin" valueType="num">
+                                      <p:cBhvr>
+                                        <p:cTn id="68" dur="1000" fill="hold"/>
+                                        <p:tgtEl>
+                                          <p:spTgt spid="12"/>
+                                        </p:tgtEl>
+                                        <p:attrNameLst>
+                                          <p:attrName>style.rotation</p:attrName>
+                                        </p:attrNameLst>
+                                      </p:cBhvr>
+                                      <p:tavLst>
+                                        <p:tav tm="0">
+                                          <p:val>
+                                            <p:fltVal val="90"/>
+                                          </p:val>
+                                        </p:tav>
+                                        <p:tav tm="100000">
+                                          <p:val>
+                                            <p:fltVal val="0"/>
+                                          </p:val>
+                                        </p:tav>
+                                      </p:tavLst>
+                                    </p:anim>
+                                    <p:animEffect transition="in" filter="fade">
+                                      <p:cBhvr>
+                                        <p:cTn id="69" dur="1000"/>
+                                        <p:tgtEl>
+                                          <p:spTgt spid="12"/>
+                                        </p:tgtEl>
+                                      </p:cBhvr>
+                                    </p:animEffect>
+                                  </p:childTnLst>
+                                </p:cTn>
+                              </p:par>
+                              <p:par>
+                                <p:cTn id="70" presetID="31" presetClass="entr" presetSubtype="0" fill="hold" grpId="0" nodeType="withEffect">
+                                  <p:stCondLst>
+                                    <p:cond delay="0"/>
+                                  </p:stCondLst>
+                                  <p:childTnLst>
+                                    <p:set>
+                                      <p:cBhvr>
+                                        <p:cTn id="71" dur="1" fill="hold">
+                                          <p:stCondLst>
+                                            <p:cond delay="0"/>
+                                          </p:stCondLst>
+                                        </p:cTn>
+                                        <p:tgtEl>
+                                          <p:spTgt spid="13"/>
+                                        </p:tgtEl>
+                                        <p:attrNameLst>
+                                          <p:attrName>style.visibility</p:attrName>
+                                        </p:attrNameLst>
+                                      </p:cBhvr>
+                                      <p:to>
+                                        <p:strVal val="visible"/>
+                                      </p:to>
+                                    </p:set>
+                                    <p:anim calcmode="lin" valueType="num">
+                                      <p:cBhvr>
+                                        <p:cTn id="72" dur="1000" fill="hold"/>
+                                        <p:tgtEl>
+                                          <p:spTgt spid="13"/>
+                                        </p:tgtEl>
+                                        <p:attrNameLst>
+                                          <p:attrName>ppt_w</p:attrName>
+                                        </p:attrNameLst>
+                                      </p:cBhvr>
+                                      <p:tavLst>
+                                        <p:tav tm="0">
+                                          <p:val>
+                                            <p:fltVal val="0"/>
+                                          </p:val>
+                                        </p:tav>
+                                        <p:tav tm="100000">
+                                          <p:val>
+                                            <p:strVal val="#ppt_w"/>
+                                          </p:val>
+                                        </p:tav>
+                                      </p:tavLst>
+                                    </p:anim>
+                                    <p:anim calcmode="lin" valueType="num">
+                                      <p:cBhvr>
+                                        <p:cTn id="73" dur="1000" fill="hold"/>
+                                        <p:tgtEl>
+                                          <p:spTgt spid="13"/>
+                                        </p:tgtEl>
+                                        <p:attrNameLst>
+                                          <p:attrName>ppt_h</p:attrName>
+                                        </p:attrNameLst>
+                                      </p:cBhvr>
+                                      <p:tavLst>
+                                        <p:tav tm="0">
+                                          <p:val>
+                                            <p:fltVal val="0"/>
+                                          </p:val>
+                                        </p:tav>
+                                        <p:tav tm="100000">
+                                          <p:val>
+                                            <p:strVal val="#ppt_h"/>
+                                          </p:val>
+                                        </p:tav>
+                                      </p:tavLst>
+                                    </p:anim>
+                                    <p:anim calcmode="lin" valueType="num">
+                                      <p:cBhvr>
+                                        <p:cTn id="74" dur="1000" fill="hold"/>
+                                        <p:tgtEl>
+                                          <p:spTgt spid="13"/>
+                                        </p:tgtEl>
+                                        <p:attrNameLst>
+                                          <p:attrName>style.rotation</p:attrName>
+                                        </p:attrNameLst>
+                                      </p:cBhvr>
+                                      <p:tavLst>
+                                        <p:tav tm="0">
+                                          <p:val>
+                                            <p:fltVal val="90"/>
+                                          </p:val>
+                                        </p:tav>
+                                        <p:tav tm="100000">
+                                          <p:val>
+                                            <p:fltVal val="0"/>
+                                          </p:val>
+                                        </p:tav>
+                                      </p:tavLst>
+                                    </p:anim>
+                                    <p:animEffect transition="in" filter="fade">
+                                      <p:cBhvr>
+                                        <p:cTn id="75" dur="1000"/>
+                                        <p:tgtEl>
+                                          <p:spTgt spid="13"/>
+                                        </p:tgtEl>
+                                      </p:cBhvr>
+                                    </p:animEffect>
+                                  </p:childTnLst>
+                                </p:cTn>
+                              </p:par>
+                              <p:par>
+                                <p:cTn id="76" presetID="31" presetClass="entr" presetSubtype="0" fill="hold" grpId="0" nodeType="withEffect">
+                                  <p:stCondLst>
+                                    <p:cond delay="0"/>
+                                  </p:stCondLst>
+                                  <p:childTnLst>
+                                    <p:set>
+                                      <p:cBhvr>
+                                        <p:cTn id="77" dur="1" fill="hold">
+                                          <p:stCondLst>
+                                            <p:cond delay="0"/>
+                                          </p:stCondLst>
+                                        </p:cTn>
+                                        <p:tgtEl>
+                                          <p:spTgt spid="14"/>
+                                        </p:tgtEl>
+                                        <p:attrNameLst>
+                                          <p:attrName>style.visibility</p:attrName>
+                                        </p:attrNameLst>
+                                      </p:cBhvr>
+                                      <p:to>
+                                        <p:strVal val="visible"/>
+                                      </p:to>
+                                    </p:set>
+                                    <p:anim calcmode="lin" valueType="num">
+                                      <p:cBhvr>
+                                        <p:cTn id="78" dur="1000" fill="hold"/>
+                                        <p:tgtEl>
+                                          <p:spTgt spid="14"/>
+                                        </p:tgtEl>
+                                        <p:attrNameLst>
+                                          <p:attrName>ppt_w</p:attrName>
+                                        </p:attrNameLst>
+                                      </p:cBhvr>
+                                      <p:tavLst>
+                                        <p:tav tm="0">
+                                          <p:val>
+                                            <p:fltVal val="0"/>
+                                          </p:val>
+                                        </p:tav>
+                                        <p:tav tm="100000">
+                                          <p:val>
+                                            <p:strVal val="#ppt_w"/>
+                                          </p:val>
+                                        </p:tav>
+                                      </p:tavLst>
+                                    </p:anim>
+                                    <p:anim calcmode="lin" valueType="num">
+                                      <p:cBhvr>
+                                        <p:cTn id="79" dur="1000" fill="hold"/>
+                                        <p:tgtEl>
+                                          <p:spTgt spid="14"/>
+                                        </p:tgtEl>
+                                        <p:attrNameLst>
+                                          <p:attrName>ppt_h</p:attrName>
+                                        </p:attrNameLst>
+                                      </p:cBhvr>
+                                      <p:tavLst>
+                                        <p:tav tm="0">
+                                          <p:val>
+                                            <p:fltVal val="0"/>
+                                          </p:val>
+                                        </p:tav>
+                                        <p:tav tm="100000">
+                                          <p:val>
+                                            <p:strVal val="#ppt_h"/>
+                                          </p:val>
+                                        </p:tav>
+                                      </p:tavLst>
+                                    </p:anim>
+                                    <p:anim calcmode="lin" valueType="num">
+                                      <p:cBhvr>
+                                        <p:cTn id="80" dur="1000" fill="hold"/>
+                                        <p:tgtEl>
+                                          <p:spTgt spid="14"/>
+                                        </p:tgtEl>
+                                        <p:attrNameLst>
+                                          <p:attrName>style.rotation</p:attrName>
+                                        </p:attrNameLst>
+                                      </p:cBhvr>
+                                      <p:tavLst>
+                                        <p:tav tm="0">
+                                          <p:val>
+                                            <p:fltVal val="90"/>
+                                          </p:val>
+                                        </p:tav>
+                                        <p:tav tm="100000">
+                                          <p:val>
+                                            <p:fltVal val="0"/>
+                                          </p:val>
+                                        </p:tav>
+                                      </p:tavLst>
+                                    </p:anim>
+                                    <p:animEffect transition="in" filter="fade">
+                                      <p:cBhvr>
+                                        <p:cTn id="81" dur="1000"/>
+                                        <p:tgtEl>
+                                          <p:spTgt spid="14"/>
+                                        </p:tgtEl>
+                                      </p:cBhvr>
+                                    </p:animEffect>
+                                  </p:childTnLst>
+                                </p:cTn>
+                              </p:par>
+                              <p:par>
+                                <p:cTn id="82" presetID="31" presetClass="entr" presetSubtype="0" fill="hold" grpId="0" nodeType="withEffect">
+                                  <p:stCondLst>
+                                    <p:cond delay="0"/>
+                                  </p:stCondLst>
+                                  <p:childTnLst>
+                                    <p:set>
+                                      <p:cBhvr>
+                                        <p:cTn id="83" dur="1" fill="hold">
+                                          <p:stCondLst>
+                                            <p:cond delay="0"/>
+                                          </p:stCondLst>
+                                        </p:cTn>
+                                        <p:tgtEl>
+                                          <p:spTgt spid="15"/>
+                                        </p:tgtEl>
+                                        <p:attrNameLst>
+                                          <p:attrName>style.visibility</p:attrName>
+                                        </p:attrNameLst>
+                                      </p:cBhvr>
+                                      <p:to>
+                                        <p:strVal val="visible"/>
+                                      </p:to>
+                                    </p:set>
+                                    <p:anim calcmode="lin" valueType="num">
+                                      <p:cBhvr>
+                                        <p:cTn id="84" dur="1000" fill="hold"/>
+                                        <p:tgtEl>
+                                          <p:spTgt spid="15"/>
+                                        </p:tgtEl>
+                                        <p:attrNameLst>
+                                          <p:attrName>ppt_w</p:attrName>
+                                        </p:attrNameLst>
+                                      </p:cBhvr>
+                                      <p:tavLst>
+                                        <p:tav tm="0">
+                                          <p:val>
+                                            <p:fltVal val="0"/>
+                                          </p:val>
+                                        </p:tav>
+                                        <p:tav tm="100000">
+                                          <p:val>
+                                            <p:strVal val="#ppt_w"/>
+                                          </p:val>
+                                        </p:tav>
+                                      </p:tavLst>
+                                    </p:anim>
+                                    <p:anim calcmode="lin" valueType="num">
+                                      <p:cBhvr>
+                                        <p:cTn id="85" dur="1000" fill="hold"/>
+                                        <p:tgtEl>
+                                          <p:spTgt spid="15"/>
+                                        </p:tgtEl>
+                                        <p:attrNameLst>
+                                          <p:attrName>ppt_h</p:attrName>
+                                        </p:attrNameLst>
+                                      </p:cBhvr>
+                                      <p:tavLst>
+                                        <p:tav tm="0">
+                                          <p:val>
+                                            <p:fltVal val="0"/>
+                                          </p:val>
+                                        </p:tav>
+                                        <p:tav tm="100000">
+                                          <p:val>
+                                            <p:strVal val="#ppt_h"/>
+                                          </p:val>
+                                        </p:tav>
+                                      </p:tavLst>
+                                    </p:anim>
+                                    <p:anim calcmode="lin" valueType="num">
+                                      <p:cBhvr>
+                                        <p:cTn id="86" dur="1000" fill="hold"/>
+                                        <p:tgtEl>
+                                          <p:spTgt spid="15"/>
+                                        </p:tgtEl>
+                                        <p:attrNameLst>
+                                          <p:attrName>style.rotation</p:attrName>
+                                        </p:attrNameLst>
+                                      </p:cBhvr>
+                                      <p:tavLst>
+                                        <p:tav tm="0">
+                                          <p:val>
+                                            <p:fltVal val="90"/>
+                                          </p:val>
+                                        </p:tav>
+                                        <p:tav tm="100000">
+                                          <p:val>
+                                            <p:fltVal val="0"/>
+                                          </p:val>
+                                        </p:tav>
+                                      </p:tavLst>
+                                    </p:anim>
+                                    <p:animEffect transition="in" filter="fade">
+                                      <p:cBhvr>
+                                        <p:cTn id="87" dur="1000"/>
+                                        <p:tgtEl>
+                                          <p:spTgt spid="15"/>
+                                        </p:tgtEl>
+                                      </p:cBhvr>
+                                    </p:animEffect>
+                                  </p:childTnLst>
+                                </p:cTn>
+                              </p:par>
+                              <p:par>
+                                <p:cTn id="88" presetID="31" presetClass="entr" presetSubtype="0" fill="hold" grpId="0" nodeType="withEffect">
+                                  <p:stCondLst>
+                                    <p:cond delay="0"/>
+                                  </p:stCondLst>
+                                  <p:childTnLst>
+                                    <p:set>
+                                      <p:cBhvr>
+                                        <p:cTn id="89" dur="1" fill="hold">
+                                          <p:stCondLst>
+                                            <p:cond delay="0"/>
+                                          </p:stCondLst>
+                                        </p:cTn>
+                                        <p:tgtEl>
+                                          <p:spTgt spid="16"/>
+                                        </p:tgtEl>
+                                        <p:attrNameLst>
+                                          <p:attrName>style.visibility</p:attrName>
+                                        </p:attrNameLst>
+                                      </p:cBhvr>
+                                      <p:to>
+                                        <p:strVal val="visible"/>
+                                      </p:to>
+                                    </p:set>
+                                    <p:anim calcmode="lin" valueType="num">
+                                      <p:cBhvr>
+                                        <p:cTn id="90" dur="1000" fill="hold"/>
+                                        <p:tgtEl>
+                                          <p:spTgt spid="16"/>
+                                        </p:tgtEl>
+                                        <p:attrNameLst>
+                                          <p:attrName>ppt_w</p:attrName>
+                                        </p:attrNameLst>
+                                      </p:cBhvr>
+                                      <p:tavLst>
+                                        <p:tav tm="0">
+                                          <p:val>
+                                            <p:fltVal val="0"/>
+                                          </p:val>
+                                        </p:tav>
+                                        <p:tav tm="100000">
+                                          <p:val>
+                                            <p:strVal val="#ppt_w"/>
+                                          </p:val>
+                                        </p:tav>
+                                      </p:tavLst>
+                                    </p:anim>
+                                    <p:anim calcmode="lin" valueType="num">
+                                      <p:cBhvr>
+                                        <p:cTn id="91" dur="1000" fill="hold"/>
+                                        <p:tgtEl>
+                                          <p:spTgt spid="16"/>
+                                        </p:tgtEl>
+                                        <p:attrNameLst>
+                                          <p:attrName>ppt_h</p:attrName>
+                                        </p:attrNameLst>
+                                      </p:cBhvr>
+                                      <p:tavLst>
+                                        <p:tav tm="0">
+                                          <p:val>
+                                            <p:fltVal val="0"/>
+                                          </p:val>
+                                        </p:tav>
+                                        <p:tav tm="100000">
+                                          <p:val>
+                                            <p:strVal val="#ppt_h"/>
+                                          </p:val>
+                                        </p:tav>
+                                      </p:tavLst>
+                                    </p:anim>
+                                    <p:anim calcmode="lin" valueType="num">
+                                      <p:cBhvr>
+                                        <p:cTn id="92" dur="1000" fill="hold"/>
+                                        <p:tgtEl>
+                                          <p:spTgt spid="16"/>
+                                        </p:tgtEl>
+                                        <p:attrNameLst>
+                                          <p:attrName>style.rotation</p:attrName>
+                                        </p:attrNameLst>
+                                      </p:cBhvr>
+                                      <p:tavLst>
+                                        <p:tav tm="0">
+                                          <p:val>
+                                            <p:fltVal val="90"/>
+                                          </p:val>
+                                        </p:tav>
+                                        <p:tav tm="100000">
+                                          <p:val>
+                                            <p:fltVal val="0"/>
+                                          </p:val>
+                                        </p:tav>
+                                      </p:tavLst>
+                                    </p:anim>
+                                    <p:animEffect transition="in" filter="fade">
+                                      <p:cBhvr>
+                                        <p:cTn id="93" dur="1000"/>
+                                        <p:tgtEl>
+                                          <p:spTgt spid="16"/>
+                                        </p:tgtEl>
+                                      </p:cBhvr>
+                                    </p:animEffect>
+                                  </p:childTnLst>
+                                </p:cTn>
+                              </p:par>
+                            </p:childTnLst>
+                          </p:cTn>
+                        </p:par>
+                      </p:childTnLst>
+                    </p:cTn>
+                  </p:par>
+                  <p:par>
+                    <p:cTn id="94" fill="hold">
+                      <p:stCondLst>
+                        <p:cond delay="indefinite"/>
+                      </p:stCondLst>
+                      <p:childTnLst>
+                        <p:par>
+                          <p:cTn id="95" fill="hold">
+                            <p:stCondLst>
+                              <p:cond delay="0"/>
+                            </p:stCondLst>
+                            <p:childTnLst>
+                              <p:par>
+                                <p:cTn id="96" presetID="22" presetClass="entr" presetSubtype="4" fill="hold" nodeType="clickEffect">
+                                  <p:stCondLst>
+                                    <p:cond delay="0"/>
+                                  </p:stCondLst>
+                                  <p:childTnLst>
+                                    <p:set>
+                                      <p:cBhvr>
+                                        <p:cTn id="97" dur="1" fill="hold">
+                                          <p:stCondLst>
+                                            <p:cond delay="0"/>
+                                          </p:stCondLst>
+                                        </p:cTn>
+                                        <p:tgtEl>
+                                          <p:spTgt spid="17"/>
+                                        </p:tgtEl>
+                                        <p:attrNameLst>
+                                          <p:attrName>style.visibility</p:attrName>
+                                        </p:attrNameLst>
+                                      </p:cBhvr>
+                                      <p:to>
+                                        <p:strVal val="visible"/>
+                                      </p:to>
+                                    </p:set>
+                                    <p:animEffect transition="in" filter="wipe(down)">
+                                      <p:cBhvr>
+                                        <p:cTn id="98" dur="500"/>
+                                        <p:tgtEl>
+                                          <p:spTgt spid="17"/>
+                                        </p:tgtEl>
+                                      </p:cBhvr>
+                                    </p:animEffect>
+                                  </p:childTnLst>
+                                </p:cTn>
+                              </p:par>
+                            </p:childTnLst>
+                          </p:cTn>
+                        </p:par>
+                      </p:childTnLst>
+                    </p:cTn>
+                  </p:par>
+                  <p:par>
+                    <p:cTn id="99" fill="hold">
+                      <p:stCondLst>
+                        <p:cond delay="indefinite"/>
+                      </p:stCondLst>
+                      <p:childTnLst>
+                        <p:par>
+                          <p:cTn id="100" fill="hold">
+                            <p:stCondLst>
+                              <p:cond delay="0"/>
+                            </p:stCondLst>
+                            <p:childTnLst>
+                              <p:par>
+                                <p:cTn id="101" presetID="42" presetClass="entr" presetSubtype="0" fill="hold" grpId="0" nodeType="clickEffect">
+                                  <p:stCondLst>
+                                    <p:cond delay="0"/>
+                                  </p:stCondLst>
+                                  <p:childTnLst>
+                                    <p:set>
+                                      <p:cBhvr>
+                                        <p:cTn id="102" dur="1" fill="hold">
+                                          <p:stCondLst>
+                                            <p:cond delay="0"/>
+                                          </p:stCondLst>
+                                        </p:cTn>
+                                        <p:tgtEl>
+                                          <p:spTgt spid="18"/>
+                                        </p:tgtEl>
+                                        <p:attrNameLst>
+                                          <p:attrName>style.visibility</p:attrName>
+                                        </p:attrNameLst>
+                                      </p:cBhvr>
+                                      <p:to>
+                                        <p:strVal val="visible"/>
+                                      </p:to>
+                                    </p:set>
+                                    <p:animEffect transition="in" filter="fade">
+                                      <p:cBhvr>
+                                        <p:cTn id="103" dur="1000"/>
+                                        <p:tgtEl>
+                                          <p:spTgt spid="18"/>
+                                        </p:tgtEl>
+                                      </p:cBhvr>
+                                    </p:animEffect>
+                                    <p:anim calcmode="lin" valueType="num">
+                                      <p:cBhvr>
+                                        <p:cTn id="104" dur="1000" fill="hold"/>
+                                        <p:tgtEl>
+                                          <p:spTgt spid="18"/>
+                                        </p:tgtEl>
+                                        <p:attrNameLst>
+                                          <p:attrName>ppt_x</p:attrName>
+                                        </p:attrNameLst>
+                                      </p:cBhvr>
+                                      <p:tavLst>
+                                        <p:tav tm="0">
+                                          <p:val>
+                                            <p:strVal val="#ppt_x"/>
+                                          </p:val>
+                                        </p:tav>
+                                        <p:tav tm="100000">
+                                          <p:val>
+                                            <p:strVal val="#ppt_x"/>
+                                          </p:val>
+                                        </p:tav>
+                                      </p:tavLst>
+                                    </p:anim>
+                                    <p:anim calcmode="lin" valueType="num">
+                                      <p:cBhvr>
+                                        <p:cTn id="105" dur="1000" fill="hold"/>
+                                        <p:tgtEl>
+                                          <p:spTgt spid="18"/>
+                                        </p:tgtEl>
+                                        <p:attrNameLst>
+                                          <p:attrName>ppt_y</p:attrName>
+                                        </p:attrNameLst>
+                                      </p:cBhvr>
+                                      <p:tavLst>
+                                        <p:tav tm="0">
+                                          <p:val>
+                                            <p:strVal val="#ppt_y+.1"/>
+                                          </p:val>
+                                        </p:tav>
+                                        <p:tav tm="100000">
+                                          <p:val>
+                                            <p:strVal val="#ppt_y"/>
+                                          </p:val>
+                                        </p:tav>
+                                      </p:tavLst>
+                                    </p:anim>
+                                  </p:childTnLst>
+                                </p:cTn>
+                              </p:par>
+                            </p:childTnLst>
+                          </p:cTn>
+                        </p:par>
+                      </p:childTnLst>
+                    </p:cTn>
+                  </p:par>
+                </p:childTnLst>
+              </p:cTn>
+              <p:prevCondLst>
+                <p:cond evt="onPrev" delay="0">
+                  <p:tgtEl>
+                    <p:sldTgt/>
+                  </p:tgtEl>
+                </p:cond>
+              </p:prevCondLst>
+              <p:nextCondLst>
+                <p:cond evt="onNext" delay="0">
+                  <p:tgtEl>
+                    <p:sldTgt/>
+                  </p:tgtEl>
+                </p:cond>
+              </p:nextCondLst>
+            </p:seq>
+          </p:childTnLst>
+        </p:cTn>
+      </p:par>
+    </p:tnLst>
+    <p:bldLst>
+      <p:bldP spid="7" grpId="0"/>
+      <p:bldP spid="8" grpId="0"/>
+      <p:bldP spid="9" grpId="0" animBg="1"/>
+      <p:bldP spid="10" grpId="0" animBg="1"/>
+      <p:bldP spid="11" grpId="0" animBg="1"/>
+      <p:bldP spid="12" grpId="0" animBg="1"/>
+      <p:bldP spid="13" grpId="0" animBg="1"/>
+      <p:bldP spid="14" grpId="0" animBg="1"/>
+      <p:bldP spid="15" grpId="0" animBg="1"/>
+      <p:bldP spid="16" grpId="0" animBg="1"/>
+      <p:bldP spid="18" grpId="0"/>
+    </p:bldLst>
+  </p:timing>
+</p:sld>
+</file>
+
+<file path=ppt/slides/slide4.xml><?xml version="1.0" encoding="utf-8"?>
+<p:sld xmlns:a="http://schemas.openxmlformats.org/drawingml/2006/main" xmlns:r="http://schemas.openxmlformats.org/officeDocument/2006/relationships" xmlns:p="http://schemas.openxmlformats.org/presentationml/2006/main">
+  <p:cSld>
+    <p:spTree>
+      <p:nvGrpSpPr>
+        <p:cNvPr id="1" name=""/>
+        <p:cNvGrpSpPr/>
+        <p:nvPr/>
+      </p:nvGrpSpPr>
+      <p:grpSpPr>
+        <a:xfrm>
+          <a:off x="0" y="0"/>
+          <a:ext cx="0" cy="0"/>
+          <a:chOff x="0" y="0"/>
+          <a:chExt cx="0" cy="0"/>
+        </a:xfrm>
+      </p:grpSpPr>
+      <p:sp>
+        <p:nvSpPr>
+          <p:cNvPr id="2" name="Title 1"/>
+          <p:cNvSpPr>
+            <a:spLocks noGrp="1"/>
+          </p:cNvSpPr>
+          <p:nvPr>
+            <p:ph type="title"/>
+          </p:nvPr>
+        </p:nvSpPr>
+        <p:spPr/>
+        <p:txBody>
+          <a:bodyPr/>
+          <a:lstStyle/>
+          <a:p>
+            <a:r>
+              <a:rPr lang="en-US" dirty="0">
+                <a:solidFill>
+                  <a:schemeClr val="accent1">
+                    <a:lumMod val="75000"/>
+                  </a:schemeClr>
+                </a:solidFill>
+              </a:rPr>
+              <a:t>Linear Regression</a:t>
+            </a:r>
+            <a:endParaRPr lang="en-US" dirty="0"/>
+          </a:p>
+        </p:txBody>
+      </p:sp>
+      <p:sp>
+        <p:nvSpPr>
+          <p:cNvPr id="6" name="Rectangle 5"/>
+          <p:cNvSpPr/>
+          <p:nvPr/>
+        </p:nvSpPr>
+        <p:spPr>
+          <a:xfrm>
+            <a:off x="457200" y="1295400"/>
+            <a:ext cx="4191000" cy="2308324"/>
+          </a:xfrm>
+          <a:prstGeom prst="rect">
+            <a:avLst/>
+          </a:prstGeom>
+        </p:spPr>
+        <p:txBody>
+          <a:bodyPr wrap="square">
+            <a:spAutoFit/>
+          </a:bodyPr>
+          <a:lstStyle/>
+          <a:p>
+            <a:endParaRPr lang="en-US" dirty="0">
+              <a:solidFill>
+                <a:srgbClr val="000000"/>
+              </a:solidFill>
+              <a:highlight>
+                <a:srgbClr val="FFFFFF"/>
+              </a:highlight>
+            </a:endParaRPr>
+          </a:p>
+          <a:p>
+            <a:r>
+              <a:rPr lang="en-US" b="1" dirty="0">
+                <a:solidFill>
+                  <a:srgbClr val="0000FF"/>
+                </a:solidFill>
+                <a:highlight>
+                  <a:srgbClr val="FFFFFF"/>
+                </a:highlight>
+              </a:rPr>
+              <a:t>import</a:t>
+            </a:r>
+            <a:r>
+              <a:rPr lang="en-US" dirty="0">
+                <a:solidFill>
+                  <a:srgbClr val="000000"/>
+                </a:solidFill>
+                <a:highlight>
+                  <a:srgbClr val="FFFFFF"/>
+                </a:highlight>
+              </a:rPr>
+              <a:t> </a:t>
+            </a:r>
+            <a:r>
+              <a:rPr lang="en-US" dirty="0" err="1">
+                <a:solidFill>
+                  <a:srgbClr val="000000"/>
+                </a:solidFill>
+                <a:highlight>
+                  <a:srgbClr val="FFFFFF"/>
+                </a:highlight>
+              </a:rPr>
+              <a:t>numpy</a:t>
+            </a:r>
+            <a:r>
+              <a:rPr lang="en-US" dirty="0">
+                <a:solidFill>
+                  <a:srgbClr val="000000"/>
+                </a:solidFill>
+                <a:highlight>
+                  <a:srgbClr val="FFFFFF"/>
+                </a:highlight>
+              </a:rPr>
+              <a:t> </a:t>
+            </a:r>
+            <a:r>
+              <a:rPr lang="en-US" b="1" dirty="0">
+                <a:solidFill>
+                  <a:srgbClr val="0000FF"/>
+                </a:solidFill>
+                <a:highlight>
+                  <a:srgbClr val="FFFFFF"/>
+                </a:highlight>
+              </a:rPr>
+              <a:t>as</a:t>
+            </a:r>
+            <a:r>
+              <a:rPr lang="en-US" dirty="0">
+                <a:solidFill>
+                  <a:srgbClr val="000000"/>
+                </a:solidFill>
+                <a:highlight>
+                  <a:srgbClr val="FFFFFF"/>
+                </a:highlight>
+              </a:rPr>
+              <a:t> np</a:t>
+            </a:r>
+          </a:p>
+          <a:p>
+            <a:r>
+              <a:rPr lang="en-US" b="1" dirty="0">
+                <a:solidFill>
+                  <a:srgbClr val="0000FF"/>
+                </a:solidFill>
+                <a:highlight>
+                  <a:srgbClr val="FFFFFF"/>
+                </a:highlight>
+              </a:rPr>
+              <a:t>import</a:t>
+            </a:r>
+            <a:r>
+              <a:rPr lang="en-US" dirty="0">
+                <a:solidFill>
+                  <a:srgbClr val="000000"/>
+                </a:solidFill>
+                <a:highlight>
+                  <a:srgbClr val="FFFFFF"/>
+                </a:highlight>
+              </a:rPr>
+              <a:t> pandas </a:t>
+            </a:r>
+            <a:r>
+              <a:rPr lang="en-US" b="1" dirty="0">
+                <a:solidFill>
+                  <a:srgbClr val="0000FF"/>
+                </a:solidFill>
+                <a:highlight>
+                  <a:srgbClr val="FFFFFF"/>
+                </a:highlight>
+              </a:rPr>
+              <a:t>as</a:t>
+            </a:r>
+            <a:r>
+              <a:rPr lang="en-US" dirty="0">
+                <a:solidFill>
+                  <a:srgbClr val="000000"/>
+                </a:solidFill>
+                <a:highlight>
+                  <a:srgbClr val="FFFFFF"/>
+                </a:highlight>
+              </a:rPr>
+              <a:t> </a:t>
+            </a:r>
+            <a:r>
+              <a:rPr lang="en-US" dirty="0" err="1">
+                <a:solidFill>
+                  <a:srgbClr val="000000"/>
+                </a:solidFill>
+                <a:highlight>
+                  <a:srgbClr val="FFFFFF"/>
+                </a:highlight>
+              </a:rPr>
+              <a:t>pd</a:t>
+            </a:r>
+            <a:endParaRPr lang="en-US" dirty="0">
+              <a:solidFill>
+                <a:srgbClr val="000000"/>
+              </a:solidFill>
+              <a:highlight>
+                <a:srgbClr val="FFFFFF"/>
+              </a:highlight>
+            </a:endParaRPr>
+          </a:p>
+          <a:p>
+            <a:endParaRPr lang="en-US" dirty="0">
+              <a:solidFill>
+                <a:srgbClr val="000000"/>
+              </a:solidFill>
+              <a:highlight>
+                <a:srgbClr val="FFFFFF"/>
+              </a:highlight>
+            </a:endParaRPr>
+          </a:p>
+          <a:p>
+            <a:r>
+              <a:rPr lang="en-US" dirty="0">
+                <a:solidFill>
+                  <a:srgbClr val="008000"/>
+                </a:solidFill>
+                <a:highlight>
+                  <a:srgbClr val="FFFFFF"/>
+                </a:highlight>
+              </a:rPr>
+              <a:t>#Importing the data</a:t>
+            </a:r>
+            <a:endParaRPr lang="en-US" dirty="0">
+              <a:solidFill>
+                <a:srgbClr val="000000"/>
+              </a:solidFill>
+              <a:highlight>
+                <a:srgbClr val="FFFFFF"/>
+              </a:highlight>
+            </a:endParaRPr>
+          </a:p>
+          <a:p>
+            <a:r>
+              <a:rPr lang="en-US" dirty="0">
+                <a:solidFill>
+                  <a:srgbClr val="000000"/>
+                </a:solidFill>
+                <a:highlight>
+                  <a:srgbClr val="FFFFFF"/>
+                </a:highlight>
+              </a:rPr>
+              <a:t>dataset </a:t>
+            </a:r>
+            <a:r>
+              <a:rPr lang="en-US" b="1" dirty="0">
+                <a:solidFill>
+                  <a:srgbClr val="000080"/>
+                </a:solidFill>
+                <a:highlight>
+                  <a:srgbClr val="FFFFFF"/>
+                </a:highlight>
+              </a:rPr>
+              <a:t>=</a:t>
+            </a:r>
+            <a:r>
+              <a:rPr lang="en-US" dirty="0">
+                <a:solidFill>
+                  <a:srgbClr val="000000"/>
+                </a:solidFill>
+                <a:highlight>
+                  <a:srgbClr val="FFFFFF"/>
+                </a:highlight>
+              </a:rPr>
+              <a:t> </a:t>
+            </a:r>
+            <a:r>
+              <a:rPr lang="en-US" dirty="0" err="1">
+                <a:solidFill>
+                  <a:srgbClr val="000000"/>
+                </a:solidFill>
+                <a:highlight>
+                  <a:srgbClr val="FFFFFF"/>
+                </a:highlight>
+              </a:rPr>
+              <a:t>pd</a:t>
+            </a:r>
+            <a:r>
+              <a:rPr lang="en-US" b="1" dirty="0" err="1">
+                <a:solidFill>
+                  <a:srgbClr val="000080"/>
+                </a:solidFill>
+                <a:highlight>
+                  <a:srgbClr val="FFFFFF"/>
+                </a:highlight>
+              </a:rPr>
+              <a:t>.</a:t>
+            </a:r>
+            <a:r>
+              <a:rPr lang="en-US" dirty="0" err="1">
+                <a:solidFill>
+                  <a:srgbClr val="000000"/>
+                </a:solidFill>
+                <a:highlight>
+                  <a:srgbClr val="FFFFFF"/>
+                </a:highlight>
+              </a:rPr>
+              <a:t>read_csv</a:t>
+            </a:r>
+            <a:r>
+              <a:rPr lang="en-US" b="1" dirty="0">
+                <a:solidFill>
+                  <a:srgbClr val="000080"/>
+                </a:solidFill>
+                <a:highlight>
+                  <a:srgbClr val="FFFFFF"/>
+                </a:highlight>
+              </a:rPr>
+              <a:t>(</a:t>
+            </a:r>
+            <a:r>
+              <a:rPr lang="en-US" dirty="0">
+                <a:solidFill>
+                  <a:srgbClr val="808080"/>
+                </a:solidFill>
+                <a:highlight>
+                  <a:srgbClr val="FFFFFF"/>
+                </a:highlight>
+              </a:rPr>
+              <a:t>'Salary_Data.csv'</a:t>
+            </a:r>
+            <a:r>
+              <a:rPr lang="en-US" b="1" dirty="0">
+                <a:solidFill>
+                  <a:srgbClr val="000080"/>
+                </a:solidFill>
+                <a:highlight>
+                  <a:srgbClr val="FFFFFF"/>
+                </a:highlight>
+              </a:rPr>
+              <a:t>)</a:t>
+            </a:r>
+            <a:endParaRPr lang="en-US" dirty="0">
+              <a:solidFill>
+                <a:srgbClr val="000000"/>
+              </a:solidFill>
+              <a:highlight>
+                <a:srgbClr val="FFFFFF"/>
+              </a:highlight>
+            </a:endParaRPr>
+          </a:p>
+          <a:p>
+            <a:r>
+              <a:rPr lang="en-US" dirty="0">
+                <a:solidFill>
+                  <a:srgbClr val="000000"/>
+                </a:solidFill>
+                <a:highlight>
+                  <a:srgbClr val="FFFFFF"/>
+                </a:highlight>
+              </a:rPr>
+              <a:t>X </a:t>
+            </a:r>
+            <a:r>
+              <a:rPr lang="en-US" b="1" dirty="0">
+                <a:solidFill>
+                  <a:srgbClr val="000080"/>
+                </a:solidFill>
+                <a:highlight>
+                  <a:srgbClr val="FFFFFF"/>
+                </a:highlight>
+              </a:rPr>
+              <a:t>=</a:t>
+            </a:r>
+            <a:r>
+              <a:rPr lang="en-US" dirty="0">
+                <a:solidFill>
+                  <a:srgbClr val="000000"/>
+                </a:solidFill>
+                <a:highlight>
+                  <a:srgbClr val="FFFFFF"/>
+                </a:highlight>
+              </a:rPr>
+              <a:t> </a:t>
+            </a:r>
+            <a:r>
+              <a:rPr lang="en-US" dirty="0" err="1">
+                <a:solidFill>
+                  <a:srgbClr val="000000"/>
+                </a:solidFill>
+                <a:highlight>
+                  <a:srgbClr val="FFFFFF"/>
+                </a:highlight>
+              </a:rPr>
+              <a:t>dataset</a:t>
+            </a:r>
+            <a:r>
+              <a:rPr lang="en-US" b="1" dirty="0" err="1">
+                <a:solidFill>
+                  <a:srgbClr val="000080"/>
+                </a:solidFill>
+                <a:highlight>
+                  <a:srgbClr val="FFFFFF"/>
+                </a:highlight>
+              </a:rPr>
+              <a:t>.</a:t>
+            </a:r>
+            <a:r>
+              <a:rPr lang="en-US" dirty="0" err="1">
+                <a:solidFill>
+                  <a:srgbClr val="000000"/>
+                </a:solidFill>
+                <a:highlight>
+                  <a:srgbClr val="FFFFFF"/>
+                </a:highlight>
+              </a:rPr>
+              <a:t>iloc</a:t>
+            </a:r>
+            <a:r>
+              <a:rPr lang="en-US" b="1" dirty="0">
+                <a:solidFill>
+                  <a:srgbClr val="000080"/>
+                </a:solidFill>
+                <a:highlight>
+                  <a:srgbClr val="FFFFFF"/>
+                </a:highlight>
+              </a:rPr>
+              <a:t>[:,:-</a:t>
+            </a:r>
+            <a:r>
+              <a:rPr lang="en-US" dirty="0">
+                <a:solidFill>
+                  <a:srgbClr val="FF0000"/>
+                </a:solidFill>
+                <a:highlight>
+                  <a:srgbClr val="FFFFFF"/>
+                </a:highlight>
+              </a:rPr>
+              <a:t>1</a:t>
+            </a:r>
+            <a:r>
+              <a:rPr lang="en-US" b="1" dirty="0">
+                <a:solidFill>
+                  <a:srgbClr val="000080"/>
+                </a:solidFill>
+                <a:highlight>
+                  <a:srgbClr val="FFFFFF"/>
+                </a:highlight>
+              </a:rPr>
+              <a:t>].</a:t>
+            </a:r>
+            <a:r>
+              <a:rPr lang="en-US" dirty="0">
+                <a:solidFill>
+                  <a:srgbClr val="000000"/>
+                </a:solidFill>
+                <a:highlight>
+                  <a:srgbClr val="FFFFFF"/>
+                </a:highlight>
+              </a:rPr>
+              <a:t>values</a:t>
+            </a:r>
+          </a:p>
+          <a:p>
+            <a:r>
+              <a:rPr lang="en-US" dirty="0">
+                <a:solidFill>
+                  <a:srgbClr val="000000"/>
+                </a:solidFill>
+                <a:highlight>
+                  <a:srgbClr val="FFFFFF"/>
+                </a:highlight>
+              </a:rPr>
+              <a:t>Y </a:t>
+            </a:r>
+            <a:r>
+              <a:rPr lang="en-US" b="1" dirty="0">
+                <a:solidFill>
+                  <a:srgbClr val="000080"/>
+                </a:solidFill>
+                <a:highlight>
+                  <a:srgbClr val="FFFFFF"/>
+                </a:highlight>
+              </a:rPr>
+              <a:t>=</a:t>
+            </a:r>
+            <a:r>
+              <a:rPr lang="en-US" dirty="0">
+                <a:solidFill>
+                  <a:srgbClr val="000000"/>
+                </a:solidFill>
+                <a:highlight>
+                  <a:srgbClr val="FFFFFF"/>
+                </a:highlight>
+              </a:rPr>
+              <a:t> </a:t>
+            </a:r>
+            <a:r>
+              <a:rPr lang="en-US" dirty="0" err="1">
+                <a:solidFill>
+                  <a:srgbClr val="000000"/>
+                </a:solidFill>
+                <a:highlight>
+                  <a:srgbClr val="FFFFFF"/>
+                </a:highlight>
+              </a:rPr>
+              <a:t>dataset</a:t>
+            </a:r>
+            <a:r>
+              <a:rPr lang="en-US" b="1" dirty="0" err="1">
+                <a:solidFill>
+                  <a:srgbClr val="000080"/>
+                </a:solidFill>
+                <a:highlight>
+                  <a:srgbClr val="FFFFFF"/>
+                </a:highlight>
+              </a:rPr>
+              <a:t>.</a:t>
+            </a:r>
+            <a:r>
+              <a:rPr lang="en-US" dirty="0" err="1">
+                <a:solidFill>
+                  <a:srgbClr val="000000"/>
+                </a:solidFill>
+                <a:highlight>
+                  <a:srgbClr val="FFFFFF"/>
+                </a:highlight>
+              </a:rPr>
+              <a:t>iloc</a:t>
+            </a:r>
+            <a:r>
+              <a:rPr lang="en-US" b="1" dirty="0">
+                <a:solidFill>
+                  <a:srgbClr val="000080"/>
+                </a:solidFill>
+                <a:highlight>
+                  <a:srgbClr val="FFFFFF"/>
+                </a:highlight>
+              </a:rPr>
+              <a:t>[:,</a:t>
+            </a:r>
+            <a:r>
+              <a:rPr lang="en-US" dirty="0">
+                <a:solidFill>
+                  <a:srgbClr val="FF0000"/>
+                </a:solidFill>
+                <a:highlight>
+                  <a:srgbClr val="FFFFFF"/>
+                </a:highlight>
+              </a:rPr>
+              <a:t>1</a:t>
+            </a:r>
+            <a:r>
+              <a:rPr lang="en-US" b="1" dirty="0">
+                <a:solidFill>
+                  <a:srgbClr val="000080"/>
+                </a:solidFill>
+                <a:highlight>
+                  <a:srgbClr val="FFFFFF"/>
+                </a:highlight>
+              </a:rPr>
+              <a:t>].</a:t>
+            </a:r>
+            <a:r>
+              <a:rPr lang="en-US" dirty="0">
+                <a:solidFill>
+                  <a:srgbClr val="000000"/>
+                </a:solidFill>
+                <a:highlight>
+                  <a:srgbClr val="FFFFFF"/>
+                </a:highlight>
+              </a:rPr>
+              <a:t>values</a:t>
+            </a:r>
+          </a:p>
+        </p:txBody>
+      </p:sp>
+      <p:pic>
+        <p:nvPicPr>
+          <p:cNvPr id="8" name="Picture 7" descr="Screen Clipping"/>
+          <p:cNvPicPr>
+            <a:picLocks noChangeAspect="1"/>
+          </p:cNvPicPr>
+          <p:nvPr/>
+        </p:nvPicPr>
+        <p:blipFill>
+          <a:blip r:embed="rId2">
+            <a:extLst>
+              <a:ext uri="{28A0092B-C50C-407E-A947-70E740481C1C}">
+                <a14:useLocalDpi xmlns:a14="http://schemas.microsoft.com/office/drawing/2010/main" val="0"/>
+              </a:ext>
+            </a:extLst>
+          </a:blip>
+          <a:stretch>
+            <a:fillRect/>
+          </a:stretch>
+        </p:blipFill>
+        <p:spPr>
+          <a:xfrm>
+            <a:off x="4267200" y="3048000"/>
+            <a:ext cx="4572000" cy="2758459"/>
+          </a:xfrm>
+          <a:prstGeom prst="rect">
+            <a:avLst/>
+          </a:prstGeom>
+        </p:spPr>
+      </p:pic>
+      <p:sp>
+        <p:nvSpPr>
+          <p:cNvPr id="9" name="Date Placeholder 8"/>
+          <p:cNvSpPr>
+            <a:spLocks noGrp="1"/>
+          </p:cNvSpPr>
+          <p:nvPr>
+            <p:ph type="dt" sz="half" idx="10"/>
+          </p:nvPr>
+        </p:nvSpPr>
+        <p:spPr/>
+        <p:txBody>
+          <a:bodyPr/>
+          <a:lstStyle/>
+          <a:p>
+            <a:fld id="{04271D31-E683-4EDB-B964-30F0C41406FB}" type="datetime3">
+              <a:rPr lang="en-US" smtClean="0"/>
+              <a:t>3 January 2019</a:t>
+            </a:fld>
+            <a:endParaRPr lang="en-US"/>
+          </a:p>
+        </p:txBody>
+      </p:sp>
+      <p:sp>
+        <p:nvSpPr>
+          <p:cNvPr id="10" name="Footer Placeholder 9"/>
+          <p:cNvSpPr>
+            <a:spLocks noGrp="1"/>
+          </p:cNvSpPr>
+          <p:nvPr>
+            <p:ph type="ftr" sz="quarter" idx="11"/>
+          </p:nvPr>
+        </p:nvSpPr>
+        <p:spPr/>
+        <p:txBody>
+          <a:bodyPr/>
+          <a:lstStyle/>
+          <a:p>
+            <a:r>
+              <a:rPr lang="en-US" smtClean="0"/>
+              <a:t>sai Prasad Ashila</a:t>
+            </a:r>
+            <a:endParaRPr lang="en-US"/>
+          </a:p>
+        </p:txBody>
+      </p:sp>
+      <p:sp>
+        <p:nvSpPr>
+          <p:cNvPr id="11" name="Slide Number Placeholder 10"/>
+          <p:cNvSpPr>
+            <a:spLocks noGrp="1"/>
+          </p:cNvSpPr>
+          <p:nvPr>
+            <p:ph type="sldNum" sz="quarter" idx="12"/>
+          </p:nvPr>
+        </p:nvSpPr>
+        <p:spPr/>
+        <p:txBody>
+          <a:bodyPr/>
+          <a:lstStyle/>
+          <a:p>
+            <a:fld id="{2EE3F54D-A22C-49A4-910F-D37A9559DC15}" type="slidenum">
+              <a:rPr lang="en-US" smtClean="0"/>
+              <a:t>4</a:t>
+            </a:fld>
+            <a:endParaRPr lang="en-US"/>
+          </a:p>
+        </p:txBody>
+      </p:sp>
+    </p:spTree>
+    <p:extLst>
+      <p:ext uri="{BB962C8B-B14F-4D97-AF65-F5344CB8AC3E}">
+        <p14:creationId xmlns:p14="http://schemas.microsoft.com/office/powerpoint/2010/main" val="3039233838"/>
+      </p:ext>
+    </p:extLst>
+  </p:cSld>
+  <p:clrMapOvr>
+    <a:masterClrMapping/>
+  </p:clrMapOvr>
+  <p:timing>
+    <p:tnLst>
+      <p:par>
+        <p:cTn id="1" dur="indefinite" restart="never" nodeType="tmRoot"/>
+      </p:par>
+    </p:tnLst>
+  </p:timing>
+</p:sld>
+</file>
+
+<file path=ppt/slides/slide5.xml><?xml version="1.0" encoding="utf-8"?>
+<p:sld xmlns:a="http://schemas.openxmlformats.org/drawingml/2006/main" xmlns:r="http://schemas.openxmlformats.org/officeDocument/2006/relationships" xmlns:p="http://schemas.openxmlformats.org/presentationml/2006/main">
+  <p:cSld>
+    <p:spTree>
+      <p:nvGrpSpPr>
+        <p:cNvPr id="1" name=""/>
+        <p:cNvGrpSpPr/>
+        <p:nvPr/>
+      </p:nvGrpSpPr>
+      <p:grpSpPr>
+        <a:xfrm>
+          <a:off x="0" y="0"/>
+          <a:ext cx="0" cy="0"/>
+          <a:chOff x="0" y="0"/>
+          <a:chExt cx="0" cy="0"/>
+        </a:xfrm>
+      </p:grpSpPr>
+      <p:sp>
+        <p:nvSpPr>
+          <p:cNvPr id="2" name="Title 1"/>
+          <p:cNvSpPr>
+            <a:spLocks noGrp="1"/>
+          </p:cNvSpPr>
+          <p:nvPr>
+            <p:ph type="title"/>
+          </p:nvPr>
+        </p:nvSpPr>
+        <p:spPr/>
+        <p:txBody>
+          <a:bodyPr/>
+          <a:lstStyle/>
+          <a:p>
+            <a:r>
+              <a:rPr lang="en-US" dirty="0">
+                <a:solidFill>
+                  <a:schemeClr val="accent1">
+                    <a:lumMod val="75000"/>
+                  </a:schemeClr>
+                </a:solidFill>
+              </a:rPr>
+              <a:t>Linear Regression</a:t>
+            </a:r>
+            <a:endParaRPr lang="en-US" dirty="0"/>
+          </a:p>
+        </p:txBody>
+      </p:sp>
+      <p:sp>
+        <p:nvSpPr>
+          <p:cNvPr id="4" name="Rectangle 3"/>
+          <p:cNvSpPr/>
+          <p:nvPr/>
+        </p:nvSpPr>
+        <p:spPr>
+          <a:xfrm>
+            <a:off x="152400" y="1447800"/>
+            <a:ext cx="5486400" cy="1477328"/>
+          </a:xfrm>
+          <a:prstGeom prst="rect">
+            <a:avLst/>
+          </a:prstGeom>
+        </p:spPr>
+        <p:txBody>
+          <a:bodyPr wrap="square">
+            <a:spAutoFit/>
+          </a:bodyPr>
+          <a:lstStyle/>
+          <a:p>
+            <a:r>
+              <a:rPr lang="en-US" dirty="0">
+                <a:solidFill>
+                  <a:srgbClr val="008000"/>
+                </a:solidFill>
+                <a:highlight>
+                  <a:srgbClr val="FFFFFF"/>
+                </a:highlight>
+              </a:rPr>
+              <a:t># Splitting the dataset into the training set and test set</a:t>
+            </a:r>
+            <a:endParaRPr lang="en-US" dirty="0">
+              <a:solidFill>
+                <a:srgbClr val="000000"/>
+              </a:solidFill>
+              <a:highlight>
+                <a:srgbClr val="FFFFFF"/>
+              </a:highlight>
+            </a:endParaRPr>
+          </a:p>
+          <a:p>
+            <a:r>
+              <a:rPr lang="en-US" b="1" dirty="0">
+                <a:solidFill>
+                  <a:srgbClr val="0000FF"/>
+                </a:solidFill>
+                <a:highlight>
+                  <a:srgbClr val="FFFFFF"/>
+                </a:highlight>
+              </a:rPr>
+              <a:t>from</a:t>
+            </a:r>
+            <a:r>
+              <a:rPr lang="en-US" dirty="0">
+                <a:solidFill>
+                  <a:srgbClr val="000000"/>
+                </a:solidFill>
+                <a:highlight>
+                  <a:srgbClr val="FFFFFF"/>
+                </a:highlight>
+              </a:rPr>
+              <a:t> </a:t>
+            </a:r>
+            <a:r>
+              <a:rPr lang="en-US" dirty="0" err="1">
+                <a:solidFill>
+                  <a:srgbClr val="000000"/>
+                </a:solidFill>
+                <a:highlight>
+                  <a:srgbClr val="FFFFFF"/>
+                </a:highlight>
+              </a:rPr>
+              <a:t>sklearn</a:t>
+            </a:r>
+            <a:r>
+              <a:rPr lang="en-US" b="1" dirty="0" err="1">
+                <a:solidFill>
+                  <a:srgbClr val="000080"/>
+                </a:solidFill>
+                <a:highlight>
+                  <a:srgbClr val="FFFFFF"/>
+                </a:highlight>
+              </a:rPr>
+              <a:t>.</a:t>
+            </a:r>
+            <a:r>
+              <a:rPr lang="en-US" dirty="0" err="1">
+                <a:solidFill>
+                  <a:srgbClr val="000000"/>
+                </a:solidFill>
+                <a:highlight>
+                  <a:srgbClr val="FFFFFF"/>
+                </a:highlight>
+              </a:rPr>
+              <a:t>model_selection</a:t>
+            </a:r>
+            <a:r>
+              <a:rPr lang="en-US" dirty="0">
+                <a:solidFill>
+                  <a:srgbClr val="000000"/>
+                </a:solidFill>
+                <a:highlight>
+                  <a:srgbClr val="FFFFFF"/>
+                </a:highlight>
+              </a:rPr>
+              <a:t> </a:t>
+            </a:r>
+            <a:r>
+              <a:rPr lang="en-US" b="1" dirty="0">
+                <a:solidFill>
+                  <a:srgbClr val="0000FF"/>
+                </a:solidFill>
+                <a:highlight>
+                  <a:srgbClr val="FFFFFF"/>
+                </a:highlight>
+              </a:rPr>
+              <a:t>import</a:t>
+            </a:r>
+            <a:r>
+              <a:rPr lang="en-US" dirty="0">
+                <a:solidFill>
+                  <a:srgbClr val="000000"/>
+                </a:solidFill>
+                <a:highlight>
+                  <a:srgbClr val="FFFFFF"/>
+                </a:highlight>
+              </a:rPr>
+              <a:t> </a:t>
+            </a:r>
+            <a:r>
+              <a:rPr lang="en-US" dirty="0" err="1" smtClean="0">
+                <a:solidFill>
+                  <a:srgbClr val="000000"/>
+                </a:solidFill>
+                <a:highlight>
+                  <a:srgbClr val="FFFFFF"/>
+                </a:highlight>
+              </a:rPr>
+              <a:t>train_test_split</a:t>
+            </a:r>
+            <a:endParaRPr lang="en-US" dirty="0" smtClean="0">
+              <a:solidFill>
+                <a:srgbClr val="000000"/>
+              </a:solidFill>
+              <a:highlight>
+                <a:srgbClr val="FFFFFF"/>
+              </a:highlight>
+            </a:endParaRPr>
+          </a:p>
+          <a:p>
+            <a:endParaRPr lang="en-US" dirty="0">
+              <a:solidFill>
+                <a:srgbClr val="000000"/>
+              </a:solidFill>
+              <a:highlight>
+                <a:srgbClr val="FFFFFF"/>
+              </a:highlight>
+            </a:endParaRPr>
+          </a:p>
+          <a:p>
+            <a:r>
+              <a:rPr lang="en-US" dirty="0" err="1">
+                <a:solidFill>
+                  <a:srgbClr val="000000"/>
+                </a:solidFill>
+                <a:highlight>
+                  <a:srgbClr val="FFFFFF"/>
+                </a:highlight>
+              </a:rPr>
+              <a:t>X_train</a:t>
+            </a:r>
+            <a:r>
+              <a:rPr lang="en-US" dirty="0">
+                <a:solidFill>
+                  <a:srgbClr val="000000"/>
+                </a:solidFill>
+                <a:highlight>
+                  <a:srgbClr val="FFFFFF"/>
+                </a:highlight>
+              </a:rPr>
+              <a:t> </a:t>
+            </a:r>
+            <a:r>
+              <a:rPr lang="en-US" b="1" dirty="0">
+                <a:solidFill>
+                  <a:srgbClr val="000080"/>
+                </a:solidFill>
+                <a:highlight>
+                  <a:srgbClr val="FFFFFF"/>
+                </a:highlight>
+              </a:rPr>
+              <a:t>,</a:t>
+            </a:r>
+            <a:r>
+              <a:rPr lang="en-US" dirty="0">
+                <a:solidFill>
+                  <a:srgbClr val="000000"/>
+                </a:solidFill>
+                <a:highlight>
+                  <a:srgbClr val="FFFFFF"/>
+                </a:highlight>
+              </a:rPr>
+              <a:t> </a:t>
+            </a:r>
+            <a:r>
+              <a:rPr lang="en-US" dirty="0" err="1">
+                <a:solidFill>
+                  <a:srgbClr val="000000"/>
+                </a:solidFill>
+                <a:highlight>
+                  <a:srgbClr val="FFFFFF"/>
+                </a:highlight>
+              </a:rPr>
+              <a:t>X_test</a:t>
+            </a:r>
+            <a:r>
+              <a:rPr lang="en-US" dirty="0">
+                <a:solidFill>
+                  <a:srgbClr val="000000"/>
+                </a:solidFill>
+                <a:highlight>
+                  <a:srgbClr val="FFFFFF"/>
+                </a:highlight>
+              </a:rPr>
+              <a:t> </a:t>
+            </a:r>
+            <a:r>
+              <a:rPr lang="en-US" b="1" dirty="0">
+                <a:solidFill>
+                  <a:srgbClr val="000080"/>
+                </a:solidFill>
+                <a:highlight>
+                  <a:srgbClr val="FFFFFF"/>
+                </a:highlight>
+              </a:rPr>
+              <a:t>,</a:t>
+            </a:r>
+            <a:r>
+              <a:rPr lang="en-US" dirty="0">
+                <a:solidFill>
+                  <a:srgbClr val="000000"/>
+                </a:solidFill>
+                <a:highlight>
+                  <a:srgbClr val="FFFFFF"/>
+                </a:highlight>
+              </a:rPr>
+              <a:t> </a:t>
+            </a:r>
+            <a:r>
+              <a:rPr lang="en-US" dirty="0" err="1">
+                <a:solidFill>
+                  <a:srgbClr val="000000"/>
+                </a:solidFill>
+                <a:highlight>
+                  <a:srgbClr val="FFFFFF"/>
+                </a:highlight>
+              </a:rPr>
+              <a:t>Y_train</a:t>
+            </a:r>
+            <a:r>
+              <a:rPr lang="en-US" dirty="0">
+                <a:solidFill>
+                  <a:srgbClr val="000000"/>
+                </a:solidFill>
+                <a:highlight>
+                  <a:srgbClr val="FFFFFF"/>
+                </a:highlight>
+              </a:rPr>
+              <a:t> </a:t>
+            </a:r>
+            <a:r>
+              <a:rPr lang="en-US" b="1" dirty="0">
+                <a:solidFill>
+                  <a:srgbClr val="000080"/>
+                </a:solidFill>
+                <a:highlight>
+                  <a:srgbClr val="FFFFFF"/>
+                </a:highlight>
+              </a:rPr>
+              <a:t>,</a:t>
+            </a:r>
+            <a:r>
+              <a:rPr lang="en-US" dirty="0">
+                <a:solidFill>
+                  <a:srgbClr val="000000"/>
+                </a:solidFill>
+                <a:highlight>
+                  <a:srgbClr val="FFFFFF"/>
+                </a:highlight>
+              </a:rPr>
+              <a:t> </a:t>
+            </a:r>
+            <a:r>
+              <a:rPr lang="en-US" dirty="0" err="1">
+                <a:solidFill>
+                  <a:srgbClr val="000000"/>
+                </a:solidFill>
+                <a:highlight>
+                  <a:srgbClr val="FFFFFF"/>
+                </a:highlight>
+              </a:rPr>
+              <a:t>Y_test</a:t>
+            </a:r>
+            <a:r>
+              <a:rPr lang="en-US" dirty="0">
+                <a:solidFill>
+                  <a:srgbClr val="000000"/>
+                </a:solidFill>
+                <a:highlight>
+                  <a:srgbClr val="FFFFFF"/>
+                </a:highlight>
+              </a:rPr>
+              <a:t> </a:t>
+            </a:r>
+            <a:r>
+              <a:rPr lang="en-US" b="1" dirty="0" smtClean="0">
+                <a:solidFill>
+                  <a:srgbClr val="000080"/>
+                </a:solidFill>
+                <a:highlight>
+                  <a:srgbClr val="FFFFFF"/>
+                </a:highlight>
+              </a:rPr>
+              <a:t>=</a:t>
+            </a:r>
+          </a:p>
+          <a:p>
+            <a:r>
+              <a:rPr lang="en-US" dirty="0" smtClean="0">
+                <a:solidFill>
+                  <a:srgbClr val="000000"/>
+                </a:solidFill>
+                <a:highlight>
+                  <a:srgbClr val="FFFFFF"/>
+                </a:highlight>
+              </a:rPr>
+              <a:t> </a:t>
+            </a:r>
+            <a:r>
+              <a:rPr lang="en-US" dirty="0" err="1">
+                <a:solidFill>
+                  <a:srgbClr val="000000"/>
+                </a:solidFill>
+                <a:highlight>
+                  <a:srgbClr val="FFFFFF"/>
+                </a:highlight>
+              </a:rPr>
+              <a:t>train_test_split</a:t>
+            </a:r>
+            <a:r>
+              <a:rPr lang="en-US" b="1" dirty="0">
+                <a:solidFill>
+                  <a:srgbClr val="000080"/>
+                </a:solidFill>
+                <a:highlight>
+                  <a:srgbClr val="FFFFFF"/>
+                </a:highlight>
+              </a:rPr>
+              <a:t>(</a:t>
+            </a:r>
+            <a:r>
+              <a:rPr lang="en-US" dirty="0">
+                <a:solidFill>
+                  <a:srgbClr val="000000"/>
+                </a:solidFill>
+                <a:highlight>
+                  <a:srgbClr val="FFFFFF"/>
+                </a:highlight>
+              </a:rPr>
+              <a:t>X</a:t>
+            </a:r>
+            <a:r>
+              <a:rPr lang="en-US" b="1" dirty="0">
+                <a:solidFill>
+                  <a:srgbClr val="000080"/>
+                </a:solidFill>
+                <a:highlight>
+                  <a:srgbClr val="FFFFFF"/>
+                </a:highlight>
+              </a:rPr>
+              <a:t>,</a:t>
+            </a:r>
+            <a:r>
+              <a:rPr lang="en-US" dirty="0">
+                <a:solidFill>
+                  <a:srgbClr val="000000"/>
+                </a:solidFill>
+                <a:highlight>
+                  <a:srgbClr val="FFFFFF"/>
+                </a:highlight>
+              </a:rPr>
+              <a:t>Y</a:t>
+            </a:r>
+            <a:r>
+              <a:rPr lang="en-US" b="1" dirty="0">
+                <a:solidFill>
+                  <a:srgbClr val="000080"/>
+                </a:solidFill>
+                <a:highlight>
+                  <a:srgbClr val="FFFFFF"/>
+                </a:highlight>
+              </a:rPr>
+              <a:t>,</a:t>
+            </a:r>
+            <a:r>
+              <a:rPr lang="en-US" dirty="0">
+                <a:solidFill>
+                  <a:srgbClr val="000000"/>
+                </a:solidFill>
+                <a:highlight>
+                  <a:srgbClr val="FFFFFF"/>
+                </a:highlight>
+              </a:rPr>
+              <a:t> </a:t>
+            </a:r>
+            <a:r>
+              <a:rPr lang="en-US" dirty="0" err="1">
+                <a:solidFill>
+                  <a:srgbClr val="000000"/>
+                </a:solidFill>
+                <a:highlight>
+                  <a:srgbClr val="FFFFFF"/>
+                </a:highlight>
+              </a:rPr>
+              <a:t>test_size</a:t>
+            </a:r>
+            <a:r>
+              <a:rPr lang="en-US" dirty="0">
+                <a:solidFill>
+                  <a:srgbClr val="000000"/>
+                </a:solidFill>
+                <a:highlight>
+                  <a:srgbClr val="FFFFFF"/>
+                </a:highlight>
+              </a:rPr>
+              <a:t> </a:t>
+            </a:r>
+            <a:r>
+              <a:rPr lang="en-US" b="1" dirty="0">
+                <a:solidFill>
+                  <a:srgbClr val="000080"/>
+                </a:solidFill>
+                <a:highlight>
+                  <a:srgbClr val="FFFFFF"/>
+                </a:highlight>
+              </a:rPr>
+              <a:t>=</a:t>
+            </a:r>
+            <a:r>
+              <a:rPr lang="en-US" dirty="0">
+                <a:solidFill>
+                  <a:srgbClr val="000000"/>
+                </a:solidFill>
+                <a:highlight>
+                  <a:srgbClr val="FFFFFF"/>
+                </a:highlight>
+              </a:rPr>
+              <a:t> </a:t>
+            </a:r>
+            <a:r>
+              <a:rPr lang="en-US" dirty="0">
+                <a:solidFill>
+                  <a:srgbClr val="FF0000"/>
+                </a:solidFill>
+                <a:highlight>
+                  <a:srgbClr val="FFFFFF"/>
+                </a:highlight>
+              </a:rPr>
+              <a:t>1</a:t>
+            </a:r>
+            <a:r>
+              <a:rPr lang="en-US" b="1" dirty="0">
+                <a:solidFill>
+                  <a:srgbClr val="000080"/>
+                </a:solidFill>
+                <a:highlight>
+                  <a:srgbClr val="FFFFFF"/>
+                </a:highlight>
+              </a:rPr>
+              <a:t>/</a:t>
+            </a:r>
+            <a:r>
+              <a:rPr lang="en-US" dirty="0">
+                <a:solidFill>
+                  <a:srgbClr val="FF0000"/>
+                </a:solidFill>
+                <a:highlight>
+                  <a:srgbClr val="FFFFFF"/>
+                </a:highlight>
+              </a:rPr>
+              <a:t>3</a:t>
+            </a:r>
+            <a:r>
+              <a:rPr lang="en-US" b="1" dirty="0">
+                <a:solidFill>
+                  <a:srgbClr val="000080"/>
+                </a:solidFill>
+                <a:highlight>
+                  <a:srgbClr val="FFFFFF"/>
+                </a:highlight>
+              </a:rPr>
+              <a:t>,</a:t>
+            </a:r>
+            <a:r>
+              <a:rPr lang="en-US" dirty="0">
+                <a:solidFill>
+                  <a:srgbClr val="000000"/>
+                </a:solidFill>
+                <a:highlight>
+                  <a:srgbClr val="FFFFFF"/>
+                </a:highlight>
+              </a:rPr>
+              <a:t> </a:t>
+            </a:r>
+            <a:r>
+              <a:rPr lang="en-US" dirty="0" err="1">
+                <a:solidFill>
+                  <a:srgbClr val="000000"/>
+                </a:solidFill>
+                <a:highlight>
+                  <a:srgbClr val="FFFFFF"/>
+                </a:highlight>
+              </a:rPr>
+              <a:t>random_state</a:t>
+            </a:r>
+            <a:r>
+              <a:rPr lang="en-US" dirty="0">
+                <a:solidFill>
+                  <a:srgbClr val="000000"/>
+                </a:solidFill>
+                <a:highlight>
+                  <a:srgbClr val="FFFFFF"/>
+                </a:highlight>
+              </a:rPr>
+              <a:t> </a:t>
+            </a:r>
+            <a:r>
+              <a:rPr lang="en-US" b="1" dirty="0">
+                <a:solidFill>
+                  <a:srgbClr val="000080"/>
+                </a:solidFill>
+                <a:highlight>
+                  <a:srgbClr val="FFFFFF"/>
+                </a:highlight>
+              </a:rPr>
+              <a:t>=</a:t>
+            </a:r>
+            <a:r>
+              <a:rPr lang="en-US" dirty="0">
+                <a:solidFill>
+                  <a:srgbClr val="000000"/>
+                </a:solidFill>
+                <a:highlight>
+                  <a:srgbClr val="FFFFFF"/>
+                </a:highlight>
+              </a:rPr>
+              <a:t> </a:t>
+            </a:r>
+            <a:r>
+              <a:rPr lang="en-US" dirty="0">
+                <a:solidFill>
+                  <a:srgbClr val="FF0000"/>
+                </a:solidFill>
+                <a:highlight>
+                  <a:srgbClr val="FFFFFF"/>
+                </a:highlight>
+              </a:rPr>
+              <a:t>0</a:t>
+            </a:r>
+            <a:r>
+              <a:rPr lang="en-US" b="1" dirty="0">
+                <a:solidFill>
+                  <a:srgbClr val="000080"/>
+                </a:solidFill>
+                <a:highlight>
+                  <a:srgbClr val="FFFFFF"/>
+                </a:highlight>
+              </a:rPr>
+              <a:t>)</a:t>
+            </a:r>
+            <a:endParaRPr lang="en-US" dirty="0">
+              <a:solidFill>
+                <a:srgbClr val="000000"/>
+              </a:solidFill>
+              <a:highlight>
+                <a:srgbClr val="FFFFFF"/>
+              </a:highlight>
+            </a:endParaRPr>
+          </a:p>
+        </p:txBody>
+      </p:sp>
+      <p:pic>
+        <p:nvPicPr>
+          <p:cNvPr id="5" name="Picture 4" descr="Screen Clipping"/>
+          <p:cNvPicPr>
+            <a:picLocks noChangeAspect="1"/>
+          </p:cNvPicPr>
+          <p:nvPr/>
+        </p:nvPicPr>
+        <p:blipFill>
+          <a:blip r:embed="rId2">
+            <a:extLst>
+              <a:ext uri="{28A0092B-C50C-407E-A947-70E740481C1C}">
+                <a14:useLocalDpi xmlns:a14="http://schemas.microsoft.com/office/drawing/2010/main" val="0"/>
+              </a:ext>
+            </a:extLst>
+          </a:blip>
+          <a:stretch>
+            <a:fillRect/>
+          </a:stretch>
+        </p:blipFill>
+        <p:spPr>
+          <a:xfrm>
+            <a:off x="3124200" y="2936851"/>
+            <a:ext cx="5520252" cy="3354888"/>
+          </a:xfrm>
+          <a:prstGeom prst="rect">
+            <a:avLst/>
+          </a:prstGeom>
+        </p:spPr>
+      </p:pic>
+      <p:sp>
+        <p:nvSpPr>
+          <p:cNvPr id="6" name="Date Placeholder 5"/>
+          <p:cNvSpPr>
+            <a:spLocks noGrp="1"/>
+          </p:cNvSpPr>
+          <p:nvPr>
+            <p:ph type="dt" sz="half" idx="10"/>
+          </p:nvPr>
+        </p:nvSpPr>
+        <p:spPr/>
+        <p:txBody>
+          <a:bodyPr/>
+          <a:lstStyle/>
+          <a:p>
+            <a:fld id="{5FBFAA49-D9B7-4B4E-80A0-C3C95B92E554}" type="datetime3">
+              <a:rPr lang="en-US" smtClean="0"/>
+              <a:t>3 January 2019</a:t>
+            </a:fld>
+            <a:endParaRPr lang="en-US"/>
+          </a:p>
+        </p:txBody>
+      </p:sp>
+      <p:sp>
+        <p:nvSpPr>
+          <p:cNvPr id="7" name="Footer Placeholder 6"/>
+          <p:cNvSpPr>
+            <a:spLocks noGrp="1"/>
+          </p:cNvSpPr>
+          <p:nvPr>
+            <p:ph type="ftr" sz="quarter" idx="11"/>
+          </p:nvPr>
+        </p:nvSpPr>
+        <p:spPr/>
+        <p:txBody>
+          <a:bodyPr/>
+          <a:lstStyle/>
+          <a:p>
+            <a:r>
+              <a:rPr lang="en-US" smtClean="0"/>
+              <a:t>sai Prasad Ashila</a:t>
+            </a:r>
+            <a:endParaRPr lang="en-US"/>
+          </a:p>
+        </p:txBody>
+      </p:sp>
+      <p:sp>
+        <p:nvSpPr>
+          <p:cNvPr id="8" name="Slide Number Placeholder 7"/>
+          <p:cNvSpPr>
+            <a:spLocks noGrp="1"/>
+          </p:cNvSpPr>
+          <p:nvPr>
+            <p:ph type="sldNum" sz="quarter" idx="12"/>
+          </p:nvPr>
+        </p:nvSpPr>
+        <p:spPr/>
+        <p:txBody>
+          <a:bodyPr/>
+          <a:lstStyle/>
+          <a:p>
+            <a:fld id="{2EE3F54D-A22C-49A4-910F-D37A9559DC15}" type="slidenum">
+              <a:rPr lang="en-US" smtClean="0"/>
+              <a:t>5</a:t>
+            </a:fld>
+            <a:endParaRPr lang="en-US"/>
+          </a:p>
+        </p:txBody>
+      </p:sp>
+    </p:spTree>
+    <p:extLst>
+      <p:ext uri="{BB962C8B-B14F-4D97-AF65-F5344CB8AC3E}">
+        <p14:creationId xmlns:p14="http://schemas.microsoft.com/office/powerpoint/2010/main" val="1557691267"/>
+      </p:ext>
+    </p:extLst>
+  </p:cSld>
+  <p:clrMapOvr>
+    <a:masterClrMapping/>
+  </p:clrMapOvr>
+  <p:timing>
+    <p:tnLst>
+      <p:par>
+        <p:cTn id="1" dur="indefinite" restart="never" nodeType="tmRoot"/>
+      </p:par>
+    </p:tnLst>
+  </p:timing>
+</p:sld>
+</file>
+
+<file path=ppt/slides/slide6.xml><?xml version="1.0" encoding="utf-8"?>
+<p:sld xmlns:a="http://schemas.openxmlformats.org/drawingml/2006/main" xmlns:r="http://schemas.openxmlformats.org/officeDocument/2006/relationships" xmlns:p="http://schemas.openxmlformats.org/presentationml/2006/main">
+  <p:cSld>
+    <p:spTree>
+      <p:nvGrpSpPr>
+        <p:cNvPr id="1" name=""/>
+        <p:cNvGrpSpPr/>
+        <p:nvPr/>
+      </p:nvGrpSpPr>
+      <p:grpSpPr>
+        <a:xfrm>
+          <a:off x="0" y="0"/>
+          <a:ext cx="0" cy="0"/>
+          <a:chOff x="0" y="0"/>
+          <a:chExt cx="0" cy="0"/>
+        </a:xfrm>
+      </p:grpSpPr>
+      <p:sp>
+        <p:nvSpPr>
+          <p:cNvPr id="2" name="Title 1"/>
+          <p:cNvSpPr>
+            <a:spLocks noGrp="1"/>
+          </p:cNvSpPr>
+          <p:nvPr>
+            <p:ph type="title"/>
+          </p:nvPr>
+        </p:nvSpPr>
+        <p:spPr/>
+        <p:txBody>
+          <a:bodyPr/>
+          <a:lstStyle/>
+          <a:p>
+            <a:r>
+              <a:rPr lang="en-US" dirty="0">
+                <a:solidFill>
+                  <a:schemeClr val="accent1">
+                    <a:lumMod val="75000"/>
+                  </a:schemeClr>
+                </a:solidFill>
+              </a:rPr>
+              <a:t>Linear Regression</a:t>
+            </a:r>
+            <a:endParaRPr lang="en-US" dirty="0"/>
+          </a:p>
+        </p:txBody>
+      </p:sp>
+      <p:sp>
+        <p:nvSpPr>
+          <p:cNvPr id="4" name="Date Placeholder 3"/>
+          <p:cNvSpPr>
+            <a:spLocks noGrp="1"/>
+          </p:cNvSpPr>
+          <p:nvPr>
+            <p:ph type="dt" sz="half" idx="10"/>
+          </p:nvPr>
+        </p:nvSpPr>
+        <p:spPr/>
+        <p:txBody>
+          <a:bodyPr/>
+          <a:lstStyle/>
+          <a:p>
+            <a:fld id="{DBB841AE-9C10-4D54-9B76-4773DF3EF110}" type="datetime3">
+              <a:rPr lang="en-US" smtClean="0"/>
+              <a:t>3 January 2019</a:t>
+            </a:fld>
+            <a:endParaRPr lang="en-US"/>
+          </a:p>
+        </p:txBody>
+      </p:sp>
+      <p:sp>
+        <p:nvSpPr>
+          <p:cNvPr id="5" name="Footer Placeholder 4"/>
+          <p:cNvSpPr>
+            <a:spLocks noGrp="1"/>
+          </p:cNvSpPr>
+          <p:nvPr>
+            <p:ph type="ftr" sz="quarter" idx="11"/>
+          </p:nvPr>
+        </p:nvSpPr>
+        <p:spPr/>
+        <p:txBody>
+          <a:bodyPr/>
+          <a:lstStyle/>
+          <a:p>
+            <a:r>
+              <a:rPr lang="en-US" smtClean="0"/>
+              <a:t>sai Prasad Ashila</a:t>
+            </a:r>
+            <a:endParaRPr lang="en-US"/>
+          </a:p>
+        </p:txBody>
+      </p:sp>
+      <p:sp>
+        <p:nvSpPr>
+          <p:cNvPr id="6" name="Slide Number Placeholder 5"/>
+          <p:cNvSpPr>
+            <a:spLocks noGrp="1"/>
+          </p:cNvSpPr>
+          <p:nvPr>
+            <p:ph type="sldNum" sz="quarter" idx="12"/>
+          </p:nvPr>
+        </p:nvSpPr>
+        <p:spPr/>
+        <p:txBody>
+          <a:bodyPr/>
+          <a:lstStyle/>
+          <a:p>
+            <a:fld id="{2EE3F54D-A22C-49A4-910F-D37A9559DC15}" type="slidenum">
+              <a:rPr lang="en-US" smtClean="0"/>
+              <a:t>6</a:t>
+            </a:fld>
+            <a:endParaRPr lang="en-US"/>
+          </a:p>
+        </p:txBody>
+      </p:sp>
+      <p:pic>
+        <p:nvPicPr>
+          <p:cNvPr id="7" name="Picture 6" descr="Screen Clipping"/>
+          <p:cNvPicPr>
+            <a:picLocks noChangeAspect="1"/>
+          </p:cNvPicPr>
+          <p:nvPr/>
+        </p:nvPicPr>
+        <p:blipFill>
+          <a:blip r:embed="rId2">
+            <a:extLst>
+              <a:ext uri="{28A0092B-C50C-407E-A947-70E740481C1C}">
+                <a14:useLocalDpi xmlns:a14="http://schemas.microsoft.com/office/drawing/2010/main" val="0"/>
+              </a:ext>
+            </a:extLst>
+          </a:blip>
+          <a:stretch>
+            <a:fillRect/>
+          </a:stretch>
+        </p:blipFill>
+        <p:spPr>
+          <a:xfrm>
+            <a:off x="345561" y="1600200"/>
+            <a:ext cx="8701724" cy="4631779"/>
+          </a:xfrm>
+          <a:prstGeom prst="rect">
+            <a:avLst/>
+          </a:prstGeom>
+        </p:spPr>
+      </p:pic>
+      <p:sp>
+        <p:nvSpPr>
+          <p:cNvPr id="8" name="TextBox 7"/>
+          <p:cNvSpPr txBox="1"/>
+          <p:nvPr/>
+        </p:nvSpPr>
+        <p:spPr>
+          <a:xfrm>
+            <a:off x="345561" y="1114971"/>
+            <a:ext cx="4912239" cy="369332"/>
+          </a:xfrm>
+          <a:prstGeom prst="rect">
+            <a:avLst/>
+          </a:prstGeom>
+          <a:noFill/>
+        </p:spPr>
+        <p:txBody>
+          <a:bodyPr wrap="square" rtlCol="0">
+            <a:spAutoFit/>
+          </a:bodyPr>
+          <a:lstStyle/>
+          <a:p>
+            <a:pPr marL="285750" indent="-285750">
+              <a:buFont typeface="Wingdings" panose="05000000000000000000" pitchFamily="2" charset="2"/>
+              <a:buChar char="§"/>
+            </a:pPr>
+            <a:r>
+              <a:rPr lang="en-US" u="sng" dirty="0" smtClean="0"/>
+              <a:t>Splitting the data into training and test Sets</a:t>
+            </a:r>
+            <a:endParaRPr lang="en-US" u="sng" dirty="0"/>
+          </a:p>
+        </p:txBody>
+      </p:sp>
+    </p:spTree>
+    <p:extLst>
+      <p:ext uri="{BB962C8B-B14F-4D97-AF65-F5344CB8AC3E}">
+        <p14:creationId xmlns:p14="http://schemas.microsoft.com/office/powerpoint/2010/main" val="2105945412"/>
+      </p:ext>
+    </p:extLst>
+  </p:cSld>
+  <p:clrMapOvr>
+    <a:masterClrMapping/>
+  </p:clrMapOvr>
+  <p:timing>
+    <p:tnLst>
+      <p:par>
+        <p:cTn id="1" dur="indefinite" restart="never" nodeType="tmRoot"/>
+      </p:par>
+    </p:tnLst>
+  </p:timing>
+</p:sld>
+</file>
+
+<file path=ppt/slides/slide7.xml><?xml version="1.0" encoding="utf-8"?>
+<p:sld xmlns:a="http://schemas.openxmlformats.org/drawingml/2006/main" xmlns:r="http://schemas.openxmlformats.org/officeDocument/2006/relationships" xmlns:p="http://schemas.openxmlformats.org/presentationml/2006/main">
+  <p:cSld>
+    <p:spTree>
+      <p:nvGrpSpPr>
+        <p:cNvPr id="1" name=""/>
+        <p:cNvGrpSpPr/>
+        <p:nvPr/>
+      </p:nvGrpSpPr>
+      <p:grpSpPr>
+        <a:xfrm>
+          <a:off x="0" y="0"/>
+          <a:ext cx="0" cy="0"/>
+          <a:chOff x="0" y="0"/>
+          <a:chExt cx="0" cy="0"/>
+        </a:xfrm>
+      </p:grpSpPr>
+      <p:sp>
+        <p:nvSpPr>
+          <p:cNvPr id="2" name="Title 1"/>
+          <p:cNvSpPr>
+            <a:spLocks noGrp="1"/>
+          </p:cNvSpPr>
+          <p:nvPr>
+            <p:ph type="title"/>
+          </p:nvPr>
+        </p:nvSpPr>
+        <p:spPr/>
+        <p:txBody>
+          <a:bodyPr/>
+          <a:lstStyle/>
+          <a:p>
+            <a:r>
+              <a:rPr lang="en-US" dirty="0">
+                <a:solidFill>
+                  <a:schemeClr val="accent1">
+                    <a:lumMod val="75000"/>
+                  </a:schemeClr>
+                </a:solidFill>
+              </a:rPr>
+              <a:t>Linear Regression</a:t>
+            </a:r>
+            <a:endParaRPr lang="en-US" dirty="0"/>
+          </a:p>
+        </p:txBody>
+      </p:sp>
+      <p:sp>
+        <p:nvSpPr>
+          <p:cNvPr id="4" name="Date Placeholder 3"/>
+          <p:cNvSpPr>
+            <a:spLocks noGrp="1"/>
+          </p:cNvSpPr>
+          <p:nvPr>
+            <p:ph type="dt" sz="half" idx="10"/>
+          </p:nvPr>
+        </p:nvSpPr>
+        <p:spPr/>
+        <p:txBody>
+          <a:bodyPr/>
+          <a:lstStyle/>
+          <a:p>
+            <a:fld id="{DBB841AE-9C10-4D54-9B76-4773DF3EF110}" type="datetime3">
+              <a:rPr lang="en-US" smtClean="0"/>
+              <a:t>3 January 2019</a:t>
+            </a:fld>
+            <a:endParaRPr lang="en-US"/>
+          </a:p>
+        </p:txBody>
+      </p:sp>
+      <p:sp>
+        <p:nvSpPr>
+          <p:cNvPr id="5" name="Footer Placeholder 4"/>
+          <p:cNvSpPr>
+            <a:spLocks noGrp="1"/>
+          </p:cNvSpPr>
+          <p:nvPr>
+            <p:ph type="ftr" sz="quarter" idx="11"/>
+          </p:nvPr>
+        </p:nvSpPr>
+        <p:spPr/>
+        <p:txBody>
+          <a:bodyPr/>
+          <a:lstStyle/>
+          <a:p>
+            <a:r>
+              <a:rPr lang="en-US" smtClean="0"/>
+              <a:t>sai Prasad Ashila</a:t>
+            </a:r>
+            <a:endParaRPr lang="en-US"/>
+          </a:p>
+        </p:txBody>
+      </p:sp>
+      <p:sp>
+        <p:nvSpPr>
+          <p:cNvPr id="6" name="Slide Number Placeholder 5"/>
+          <p:cNvSpPr>
+            <a:spLocks noGrp="1"/>
+          </p:cNvSpPr>
+          <p:nvPr>
+            <p:ph type="sldNum" sz="quarter" idx="12"/>
+          </p:nvPr>
+        </p:nvSpPr>
+        <p:spPr/>
+        <p:txBody>
+          <a:bodyPr/>
+          <a:lstStyle/>
+          <a:p>
+            <a:fld id="{2EE3F54D-A22C-49A4-910F-D37A9559DC15}" type="slidenum">
+              <a:rPr lang="en-US" smtClean="0"/>
+              <a:t>7</a:t>
+            </a:fld>
+            <a:endParaRPr lang="en-US"/>
+          </a:p>
+        </p:txBody>
+      </p:sp>
+      <p:sp>
+        <p:nvSpPr>
+          <p:cNvPr id="7" name="Rectangle 6"/>
+          <p:cNvSpPr/>
+          <p:nvPr/>
+        </p:nvSpPr>
+        <p:spPr>
+          <a:xfrm>
+            <a:off x="304800" y="1068582"/>
+            <a:ext cx="5105400" cy="1200329"/>
+          </a:xfrm>
+          <a:prstGeom prst="rect">
+            <a:avLst/>
+          </a:prstGeom>
+        </p:spPr>
+        <p:txBody>
+          <a:bodyPr wrap="square">
+            <a:spAutoFit/>
+          </a:bodyPr>
+          <a:lstStyle/>
+          <a:p>
+            <a:r>
+              <a:rPr lang="en-US" dirty="0" smtClean="0">
+                <a:solidFill>
+                  <a:srgbClr val="008000"/>
+                </a:solidFill>
+                <a:highlight>
+                  <a:srgbClr val="FFFFFF"/>
+                </a:highlight>
+              </a:rPr>
+              <a:t>#</a:t>
+            </a:r>
+            <a:r>
+              <a:rPr lang="en-US" dirty="0">
+                <a:solidFill>
+                  <a:srgbClr val="008000"/>
+                </a:solidFill>
+                <a:highlight>
+                  <a:srgbClr val="FFFFFF"/>
+                </a:highlight>
+              </a:rPr>
+              <a:t>Fitting Simple Linear Regression to the Training set</a:t>
+            </a:r>
+            <a:endParaRPr lang="en-US" dirty="0">
+              <a:solidFill>
+                <a:srgbClr val="000000"/>
+              </a:solidFill>
+              <a:highlight>
+                <a:srgbClr val="FFFFFF"/>
+              </a:highlight>
+            </a:endParaRPr>
+          </a:p>
+          <a:p>
+            <a:r>
+              <a:rPr lang="en-US" b="1" dirty="0">
+                <a:solidFill>
+                  <a:srgbClr val="0000FF"/>
+                </a:solidFill>
+                <a:highlight>
+                  <a:srgbClr val="FFFFFF"/>
+                </a:highlight>
+              </a:rPr>
+              <a:t>from</a:t>
+            </a:r>
+            <a:r>
+              <a:rPr lang="en-US" dirty="0">
+                <a:solidFill>
+                  <a:srgbClr val="000000"/>
+                </a:solidFill>
+                <a:highlight>
+                  <a:srgbClr val="FFFFFF"/>
+                </a:highlight>
+              </a:rPr>
+              <a:t> </a:t>
+            </a:r>
+            <a:r>
+              <a:rPr lang="en-US" dirty="0" err="1">
+                <a:solidFill>
+                  <a:srgbClr val="000000"/>
+                </a:solidFill>
+                <a:highlight>
+                  <a:srgbClr val="FFFFFF"/>
+                </a:highlight>
+              </a:rPr>
+              <a:t>sklearn</a:t>
+            </a:r>
+            <a:r>
+              <a:rPr lang="en-US" b="1" dirty="0" err="1">
+                <a:solidFill>
+                  <a:srgbClr val="000080"/>
+                </a:solidFill>
+                <a:highlight>
+                  <a:srgbClr val="FFFFFF"/>
+                </a:highlight>
+              </a:rPr>
+              <a:t>.</a:t>
+            </a:r>
+            <a:r>
+              <a:rPr lang="en-US" dirty="0" err="1">
+                <a:solidFill>
+                  <a:srgbClr val="000000"/>
+                </a:solidFill>
+                <a:highlight>
+                  <a:srgbClr val="FFFFFF"/>
+                </a:highlight>
+              </a:rPr>
+              <a:t>linear_model</a:t>
+            </a:r>
+            <a:r>
+              <a:rPr lang="en-US" dirty="0">
+                <a:solidFill>
+                  <a:srgbClr val="000000"/>
+                </a:solidFill>
+                <a:highlight>
+                  <a:srgbClr val="FFFFFF"/>
+                </a:highlight>
+              </a:rPr>
+              <a:t> </a:t>
+            </a:r>
+            <a:r>
+              <a:rPr lang="en-US" b="1" dirty="0">
+                <a:solidFill>
+                  <a:srgbClr val="0000FF"/>
+                </a:solidFill>
+                <a:highlight>
+                  <a:srgbClr val="FFFFFF"/>
+                </a:highlight>
+              </a:rPr>
+              <a:t>import</a:t>
+            </a:r>
+            <a:r>
+              <a:rPr lang="en-US" dirty="0">
+                <a:solidFill>
+                  <a:srgbClr val="000000"/>
+                </a:solidFill>
+                <a:highlight>
+                  <a:srgbClr val="FFFFFF"/>
+                </a:highlight>
+              </a:rPr>
+              <a:t> </a:t>
+            </a:r>
+            <a:r>
+              <a:rPr lang="en-US" dirty="0" err="1">
+                <a:solidFill>
+                  <a:srgbClr val="000000"/>
+                </a:solidFill>
+                <a:highlight>
+                  <a:srgbClr val="FFFFFF"/>
+                </a:highlight>
+              </a:rPr>
+              <a:t>LinearRegression</a:t>
+            </a:r>
+            <a:endParaRPr lang="en-US" dirty="0">
+              <a:solidFill>
+                <a:srgbClr val="000000"/>
+              </a:solidFill>
+              <a:highlight>
+                <a:srgbClr val="FFFFFF"/>
+              </a:highlight>
+            </a:endParaRPr>
+          </a:p>
+          <a:p>
+            <a:r>
+              <a:rPr lang="en-US" dirty="0" err="1">
+                <a:solidFill>
+                  <a:srgbClr val="000000"/>
+                </a:solidFill>
+                <a:highlight>
+                  <a:srgbClr val="FFFFFF"/>
+                </a:highlight>
+              </a:rPr>
+              <a:t>regressor</a:t>
+            </a:r>
+            <a:r>
+              <a:rPr lang="en-US" dirty="0">
+                <a:solidFill>
+                  <a:srgbClr val="000000"/>
+                </a:solidFill>
+                <a:highlight>
+                  <a:srgbClr val="FFFFFF"/>
+                </a:highlight>
+              </a:rPr>
+              <a:t> </a:t>
+            </a:r>
+            <a:r>
+              <a:rPr lang="en-US" b="1" dirty="0">
+                <a:solidFill>
+                  <a:srgbClr val="000080"/>
+                </a:solidFill>
+                <a:highlight>
+                  <a:srgbClr val="FFFFFF"/>
+                </a:highlight>
+              </a:rPr>
+              <a:t>=</a:t>
+            </a:r>
+            <a:r>
+              <a:rPr lang="en-US" dirty="0">
+                <a:solidFill>
+                  <a:srgbClr val="000000"/>
+                </a:solidFill>
+                <a:highlight>
+                  <a:srgbClr val="FFFFFF"/>
+                </a:highlight>
+              </a:rPr>
+              <a:t> </a:t>
+            </a:r>
+            <a:r>
+              <a:rPr lang="en-US" dirty="0" err="1">
+                <a:solidFill>
+                  <a:srgbClr val="000000"/>
+                </a:solidFill>
+                <a:highlight>
+                  <a:srgbClr val="FFFFFF"/>
+                </a:highlight>
+              </a:rPr>
+              <a:t>LinearRegression</a:t>
+            </a:r>
+            <a:r>
+              <a:rPr lang="en-US" b="1" dirty="0">
+                <a:solidFill>
+                  <a:srgbClr val="000080"/>
+                </a:solidFill>
+                <a:highlight>
+                  <a:srgbClr val="FFFFFF"/>
+                </a:highlight>
+              </a:rPr>
+              <a:t>()</a:t>
+            </a:r>
+            <a:endParaRPr lang="en-US" dirty="0">
+              <a:solidFill>
+                <a:srgbClr val="000000"/>
+              </a:solidFill>
+              <a:highlight>
+                <a:srgbClr val="FFFFFF"/>
+              </a:highlight>
+            </a:endParaRPr>
+          </a:p>
+          <a:p>
+            <a:r>
+              <a:rPr lang="en-US" dirty="0" err="1">
+                <a:solidFill>
+                  <a:srgbClr val="000000"/>
+                </a:solidFill>
+                <a:highlight>
+                  <a:srgbClr val="FFFFFF"/>
+                </a:highlight>
+              </a:rPr>
+              <a:t>regressor</a:t>
+            </a:r>
+            <a:r>
+              <a:rPr lang="en-US" b="1" dirty="0" err="1">
+                <a:solidFill>
+                  <a:srgbClr val="000080"/>
+                </a:solidFill>
+                <a:highlight>
+                  <a:srgbClr val="FFFFFF"/>
+                </a:highlight>
+              </a:rPr>
+              <a:t>.</a:t>
+            </a:r>
+            <a:r>
+              <a:rPr lang="en-US" dirty="0" err="1">
+                <a:solidFill>
+                  <a:srgbClr val="000000"/>
+                </a:solidFill>
+                <a:highlight>
+                  <a:srgbClr val="FFFFFF"/>
+                </a:highlight>
+              </a:rPr>
+              <a:t>fit</a:t>
+            </a:r>
+            <a:r>
+              <a:rPr lang="en-US" b="1" dirty="0">
+                <a:solidFill>
+                  <a:srgbClr val="000080"/>
+                </a:solidFill>
+                <a:highlight>
+                  <a:srgbClr val="FFFFFF"/>
+                </a:highlight>
+              </a:rPr>
+              <a:t>(</a:t>
+            </a:r>
+            <a:r>
+              <a:rPr lang="en-US" dirty="0" err="1">
+                <a:solidFill>
+                  <a:srgbClr val="000000"/>
+                </a:solidFill>
+                <a:highlight>
+                  <a:srgbClr val="FFFFFF"/>
+                </a:highlight>
+              </a:rPr>
+              <a:t>X_train</a:t>
+            </a:r>
+            <a:r>
+              <a:rPr lang="en-US" b="1" dirty="0" err="1">
+                <a:solidFill>
+                  <a:srgbClr val="000080"/>
+                </a:solidFill>
+                <a:highlight>
+                  <a:srgbClr val="FFFFFF"/>
+                </a:highlight>
+              </a:rPr>
+              <a:t>,</a:t>
+            </a:r>
+            <a:r>
+              <a:rPr lang="en-US" dirty="0" err="1">
+                <a:solidFill>
+                  <a:srgbClr val="000000"/>
+                </a:solidFill>
+                <a:highlight>
+                  <a:srgbClr val="FFFFFF"/>
+                </a:highlight>
+              </a:rPr>
+              <a:t>Y_train</a:t>
+            </a:r>
+            <a:r>
+              <a:rPr lang="en-US" b="1" dirty="0">
+                <a:solidFill>
+                  <a:srgbClr val="000080"/>
+                </a:solidFill>
+                <a:highlight>
+                  <a:srgbClr val="FFFFFF"/>
+                </a:highlight>
+              </a:rPr>
+              <a:t>)</a:t>
+            </a:r>
+            <a:endParaRPr lang="en-US" dirty="0"/>
+          </a:p>
+        </p:txBody>
+      </p:sp>
+      <p:pic>
+        <p:nvPicPr>
+          <p:cNvPr id="8" name="Picture 7" descr="Screen Clipping"/>
+          <p:cNvPicPr>
+            <a:picLocks noChangeAspect="1"/>
+          </p:cNvPicPr>
+          <p:nvPr/>
+        </p:nvPicPr>
+        <p:blipFill>
+          <a:blip r:embed="rId2">
+            <a:extLst>
+              <a:ext uri="{28A0092B-C50C-407E-A947-70E740481C1C}">
+                <a14:useLocalDpi xmlns:a14="http://schemas.microsoft.com/office/drawing/2010/main" val="0"/>
+              </a:ext>
+            </a:extLst>
+          </a:blip>
+          <a:stretch>
+            <a:fillRect/>
+          </a:stretch>
+        </p:blipFill>
+        <p:spPr>
+          <a:xfrm>
+            <a:off x="2362200" y="2268911"/>
+            <a:ext cx="6582811" cy="3979489"/>
+          </a:xfrm>
+          <a:prstGeom prst="rect">
+            <a:avLst/>
+          </a:prstGeom>
+          <a:ln w="38100" cap="sq">
+            <a:solidFill>
+              <a:srgbClr val="000000"/>
+            </a:solidFill>
+            <a:prstDash val="solid"/>
+            <a:miter lim="800000"/>
+          </a:ln>
+          <a:effectLst>
+            <a:outerShdw blurRad="50800" dist="38100" dir="2700000" algn="tl" rotWithShape="0">
+              <a:srgbClr val="000000">
+                <a:alpha val="43000"/>
+              </a:srgbClr>
+            </a:outerShdw>
+          </a:effectLst>
+        </p:spPr>
+      </p:pic>
+    </p:spTree>
+    <p:extLst>
+      <p:ext uri="{BB962C8B-B14F-4D97-AF65-F5344CB8AC3E}">
+        <p14:creationId xmlns:p14="http://schemas.microsoft.com/office/powerpoint/2010/main" val="363341071"/>
+      </p:ext>
+    </p:extLst>
+  </p:cSld>
+  <p:clrMapOvr>
+    <a:masterClrMapping/>
+  </p:clrMapOvr>
+  <p:timing>
+    <p:tnLst>
+      <p:par>
+        <p:cTn id="1" dur="indefinite" restart="never" nodeType="tmRoot"/>
+      </p:par>
+    </p:tnLst>
+  </p:timing>
+</p:sld>
+</file>
+
+<file path=ppt/slides/slide8.xml><?xml version="1.0" encoding="utf-8"?>
+<p:sld xmlns:a="http://schemas.openxmlformats.org/drawingml/2006/main" xmlns:r="http://schemas.openxmlformats.org/officeDocument/2006/relationships" xmlns:p="http://schemas.openxmlformats.org/presentationml/2006/main">
+  <p:cSld>
+    <p:spTree>
+      <p:nvGrpSpPr>
+        <p:cNvPr id="1" name=""/>
+        <p:cNvGrpSpPr/>
+        <p:nvPr/>
+      </p:nvGrpSpPr>
+      <p:grpSpPr>
+        <a:xfrm>
+          <a:off x="0" y="0"/>
+          <a:ext cx="0" cy="0"/>
+          <a:chOff x="0" y="0"/>
+          <a:chExt cx="0" cy="0"/>
+        </a:xfrm>
+      </p:grpSpPr>
+      <p:sp>
+        <p:nvSpPr>
+          <p:cNvPr id="2" name="Title 1"/>
+          <p:cNvSpPr>
+            <a:spLocks noGrp="1"/>
+          </p:cNvSpPr>
+          <p:nvPr>
+            <p:ph type="title"/>
+          </p:nvPr>
+        </p:nvSpPr>
+        <p:spPr/>
+        <p:txBody>
+          <a:bodyPr/>
+          <a:lstStyle/>
+          <a:p>
+            <a:r>
+              <a:rPr lang="en-US" dirty="0">
+                <a:solidFill>
+                  <a:schemeClr val="accent1">
+                    <a:lumMod val="75000"/>
+                  </a:schemeClr>
+                </a:solidFill>
+              </a:rPr>
+              <a:t>Linear Regression</a:t>
+            </a:r>
+            <a:endParaRPr lang="en-US" dirty="0"/>
+          </a:p>
+        </p:txBody>
+      </p:sp>
+      <p:sp>
+        <p:nvSpPr>
+          <p:cNvPr id="4" name="Date Placeholder 3"/>
+          <p:cNvSpPr>
+            <a:spLocks noGrp="1"/>
+          </p:cNvSpPr>
+          <p:nvPr>
+            <p:ph type="dt" sz="half" idx="10"/>
+          </p:nvPr>
+        </p:nvSpPr>
+        <p:spPr/>
+        <p:txBody>
+          <a:bodyPr/>
+          <a:lstStyle/>
+          <a:p>
+            <a:fld id="{DBB841AE-9C10-4D54-9B76-4773DF3EF110}" type="datetime3">
+              <a:rPr lang="en-US" smtClean="0"/>
+              <a:t>3 January 2019</a:t>
+            </a:fld>
+            <a:endParaRPr lang="en-US"/>
+          </a:p>
+        </p:txBody>
+      </p:sp>
+      <p:sp>
+        <p:nvSpPr>
+          <p:cNvPr id="5" name="Footer Placeholder 4"/>
+          <p:cNvSpPr>
+            <a:spLocks noGrp="1"/>
+          </p:cNvSpPr>
+          <p:nvPr>
+            <p:ph type="ftr" sz="quarter" idx="11"/>
+          </p:nvPr>
+        </p:nvSpPr>
+        <p:spPr/>
+        <p:txBody>
+          <a:bodyPr/>
+          <a:lstStyle/>
+          <a:p>
+            <a:r>
+              <a:rPr lang="en-US" smtClean="0"/>
+              <a:t>sai Prasad Ashila</a:t>
+            </a:r>
+            <a:endParaRPr lang="en-US"/>
+          </a:p>
+        </p:txBody>
+      </p:sp>
+      <p:sp>
+        <p:nvSpPr>
+          <p:cNvPr id="6" name="Slide Number Placeholder 5"/>
+          <p:cNvSpPr>
+            <a:spLocks noGrp="1"/>
+          </p:cNvSpPr>
+          <p:nvPr>
+            <p:ph type="sldNum" sz="quarter" idx="12"/>
+          </p:nvPr>
+        </p:nvSpPr>
+        <p:spPr/>
+        <p:txBody>
+          <a:bodyPr/>
+          <a:lstStyle/>
+          <a:p>
+            <a:fld id="{2EE3F54D-A22C-49A4-910F-D37A9559DC15}" type="slidenum">
+              <a:rPr lang="en-US" smtClean="0"/>
+              <a:t>8</a:t>
+            </a:fld>
+            <a:endParaRPr lang="en-US"/>
+          </a:p>
+        </p:txBody>
+      </p:sp>
+      <p:sp>
+        <p:nvSpPr>
+          <p:cNvPr id="3" name="Rectangle 2"/>
+          <p:cNvSpPr/>
+          <p:nvPr/>
+        </p:nvSpPr>
+        <p:spPr>
+          <a:xfrm>
+            <a:off x="152400" y="1219200"/>
+            <a:ext cx="4572000" cy="646331"/>
+          </a:xfrm>
+          <a:prstGeom prst="rect">
+            <a:avLst/>
+          </a:prstGeom>
+        </p:spPr>
+        <p:txBody>
+          <a:bodyPr>
+            <a:spAutoFit/>
+          </a:bodyPr>
+          <a:lstStyle/>
+          <a:p>
+            <a:r>
+              <a:rPr lang="en-US" dirty="0">
+                <a:solidFill>
+                  <a:srgbClr val="008000"/>
+                </a:solidFill>
+                <a:highlight>
+                  <a:srgbClr val="FFFFFF"/>
+                </a:highlight>
+              </a:rPr>
+              <a:t># </a:t>
+            </a:r>
+            <a:r>
+              <a:rPr lang="en-US" dirty="0" err="1">
+                <a:solidFill>
+                  <a:srgbClr val="008000"/>
+                </a:solidFill>
+                <a:highlight>
+                  <a:srgbClr val="FFFFFF"/>
+                </a:highlight>
+              </a:rPr>
+              <a:t>Predecting</a:t>
+            </a:r>
+            <a:r>
+              <a:rPr lang="en-US" dirty="0">
+                <a:solidFill>
+                  <a:srgbClr val="008000"/>
+                </a:solidFill>
+                <a:highlight>
+                  <a:srgbClr val="FFFFFF"/>
+                </a:highlight>
+              </a:rPr>
+              <a:t> the Test set Results</a:t>
+            </a:r>
+            <a:endParaRPr lang="en-US" dirty="0">
+              <a:solidFill>
+                <a:srgbClr val="000000"/>
+              </a:solidFill>
+              <a:highlight>
+                <a:srgbClr val="FFFFFF"/>
+              </a:highlight>
+            </a:endParaRPr>
+          </a:p>
+          <a:p>
+            <a:r>
+              <a:rPr lang="en-US" dirty="0" err="1">
+                <a:solidFill>
+                  <a:srgbClr val="000000"/>
+                </a:solidFill>
+                <a:highlight>
+                  <a:srgbClr val="FFFFFF"/>
+                </a:highlight>
+              </a:rPr>
+              <a:t>y_pred</a:t>
+            </a:r>
+            <a:r>
+              <a:rPr lang="en-US" dirty="0">
+                <a:solidFill>
+                  <a:srgbClr val="000000"/>
+                </a:solidFill>
+                <a:highlight>
+                  <a:srgbClr val="FFFFFF"/>
+                </a:highlight>
+              </a:rPr>
+              <a:t> </a:t>
+            </a:r>
+            <a:r>
+              <a:rPr lang="en-US" b="1" dirty="0">
+                <a:solidFill>
+                  <a:srgbClr val="000080"/>
+                </a:solidFill>
+                <a:highlight>
+                  <a:srgbClr val="FFFFFF"/>
+                </a:highlight>
+              </a:rPr>
+              <a:t>=</a:t>
+            </a:r>
+            <a:r>
+              <a:rPr lang="en-US" dirty="0" err="1">
+                <a:solidFill>
+                  <a:srgbClr val="000000"/>
+                </a:solidFill>
+                <a:highlight>
+                  <a:srgbClr val="FFFFFF"/>
+                </a:highlight>
+              </a:rPr>
+              <a:t>regressor</a:t>
+            </a:r>
+            <a:r>
+              <a:rPr lang="en-US" b="1" dirty="0" err="1">
+                <a:solidFill>
+                  <a:srgbClr val="000080"/>
+                </a:solidFill>
+                <a:highlight>
+                  <a:srgbClr val="FFFFFF"/>
+                </a:highlight>
+              </a:rPr>
+              <a:t>.</a:t>
+            </a:r>
+            <a:r>
+              <a:rPr lang="en-US" dirty="0" err="1">
+                <a:solidFill>
+                  <a:srgbClr val="000000"/>
+                </a:solidFill>
+                <a:highlight>
+                  <a:srgbClr val="FFFFFF"/>
+                </a:highlight>
+              </a:rPr>
+              <a:t>predict</a:t>
+            </a:r>
+            <a:r>
+              <a:rPr lang="en-US" b="1" dirty="0">
+                <a:solidFill>
+                  <a:srgbClr val="000080"/>
+                </a:solidFill>
+                <a:highlight>
+                  <a:srgbClr val="FFFFFF"/>
+                </a:highlight>
+              </a:rPr>
+              <a:t>(</a:t>
+            </a:r>
+            <a:r>
+              <a:rPr lang="en-US" dirty="0" err="1">
+                <a:solidFill>
+                  <a:srgbClr val="000000"/>
+                </a:solidFill>
+                <a:highlight>
+                  <a:srgbClr val="FFFFFF"/>
+                </a:highlight>
+              </a:rPr>
+              <a:t>X_test</a:t>
+            </a:r>
+            <a:r>
+              <a:rPr lang="en-US" b="1" dirty="0">
+                <a:solidFill>
+                  <a:srgbClr val="000080"/>
+                </a:solidFill>
+                <a:highlight>
+                  <a:srgbClr val="FFFFFF"/>
+                </a:highlight>
+              </a:rPr>
+              <a:t>)</a:t>
+            </a:r>
+            <a:endParaRPr lang="en-US" dirty="0"/>
+          </a:p>
+        </p:txBody>
+      </p:sp>
+    </p:spTree>
+    <p:extLst>
+      <p:ext uri="{BB962C8B-B14F-4D97-AF65-F5344CB8AC3E}">
+        <p14:creationId xmlns:p14="http://schemas.microsoft.com/office/powerpoint/2010/main" val="441122689"/>
+      </p:ext>
+    </p:extLst>
+  </p:cSld>
+  <p:clrMapOvr>
+    <a:masterClrMapping/>
+  </p:clrMapOvr>
+  <p:timing>
+    <p:tnLst>
+      <p:par>
+        <p:cTn id="1" dur="indefinite" restart="never" nodeType="tmRoot"/>
+      </p:par>
+    </p:tnLst>
+  </p:timing>
+</p:sld>
+</file>
+
+<file path=ppt/slides/slide9.xml><?xml version="1.0" encoding="utf-8"?>
+<p:sld xmlns:a="http://schemas.openxmlformats.org/drawingml/2006/main" xmlns:r="http://schemas.openxmlformats.org/officeDocument/2006/relationships" xmlns:p="http://schemas.openxmlformats.org/presentationml/2006/main">
+  <p:cSld>
+    <p:spTree>
+      <p:nvGrpSpPr>
+        <p:cNvPr id="1" name=""/>
+        <p:cNvGrpSpPr/>
+        <p:nvPr/>
+      </p:nvGrpSpPr>
+      <p:grpSpPr>
+        <a:xfrm>
+          <a:off x="0" y="0"/>
+          <a:ext cx="0" cy="0"/>
+          <a:chOff x="0" y="0"/>
+          <a:chExt cx="0" cy="0"/>
+        </a:xfrm>
+      </p:grpSpPr>
+      <p:sp>
+        <p:nvSpPr>
+          <p:cNvPr id="2" name="Title 1"/>
+          <p:cNvSpPr>
+            <a:spLocks noGrp="1"/>
+          </p:cNvSpPr>
+          <p:nvPr>
+            <p:ph type="title"/>
+          </p:nvPr>
+        </p:nvSpPr>
+        <p:spPr/>
+        <p:txBody>
+          <a:bodyPr/>
+          <a:lstStyle/>
+          <a:p>
+            <a:r>
+              <a:rPr lang="en-US" dirty="0">
+                <a:solidFill>
+                  <a:schemeClr val="accent1">
+                    <a:lumMod val="75000"/>
+                  </a:schemeClr>
+                </a:solidFill>
+              </a:rPr>
+              <a:t>Linear Regression</a:t>
+            </a:r>
+            <a:endParaRPr lang="en-US" dirty="0"/>
+          </a:p>
+        </p:txBody>
+      </p:sp>
+      <p:sp>
+        <p:nvSpPr>
+          <p:cNvPr id="4" name="Date Placeholder 3"/>
+          <p:cNvSpPr>
+            <a:spLocks noGrp="1"/>
+          </p:cNvSpPr>
+          <p:nvPr>
+            <p:ph type="dt" sz="half" idx="10"/>
+          </p:nvPr>
+        </p:nvSpPr>
+        <p:spPr/>
+        <p:txBody>
+          <a:bodyPr/>
+          <a:lstStyle/>
+          <a:p>
+            <a:fld id="{DBB841AE-9C10-4D54-9B76-4773DF3EF110}" type="datetime3">
+              <a:rPr lang="en-US" smtClean="0"/>
+              <a:t>3 January 2019</a:t>
+            </a:fld>
+            <a:endParaRPr lang="en-US"/>
+          </a:p>
+        </p:txBody>
+      </p:sp>
+      <p:sp>
+        <p:nvSpPr>
+          <p:cNvPr id="5" name="Footer Placeholder 4"/>
+          <p:cNvSpPr>
+            <a:spLocks noGrp="1"/>
+          </p:cNvSpPr>
+          <p:nvPr>
+            <p:ph type="ftr" sz="quarter" idx="11"/>
+          </p:nvPr>
+        </p:nvSpPr>
+        <p:spPr/>
+        <p:txBody>
+          <a:bodyPr/>
+          <a:lstStyle/>
+          <a:p>
+            <a:r>
+              <a:rPr lang="en-US" smtClean="0"/>
+              <a:t>sai Prasad Ashila</a:t>
+            </a:r>
+            <a:endParaRPr lang="en-US"/>
+          </a:p>
+        </p:txBody>
+      </p:sp>
+      <p:sp>
+        <p:nvSpPr>
+          <p:cNvPr id="6" name="Slide Number Placeholder 5"/>
+          <p:cNvSpPr>
+            <a:spLocks noGrp="1"/>
+          </p:cNvSpPr>
+          <p:nvPr>
+            <p:ph type="sldNum" sz="quarter" idx="12"/>
+          </p:nvPr>
+        </p:nvSpPr>
+        <p:spPr/>
+        <p:txBody>
+          <a:bodyPr/>
+          <a:lstStyle/>
+          <a:p>
+            <a:fld id="{2EE3F54D-A22C-49A4-910F-D37A9559DC15}" type="slidenum">
+              <a:rPr lang="en-US" smtClean="0"/>
+              <a:t>9</a:t>
+            </a:fld>
+            <a:endParaRPr lang="en-US"/>
+          </a:p>
+        </p:txBody>
+      </p:sp>
+    </p:spTree>
+    <p:extLst>
+      <p:ext uri="{BB962C8B-B14F-4D97-AF65-F5344CB8AC3E}">
+        <p14:creationId xmlns:p14="http://schemas.microsoft.com/office/powerpoint/2010/main" val="942059592"/>
+      </p:ext>
+    </p:extLst>
+  </p:cSld>
+  <p:clrMapOvr>
+    <a:masterClrMapping/>
+  </p:clrMapOvr>
+  <p:timing>
+    <p:tnLst>
+      <p:par>
+        <p:cTn id="1" dur="indefinite" restart="never" nodeType="tmRoot"/>
+      </p:par>
+    </p:tnLst>
   </p:timing>
 </p:sld>
 </file>
@@ -8861,7 +13964,7 @@
   <a:extraClrSchemeLst/>
   <a:extLst>
     <a:ext uri="{05A4C25C-085E-4340-85A3-A5531E510DB2}">
-      <thm15:themeFamily xmlns:thm15="http://schemas.microsoft.com/office/thememl/2012/main" xmlns="" name="Presentation1" id="{4A6DA75F-FDD1-4906-ABA7-049C4286B20F}" vid="{F9FD41C8-64B9-401A-8FC9-4BEBFBB11585}"/>
+      <thm15:themeFamily xmlns:thm15="http://schemas.microsoft.com/office/thememl/2012/main" name="Presentation1" id="{4A6DA75F-FDD1-4906-ABA7-049C4286B20F}" vid="{F9FD41C8-64B9-401A-8FC9-4BEBFBB11585}"/>
     </a:ext>
   </a:extLst>
 </a:theme>

--- a/Linear_Regression/Linear_Regression.pptx
+++ b/Linear_Regression/Linear_Regression.pptx
@@ -5,7 +5,7 @@
     <p:sldMasterId id="2147483660" r:id="rId1"/>
   </p:sldMasterIdLst>
   <p:notesMasterIdLst>
-    <p:notesMasterId r:id="rId11"/>
+    <p:notesMasterId r:id="rId13"/>
   </p:notesMasterIdLst>
   <p:sldIdLst>
     <p:sldId id="257" r:id="rId2"/>
@@ -17,6 +17,8 @@
     <p:sldId id="262" r:id="rId8"/>
     <p:sldId id="265" r:id="rId9"/>
     <p:sldId id="264" r:id="rId10"/>
+    <p:sldId id="266" r:id="rId11"/>
+    <p:sldId id="267" r:id="rId12"/>
   </p:sldIdLst>
   <p:sldSz cx="9144000" cy="6858000" type="screen4x3"/>
   <p:notesSz cx="6858000" cy="9144000"/>
@@ -5415,7 +5417,6 @@
               <a:rPr lang="en-US" dirty="0"/>
               <a:t>C</a:t>
             </a:r>
-            <a:endParaRPr lang="en-US" dirty="0"/>
           </a:p>
         </p:txBody>
       </p:sp>
@@ -7397,6 +7398,1021 @@
       <p:bldP spid="19" grpId="0"/>
       <p:bldP spid="23" grpId="0"/>
     </p:bldLst>
+  </p:timing>
+</p:sld>
+</file>
+
+<file path=ppt/slides/slide10.xml><?xml version="1.0" encoding="utf-8"?>
+<p:sld xmlns:a="http://schemas.openxmlformats.org/drawingml/2006/main" xmlns:r="http://schemas.openxmlformats.org/officeDocument/2006/relationships" xmlns:p="http://schemas.openxmlformats.org/presentationml/2006/main">
+  <p:cSld>
+    <p:spTree>
+      <p:nvGrpSpPr>
+        <p:cNvPr id="1" name=""/>
+        <p:cNvGrpSpPr/>
+        <p:nvPr/>
+      </p:nvGrpSpPr>
+      <p:grpSpPr>
+        <a:xfrm>
+          <a:off x="0" y="0"/>
+          <a:ext cx="0" cy="0"/>
+          <a:chOff x="0" y="0"/>
+          <a:chExt cx="0" cy="0"/>
+        </a:xfrm>
+      </p:grpSpPr>
+      <p:sp>
+        <p:nvSpPr>
+          <p:cNvPr id="2" name="Title 1"/>
+          <p:cNvSpPr>
+            <a:spLocks noGrp="1"/>
+          </p:cNvSpPr>
+          <p:nvPr>
+            <p:ph type="title"/>
+          </p:nvPr>
+        </p:nvSpPr>
+        <p:spPr/>
+        <p:txBody>
+          <a:bodyPr/>
+          <a:lstStyle/>
+          <a:p>
+            <a:r>
+              <a:rPr lang="en-US" dirty="0">
+                <a:solidFill>
+                  <a:schemeClr val="accent1">
+                    <a:lumMod val="75000"/>
+                  </a:schemeClr>
+                </a:solidFill>
+              </a:rPr>
+              <a:t>Linear Regression</a:t>
+            </a:r>
+            <a:endParaRPr lang="en-US" dirty="0"/>
+          </a:p>
+        </p:txBody>
+      </p:sp>
+      <p:sp>
+        <p:nvSpPr>
+          <p:cNvPr id="4" name="Date Placeholder 3"/>
+          <p:cNvSpPr>
+            <a:spLocks noGrp="1"/>
+          </p:cNvSpPr>
+          <p:nvPr>
+            <p:ph type="dt" sz="half" idx="10"/>
+          </p:nvPr>
+        </p:nvSpPr>
+        <p:spPr/>
+        <p:txBody>
+          <a:bodyPr/>
+          <a:lstStyle/>
+          <a:p>
+            <a:fld id="{DBB841AE-9C10-4D54-9B76-4773DF3EF110}" type="datetime3">
+              <a:rPr lang="en-US" smtClean="0"/>
+              <a:t>3 January 2019</a:t>
+            </a:fld>
+            <a:endParaRPr lang="en-US"/>
+          </a:p>
+        </p:txBody>
+      </p:sp>
+      <p:sp>
+        <p:nvSpPr>
+          <p:cNvPr id="5" name="Footer Placeholder 4"/>
+          <p:cNvSpPr>
+            <a:spLocks noGrp="1"/>
+          </p:cNvSpPr>
+          <p:nvPr>
+            <p:ph type="ftr" sz="quarter" idx="11"/>
+          </p:nvPr>
+        </p:nvSpPr>
+        <p:spPr/>
+        <p:txBody>
+          <a:bodyPr/>
+          <a:lstStyle/>
+          <a:p>
+            <a:r>
+              <a:rPr lang="en-US" smtClean="0"/>
+              <a:t>sai Prasad Ashila</a:t>
+            </a:r>
+            <a:endParaRPr lang="en-US"/>
+          </a:p>
+        </p:txBody>
+      </p:sp>
+      <p:sp>
+        <p:nvSpPr>
+          <p:cNvPr id="6" name="Slide Number Placeholder 5"/>
+          <p:cNvSpPr>
+            <a:spLocks noGrp="1"/>
+          </p:cNvSpPr>
+          <p:nvPr>
+            <p:ph type="sldNum" sz="quarter" idx="12"/>
+          </p:nvPr>
+        </p:nvSpPr>
+        <p:spPr/>
+        <p:txBody>
+          <a:bodyPr/>
+          <a:lstStyle/>
+          <a:p>
+            <a:fld id="{2EE3F54D-A22C-49A4-910F-D37A9559DC15}" type="slidenum">
+              <a:rPr lang="en-US" smtClean="0"/>
+              <a:t>10</a:t>
+            </a:fld>
+            <a:endParaRPr lang="en-US"/>
+          </a:p>
+        </p:txBody>
+      </p:sp>
+      <p:sp>
+        <p:nvSpPr>
+          <p:cNvPr id="3" name="Rectangle 2"/>
+          <p:cNvSpPr/>
+          <p:nvPr/>
+        </p:nvSpPr>
+        <p:spPr>
+          <a:xfrm>
+            <a:off x="152400" y="1066800"/>
+            <a:ext cx="4572000" cy="2308324"/>
+          </a:xfrm>
+          <a:prstGeom prst="rect">
+            <a:avLst/>
+          </a:prstGeom>
+        </p:spPr>
+        <p:txBody>
+          <a:bodyPr>
+            <a:spAutoFit/>
+          </a:bodyPr>
+          <a:lstStyle/>
+          <a:p>
+            <a:r>
+              <a:rPr lang="en-US" dirty="0" smtClean="0">
+                <a:solidFill>
+                  <a:srgbClr val="008000"/>
+                </a:solidFill>
+                <a:highlight>
+                  <a:srgbClr val="FFFFFF"/>
+                </a:highlight>
+              </a:rPr>
+              <a:t>#</a:t>
+            </a:r>
+            <a:r>
+              <a:rPr lang="en-US" dirty="0" err="1">
+                <a:solidFill>
+                  <a:srgbClr val="008000"/>
+                </a:solidFill>
+                <a:highlight>
+                  <a:srgbClr val="FFFFFF"/>
+                </a:highlight>
+              </a:rPr>
+              <a:t>visualising</a:t>
+            </a:r>
+            <a:r>
+              <a:rPr lang="en-US" dirty="0">
+                <a:solidFill>
+                  <a:srgbClr val="008000"/>
+                </a:solidFill>
+                <a:highlight>
+                  <a:srgbClr val="FFFFFF"/>
+                </a:highlight>
+              </a:rPr>
+              <a:t> the Test set results</a:t>
+            </a:r>
+            <a:endParaRPr lang="en-US" dirty="0">
+              <a:solidFill>
+                <a:srgbClr val="000000"/>
+              </a:solidFill>
+              <a:highlight>
+                <a:srgbClr val="FFFFFF"/>
+              </a:highlight>
+            </a:endParaRPr>
+          </a:p>
+          <a:p>
+            <a:r>
+              <a:rPr lang="en-US" dirty="0" err="1">
+                <a:solidFill>
+                  <a:srgbClr val="000000"/>
+                </a:solidFill>
+                <a:highlight>
+                  <a:srgbClr val="FFFFFF"/>
+                </a:highlight>
+              </a:rPr>
+              <a:t>plt</a:t>
+            </a:r>
+            <a:r>
+              <a:rPr lang="en-US" b="1" dirty="0" err="1">
+                <a:solidFill>
+                  <a:srgbClr val="000080"/>
+                </a:solidFill>
+                <a:highlight>
+                  <a:srgbClr val="FFFFFF"/>
+                </a:highlight>
+              </a:rPr>
+              <a:t>.</a:t>
+            </a:r>
+            <a:r>
+              <a:rPr lang="en-US" dirty="0" err="1">
+                <a:solidFill>
+                  <a:srgbClr val="000000"/>
+                </a:solidFill>
+                <a:highlight>
+                  <a:srgbClr val="FFFFFF"/>
+                </a:highlight>
+              </a:rPr>
+              <a:t>scatter</a:t>
+            </a:r>
+            <a:r>
+              <a:rPr lang="en-US" b="1" dirty="0">
+                <a:solidFill>
+                  <a:srgbClr val="000080"/>
+                </a:solidFill>
+                <a:highlight>
+                  <a:srgbClr val="FFFFFF"/>
+                </a:highlight>
+              </a:rPr>
+              <a:t>(</a:t>
+            </a:r>
+            <a:r>
+              <a:rPr lang="en-US" dirty="0" err="1">
+                <a:solidFill>
+                  <a:srgbClr val="000000"/>
+                </a:solidFill>
+                <a:highlight>
+                  <a:srgbClr val="FFFFFF"/>
+                </a:highlight>
+              </a:rPr>
+              <a:t>X_test</a:t>
+            </a:r>
+            <a:r>
+              <a:rPr lang="en-US" b="1" dirty="0">
+                <a:solidFill>
+                  <a:srgbClr val="000080"/>
+                </a:solidFill>
+                <a:highlight>
+                  <a:srgbClr val="FFFFFF"/>
+                </a:highlight>
+              </a:rPr>
+              <a:t>,</a:t>
+            </a:r>
+            <a:r>
+              <a:rPr lang="en-US" dirty="0">
+                <a:solidFill>
+                  <a:srgbClr val="000000"/>
+                </a:solidFill>
+                <a:highlight>
+                  <a:srgbClr val="FFFFFF"/>
+                </a:highlight>
+              </a:rPr>
+              <a:t> </a:t>
+            </a:r>
+            <a:r>
+              <a:rPr lang="en-US" dirty="0" err="1">
+                <a:solidFill>
+                  <a:srgbClr val="000000"/>
+                </a:solidFill>
+                <a:highlight>
+                  <a:srgbClr val="FFFFFF"/>
+                </a:highlight>
+              </a:rPr>
+              <a:t>Y_test</a:t>
+            </a:r>
+            <a:r>
+              <a:rPr lang="en-US" b="1" dirty="0">
+                <a:solidFill>
+                  <a:srgbClr val="000080"/>
+                </a:solidFill>
+                <a:highlight>
+                  <a:srgbClr val="FFFFFF"/>
+                </a:highlight>
+              </a:rPr>
+              <a:t>,</a:t>
+            </a:r>
+            <a:r>
+              <a:rPr lang="en-US" dirty="0">
+                <a:solidFill>
+                  <a:srgbClr val="000000"/>
+                </a:solidFill>
+                <a:highlight>
+                  <a:srgbClr val="FFFFFF"/>
+                </a:highlight>
+              </a:rPr>
+              <a:t> color</a:t>
+            </a:r>
+            <a:r>
+              <a:rPr lang="en-US" b="1" dirty="0">
+                <a:solidFill>
+                  <a:srgbClr val="000080"/>
+                </a:solidFill>
+                <a:highlight>
+                  <a:srgbClr val="FFFFFF"/>
+                </a:highlight>
+              </a:rPr>
+              <a:t>=</a:t>
+            </a:r>
+            <a:r>
+              <a:rPr lang="en-US" dirty="0">
+                <a:solidFill>
+                  <a:srgbClr val="808080"/>
+                </a:solidFill>
+                <a:highlight>
+                  <a:srgbClr val="FFFFFF"/>
+                </a:highlight>
+              </a:rPr>
+              <a:t>'red'</a:t>
+            </a:r>
+            <a:r>
+              <a:rPr lang="en-US" b="1" dirty="0">
+                <a:solidFill>
+                  <a:srgbClr val="000080"/>
+                </a:solidFill>
+                <a:highlight>
+                  <a:srgbClr val="FFFFFF"/>
+                </a:highlight>
+              </a:rPr>
+              <a:t>)</a:t>
+            </a:r>
+            <a:endParaRPr lang="en-US" dirty="0">
+              <a:solidFill>
+                <a:srgbClr val="000000"/>
+              </a:solidFill>
+              <a:highlight>
+                <a:srgbClr val="FFFFFF"/>
+              </a:highlight>
+            </a:endParaRPr>
+          </a:p>
+          <a:p>
+            <a:r>
+              <a:rPr lang="en-US" dirty="0" err="1">
+                <a:solidFill>
+                  <a:srgbClr val="000000"/>
+                </a:solidFill>
+                <a:highlight>
+                  <a:srgbClr val="FFFFFF"/>
+                </a:highlight>
+              </a:rPr>
+              <a:t>plt</a:t>
+            </a:r>
+            <a:r>
+              <a:rPr lang="en-US" b="1" dirty="0" err="1">
+                <a:solidFill>
+                  <a:srgbClr val="000080"/>
+                </a:solidFill>
+                <a:highlight>
+                  <a:srgbClr val="FFFFFF"/>
+                </a:highlight>
+              </a:rPr>
+              <a:t>.</a:t>
+            </a:r>
+            <a:r>
+              <a:rPr lang="en-US" dirty="0" err="1">
+                <a:solidFill>
+                  <a:srgbClr val="000000"/>
+                </a:solidFill>
+                <a:highlight>
+                  <a:srgbClr val="FFFFFF"/>
+                </a:highlight>
+              </a:rPr>
+              <a:t>plot</a:t>
+            </a:r>
+            <a:r>
+              <a:rPr lang="en-US" b="1" dirty="0">
+                <a:solidFill>
+                  <a:srgbClr val="000080"/>
+                </a:solidFill>
+                <a:highlight>
+                  <a:srgbClr val="FFFFFF"/>
+                </a:highlight>
+              </a:rPr>
+              <a:t>(</a:t>
+            </a:r>
+            <a:r>
+              <a:rPr lang="en-US" dirty="0" err="1">
+                <a:solidFill>
+                  <a:srgbClr val="000000"/>
+                </a:solidFill>
+                <a:highlight>
+                  <a:srgbClr val="FFFFFF"/>
+                </a:highlight>
+              </a:rPr>
+              <a:t>X_train</a:t>
+            </a:r>
+            <a:r>
+              <a:rPr lang="en-US" b="1" dirty="0">
+                <a:solidFill>
+                  <a:srgbClr val="000080"/>
+                </a:solidFill>
+                <a:highlight>
+                  <a:srgbClr val="FFFFFF"/>
+                </a:highlight>
+              </a:rPr>
+              <a:t>,</a:t>
+            </a:r>
+            <a:r>
+              <a:rPr lang="en-US" dirty="0">
+                <a:solidFill>
+                  <a:srgbClr val="000000"/>
+                </a:solidFill>
+                <a:highlight>
+                  <a:srgbClr val="FFFFFF"/>
+                </a:highlight>
+              </a:rPr>
+              <a:t> </a:t>
+            </a:r>
+            <a:r>
+              <a:rPr lang="en-US" dirty="0" err="1">
+                <a:solidFill>
+                  <a:srgbClr val="000000"/>
+                </a:solidFill>
+                <a:highlight>
+                  <a:srgbClr val="FFFFFF"/>
+                </a:highlight>
+              </a:rPr>
+              <a:t>regressor</a:t>
+            </a:r>
+            <a:r>
+              <a:rPr lang="en-US" b="1" dirty="0" err="1">
+                <a:solidFill>
+                  <a:srgbClr val="000080"/>
+                </a:solidFill>
+                <a:highlight>
+                  <a:srgbClr val="FFFFFF"/>
+                </a:highlight>
+              </a:rPr>
+              <a:t>.</a:t>
+            </a:r>
+            <a:r>
+              <a:rPr lang="en-US" dirty="0" err="1">
+                <a:solidFill>
+                  <a:srgbClr val="000000"/>
+                </a:solidFill>
+                <a:highlight>
+                  <a:srgbClr val="FFFFFF"/>
+                </a:highlight>
+              </a:rPr>
+              <a:t>predict</a:t>
+            </a:r>
+            <a:r>
+              <a:rPr lang="en-US" b="1" dirty="0">
+                <a:solidFill>
+                  <a:srgbClr val="000080"/>
+                </a:solidFill>
+                <a:highlight>
+                  <a:srgbClr val="FFFFFF"/>
+                </a:highlight>
+              </a:rPr>
+              <a:t>(</a:t>
+            </a:r>
+            <a:r>
+              <a:rPr lang="en-US" dirty="0" err="1">
+                <a:solidFill>
+                  <a:srgbClr val="000000"/>
+                </a:solidFill>
+                <a:highlight>
+                  <a:srgbClr val="FFFFFF"/>
+                </a:highlight>
+              </a:rPr>
+              <a:t>X_train</a:t>
+            </a:r>
+            <a:r>
+              <a:rPr lang="en-US" b="1" dirty="0">
+                <a:solidFill>
+                  <a:srgbClr val="000080"/>
+                </a:solidFill>
+                <a:highlight>
+                  <a:srgbClr val="FFFFFF"/>
+                </a:highlight>
+              </a:rPr>
+              <a:t>),</a:t>
+            </a:r>
+            <a:r>
+              <a:rPr lang="en-US" dirty="0">
+                <a:solidFill>
+                  <a:srgbClr val="000000"/>
+                </a:solidFill>
+                <a:highlight>
+                  <a:srgbClr val="FFFFFF"/>
+                </a:highlight>
+              </a:rPr>
+              <a:t> color </a:t>
+            </a:r>
+            <a:r>
+              <a:rPr lang="en-US" b="1" dirty="0">
+                <a:solidFill>
+                  <a:srgbClr val="000080"/>
+                </a:solidFill>
+                <a:highlight>
+                  <a:srgbClr val="FFFFFF"/>
+                </a:highlight>
+              </a:rPr>
+              <a:t>=</a:t>
+            </a:r>
+            <a:r>
+              <a:rPr lang="en-US" dirty="0">
+                <a:solidFill>
+                  <a:srgbClr val="000000"/>
+                </a:solidFill>
+                <a:highlight>
+                  <a:srgbClr val="FFFFFF"/>
+                </a:highlight>
+              </a:rPr>
+              <a:t> </a:t>
+            </a:r>
+            <a:r>
+              <a:rPr lang="en-US" dirty="0">
+                <a:solidFill>
+                  <a:srgbClr val="808080"/>
+                </a:solidFill>
+                <a:highlight>
+                  <a:srgbClr val="FFFFFF"/>
+                </a:highlight>
+              </a:rPr>
+              <a:t>'blue'</a:t>
+            </a:r>
+            <a:r>
+              <a:rPr lang="en-US" b="1" dirty="0">
+                <a:solidFill>
+                  <a:srgbClr val="000080"/>
+                </a:solidFill>
+                <a:highlight>
+                  <a:srgbClr val="FFFFFF"/>
+                </a:highlight>
+              </a:rPr>
+              <a:t>)</a:t>
+            </a:r>
+            <a:endParaRPr lang="en-US" dirty="0">
+              <a:solidFill>
+                <a:srgbClr val="000000"/>
+              </a:solidFill>
+              <a:highlight>
+                <a:srgbClr val="FFFFFF"/>
+              </a:highlight>
+            </a:endParaRPr>
+          </a:p>
+          <a:p>
+            <a:r>
+              <a:rPr lang="en-US" dirty="0" err="1">
+                <a:solidFill>
+                  <a:srgbClr val="000000"/>
+                </a:solidFill>
+                <a:highlight>
+                  <a:srgbClr val="FFFFFF"/>
+                </a:highlight>
+              </a:rPr>
+              <a:t>plt</a:t>
+            </a:r>
+            <a:r>
+              <a:rPr lang="en-US" b="1" dirty="0" err="1">
+                <a:solidFill>
+                  <a:srgbClr val="000080"/>
+                </a:solidFill>
+                <a:highlight>
+                  <a:srgbClr val="FFFFFF"/>
+                </a:highlight>
+              </a:rPr>
+              <a:t>.</a:t>
+            </a:r>
+            <a:r>
+              <a:rPr lang="en-US" dirty="0" err="1">
+                <a:solidFill>
+                  <a:srgbClr val="000000"/>
+                </a:solidFill>
+                <a:highlight>
+                  <a:srgbClr val="FFFFFF"/>
+                </a:highlight>
+              </a:rPr>
+              <a:t>title</a:t>
+            </a:r>
+            <a:r>
+              <a:rPr lang="en-US" b="1" dirty="0">
+                <a:solidFill>
+                  <a:srgbClr val="000080"/>
+                </a:solidFill>
+                <a:highlight>
+                  <a:srgbClr val="FFFFFF"/>
+                </a:highlight>
+              </a:rPr>
+              <a:t>(</a:t>
+            </a:r>
+            <a:r>
+              <a:rPr lang="en-US" dirty="0">
+                <a:solidFill>
+                  <a:srgbClr val="808080"/>
+                </a:solidFill>
+                <a:highlight>
+                  <a:srgbClr val="FFFFFF"/>
+                </a:highlight>
+              </a:rPr>
+              <a:t>'Salary vs Experience (Training Set)'</a:t>
+            </a:r>
+            <a:r>
+              <a:rPr lang="en-US" b="1" dirty="0">
+                <a:solidFill>
+                  <a:srgbClr val="000080"/>
+                </a:solidFill>
+                <a:highlight>
+                  <a:srgbClr val="FFFFFF"/>
+                </a:highlight>
+              </a:rPr>
+              <a:t>)</a:t>
+            </a:r>
+            <a:endParaRPr lang="en-US" dirty="0">
+              <a:solidFill>
+                <a:srgbClr val="000000"/>
+              </a:solidFill>
+              <a:highlight>
+                <a:srgbClr val="FFFFFF"/>
+              </a:highlight>
+            </a:endParaRPr>
+          </a:p>
+          <a:p>
+            <a:r>
+              <a:rPr lang="en-US" dirty="0" err="1">
+                <a:solidFill>
+                  <a:srgbClr val="000000"/>
+                </a:solidFill>
+                <a:highlight>
+                  <a:srgbClr val="FFFFFF"/>
+                </a:highlight>
+              </a:rPr>
+              <a:t>plt</a:t>
+            </a:r>
+            <a:r>
+              <a:rPr lang="en-US" b="1" dirty="0" err="1">
+                <a:solidFill>
+                  <a:srgbClr val="000080"/>
+                </a:solidFill>
+                <a:highlight>
+                  <a:srgbClr val="FFFFFF"/>
+                </a:highlight>
+              </a:rPr>
+              <a:t>.</a:t>
+            </a:r>
+            <a:r>
+              <a:rPr lang="en-US" dirty="0" err="1">
+                <a:solidFill>
+                  <a:srgbClr val="000000"/>
+                </a:solidFill>
+                <a:highlight>
+                  <a:srgbClr val="FFFFFF"/>
+                </a:highlight>
+              </a:rPr>
+              <a:t>xlabel</a:t>
+            </a:r>
+            <a:r>
+              <a:rPr lang="en-US" b="1" dirty="0">
+                <a:solidFill>
+                  <a:srgbClr val="000080"/>
+                </a:solidFill>
+                <a:highlight>
+                  <a:srgbClr val="FFFFFF"/>
+                </a:highlight>
+              </a:rPr>
+              <a:t>(</a:t>
+            </a:r>
+            <a:r>
+              <a:rPr lang="en-US" dirty="0">
+                <a:solidFill>
+                  <a:srgbClr val="808080"/>
+                </a:solidFill>
+                <a:highlight>
+                  <a:srgbClr val="FFFFFF"/>
+                </a:highlight>
+              </a:rPr>
+              <a:t>'years of experience'</a:t>
+            </a:r>
+            <a:r>
+              <a:rPr lang="en-US" b="1" dirty="0">
+                <a:solidFill>
+                  <a:srgbClr val="000080"/>
+                </a:solidFill>
+                <a:highlight>
+                  <a:srgbClr val="FFFFFF"/>
+                </a:highlight>
+              </a:rPr>
+              <a:t>)</a:t>
+            </a:r>
+            <a:endParaRPr lang="en-US" dirty="0">
+              <a:solidFill>
+                <a:srgbClr val="000000"/>
+              </a:solidFill>
+              <a:highlight>
+                <a:srgbClr val="FFFFFF"/>
+              </a:highlight>
+            </a:endParaRPr>
+          </a:p>
+          <a:p>
+            <a:r>
+              <a:rPr lang="en-US" dirty="0" err="1">
+                <a:solidFill>
+                  <a:srgbClr val="000000"/>
+                </a:solidFill>
+                <a:highlight>
+                  <a:srgbClr val="FFFFFF"/>
+                </a:highlight>
+              </a:rPr>
+              <a:t>plt</a:t>
+            </a:r>
+            <a:r>
+              <a:rPr lang="en-US" b="1" dirty="0" err="1">
+                <a:solidFill>
+                  <a:srgbClr val="000080"/>
+                </a:solidFill>
+                <a:highlight>
+                  <a:srgbClr val="FFFFFF"/>
+                </a:highlight>
+              </a:rPr>
+              <a:t>.</a:t>
+            </a:r>
+            <a:r>
+              <a:rPr lang="en-US" dirty="0" err="1">
+                <a:solidFill>
+                  <a:srgbClr val="000000"/>
+                </a:solidFill>
+                <a:highlight>
+                  <a:srgbClr val="FFFFFF"/>
+                </a:highlight>
+              </a:rPr>
+              <a:t>ylabel</a:t>
+            </a:r>
+            <a:r>
+              <a:rPr lang="en-US" b="1" dirty="0">
+                <a:solidFill>
+                  <a:srgbClr val="000080"/>
+                </a:solidFill>
+                <a:highlight>
+                  <a:srgbClr val="FFFFFF"/>
+                </a:highlight>
+              </a:rPr>
+              <a:t>(</a:t>
+            </a:r>
+            <a:r>
+              <a:rPr lang="en-US" dirty="0">
+                <a:solidFill>
+                  <a:srgbClr val="808080"/>
+                </a:solidFill>
+                <a:highlight>
+                  <a:srgbClr val="FFFFFF"/>
+                </a:highlight>
+              </a:rPr>
+              <a:t>'Salary'</a:t>
+            </a:r>
+            <a:r>
+              <a:rPr lang="en-US" b="1" dirty="0">
+                <a:solidFill>
+                  <a:srgbClr val="000080"/>
+                </a:solidFill>
+                <a:highlight>
+                  <a:srgbClr val="FFFFFF"/>
+                </a:highlight>
+              </a:rPr>
+              <a:t>)</a:t>
+            </a:r>
+            <a:endParaRPr lang="en-US" dirty="0">
+              <a:solidFill>
+                <a:srgbClr val="000000"/>
+              </a:solidFill>
+              <a:highlight>
+                <a:srgbClr val="FFFFFF"/>
+              </a:highlight>
+            </a:endParaRPr>
+          </a:p>
+          <a:p>
+            <a:r>
+              <a:rPr lang="en-US" dirty="0" err="1">
+                <a:solidFill>
+                  <a:srgbClr val="000000"/>
+                </a:solidFill>
+                <a:highlight>
+                  <a:srgbClr val="FFFFFF"/>
+                </a:highlight>
+              </a:rPr>
+              <a:t>plt</a:t>
+            </a:r>
+            <a:r>
+              <a:rPr lang="en-US" b="1" dirty="0" err="1">
+                <a:solidFill>
+                  <a:srgbClr val="000080"/>
+                </a:solidFill>
+                <a:highlight>
+                  <a:srgbClr val="FFFFFF"/>
+                </a:highlight>
+              </a:rPr>
+              <a:t>.</a:t>
+            </a:r>
+            <a:r>
+              <a:rPr lang="en-US" dirty="0" err="1">
+                <a:solidFill>
+                  <a:srgbClr val="000000"/>
+                </a:solidFill>
+                <a:highlight>
+                  <a:srgbClr val="FFFFFF"/>
+                </a:highlight>
+              </a:rPr>
+              <a:t>show</a:t>
+            </a:r>
+            <a:r>
+              <a:rPr lang="en-US" b="1" dirty="0">
+                <a:solidFill>
+                  <a:srgbClr val="000080"/>
+                </a:solidFill>
+                <a:highlight>
+                  <a:srgbClr val="FFFFFF"/>
+                </a:highlight>
+              </a:rPr>
+              <a:t>()</a:t>
+            </a:r>
+            <a:endParaRPr lang="en-US" dirty="0"/>
+          </a:p>
+        </p:txBody>
+      </p:sp>
+      <p:pic>
+        <p:nvPicPr>
+          <p:cNvPr id="7" name="Picture 6" descr="Screen Clipping"/>
+          <p:cNvPicPr>
+            <a:picLocks noChangeAspect="1"/>
+          </p:cNvPicPr>
+          <p:nvPr/>
+        </p:nvPicPr>
+        <p:blipFill>
+          <a:blip r:embed="rId2">
+            <a:extLst>
+              <a:ext uri="{28A0092B-C50C-407E-A947-70E740481C1C}">
+                <a14:useLocalDpi xmlns:a14="http://schemas.microsoft.com/office/drawing/2010/main" val="0"/>
+              </a:ext>
+            </a:extLst>
+          </a:blip>
+          <a:stretch>
+            <a:fillRect/>
+          </a:stretch>
+        </p:blipFill>
+        <p:spPr>
+          <a:xfrm>
+            <a:off x="3538330" y="2819400"/>
+            <a:ext cx="4691270" cy="3082835"/>
+          </a:xfrm>
+          <a:prstGeom prst="rect">
+            <a:avLst/>
+          </a:prstGeom>
+          <a:ln w="38100" cap="sq">
+            <a:solidFill>
+              <a:srgbClr val="000000"/>
+            </a:solidFill>
+            <a:prstDash val="solid"/>
+            <a:miter lim="800000"/>
+          </a:ln>
+          <a:effectLst>
+            <a:outerShdw blurRad="50800" dist="38100" dir="2700000" algn="tl" rotWithShape="0">
+              <a:srgbClr val="000000">
+                <a:alpha val="43000"/>
+              </a:srgbClr>
+            </a:outerShdw>
+          </a:effectLst>
+        </p:spPr>
+      </p:pic>
+    </p:spTree>
+    <p:extLst>
+      <p:ext uri="{BB962C8B-B14F-4D97-AF65-F5344CB8AC3E}">
+        <p14:creationId xmlns:p14="http://schemas.microsoft.com/office/powerpoint/2010/main" val="3970925258"/>
+      </p:ext>
+    </p:extLst>
+  </p:cSld>
+  <p:clrMapOvr>
+    <a:masterClrMapping/>
+  </p:clrMapOvr>
+  <p:timing>
+    <p:tnLst>
+      <p:par>
+        <p:cTn id="1" dur="indefinite" restart="never" nodeType="tmRoot"/>
+      </p:par>
+    </p:tnLst>
+  </p:timing>
+</p:sld>
+</file>
+
+<file path=ppt/slides/slide11.xml><?xml version="1.0" encoding="utf-8"?>
+<p:sld xmlns:a="http://schemas.openxmlformats.org/drawingml/2006/main" xmlns:r="http://schemas.openxmlformats.org/officeDocument/2006/relationships" xmlns:p="http://schemas.openxmlformats.org/presentationml/2006/main">
+  <p:cSld>
+    <p:spTree>
+      <p:nvGrpSpPr>
+        <p:cNvPr id="1" name=""/>
+        <p:cNvGrpSpPr/>
+        <p:nvPr/>
+      </p:nvGrpSpPr>
+      <p:grpSpPr>
+        <a:xfrm>
+          <a:off x="0" y="0"/>
+          <a:ext cx="0" cy="0"/>
+          <a:chOff x="0" y="0"/>
+          <a:chExt cx="0" cy="0"/>
+        </a:xfrm>
+      </p:grpSpPr>
+      <p:sp>
+        <p:nvSpPr>
+          <p:cNvPr id="2" name="Title 1"/>
+          <p:cNvSpPr>
+            <a:spLocks noGrp="1"/>
+          </p:cNvSpPr>
+          <p:nvPr>
+            <p:ph type="title"/>
+          </p:nvPr>
+        </p:nvSpPr>
+        <p:spPr/>
+        <p:txBody>
+          <a:bodyPr/>
+          <a:lstStyle/>
+          <a:p>
+            <a:r>
+              <a:rPr lang="en-US" dirty="0">
+                <a:solidFill>
+                  <a:schemeClr val="accent1">
+                    <a:lumMod val="75000"/>
+                  </a:schemeClr>
+                </a:solidFill>
+              </a:rPr>
+              <a:t>Linear Regression</a:t>
+            </a:r>
+            <a:endParaRPr lang="en-US" dirty="0"/>
+          </a:p>
+        </p:txBody>
+      </p:sp>
+      <p:sp>
+        <p:nvSpPr>
+          <p:cNvPr id="4" name="Date Placeholder 3"/>
+          <p:cNvSpPr>
+            <a:spLocks noGrp="1"/>
+          </p:cNvSpPr>
+          <p:nvPr>
+            <p:ph type="dt" sz="half" idx="10"/>
+          </p:nvPr>
+        </p:nvSpPr>
+        <p:spPr/>
+        <p:txBody>
+          <a:bodyPr/>
+          <a:lstStyle/>
+          <a:p>
+            <a:fld id="{DBB841AE-9C10-4D54-9B76-4773DF3EF110}" type="datetime3">
+              <a:rPr lang="en-US" smtClean="0"/>
+              <a:t>3 January 2019</a:t>
+            </a:fld>
+            <a:endParaRPr lang="en-US"/>
+          </a:p>
+        </p:txBody>
+      </p:sp>
+      <p:sp>
+        <p:nvSpPr>
+          <p:cNvPr id="5" name="Footer Placeholder 4"/>
+          <p:cNvSpPr>
+            <a:spLocks noGrp="1"/>
+          </p:cNvSpPr>
+          <p:nvPr>
+            <p:ph type="ftr" sz="quarter" idx="11"/>
+          </p:nvPr>
+        </p:nvSpPr>
+        <p:spPr/>
+        <p:txBody>
+          <a:bodyPr/>
+          <a:lstStyle/>
+          <a:p>
+            <a:r>
+              <a:rPr lang="en-US" smtClean="0"/>
+              <a:t>sai Prasad Ashila</a:t>
+            </a:r>
+            <a:endParaRPr lang="en-US"/>
+          </a:p>
+        </p:txBody>
+      </p:sp>
+      <p:sp>
+        <p:nvSpPr>
+          <p:cNvPr id="6" name="Slide Number Placeholder 5"/>
+          <p:cNvSpPr>
+            <a:spLocks noGrp="1"/>
+          </p:cNvSpPr>
+          <p:nvPr>
+            <p:ph type="sldNum" sz="quarter" idx="12"/>
+          </p:nvPr>
+        </p:nvSpPr>
+        <p:spPr/>
+        <p:txBody>
+          <a:bodyPr/>
+          <a:lstStyle/>
+          <a:p>
+            <a:fld id="{2EE3F54D-A22C-49A4-910F-D37A9559DC15}" type="slidenum">
+              <a:rPr lang="en-US" smtClean="0"/>
+              <a:t>11</a:t>
+            </a:fld>
+            <a:endParaRPr lang="en-US"/>
+          </a:p>
+        </p:txBody>
+      </p:sp>
+    </p:spTree>
+    <p:extLst>
+      <p:ext uri="{BB962C8B-B14F-4D97-AF65-F5344CB8AC3E}">
+        <p14:creationId xmlns:p14="http://schemas.microsoft.com/office/powerpoint/2010/main" val="2240317078"/>
+      </p:ext>
+    </p:extLst>
+  </p:cSld>
+  <p:clrMapOvr>
+    <a:masterClrMapping/>
+  </p:clrMapOvr>
+  <p:timing>
+    <p:tnLst>
+      <p:par>
+        <p:cTn id="1" dur="indefinite" restart="never" nodeType="tmRoot"/>
+      </p:par>
+    </p:tnLst>
   </p:timing>
 </p:sld>
 </file>
@@ -9268,23 +10284,7 @@
             </a:r>
             <a:r>
               <a:rPr lang="en-US" sz="2000" b="1" dirty="0" smtClean="0"/>
-              <a:t>Salary </a:t>
-            </a:r>
-            <a:r>
-              <a:rPr lang="en-US" sz="2000" b="1" dirty="0" smtClean="0"/>
-              <a:t> </a:t>
-            </a:r>
-            <a:r>
-              <a:rPr lang="en-US" sz="2000" b="1" dirty="0" smtClean="0"/>
-              <a:t>= </a:t>
-            </a:r>
-            <a:r>
-              <a:rPr lang="en-US" sz="2000" b="1" dirty="0" smtClean="0"/>
-              <a:t>m(years of experience) </a:t>
-            </a:r>
-            <a:r>
-              <a:rPr lang="en-US" sz="2000" b="1" dirty="0" smtClean="0"/>
-              <a:t>+ C</a:t>
+              <a:t>Salary  = m(years of experience) + C</a:t>
             </a:r>
             <a:endParaRPr lang="en-US" b="1" dirty="0" smtClean="0"/>
           </a:p>
@@ -9310,7 +10310,6 @@
               <a:rPr lang="en-US" dirty="0" smtClean="0"/>
               <a:t>C the intercept indicates the salary of an entry level employee.</a:t>
             </a:r>
-            <a:endParaRPr lang="en-US" dirty="0" smtClean="0"/>
           </a:p>
         </p:txBody>
       </p:sp>
@@ -13527,6 +14526,36 @@
           </a:p>
         </p:txBody>
       </p:sp>
+      <p:pic>
+        <p:nvPicPr>
+          <p:cNvPr id="7" name="Picture 6" descr="Screen Clipping"/>
+          <p:cNvPicPr>
+            <a:picLocks noChangeAspect="1"/>
+          </p:cNvPicPr>
+          <p:nvPr/>
+        </p:nvPicPr>
+        <p:blipFill>
+          <a:blip r:embed="rId2">
+            <a:extLst>
+              <a:ext uri="{28A0092B-C50C-407E-A947-70E740481C1C}">
+                <a14:useLocalDpi xmlns:a14="http://schemas.microsoft.com/office/drawing/2010/main" val="0"/>
+              </a:ext>
+            </a:extLst>
+          </a:blip>
+          <a:stretch>
+            <a:fillRect/>
+          </a:stretch>
+        </p:blipFill>
+        <p:spPr>
+          <a:xfrm>
+            <a:off x="762000" y="2000056"/>
+            <a:ext cx="6568053" cy="4221769"/>
+          </a:xfrm>
+          <a:prstGeom prst="rect">
+            <a:avLst/>
+          </a:prstGeom>
+        </p:spPr>
+      </p:pic>
     </p:spTree>
     <p:extLst>
       <p:ext uri="{BB962C8B-B14F-4D97-AF65-F5344CB8AC3E}">
@@ -13662,6 +14691,751 @@
           </a:p>
         </p:txBody>
       </p:sp>
+      <p:sp>
+        <p:nvSpPr>
+          <p:cNvPr id="3" name="Rectangle 2"/>
+          <p:cNvSpPr/>
+          <p:nvPr/>
+        </p:nvSpPr>
+        <p:spPr>
+          <a:xfrm>
+            <a:off x="152400" y="1066800"/>
+            <a:ext cx="4572000" cy="2308324"/>
+          </a:xfrm>
+          <a:prstGeom prst="rect">
+            <a:avLst/>
+          </a:prstGeom>
+        </p:spPr>
+        <p:txBody>
+          <a:bodyPr>
+            <a:spAutoFit/>
+          </a:bodyPr>
+          <a:lstStyle/>
+          <a:p>
+            <a:r>
+              <a:rPr lang="en-US" dirty="0">
+                <a:solidFill>
+                  <a:srgbClr val="008000"/>
+                </a:solidFill>
+                <a:highlight>
+                  <a:srgbClr val="FFFFFF"/>
+                </a:highlight>
+              </a:rPr>
+              <a:t>#</a:t>
+            </a:r>
+            <a:r>
+              <a:rPr lang="en-US" dirty="0" err="1">
+                <a:solidFill>
+                  <a:srgbClr val="008000"/>
+                </a:solidFill>
+                <a:highlight>
+                  <a:srgbClr val="FFFFFF"/>
+                </a:highlight>
+              </a:rPr>
+              <a:t>visualising</a:t>
+            </a:r>
+            <a:r>
+              <a:rPr lang="en-US" dirty="0">
+                <a:solidFill>
+                  <a:srgbClr val="008000"/>
+                </a:solidFill>
+                <a:highlight>
+                  <a:srgbClr val="FFFFFF"/>
+                </a:highlight>
+              </a:rPr>
+              <a:t> the Training set results</a:t>
+            </a:r>
+            <a:endParaRPr lang="en-US" dirty="0">
+              <a:solidFill>
+                <a:srgbClr val="000000"/>
+              </a:solidFill>
+              <a:highlight>
+                <a:srgbClr val="FFFFFF"/>
+              </a:highlight>
+            </a:endParaRPr>
+          </a:p>
+          <a:p>
+            <a:r>
+              <a:rPr lang="en-US" dirty="0" err="1">
+                <a:solidFill>
+                  <a:srgbClr val="000000"/>
+                </a:solidFill>
+                <a:highlight>
+                  <a:srgbClr val="FFFFFF"/>
+                </a:highlight>
+              </a:rPr>
+              <a:t>plt</a:t>
+            </a:r>
+            <a:r>
+              <a:rPr lang="en-US" b="1" dirty="0" err="1">
+                <a:solidFill>
+                  <a:srgbClr val="000080"/>
+                </a:solidFill>
+                <a:highlight>
+                  <a:srgbClr val="FFFFFF"/>
+                </a:highlight>
+              </a:rPr>
+              <a:t>.</a:t>
+            </a:r>
+            <a:r>
+              <a:rPr lang="en-US" dirty="0" err="1">
+                <a:solidFill>
+                  <a:srgbClr val="000000"/>
+                </a:solidFill>
+                <a:highlight>
+                  <a:srgbClr val="FFFFFF"/>
+                </a:highlight>
+              </a:rPr>
+              <a:t>scatter</a:t>
+            </a:r>
+            <a:r>
+              <a:rPr lang="en-US" b="1" dirty="0">
+                <a:solidFill>
+                  <a:srgbClr val="000080"/>
+                </a:solidFill>
+                <a:highlight>
+                  <a:srgbClr val="FFFFFF"/>
+                </a:highlight>
+              </a:rPr>
+              <a:t>(</a:t>
+            </a:r>
+            <a:r>
+              <a:rPr lang="en-US" dirty="0" err="1">
+                <a:solidFill>
+                  <a:srgbClr val="000000"/>
+                </a:solidFill>
+                <a:highlight>
+                  <a:srgbClr val="FFFFFF"/>
+                </a:highlight>
+              </a:rPr>
+              <a:t>X_train</a:t>
+            </a:r>
+            <a:r>
+              <a:rPr lang="en-US" b="1" dirty="0">
+                <a:solidFill>
+                  <a:srgbClr val="000080"/>
+                </a:solidFill>
+                <a:highlight>
+                  <a:srgbClr val="FFFFFF"/>
+                </a:highlight>
+              </a:rPr>
+              <a:t>,</a:t>
+            </a:r>
+            <a:r>
+              <a:rPr lang="en-US" dirty="0">
+                <a:solidFill>
+                  <a:srgbClr val="000000"/>
+                </a:solidFill>
+                <a:highlight>
+                  <a:srgbClr val="FFFFFF"/>
+                </a:highlight>
+              </a:rPr>
+              <a:t> </a:t>
+            </a:r>
+            <a:r>
+              <a:rPr lang="en-US" dirty="0" err="1">
+                <a:solidFill>
+                  <a:srgbClr val="000000"/>
+                </a:solidFill>
+                <a:highlight>
+                  <a:srgbClr val="FFFFFF"/>
+                </a:highlight>
+              </a:rPr>
+              <a:t>Y_train</a:t>
+            </a:r>
+            <a:r>
+              <a:rPr lang="en-US" b="1" dirty="0">
+                <a:solidFill>
+                  <a:srgbClr val="000080"/>
+                </a:solidFill>
+                <a:highlight>
+                  <a:srgbClr val="FFFFFF"/>
+                </a:highlight>
+              </a:rPr>
+              <a:t>,</a:t>
+            </a:r>
+            <a:r>
+              <a:rPr lang="en-US" dirty="0">
+                <a:solidFill>
+                  <a:srgbClr val="000000"/>
+                </a:solidFill>
+                <a:highlight>
+                  <a:srgbClr val="FFFFFF"/>
+                </a:highlight>
+              </a:rPr>
+              <a:t> color</a:t>
+            </a:r>
+            <a:r>
+              <a:rPr lang="en-US" b="1" dirty="0">
+                <a:solidFill>
+                  <a:srgbClr val="000080"/>
+                </a:solidFill>
+                <a:highlight>
+                  <a:srgbClr val="FFFFFF"/>
+                </a:highlight>
+              </a:rPr>
+              <a:t>=</a:t>
+            </a:r>
+            <a:r>
+              <a:rPr lang="en-US" dirty="0">
+                <a:solidFill>
+                  <a:srgbClr val="808080"/>
+                </a:solidFill>
+                <a:highlight>
+                  <a:srgbClr val="FFFFFF"/>
+                </a:highlight>
+              </a:rPr>
+              <a:t>'red'</a:t>
+            </a:r>
+            <a:r>
+              <a:rPr lang="en-US" b="1" dirty="0">
+                <a:solidFill>
+                  <a:srgbClr val="000080"/>
+                </a:solidFill>
+                <a:highlight>
+                  <a:srgbClr val="FFFFFF"/>
+                </a:highlight>
+              </a:rPr>
+              <a:t>)</a:t>
+            </a:r>
+            <a:endParaRPr lang="en-US" dirty="0">
+              <a:solidFill>
+                <a:srgbClr val="000000"/>
+              </a:solidFill>
+              <a:highlight>
+                <a:srgbClr val="FFFFFF"/>
+              </a:highlight>
+            </a:endParaRPr>
+          </a:p>
+          <a:p>
+            <a:r>
+              <a:rPr lang="en-US" dirty="0" err="1">
+                <a:solidFill>
+                  <a:srgbClr val="000000"/>
+                </a:solidFill>
+                <a:highlight>
+                  <a:srgbClr val="FFFFFF"/>
+                </a:highlight>
+              </a:rPr>
+              <a:t>plt</a:t>
+            </a:r>
+            <a:r>
+              <a:rPr lang="en-US" b="1" dirty="0" err="1">
+                <a:solidFill>
+                  <a:srgbClr val="000080"/>
+                </a:solidFill>
+                <a:highlight>
+                  <a:srgbClr val="FFFFFF"/>
+                </a:highlight>
+              </a:rPr>
+              <a:t>.</a:t>
+            </a:r>
+            <a:r>
+              <a:rPr lang="en-US" dirty="0" err="1">
+                <a:solidFill>
+                  <a:srgbClr val="000000"/>
+                </a:solidFill>
+                <a:highlight>
+                  <a:srgbClr val="FFFFFF"/>
+                </a:highlight>
+              </a:rPr>
+              <a:t>plot</a:t>
+            </a:r>
+            <a:r>
+              <a:rPr lang="en-US" b="1" dirty="0">
+                <a:solidFill>
+                  <a:srgbClr val="000080"/>
+                </a:solidFill>
+                <a:highlight>
+                  <a:srgbClr val="FFFFFF"/>
+                </a:highlight>
+              </a:rPr>
+              <a:t>(</a:t>
+            </a:r>
+            <a:r>
+              <a:rPr lang="en-US" dirty="0" err="1">
+                <a:solidFill>
+                  <a:srgbClr val="000000"/>
+                </a:solidFill>
+                <a:highlight>
+                  <a:srgbClr val="FFFFFF"/>
+                </a:highlight>
+              </a:rPr>
+              <a:t>X_train</a:t>
+            </a:r>
+            <a:r>
+              <a:rPr lang="en-US" b="1" dirty="0">
+                <a:solidFill>
+                  <a:srgbClr val="000080"/>
+                </a:solidFill>
+                <a:highlight>
+                  <a:srgbClr val="FFFFFF"/>
+                </a:highlight>
+              </a:rPr>
+              <a:t>,</a:t>
+            </a:r>
+            <a:r>
+              <a:rPr lang="en-US" dirty="0">
+                <a:solidFill>
+                  <a:srgbClr val="000000"/>
+                </a:solidFill>
+                <a:highlight>
+                  <a:srgbClr val="FFFFFF"/>
+                </a:highlight>
+              </a:rPr>
+              <a:t> </a:t>
+            </a:r>
+            <a:r>
+              <a:rPr lang="en-US" dirty="0" err="1">
+                <a:solidFill>
+                  <a:srgbClr val="000000"/>
+                </a:solidFill>
+                <a:highlight>
+                  <a:srgbClr val="FFFFFF"/>
+                </a:highlight>
+              </a:rPr>
+              <a:t>regressor</a:t>
+            </a:r>
+            <a:r>
+              <a:rPr lang="en-US" b="1" dirty="0" err="1">
+                <a:solidFill>
+                  <a:srgbClr val="000080"/>
+                </a:solidFill>
+                <a:highlight>
+                  <a:srgbClr val="FFFFFF"/>
+                </a:highlight>
+              </a:rPr>
+              <a:t>.</a:t>
+            </a:r>
+            <a:r>
+              <a:rPr lang="en-US" dirty="0" err="1">
+                <a:solidFill>
+                  <a:srgbClr val="000000"/>
+                </a:solidFill>
+                <a:highlight>
+                  <a:srgbClr val="FFFFFF"/>
+                </a:highlight>
+              </a:rPr>
+              <a:t>predict</a:t>
+            </a:r>
+            <a:r>
+              <a:rPr lang="en-US" b="1" dirty="0">
+                <a:solidFill>
+                  <a:srgbClr val="000080"/>
+                </a:solidFill>
+                <a:highlight>
+                  <a:srgbClr val="FFFFFF"/>
+                </a:highlight>
+              </a:rPr>
+              <a:t>(</a:t>
+            </a:r>
+            <a:r>
+              <a:rPr lang="en-US" dirty="0" err="1">
+                <a:solidFill>
+                  <a:srgbClr val="000000"/>
+                </a:solidFill>
+                <a:highlight>
+                  <a:srgbClr val="FFFFFF"/>
+                </a:highlight>
+              </a:rPr>
+              <a:t>X_train</a:t>
+            </a:r>
+            <a:r>
+              <a:rPr lang="en-US" b="1" dirty="0">
+                <a:solidFill>
+                  <a:srgbClr val="000080"/>
+                </a:solidFill>
+                <a:highlight>
+                  <a:srgbClr val="FFFFFF"/>
+                </a:highlight>
+              </a:rPr>
+              <a:t>),</a:t>
+            </a:r>
+            <a:r>
+              <a:rPr lang="en-US" dirty="0">
+                <a:solidFill>
+                  <a:srgbClr val="000000"/>
+                </a:solidFill>
+                <a:highlight>
+                  <a:srgbClr val="FFFFFF"/>
+                </a:highlight>
+              </a:rPr>
+              <a:t> color </a:t>
+            </a:r>
+            <a:r>
+              <a:rPr lang="en-US" b="1" dirty="0">
+                <a:solidFill>
+                  <a:srgbClr val="000080"/>
+                </a:solidFill>
+                <a:highlight>
+                  <a:srgbClr val="FFFFFF"/>
+                </a:highlight>
+              </a:rPr>
+              <a:t>=</a:t>
+            </a:r>
+            <a:r>
+              <a:rPr lang="en-US" dirty="0">
+                <a:solidFill>
+                  <a:srgbClr val="000000"/>
+                </a:solidFill>
+                <a:highlight>
+                  <a:srgbClr val="FFFFFF"/>
+                </a:highlight>
+              </a:rPr>
+              <a:t> </a:t>
+            </a:r>
+            <a:r>
+              <a:rPr lang="en-US" dirty="0">
+                <a:solidFill>
+                  <a:srgbClr val="808080"/>
+                </a:solidFill>
+                <a:highlight>
+                  <a:srgbClr val="FFFFFF"/>
+                </a:highlight>
+              </a:rPr>
+              <a:t>'blue'</a:t>
+            </a:r>
+            <a:r>
+              <a:rPr lang="en-US" b="1" dirty="0">
+                <a:solidFill>
+                  <a:srgbClr val="000080"/>
+                </a:solidFill>
+                <a:highlight>
+                  <a:srgbClr val="FFFFFF"/>
+                </a:highlight>
+              </a:rPr>
+              <a:t>)</a:t>
+            </a:r>
+            <a:endParaRPr lang="en-US" dirty="0">
+              <a:solidFill>
+                <a:srgbClr val="000000"/>
+              </a:solidFill>
+              <a:highlight>
+                <a:srgbClr val="FFFFFF"/>
+              </a:highlight>
+            </a:endParaRPr>
+          </a:p>
+          <a:p>
+            <a:r>
+              <a:rPr lang="en-US" dirty="0" err="1">
+                <a:solidFill>
+                  <a:srgbClr val="000000"/>
+                </a:solidFill>
+                <a:highlight>
+                  <a:srgbClr val="FFFFFF"/>
+                </a:highlight>
+              </a:rPr>
+              <a:t>plt</a:t>
+            </a:r>
+            <a:r>
+              <a:rPr lang="en-US" b="1" dirty="0" err="1">
+                <a:solidFill>
+                  <a:srgbClr val="000080"/>
+                </a:solidFill>
+                <a:highlight>
+                  <a:srgbClr val="FFFFFF"/>
+                </a:highlight>
+              </a:rPr>
+              <a:t>.</a:t>
+            </a:r>
+            <a:r>
+              <a:rPr lang="en-US" dirty="0" err="1">
+                <a:solidFill>
+                  <a:srgbClr val="000000"/>
+                </a:solidFill>
+                <a:highlight>
+                  <a:srgbClr val="FFFFFF"/>
+                </a:highlight>
+              </a:rPr>
+              <a:t>title</a:t>
+            </a:r>
+            <a:r>
+              <a:rPr lang="en-US" b="1" dirty="0">
+                <a:solidFill>
+                  <a:srgbClr val="000080"/>
+                </a:solidFill>
+                <a:highlight>
+                  <a:srgbClr val="FFFFFF"/>
+                </a:highlight>
+              </a:rPr>
+              <a:t>(</a:t>
+            </a:r>
+            <a:r>
+              <a:rPr lang="en-US" dirty="0">
+                <a:solidFill>
+                  <a:srgbClr val="808080"/>
+                </a:solidFill>
+                <a:highlight>
+                  <a:srgbClr val="FFFFFF"/>
+                </a:highlight>
+              </a:rPr>
+              <a:t>'Salary vs Experience (Training Set)'</a:t>
+            </a:r>
+            <a:r>
+              <a:rPr lang="en-US" b="1" dirty="0">
+                <a:solidFill>
+                  <a:srgbClr val="000080"/>
+                </a:solidFill>
+                <a:highlight>
+                  <a:srgbClr val="FFFFFF"/>
+                </a:highlight>
+              </a:rPr>
+              <a:t>)</a:t>
+            </a:r>
+            <a:endParaRPr lang="en-US" dirty="0">
+              <a:solidFill>
+                <a:srgbClr val="000000"/>
+              </a:solidFill>
+              <a:highlight>
+                <a:srgbClr val="FFFFFF"/>
+              </a:highlight>
+            </a:endParaRPr>
+          </a:p>
+          <a:p>
+            <a:r>
+              <a:rPr lang="en-US" dirty="0" err="1">
+                <a:solidFill>
+                  <a:srgbClr val="000000"/>
+                </a:solidFill>
+                <a:highlight>
+                  <a:srgbClr val="FFFFFF"/>
+                </a:highlight>
+              </a:rPr>
+              <a:t>plt</a:t>
+            </a:r>
+            <a:r>
+              <a:rPr lang="en-US" b="1" dirty="0" err="1">
+                <a:solidFill>
+                  <a:srgbClr val="000080"/>
+                </a:solidFill>
+                <a:highlight>
+                  <a:srgbClr val="FFFFFF"/>
+                </a:highlight>
+              </a:rPr>
+              <a:t>.</a:t>
+            </a:r>
+            <a:r>
+              <a:rPr lang="en-US" dirty="0" err="1">
+                <a:solidFill>
+                  <a:srgbClr val="000000"/>
+                </a:solidFill>
+                <a:highlight>
+                  <a:srgbClr val="FFFFFF"/>
+                </a:highlight>
+              </a:rPr>
+              <a:t>xlabel</a:t>
+            </a:r>
+            <a:r>
+              <a:rPr lang="en-US" b="1" dirty="0">
+                <a:solidFill>
+                  <a:srgbClr val="000080"/>
+                </a:solidFill>
+                <a:highlight>
+                  <a:srgbClr val="FFFFFF"/>
+                </a:highlight>
+              </a:rPr>
+              <a:t>(</a:t>
+            </a:r>
+            <a:r>
+              <a:rPr lang="en-US" dirty="0">
+                <a:solidFill>
+                  <a:srgbClr val="808080"/>
+                </a:solidFill>
+                <a:highlight>
+                  <a:srgbClr val="FFFFFF"/>
+                </a:highlight>
+              </a:rPr>
+              <a:t>'years of experience'</a:t>
+            </a:r>
+            <a:r>
+              <a:rPr lang="en-US" b="1" dirty="0">
+                <a:solidFill>
+                  <a:srgbClr val="000080"/>
+                </a:solidFill>
+                <a:highlight>
+                  <a:srgbClr val="FFFFFF"/>
+                </a:highlight>
+              </a:rPr>
+              <a:t>)</a:t>
+            </a:r>
+            <a:endParaRPr lang="en-US" dirty="0">
+              <a:solidFill>
+                <a:srgbClr val="000000"/>
+              </a:solidFill>
+              <a:highlight>
+                <a:srgbClr val="FFFFFF"/>
+              </a:highlight>
+            </a:endParaRPr>
+          </a:p>
+          <a:p>
+            <a:r>
+              <a:rPr lang="en-US" dirty="0" err="1">
+                <a:solidFill>
+                  <a:srgbClr val="000000"/>
+                </a:solidFill>
+                <a:highlight>
+                  <a:srgbClr val="FFFFFF"/>
+                </a:highlight>
+              </a:rPr>
+              <a:t>plt</a:t>
+            </a:r>
+            <a:r>
+              <a:rPr lang="en-US" b="1" dirty="0" err="1">
+                <a:solidFill>
+                  <a:srgbClr val="000080"/>
+                </a:solidFill>
+                <a:highlight>
+                  <a:srgbClr val="FFFFFF"/>
+                </a:highlight>
+              </a:rPr>
+              <a:t>.</a:t>
+            </a:r>
+            <a:r>
+              <a:rPr lang="en-US" dirty="0" err="1">
+                <a:solidFill>
+                  <a:srgbClr val="000000"/>
+                </a:solidFill>
+                <a:highlight>
+                  <a:srgbClr val="FFFFFF"/>
+                </a:highlight>
+              </a:rPr>
+              <a:t>ylabel</a:t>
+            </a:r>
+            <a:r>
+              <a:rPr lang="en-US" b="1" dirty="0">
+                <a:solidFill>
+                  <a:srgbClr val="000080"/>
+                </a:solidFill>
+                <a:highlight>
+                  <a:srgbClr val="FFFFFF"/>
+                </a:highlight>
+              </a:rPr>
+              <a:t>(</a:t>
+            </a:r>
+            <a:r>
+              <a:rPr lang="en-US" dirty="0">
+                <a:solidFill>
+                  <a:srgbClr val="808080"/>
+                </a:solidFill>
+                <a:highlight>
+                  <a:srgbClr val="FFFFFF"/>
+                </a:highlight>
+              </a:rPr>
+              <a:t>'Salary'</a:t>
+            </a:r>
+            <a:r>
+              <a:rPr lang="en-US" b="1" dirty="0">
+                <a:solidFill>
+                  <a:srgbClr val="000080"/>
+                </a:solidFill>
+                <a:highlight>
+                  <a:srgbClr val="FFFFFF"/>
+                </a:highlight>
+              </a:rPr>
+              <a:t>)</a:t>
+            </a:r>
+            <a:endParaRPr lang="en-US" dirty="0">
+              <a:solidFill>
+                <a:srgbClr val="000000"/>
+              </a:solidFill>
+              <a:highlight>
+                <a:srgbClr val="FFFFFF"/>
+              </a:highlight>
+            </a:endParaRPr>
+          </a:p>
+          <a:p>
+            <a:r>
+              <a:rPr lang="en-US" dirty="0" err="1">
+                <a:solidFill>
+                  <a:srgbClr val="000000"/>
+                </a:solidFill>
+                <a:highlight>
+                  <a:srgbClr val="FFFFFF"/>
+                </a:highlight>
+              </a:rPr>
+              <a:t>plt</a:t>
+            </a:r>
+            <a:r>
+              <a:rPr lang="en-US" b="1" dirty="0" err="1">
+                <a:solidFill>
+                  <a:srgbClr val="000080"/>
+                </a:solidFill>
+                <a:highlight>
+                  <a:srgbClr val="FFFFFF"/>
+                </a:highlight>
+              </a:rPr>
+              <a:t>.</a:t>
+            </a:r>
+            <a:r>
+              <a:rPr lang="en-US" dirty="0" err="1">
+                <a:solidFill>
+                  <a:srgbClr val="000000"/>
+                </a:solidFill>
+                <a:highlight>
+                  <a:srgbClr val="FFFFFF"/>
+                </a:highlight>
+              </a:rPr>
+              <a:t>show</a:t>
+            </a:r>
+            <a:r>
+              <a:rPr lang="en-US" b="1" dirty="0">
+                <a:solidFill>
+                  <a:srgbClr val="000080"/>
+                </a:solidFill>
+                <a:highlight>
+                  <a:srgbClr val="FFFFFF"/>
+                </a:highlight>
+              </a:rPr>
+              <a:t>()</a:t>
+            </a:r>
+            <a:endParaRPr lang="en-US" dirty="0"/>
+          </a:p>
+        </p:txBody>
+      </p:sp>
+      <p:pic>
+        <p:nvPicPr>
+          <p:cNvPr id="8" name="Picture 7" descr="Screen Clipping"/>
+          <p:cNvPicPr>
+            <a:picLocks noChangeAspect="1"/>
+          </p:cNvPicPr>
+          <p:nvPr/>
+        </p:nvPicPr>
+        <p:blipFill>
+          <a:blip r:embed="rId2">
+            <a:extLst>
+              <a:ext uri="{28A0092B-C50C-407E-A947-70E740481C1C}">
+                <a14:useLocalDpi xmlns:a14="http://schemas.microsoft.com/office/drawing/2010/main" val="0"/>
+              </a:ext>
+            </a:extLst>
+          </a:blip>
+          <a:stretch>
+            <a:fillRect/>
+          </a:stretch>
+        </p:blipFill>
+        <p:spPr>
+          <a:xfrm>
+            <a:off x="3098355" y="2895600"/>
+            <a:ext cx="4530437" cy="2971800"/>
+          </a:xfrm>
+          <a:prstGeom prst="rect">
+            <a:avLst/>
+          </a:prstGeom>
+          <a:ln w="38100" cap="sq">
+            <a:solidFill>
+              <a:srgbClr val="000000"/>
+            </a:solidFill>
+            <a:prstDash val="solid"/>
+            <a:miter lim="800000"/>
+          </a:ln>
+          <a:effectLst>
+            <a:outerShdw blurRad="50800" dist="38100" dir="2700000" algn="tl" rotWithShape="0">
+              <a:srgbClr val="000000">
+                <a:alpha val="43000"/>
+              </a:srgbClr>
+            </a:outerShdw>
+          </a:effectLst>
+        </p:spPr>
+      </p:pic>
     </p:spTree>
     <p:extLst>
       <p:ext uri="{BB962C8B-B14F-4D97-AF65-F5344CB8AC3E}">

--- a/Linear_Regression/Linear_Regression.pptx
+++ b/Linear_Regression/Linear_Regression.pptx
@@ -218,7 +218,7 @@
           <a:p>
             <a:fld id="{41D4B5DB-F019-4C1F-87A3-AD0F8FD7FF76}" type="datetimeFigureOut">
               <a:rPr lang="en-US" smtClean="0"/>
-              <a:t>1/3/2019</a:t>
+              <a:t>1/15/2019</a:t>
             </a:fld>
             <a:endParaRPr lang="en-US"/>
           </a:p>
@@ -667,7 +667,7 @@
           <a:p>
             <a:fld id="{3EE37935-7B22-422C-8F09-787DDD7F74CF}" type="datetime3">
               <a:rPr lang="en-US" smtClean="0"/>
-              <a:t>3 January 2019</a:t>
+              <a:t>15 January 2019</a:t>
             </a:fld>
             <a:endParaRPr lang="en-US"/>
           </a:p>
@@ -843,7 +843,7 @@
           <a:p>
             <a:fld id="{78D7FADB-D966-415E-ACB7-85192BB96078}" type="datetime3">
               <a:rPr lang="en-US" smtClean="0"/>
-              <a:t>3 January 2019</a:t>
+              <a:t>15 January 2019</a:t>
             </a:fld>
             <a:endParaRPr lang="en-US"/>
           </a:p>
@@ -1022,7 +1022,7 @@
           <a:p>
             <a:fld id="{FB639BA1-7AA3-478A-9518-D721DADEF169}" type="datetime3">
               <a:rPr lang="en-US" smtClean="0"/>
-              <a:t>3 January 2019</a:t>
+              <a:t>15 January 2019</a:t>
             </a:fld>
             <a:endParaRPr lang="en-US"/>
           </a:p>
@@ -1191,7 +1191,7 @@
           <a:p>
             <a:fld id="{DBB841AE-9C10-4D54-9B76-4773DF3EF110}" type="datetime3">
               <a:rPr lang="en-US" smtClean="0"/>
-              <a:t>3 January 2019</a:t>
+              <a:t>15 January 2019</a:t>
             </a:fld>
             <a:endParaRPr lang="en-US"/>
           </a:p>
@@ -1443,7 +1443,7 @@
           <a:p>
             <a:fld id="{2862D8DA-B86B-4001-BAC0-7F86A3FAAD5E}" type="datetime3">
               <a:rPr lang="en-US" smtClean="0"/>
-              <a:t>3 January 2019</a:t>
+              <a:t>15 January 2019</a:t>
             </a:fld>
             <a:endParaRPr lang="en-US"/>
           </a:p>
@@ -1730,7 +1730,7 @@
           <a:p>
             <a:fld id="{E583F398-2CA7-4683-8097-4CDA4C6D6767}" type="datetime3">
               <a:rPr lang="en-US" smtClean="0"/>
-              <a:t>3 January 2019</a:t>
+              <a:t>15 January 2019</a:t>
             </a:fld>
             <a:endParaRPr lang="en-US"/>
           </a:p>
@@ -2151,7 +2151,7 @@
           <a:p>
             <a:fld id="{A16AA0DA-58A5-47B8-9AA6-65A8922C5F10}" type="datetime3">
               <a:rPr lang="en-US" smtClean="0"/>
-              <a:t>3 January 2019</a:t>
+              <a:t>15 January 2019</a:t>
             </a:fld>
             <a:endParaRPr lang="en-US"/>
           </a:p>
@@ -2268,7 +2268,7 @@
           <a:p>
             <a:fld id="{7B777E57-CB01-4A56-AF3C-582035F19564}" type="datetime3">
               <a:rPr lang="en-US" smtClean="0"/>
-              <a:t>3 January 2019</a:t>
+              <a:t>15 January 2019</a:t>
             </a:fld>
             <a:endParaRPr lang="en-US"/>
           </a:p>
@@ -2362,7 +2362,7 @@
           <a:p>
             <a:fld id="{667E452A-934D-40C9-A05F-5F0B47D9B1BE}" type="datetime3">
               <a:rPr lang="en-US" smtClean="0"/>
-              <a:t>3 January 2019</a:t>
+              <a:t>15 January 2019</a:t>
             </a:fld>
             <a:endParaRPr lang="en-US"/>
           </a:p>
@@ -2638,7 +2638,7 @@
           <a:p>
             <a:fld id="{AFCC67AD-16EA-4279-9FD5-03750FA40BC5}" type="datetime3">
               <a:rPr lang="en-US" smtClean="0"/>
-              <a:t>3 January 2019</a:t>
+              <a:t>15 January 2019</a:t>
             </a:fld>
             <a:endParaRPr lang="en-US"/>
           </a:p>
@@ -2894,7 +2894,7 @@
           <a:p>
             <a:fld id="{6F911296-BF79-4BB8-91F8-72E28EDE251C}" type="datetime3">
               <a:rPr lang="en-US" smtClean="0"/>
-              <a:t>3 January 2019</a:t>
+              <a:t>15 January 2019</a:t>
             </a:fld>
             <a:endParaRPr lang="en-US"/>
           </a:p>
@@ -3104,7 +3104,7 @@
           <a:p>
             <a:fld id="{5F85A312-81D8-487B-A306-904DF3A50E08}" type="datetime3">
               <a:rPr lang="en-US" smtClean="0"/>
-              <a:t>3 January 2019</a:t>
+              <a:t>15 January 2019</a:t>
             </a:fld>
             <a:endParaRPr lang="en-US"/>
           </a:p>
@@ -5206,7 +5206,7 @@
           <a:p>
             <a:fld id="{1FF8F6A9-0EE7-47C4-A5CE-E7B5A35160A1}" type="datetime3">
               <a:rPr lang="en-US" smtClean="0"/>
-              <a:t>3 January 2019</a:t>
+              <a:t>15 January 2019</a:t>
             </a:fld>
             <a:endParaRPr lang="en-US"/>
           </a:p>
@@ -7465,7 +7465,7 @@
           <a:p>
             <a:fld id="{DBB841AE-9C10-4D54-9B76-4773DF3EF110}" type="datetime3">
               <a:rPr lang="en-US" smtClean="0"/>
-              <a:t>3 January 2019</a:t>
+              <a:t>15 January 2019</a:t>
             </a:fld>
             <a:endParaRPr lang="en-US"/>
           </a:p>
@@ -8345,7 +8345,7 @@
           <a:p>
             <a:fld id="{DBB841AE-9C10-4D54-9B76-4773DF3EF110}" type="datetime3">
               <a:rPr lang="en-US" smtClean="0"/>
-              <a:t>3 January 2019</a:t>
+              <a:t>15 January 2019</a:t>
             </a:fld>
             <a:endParaRPr lang="en-US"/>
           </a:p>
@@ -8601,7 +8601,7 @@
           <a:p>
             <a:fld id="{CE5545B6-6FDD-460F-A1D5-7DBF4363784A}" type="datetime3">
               <a:rPr lang="en-US" smtClean="0"/>
-              <a:t>3 January 2019</a:t>
+              <a:t>15 January 2019</a:t>
             </a:fld>
             <a:endParaRPr lang="en-US"/>
           </a:p>
@@ -10330,7 +10330,7 @@
           <a:p>
             <a:fld id="{5FA678FB-27B7-4E81-A2AA-045D8EDFF84E}" type="datetime3">
               <a:rPr lang="en-US" smtClean="0"/>
-              <a:t>3 January 2019</a:t>
+              <a:t>15 January 2019</a:t>
             </a:fld>
             <a:endParaRPr lang="en-US"/>
           </a:p>
@@ -12707,7 +12707,7 @@
           <a:p>
             <a:fld id="{04271D31-E683-4EDB-B964-30F0C41406FB}" type="datetime3">
               <a:rPr lang="en-US" smtClean="0"/>
-              <a:t>3 January 2019</a:t>
+              <a:t>15 January 2019</a:t>
             </a:fld>
             <a:endParaRPr lang="en-US"/>
           </a:p>
@@ -13464,7 +13464,7 @@
           <a:p>
             <a:fld id="{5FBFAA49-D9B7-4B4E-80A0-C3C95B92E554}" type="datetime3">
               <a:rPr lang="en-US" smtClean="0"/>
-              <a:t>3 January 2019</a:t>
+              <a:t>15 January 2019</a:t>
             </a:fld>
             <a:endParaRPr lang="en-US"/>
           </a:p>
@@ -13599,7 +13599,7 @@
           <a:p>
             <a:fld id="{DBB841AE-9C10-4D54-9B76-4773DF3EF110}" type="datetime3">
               <a:rPr lang="en-US" smtClean="0"/>
-              <a:t>3 January 2019</a:t>
+              <a:t>15 January 2019</a:t>
             </a:fld>
             <a:endParaRPr lang="en-US"/>
           </a:p>
@@ -13798,7 +13798,7 @@
           <a:p>
             <a:fld id="{DBB841AE-9C10-4D54-9B76-4773DF3EF110}" type="datetime3">
               <a:rPr lang="en-US" smtClean="0"/>
-              <a:t>3 January 2019</a:t>
+              <a:t>15 January 2019</a:t>
             </a:fld>
             <a:endParaRPr lang="en-US"/>
           </a:p>
@@ -14307,7 +14307,7 @@
           <a:p>
             <a:fld id="{DBB841AE-9C10-4D54-9B76-4773DF3EF110}" type="datetime3">
               <a:rPr lang="en-US" smtClean="0"/>
-              <a:t>3 January 2019</a:t>
+              <a:t>15 January 2019</a:t>
             </a:fld>
             <a:endParaRPr lang="en-US"/>
           </a:p>
@@ -14639,7 +14639,7 @@
           <a:p>
             <a:fld id="{DBB841AE-9C10-4D54-9B76-4773DF3EF110}" type="datetime3">
               <a:rPr lang="en-US" smtClean="0"/>
-              <a:t>3 January 2019</a:t>
+              <a:t>15 January 2019</a:t>
             </a:fld>
             <a:endParaRPr lang="en-US"/>
           </a:p>

--- a/Linear_Regression/Linear_Regression.pptx
+++ b/Linear_Regression/Linear_Regression.pptx
@@ -218,7 +218,7 @@
           <a:p>
             <a:fld id="{41D4B5DB-F019-4C1F-87A3-AD0F8FD7FF76}" type="datetimeFigureOut">
               <a:rPr lang="en-US" smtClean="0"/>
-              <a:t>1/15/2019</a:t>
+              <a:t>1/18/2019</a:t>
             </a:fld>
             <a:endParaRPr lang="en-US"/>
           </a:p>
@@ -667,7 +667,7 @@
           <a:p>
             <a:fld id="{3EE37935-7B22-422C-8F09-787DDD7F74CF}" type="datetime3">
               <a:rPr lang="en-US" smtClean="0"/>
-              <a:t>15 January 2019</a:t>
+              <a:t>18 January 2019</a:t>
             </a:fld>
             <a:endParaRPr lang="en-US"/>
           </a:p>
@@ -843,7 +843,7 @@
           <a:p>
             <a:fld id="{78D7FADB-D966-415E-ACB7-85192BB96078}" type="datetime3">
               <a:rPr lang="en-US" smtClean="0"/>
-              <a:t>15 January 2019</a:t>
+              <a:t>18 January 2019</a:t>
             </a:fld>
             <a:endParaRPr lang="en-US"/>
           </a:p>
@@ -1022,7 +1022,7 @@
           <a:p>
             <a:fld id="{FB639BA1-7AA3-478A-9518-D721DADEF169}" type="datetime3">
               <a:rPr lang="en-US" smtClean="0"/>
-              <a:t>15 January 2019</a:t>
+              <a:t>18 January 2019</a:t>
             </a:fld>
             <a:endParaRPr lang="en-US"/>
           </a:p>
@@ -1191,7 +1191,7 @@
           <a:p>
             <a:fld id="{DBB841AE-9C10-4D54-9B76-4773DF3EF110}" type="datetime3">
               <a:rPr lang="en-US" smtClean="0"/>
-              <a:t>15 January 2019</a:t>
+              <a:t>18 January 2019</a:t>
             </a:fld>
             <a:endParaRPr lang="en-US"/>
           </a:p>
@@ -1443,7 +1443,7 @@
           <a:p>
             <a:fld id="{2862D8DA-B86B-4001-BAC0-7F86A3FAAD5E}" type="datetime3">
               <a:rPr lang="en-US" smtClean="0"/>
-              <a:t>15 January 2019</a:t>
+              <a:t>18 January 2019</a:t>
             </a:fld>
             <a:endParaRPr lang="en-US"/>
           </a:p>
@@ -1730,7 +1730,7 @@
           <a:p>
             <a:fld id="{E583F398-2CA7-4683-8097-4CDA4C6D6767}" type="datetime3">
               <a:rPr lang="en-US" smtClean="0"/>
-              <a:t>15 January 2019</a:t>
+              <a:t>18 January 2019</a:t>
             </a:fld>
             <a:endParaRPr lang="en-US"/>
           </a:p>
@@ -2151,7 +2151,7 @@
           <a:p>
             <a:fld id="{A16AA0DA-58A5-47B8-9AA6-65A8922C5F10}" type="datetime3">
               <a:rPr lang="en-US" smtClean="0"/>
-              <a:t>15 January 2019</a:t>
+              <a:t>18 January 2019</a:t>
             </a:fld>
             <a:endParaRPr lang="en-US"/>
           </a:p>
@@ -2268,7 +2268,7 @@
           <a:p>
             <a:fld id="{7B777E57-CB01-4A56-AF3C-582035F19564}" type="datetime3">
               <a:rPr lang="en-US" smtClean="0"/>
-              <a:t>15 January 2019</a:t>
+              <a:t>18 January 2019</a:t>
             </a:fld>
             <a:endParaRPr lang="en-US"/>
           </a:p>
@@ -2362,7 +2362,7 @@
           <a:p>
             <a:fld id="{667E452A-934D-40C9-A05F-5F0B47D9B1BE}" type="datetime3">
               <a:rPr lang="en-US" smtClean="0"/>
-              <a:t>15 January 2019</a:t>
+              <a:t>18 January 2019</a:t>
             </a:fld>
             <a:endParaRPr lang="en-US"/>
           </a:p>
@@ -2638,7 +2638,7 @@
           <a:p>
             <a:fld id="{AFCC67AD-16EA-4279-9FD5-03750FA40BC5}" type="datetime3">
               <a:rPr lang="en-US" smtClean="0"/>
-              <a:t>15 January 2019</a:t>
+              <a:t>18 January 2019</a:t>
             </a:fld>
             <a:endParaRPr lang="en-US"/>
           </a:p>
@@ -2894,7 +2894,7 @@
           <a:p>
             <a:fld id="{6F911296-BF79-4BB8-91F8-72E28EDE251C}" type="datetime3">
               <a:rPr lang="en-US" smtClean="0"/>
-              <a:t>15 January 2019</a:t>
+              <a:t>18 January 2019</a:t>
             </a:fld>
             <a:endParaRPr lang="en-US"/>
           </a:p>
@@ -3104,7 +3104,7 @@
           <a:p>
             <a:fld id="{5F85A312-81D8-487B-A306-904DF3A50E08}" type="datetime3">
               <a:rPr lang="en-US" smtClean="0"/>
-              <a:t>15 January 2019</a:t>
+              <a:t>18 January 2019</a:t>
             </a:fld>
             <a:endParaRPr lang="en-US"/>
           </a:p>
@@ -5161,7 +5161,11 @@
             </a:r>
             <a:r>
               <a:rPr lang="en-US" sz="2000" b="1" dirty="0" smtClean="0"/>
-              <a:t> + C</a:t>
+              <a:t> + </a:t>
+            </a:r>
+            <a:r>
+              <a:rPr lang="en-US" sz="2000" b="1" dirty="0" smtClean="0"/>
+              <a:t>C </a:t>
             </a:r>
             <a:endParaRPr lang="en-US" b="1" dirty="0" smtClean="0"/>
           </a:p>
@@ -5206,7 +5210,7 @@
           <a:p>
             <a:fld id="{1FF8F6A9-0EE7-47C4-A5CE-E7B5A35160A1}" type="datetime3">
               <a:rPr lang="en-US" smtClean="0"/>
-              <a:t>15 January 2019</a:t>
+              <a:t>18 January 2019</a:t>
             </a:fld>
             <a:endParaRPr lang="en-US"/>
           </a:p>
@@ -7465,7 +7469,7 @@
           <a:p>
             <a:fld id="{DBB841AE-9C10-4D54-9B76-4773DF3EF110}" type="datetime3">
               <a:rPr lang="en-US" smtClean="0"/>
-              <a:t>15 January 2019</a:t>
+              <a:t>18 January 2019</a:t>
             </a:fld>
             <a:endParaRPr lang="en-US"/>
           </a:p>
@@ -8345,7 +8349,7 @@
           <a:p>
             <a:fld id="{DBB841AE-9C10-4D54-9B76-4773DF3EF110}" type="datetime3">
               <a:rPr lang="en-US" smtClean="0"/>
-              <a:t>15 January 2019</a:t>
+              <a:t>18 January 2019</a:t>
             </a:fld>
             <a:endParaRPr lang="en-US"/>
           </a:p>
@@ -8601,7 +8605,7 @@
           <a:p>
             <a:fld id="{CE5545B6-6FDD-460F-A1D5-7DBF4363784A}" type="datetime3">
               <a:rPr lang="en-US" smtClean="0"/>
-              <a:t>15 January 2019</a:t>
+              <a:t>18 January 2019</a:t>
             </a:fld>
             <a:endParaRPr lang="en-US"/>
           </a:p>
@@ -8700,22 +8704,39 @@
             <p:ph type="title"/>
           </p:nvPr>
         </p:nvSpPr>
-        <p:spPr/>
+        <p:spPr>
+          <a:xfrm>
+            <a:off x="152400" y="152400"/>
+            <a:ext cx="8991600" cy="838200"/>
+          </a:xfrm>
+        </p:spPr>
         <p:txBody>
-          <a:bodyPr/>
+          <a:bodyPr>
+            <a:normAutofit/>
+          </a:bodyPr>
           <a:lstStyle/>
           <a:p>
             <a:r>
-              <a:rPr lang="en-US" dirty="0">
+              <a:rPr lang="en-US" sz="3600" dirty="0">
                 <a:solidFill>
                   <a:schemeClr val="accent1">
                     <a:lumMod val="75000"/>
                   </a:schemeClr>
                 </a:solidFill>
               </a:rPr>
-              <a:t>Linear Regression</a:t>
-            </a:r>
-            <a:endParaRPr lang="en-US" dirty="0"/>
+              <a:t>Linear </a:t>
+            </a:r>
+            <a:r>
+              <a:rPr lang="en-US" sz="3600" dirty="0" smtClean="0">
+                <a:solidFill>
+                  <a:schemeClr val="accent1">
+                    <a:lumMod val="75000"/>
+                  </a:schemeClr>
+                </a:solidFill>
+              </a:rPr>
+              <a:t>Regression – Graphical View Of data</a:t>
+            </a:r>
+            <a:endParaRPr lang="en-US" sz="3600" dirty="0"/>
           </a:p>
         </p:txBody>
       </p:sp>
@@ -10330,7 +10351,7 @@
           <a:p>
             <a:fld id="{5FA678FB-27B7-4E81-A2AA-045D8EDFF84E}" type="datetime3">
               <a:rPr lang="en-US" smtClean="0"/>
-              <a:t>15 January 2019</a:t>
+              <a:t>18 January 2019</a:t>
             </a:fld>
             <a:endParaRPr lang="en-US"/>
           </a:p>
@@ -12112,22 +12133,39 @@
             <p:ph type="title"/>
           </p:nvPr>
         </p:nvSpPr>
-        <p:spPr/>
+        <p:spPr>
+          <a:xfrm>
+            <a:off x="152400" y="152400"/>
+            <a:ext cx="8610600" cy="838200"/>
+          </a:xfrm>
+        </p:spPr>
         <p:txBody>
-          <a:bodyPr/>
+          <a:bodyPr>
+            <a:normAutofit/>
+          </a:bodyPr>
           <a:lstStyle/>
           <a:p>
             <a:r>
-              <a:rPr lang="en-US" dirty="0">
+              <a:rPr lang="en-US" sz="3600" dirty="0">
                 <a:solidFill>
                   <a:schemeClr val="accent1">
                     <a:lumMod val="75000"/>
                   </a:schemeClr>
                 </a:solidFill>
               </a:rPr>
-              <a:t>Linear Regression</a:t>
-            </a:r>
-            <a:endParaRPr lang="en-US" dirty="0"/>
+              <a:t>Linear </a:t>
+            </a:r>
+            <a:r>
+              <a:rPr lang="en-US" sz="3600" dirty="0" smtClean="0">
+                <a:solidFill>
+                  <a:schemeClr val="accent1">
+                    <a:lumMod val="75000"/>
+                  </a:schemeClr>
+                </a:solidFill>
+              </a:rPr>
+              <a:t>Regression – importing the data set</a:t>
+            </a:r>
+            <a:endParaRPr lang="en-US" sz="3600" dirty="0"/>
           </a:p>
         </p:txBody>
       </p:sp>
@@ -12707,7 +12745,7 @@
           <a:p>
             <a:fld id="{04271D31-E683-4EDB-B964-30F0C41406FB}" type="datetime3">
               <a:rPr lang="en-US" smtClean="0"/>
-              <a:t>15 January 2019</a:t>
+              <a:t>18 January 2019</a:t>
             </a:fld>
             <a:endParaRPr lang="en-US"/>
           </a:p>
@@ -13464,7 +13502,7 @@
           <a:p>
             <a:fld id="{5FBFAA49-D9B7-4B4E-80A0-C3C95B92E554}" type="datetime3">
               <a:rPr lang="en-US" smtClean="0"/>
-              <a:t>15 January 2019</a:t>
+              <a:t>18 January 2019</a:t>
             </a:fld>
             <a:endParaRPr lang="en-US"/>
           </a:p>
@@ -13599,7 +13637,7 @@
           <a:p>
             <a:fld id="{DBB841AE-9C10-4D54-9B76-4773DF3EF110}" type="datetime3">
               <a:rPr lang="en-US" smtClean="0"/>
-              <a:t>15 January 2019</a:t>
+              <a:t>18 January 2019</a:t>
             </a:fld>
             <a:endParaRPr lang="en-US"/>
           </a:p>
@@ -13798,7 +13836,7 @@
           <a:p>
             <a:fld id="{DBB841AE-9C10-4D54-9B76-4773DF3EF110}" type="datetime3">
               <a:rPr lang="en-US" smtClean="0"/>
-              <a:t>15 January 2019</a:t>
+              <a:t>18 January 2019</a:t>
             </a:fld>
             <a:endParaRPr lang="en-US"/>
           </a:p>
@@ -14307,7 +14345,7 @@
           <a:p>
             <a:fld id="{DBB841AE-9C10-4D54-9B76-4773DF3EF110}" type="datetime3">
               <a:rPr lang="en-US" smtClean="0"/>
-              <a:t>15 January 2019</a:t>
+              <a:t>18 January 2019</a:t>
             </a:fld>
             <a:endParaRPr lang="en-US"/>
           </a:p>
@@ -14639,7 +14677,7 @@
           <a:p>
             <a:fld id="{DBB841AE-9C10-4D54-9B76-4773DF3EF110}" type="datetime3">
               <a:rPr lang="en-US" smtClean="0"/>
-              <a:t>15 January 2019</a:t>
+              <a:t>18 January 2019</a:t>
             </a:fld>
             <a:endParaRPr lang="en-US"/>
           </a:p>
